--- a/Day_4/Day_4.pptx
+++ b/Day_4/Day_4.pptx
@@ -31,6 +31,9 @@
     <p:sldId id="276" r:id="rId25"/>
     <p:sldId id="277" r:id="rId26"/>
     <p:sldId id="278" r:id="rId27"/>
+    <p:sldId id="282" r:id="rId28"/>
+    <p:sldId id="283" r:id="rId29"/>
+    <p:sldId id="284" r:id="rId30"/>
   </p:sldIdLst>
   <p:sldSz cx="12192000" cy="6858000"/>
   <p:notesSz cx="6858000" cy="9144000"/>
@@ -15826,7 +15829,7 @@
             <a:pPr lvl="1"/>
             <a:r>
               <a:rPr lang="en-US" dirty="0"/>
-              <a:t>This is done on the command line</a:t>
+              <a:t>This is done on the command line via the shell</a:t>
             </a:r>
           </a:p>
           <a:p>
@@ -22283,6 +22286,348 @@
   <p:clrMapOvr>
     <a:masterClrMapping/>
   </p:clrMapOvr>
+  <p:timing>
+    <p:tnLst>
+      <p:par>
+        <p:cTn id="1" dur="indefinite" restart="never" nodeType="tmRoot">
+          <p:childTnLst>
+            <p:seq concurrent="1" nextAc="seek">
+              <p:cTn id="2" dur="indefinite" nodeType="mainSeq">
+                <p:childTnLst>
+                  <p:par>
+                    <p:cTn id="3" fill="hold">
+                      <p:stCondLst>
+                        <p:cond delay="indefinite"/>
+                      </p:stCondLst>
+                      <p:childTnLst>
+                        <p:par>
+                          <p:cTn id="4" fill="hold">
+                            <p:stCondLst>
+                              <p:cond delay="0"/>
+                            </p:stCondLst>
+                            <p:childTnLst>
+                              <p:par>
+                                <p:cTn id="5" presetID="2" presetClass="entr" presetSubtype="4" fill="hold" grpId="0" nodeType="clickEffect">
+                                  <p:stCondLst>
+                                    <p:cond delay="0"/>
+                                  </p:stCondLst>
+                                  <p:childTnLst>
+                                    <p:set>
+                                      <p:cBhvr>
+                                        <p:cTn id="6" dur="1" fill="hold">
+                                          <p:stCondLst>
+                                            <p:cond delay="0"/>
+                                          </p:stCondLst>
+                                        </p:cTn>
+                                        <p:tgtEl>
+                                          <p:spTgt spid="3">
+                                            <p:txEl>
+                                              <p:pRg st="0" end="0"/>
+                                            </p:txEl>
+                                          </p:spTgt>
+                                        </p:tgtEl>
+                                        <p:attrNameLst>
+                                          <p:attrName>style.visibility</p:attrName>
+                                        </p:attrNameLst>
+                                      </p:cBhvr>
+                                      <p:to>
+                                        <p:strVal val="visible"/>
+                                      </p:to>
+                                    </p:set>
+                                    <p:anim calcmode="lin" valueType="num">
+                                      <p:cBhvr additive="base">
+                                        <p:cTn id="7" dur="500" fill="hold"/>
+                                        <p:tgtEl>
+                                          <p:spTgt spid="3">
+                                            <p:txEl>
+                                              <p:pRg st="0" end="0"/>
+                                            </p:txEl>
+                                          </p:spTgt>
+                                        </p:tgtEl>
+                                        <p:attrNameLst>
+                                          <p:attrName>ppt_x</p:attrName>
+                                        </p:attrNameLst>
+                                      </p:cBhvr>
+                                      <p:tavLst>
+                                        <p:tav tm="0">
+                                          <p:val>
+                                            <p:strVal val="#ppt_x"/>
+                                          </p:val>
+                                        </p:tav>
+                                        <p:tav tm="100000">
+                                          <p:val>
+                                            <p:strVal val="#ppt_x"/>
+                                          </p:val>
+                                        </p:tav>
+                                      </p:tavLst>
+                                    </p:anim>
+                                    <p:anim calcmode="lin" valueType="num">
+                                      <p:cBhvr additive="base">
+                                        <p:cTn id="8" dur="500" fill="hold"/>
+                                        <p:tgtEl>
+                                          <p:spTgt spid="3">
+                                            <p:txEl>
+                                              <p:pRg st="0" end="0"/>
+                                            </p:txEl>
+                                          </p:spTgt>
+                                        </p:tgtEl>
+                                        <p:attrNameLst>
+                                          <p:attrName>ppt_y</p:attrName>
+                                        </p:attrNameLst>
+                                      </p:cBhvr>
+                                      <p:tavLst>
+                                        <p:tav tm="0">
+                                          <p:val>
+                                            <p:strVal val="1+#ppt_h/2"/>
+                                          </p:val>
+                                        </p:tav>
+                                        <p:tav tm="100000">
+                                          <p:val>
+                                            <p:strVal val="#ppt_y"/>
+                                          </p:val>
+                                        </p:tav>
+                                      </p:tavLst>
+                                    </p:anim>
+                                  </p:childTnLst>
+                                </p:cTn>
+                              </p:par>
+                            </p:childTnLst>
+                          </p:cTn>
+                        </p:par>
+                      </p:childTnLst>
+                    </p:cTn>
+                  </p:par>
+                  <p:par>
+                    <p:cTn id="9" fill="hold">
+                      <p:stCondLst>
+                        <p:cond delay="indefinite"/>
+                      </p:stCondLst>
+                      <p:childTnLst>
+                        <p:par>
+                          <p:cTn id="10" fill="hold">
+                            <p:stCondLst>
+                              <p:cond delay="0"/>
+                            </p:stCondLst>
+                            <p:childTnLst>
+                              <p:par>
+                                <p:cTn id="11" presetID="2" presetClass="entr" presetSubtype="4" fill="hold" grpId="0" nodeType="clickEffect">
+                                  <p:stCondLst>
+                                    <p:cond delay="0"/>
+                                  </p:stCondLst>
+                                  <p:childTnLst>
+                                    <p:set>
+                                      <p:cBhvr>
+                                        <p:cTn id="12" dur="1" fill="hold">
+                                          <p:stCondLst>
+                                            <p:cond delay="0"/>
+                                          </p:stCondLst>
+                                        </p:cTn>
+                                        <p:tgtEl>
+                                          <p:spTgt spid="3">
+                                            <p:txEl>
+                                              <p:pRg st="2" end="2"/>
+                                            </p:txEl>
+                                          </p:spTgt>
+                                        </p:tgtEl>
+                                        <p:attrNameLst>
+                                          <p:attrName>style.visibility</p:attrName>
+                                        </p:attrNameLst>
+                                      </p:cBhvr>
+                                      <p:to>
+                                        <p:strVal val="visible"/>
+                                      </p:to>
+                                    </p:set>
+                                    <p:anim calcmode="lin" valueType="num">
+                                      <p:cBhvr additive="base">
+                                        <p:cTn id="13" dur="500" fill="hold"/>
+                                        <p:tgtEl>
+                                          <p:spTgt spid="3">
+                                            <p:txEl>
+                                              <p:pRg st="2" end="2"/>
+                                            </p:txEl>
+                                          </p:spTgt>
+                                        </p:tgtEl>
+                                        <p:attrNameLst>
+                                          <p:attrName>ppt_x</p:attrName>
+                                        </p:attrNameLst>
+                                      </p:cBhvr>
+                                      <p:tavLst>
+                                        <p:tav tm="0">
+                                          <p:val>
+                                            <p:strVal val="#ppt_x"/>
+                                          </p:val>
+                                        </p:tav>
+                                        <p:tav tm="100000">
+                                          <p:val>
+                                            <p:strVal val="#ppt_x"/>
+                                          </p:val>
+                                        </p:tav>
+                                      </p:tavLst>
+                                    </p:anim>
+                                    <p:anim calcmode="lin" valueType="num">
+                                      <p:cBhvr additive="base">
+                                        <p:cTn id="14" dur="500" fill="hold"/>
+                                        <p:tgtEl>
+                                          <p:spTgt spid="3">
+                                            <p:txEl>
+                                              <p:pRg st="2" end="2"/>
+                                            </p:txEl>
+                                          </p:spTgt>
+                                        </p:tgtEl>
+                                        <p:attrNameLst>
+                                          <p:attrName>ppt_y</p:attrName>
+                                        </p:attrNameLst>
+                                      </p:cBhvr>
+                                      <p:tavLst>
+                                        <p:tav tm="0">
+                                          <p:val>
+                                            <p:strVal val="1+#ppt_h/2"/>
+                                          </p:val>
+                                        </p:tav>
+                                        <p:tav tm="100000">
+                                          <p:val>
+                                            <p:strVal val="#ppt_y"/>
+                                          </p:val>
+                                        </p:tav>
+                                      </p:tavLst>
+                                    </p:anim>
+                                  </p:childTnLst>
+                                </p:cTn>
+                              </p:par>
+                            </p:childTnLst>
+                          </p:cTn>
+                        </p:par>
+                      </p:childTnLst>
+                    </p:cTn>
+                  </p:par>
+                  <p:par>
+                    <p:cTn id="15" fill="hold">
+                      <p:stCondLst>
+                        <p:cond delay="indefinite"/>
+                      </p:stCondLst>
+                      <p:childTnLst>
+                        <p:par>
+                          <p:cTn id="16" fill="hold">
+                            <p:stCondLst>
+                              <p:cond delay="0"/>
+                            </p:stCondLst>
+                            <p:childTnLst>
+                              <p:par>
+                                <p:cTn id="17" presetID="2" presetClass="entr" presetSubtype="4" fill="hold" grpId="0" nodeType="clickEffect">
+                                  <p:stCondLst>
+                                    <p:cond delay="0"/>
+                                  </p:stCondLst>
+                                  <p:childTnLst>
+                                    <p:set>
+                                      <p:cBhvr>
+                                        <p:cTn id="18" dur="1" fill="hold">
+                                          <p:stCondLst>
+                                            <p:cond delay="0"/>
+                                          </p:stCondLst>
+                                        </p:cTn>
+                                        <p:tgtEl>
+                                          <p:spTgt spid="3">
+                                            <p:txEl>
+                                              <p:pRg st="4" end="4"/>
+                                            </p:txEl>
+                                          </p:spTgt>
+                                        </p:tgtEl>
+                                        <p:attrNameLst>
+                                          <p:attrName>style.visibility</p:attrName>
+                                        </p:attrNameLst>
+                                      </p:cBhvr>
+                                      <p:to>
+                                        <p:strVal val="visible"/>
+                                      </p:to>
+                                    </p:set>
+                                    <p:anim calcmode="lin" valueType="num">
+                                      <p:cBhvr additive="base">
+                                        <p:cTn id="19" dur="500" fill="hold"/>
+                                        <p:tgtEl>
+                                          <p:spTgt spid="3">
+                                            <p:txEl>
+                                              <p:pRg st="4" end="4"/>
+                                            </p:txEl>
+                                          </p:spTgt>
+                                        </p:tgtEl>
+                                        <p:attrNameLst>
+                                          <p:attrName>ppt_x</p:attrName>
+                                        </p:attrNameLst>
+                                      </p:cBhvr>
+                                      <p:tavLst>
+                                        <p:tav tm="0">
+                                          <p:val>
+                                            <p:strVal val="#ppt_x"/>
+                                          </p:val>
+                                        </p:tav>
+                                        <p:tav tm="100000">
+                                          <p:val>
+                                            <p:strVal val="#ppt_x"/>
+                                          </p:val>
+                                        </p:tav>
+                                      </p:tavLst>
+                                    </p:anim>
+                                    <p:anim calcmode="lin" valueType="num">
+                                      <p:cBhvr additive="base">
+                                        <p:cTn id="20" dur="500" fill="hold"/>
+                                        <p:tgtEl>
+                                          <p:spTgt spid="3">
+                                            <p:txEl>
+                                              <p:pRg st="4" end="4"/>
+                                            </p:txEl>
+                                          </p:spTgt>
+                                        </p:tgtEl>
+                                        <p:attrNameLst>
+                                          <p:attrName>ppt_y</p:attrName>
+                                        </p:attrNameLst>
+                                      </p:cBhvr>
+                                      <p:tavLst>
+                                        <p:tav tm="0">
+                                          <p:val>
+                                            <p:strVal val="1+#ppt_h/2"/>
+                                          </p:val>
+                                        </p:tav>
+                                        <p:tav tm="100000">
+                                          <p:val>
+                                            <p:strVal val="#ppt_y"/>
+                                          </p:val>
+                                        </p:tav>
+                                      </p:tavLst>
+                                    </p:anim>
+                                  </p:childTnLst>
+                                </p:cTn>
+                              </p:par>
+                            </p:childTnLst>
+                          </p:cTn>
+                        </p:par>
+                      </p:childTnLst>
+                    </p:cTn>
+                  </p:par>
+                </p:childTnLst>
+              </p:cTn>
+              <p:prevCondLst>
+                <p:cond evt="onPrev" delay="0">
+                  <p:tgtEl>
+                    <p:sldTgt/>
+                  </p:tgtEl>
+                </p:cond>
+              </p:prevCondLst>
+              <p:nextCondLst>
+                <p:cond evt="onNext" delay="0">
+                  <p:tgtEl>
+                    <p:sldTgt/>
+                  </p:tgtEl>
+                </p:cond>
+              </p:nextCondLst>
+            </p:seq>
+          </p:childTnLst>
+        </p:cTn>
+      </p:par>
+    </p:tnLst>
+    <p:bldLst>
+      <p:bldP spid="3" grpId="0" build="p"/>
+    </p:bldLst>
+  </p:timing>
 </p:sld>
 </file>
 
@@ -24012,7 +24357,12 @@
             <p:ph idx="1"/>
           </p:nvPr>
         </p:nvSpPr>
-        <p:spPr/>
+        <p:spPr>
+          <a:xfrm>
+            <a:off x="1141412" y="2249487"/>
+            <a:ext cx="9905999" cy="2840673"/>
+          </a:xfrm>
+        </p:spPr>
         <p:txBody>
           <a:bodyPr/>
           <a:lstStyle/>
@@ -24052,12 +24402,132 @@
               <a:t>What do you think the function definition for </a:t>
             </a:r>
             <a:r>
-              <a:rPr lang="en-US" dirty="0" err="1"/>
+              <a:rPr lang="en-US" dirty="0" err="1">
+                <a:solidFill>
+                  <a:schemeClr val="accent6"/>
+                </a:solidFill>
+                <a:latin typeface="Consolas" panose="020B0609020204030204" pitchFamily="49" charset="0"/>
+                <a:cs typeface="Consolas" panose="020B0609020204030204" pitchFamily="49" charset="0"/>
+              </a:rPr>
               <a:t>isalpha</a:t>
             </a:r>
             <a:r>
+              <a:rPr lang="en-US" dirty="0">
+                <a:latin typeface="Consolas" panose="020B0609020204030204" pitchFamily="49" charset="0"/>
+                <a:cs typeface="Consolas" panose="020B0609020204030204" pitchFamily="49" charset="0"/>
+              </a:rPr>
+              <a:t>()</a:t>
+            </a:r>
+            <a:r>
               <a:rPr lang="en-US" dirty="0"/>
-              <a:t>() looks like?</a:t>
+              <a:t> looks like?</a:t>
+            </a:r>
+          </a:p>
+          <a:p>
+            <a:pPr lvl="1"/>
+            <a:r>
+              <a:rPr lang="en-US" dirty="0"/>
+              <a:t>I don’t expect that you actually know this detail</a:t>
+            </a:r>
+          </a:p>
+        </p:txBody>
+      </p:sp>
+      <p:pic>
+        <p:nvPicPr>
+          <p:cNvPr id="5" name="Picture 4">
+            <a:extLst>
+              <a:ext uri="{FF2B5EF4-FFF2-40B4-BE49-F238E27FC236}">
+                <a16:creationId xmlns:a16="http://schemas.microsoft.com/office/drawing/2014/main" id="{91AE461F-ACB4-224C-9416-FABF03D81E21}"/>
+              </a:ext>
+            </a:extLst>
+          </p:cNvPr>
+          <p:cNvPicPr>
+            <a:picLocks noChangeAspect="1"/>
+          </p:cNvPicPr>
+          <p:nvPr/>
+        </p:nvPicPr>
+        <p:blipFill>
+          <a:blip r:embed="rId2"/>
+          <a:stretch>
+            <a:fillRect/>
+          </a:stretch>
+        </p:blipFill>
+        <p:spPr>
+          <a:xfrm>
+            <a:off x="1330960" y="5234096"/>
+            <a:ext cx="4566920" cy="1419007"/>
+          </a:xfrm>
+          <a:prstGeom prst="rect">
+            <a:avLst/>
+          </a:prstGeom>
+        </p:spPr>
+      </p:pic>
+      <p:sp>
+        <p:nvSpPr>
+          <p:cNvPr id="6" name="TextBox 5">
+            <a:extLst>
+              <a:ext uri="{FF2B5EF4-FFF2-40B4-BE49-F238E27FC236}">
+                <a16:creationId xmlns:a16="http://schemas.microsoft.com/office/drawing/2014/main" id="{B9B4D33E-2B88-D54C-A8FA-C6C2CE9AD514}"/>
+              </a:ext>
+            </a:extLst>
+          </p:cNvPr>
+          <p:cNvSpPr txBox="1"/>
+          <p:nvPr/>
+        </p:nvSpPr>
+        <p:spPr>
+          <a:xfrm>
+            <a:off x="5897880" y="5242559"/>
+            <a:ext cx="5434501" cy="369332"/>
+          </a:xfrm>
+          <a:prstGeom prst="rect">
+            <a:avLst/>
+          </a:prstGeom>
+          <a:noFill/>
+        </p:spPr>
+        <p:txBody>
+          <a:bodyPr wrap="none" rtlCol="0">
+            <a:spAutoFit/>
+          </a:bodyPr>
+          <a:lstStyle/>
+          <a:p>
+            <a:r>
+              <a:rPr lang="en-US" dirty="0"/>
+              <a:t>Fear not, this is just a fun little extra piece of information </a:t>
+            </a:r>
+          </a:p>
+        </p:txBody>
+      </p:sp>
+      <p:sp>
+        <p:nvSpPr>
+          <p:cNvPr id="7" name="TextBox 6">
+            <a:extLst>
+              <a:ext uri="{FF2B5EF4-FFF2-40B4-BE49-F238E27FC236}">
+                <a16:creationId xmlns:a16="http://schemas.microsoft.com/office/drawing/2014/main" id="{8A3F5BE4-31A6-7344-BC6F-AF45E78E925E}"/>
+              </a:ext>
+            </a:extLst>
+          </p:cNvPr>
+          <p:cNvSpPr txBox="1"/>
+          <p:nvPr/>
+        </p:nvSpPr>
+        <p:spPr>
+          <a:xfrm>
+            <a:off x="5897880" y="5755827"/>
+            <a:ext cx="5864503" cy="646331"/>
+          </a:xfrm>
+          <a:prstGeom prst="rect">
+            <a:avLst/>
+          </a:prstGeom>
+          <a:noFill/>
+        </p:spPr>
+        <p:txBody>
+          <a:bodyPr wrap="square" rtlCol="0">
+            <a:spAutoFit/>
+          </a:bodyPr>
+          <a:lstStyle/>
+          <a:p>
+            <a:r>
+              <a:rPr lang="en-US" dirty="0"/>
+              <a:t>If you value your sanity and don’t want to go crazy then please DON’T MEMORIZE STANDARD LIBRARY FUNCTIONS</a:t>
             </a:r>
           </a:p>
         </p:txBody>
@@ -24072,6 +24542,3307 @@
   <p:clrMapOvr>
     <a:masterClrMapping/>
   </p:clrMapOvr>
+  <p:timing>
+    <p:tnLst>
+      <p:par>
+        <p:cTn id="1" dur="indefinite" restart="never" nodeType="tmRoot">
+          <p:childTnLst>
+            <p:seq concurrent="1" nextAc="seek">
+              <p:cTn id="2" dur="indefinite" nodeType="mainSeq">
+                <p:childTnLst>
+                  <p:par>
+                    <p:cTn id="3" fill="hold">
+                      <p:stCondLst>
+                        <p:cond delay="indefinite"/>
+                      </p:stCondLst>
+                      <p:childTnLst>
+                        <p:par>
+                          <p:cTn id="4" fill="hold">
+                            <p:stCondLst>
+                              <p:cond delay="0"/>
+                            </p:stCondLst>
+                            <p:childTnLst>
+                              <p:par>
+                                <p:cTn id="5" presetID="2" presetClass="entr" presetSubtype="4" fill="hold" grpId="0" nodeType="clickEffect">
+                                  <p:stCondLst>
+                                    <p:cond delay="0"/>
+                                  </p:stCondLst>
+                                  <p:childTnLst>
+                                    <p:set>
+                                      <p:cBhvr>
+                                        <p:cTn id="6" dur="1" fill="hold">
+                                          <p:stCondLst>
+                                            <p:cond delay="0"/>
+                                          </p:stCondLst>
+                                        </p:cTn>
+                                        <p:tgtEl>
+                                          <p:spTgt spid="3">
+                                            <p:txEl>
+                                              <p:pRg st="0" end="0"/>
+                                            </p:txEl>
+                                          </p:spTgt>
+                                        </p:tgtEl>
+                                        <p:attrNameLst>
+                                          <p:attrName>style.visibility</p:attrName>
+                                        </p:attrNameLst>
+                                      </p:cBhvr>
+                                      <p:to>
+                                        <p:strVal val="visible"/>
+                                      </p:to>
+                                    </p:set>
+                                    <p:anim calcmode="lin" valueType="num">
+                                      <p:cBhvr additive="base">
+                                        <p:cTn id="7" dur="500" fill="hold"/>
+                                        <p:tgtEl>
+                                          <p:spTgt spid="3">
+                                            <p:txEl>
+                                              <p:pRg st="0" end="0"/>
+                                            </p:txEl>
+                                          </p:spTgt>
+                                        </p:tgtEl>
+                                        <p:attrNameLst>
+                                          <p:attrName>ppt_x</p:attrName>
+                                        </p:attrNameLst>
+                                      </p:cBhvr>
+                                      <p:tavLst>
+                                        <p:tav tm="0">
+                                          <p:val>
+                                            <p:strVal val="#ppt_x"/>
+                                          </p:val>
+                                        </p:tav>
+                                        <p:tav tm="100000">
+                                          <p:val>
+                                            <p:strVal val="#ppt_x"/>
+                                          </p:val>
+                                        </p:tav>
+                                      </p:tavLst>
+                                    </p:anim>
+                                    <p:anim calcmode="lin" valueType="num">
+                                      <p:cBhvr additive="base">
+                                        <p:cTn id="8" dur="500" fill="hold"/>
+                                        <p:tgtEl>
+                                          <p:spTgt spid="3">
+                                            <p:txEl>
+                                              <p:pRg st="0" end="0"/>
+                                            </p:txEl>
+                                          </p:spTgt>
+                                        </p:tgtEl>
+                                        <p:attrNameLst>
+                                          <p:attrName>ppt_y</p:attrName>
+                                        </p:attrNameLst>
+                                      </p:cBhvr>
+                                      <p:tavLst>
+                                        <p:tav tm="0">
+                                          <p:val>
+                                            <p:strVal val="1+#ppt_h/2"/>
+                                          </p:val>
+                                        </p:tav>
+                                        <p:tav tm="100000">
+                                          <p:val>
+                                            <p:strVal val="#ppt_y"/>
+                                          </p:val>
+                                        </p:tav>
+                                      </p:tavLst>
+                                    </p:anim>
+                                  </p:childTnLst>
+                                </p:cTn>
+                              </p:par>
+                            </p:childTnLst>
+                          </p:cTn>
+                        </p:par>
+                      </p:childTnLst>
+                    </p:cTn>
+                  </p:par>
+                  <p:par>
+                    <p:cTn id="9" fill="hold">
+                      <p:stCondLst>
+                        <p:cond delay="indefinite"/>
+                      </p:stCondLst>
+                      <p:childTnLst>
+                        <p:par>
+                          <p:cTn id="10" fill="hold">
+                            <p:stCondLst>
+                              <p:cond delay="0"/>
+                            </p:stCondLst>
+                            <p:childTnLst>
+                              <p:par>
+                                <p:cTn id="11" presetID="2" presetClass="entr" presetSubtype="4" fill="hold" grpId="0" nodeType="clickEffect">
+                                  <p:stCondLst>
+                                    <p:cond delay="0"/>
+                                  </p:stCondLst>
+                                  <p:childTnLst>
+                                    <p:set>
+                                      <p:cBhvr>
+                                        <p:cTn id="12" dur="1" fill="hold">
+                                          <p:stCondLst>
+                                            <p:cond delay="0"/>
+                                          </p:stCondLst>
+                                        </p:cTn>
+                                        <p:tgtEl>
+                                          <p:spTgt spid="3">
+                                            <p:txEl>
+                                              <p:pRg st="2" end="2"/>
+                                            </p:txEl>
+                                          </p:spTgt>
+                                        </p:tgtEl>
+                                        <p:attrNameLst>
+                                          <p:attrName>style.visibility</p:attrName>
+                                        </p:attrNameLst>
+                                      </p:cBhvr>
+                                      <p:to>
+                                        <p:strVal val="visible"/>
+                                      </p:to>
+                                    </p:set>
+                                    <p:anim calcmode="lin" valueType="num">
+                                      <p:cBhvr additive="base">
+                                        <p:cTn id="13" dur="500" fill="hold"/>
+                                        <p:tgtEl>
+                                          <p:spTgt spid="3">
+                                            <p:txEl>
+                                              <p:pRg st="2" end="2"/>
+                                            </p:txEl>
+                                          </p:spTgt>
+                                        </p:tgtEl>
+                                        <p:attrNameLst>
+                                          <p:attrName>ppt_x</p:attrName>
+                                        </p:attrNameLst>
+                                      </p:cBhvr>
+                                      <p:tavLst>
+                                        <p:tav tm="0">
+                                          <p:val>
+                                            <p:strVal val="#ppt_x"/>
+                                          </p:val>
+                                        </p:tav>
+                                        <p:tav tm="100000">
+                                          <p:val>
+                                            <p:strVal val="#ppt_x"/>
+                                          </p:val>
+                                        </p:tav>
+                                      </p:tavLst>
+                                    </p:anim>
+                                    <p:anim calcmode="lin" valueType="num">
+                                      <p:cBhvr additive="base">
+                                        <p:cTn id="14" dur="500" fill="hold"/>
+                                        <p:tgtEl>
+                                          <p:spTgt spid="3">
+                                            <p:txEl>
+                                              <p:pRg st="2" end="2"/>
+                                            </p:txEl>
+                                          </p:spTgt>
+                                        </p:tgtEl>
+                                        <p:attrNameLst>
+                                          <p:attrName>ppt_y</p:attrName>
+                                        </p:attrNameLst>
+                                      </p:cBhvr>
+                                      <p:tavLst>
+                                        <p:tav tm="0">
+                                          <p:val>
+                                            <p:strVal val="1+#ppt_h/2"/>
+                                          </p:val>
+                                        </p:tav>
+                                        <p:tav tm="100000">
+                                          <p:val>
+                                            <p:strVal val="#ppt_y"/>
+                                          </p:val>
+                                        </p:tav>
+                                      </p:tavLst>
+                                    </p:anim>
+                                  </p:childTnLst>
+                                </p:cTn>
+                              </p:par>
+                              <p:par>
+                                <p:cTn id="15" presetID="2" presetClass="entr" presetSubtype="4" fill="hold" grpId="0" nodeType="withEffect">
+                                  <p:stCondLst>
+                                    <p:cond delay="0"/>
+                                  </p:stCondLst>
+                                  <p:childTnLst>
+                                    <p:set>
+                                      <p:cBhvr>
+                                        <p:cTn id="16" dur="1" fill="hold">
+                                          <p:stCondLst>
+                                            <p:cond delay="0"/>
+                                          </p:stCondLst>
+                                        </p:cTn>
+                                        <p:tgtEl>
+                                          <p:spTgt spid="3">
+                                            <p:txEl>
+                                              <p:pRg st="3" end="3"/>
+                                            </p:txEl>
+                                          </p:spTgt>
+                                        </p:tgtEl>
+                                        <p:attrNameLst>
+                                          <p:attrName>style.visibility</p:attrName>
+                                        </p:attrNameLst>
+                                      </p:cBhvr>
+                                      <p:to>
+                                        <p:strVal val="visible"/>
+                                      </p:to>
+                                    </p:set>
+                                    <p:anim calcmode="lin" valueType="num">
+                                      <p:cBhvr additive="base">
+                                        <p:cTn id="17" dur="500" fill="hold"/>
+                                        <p:tgtEl>
+                                          <p:spTgt spid="3">
+                                            <p:txEl>
+                                              <p:pRg st="3" end="3"/>
+                                            </p:txEl>
+                                          </p:spTgt>
+                                        </p:tgtEl>
+                                        <p:attrNameLst>
+                                          <p:attrName>ppt_x</p:attrName>
+                                        </p:attrNameLst>
+                                      </p:cBhvr>
+                                      <p:tavLst>
+                                        <p:tav tm="0">
+                                          <p:val>
+                                            <p:strVal val="#ppt_x"/>
+                                          </p:val>
+                                        </p:tav>
+                                        <p:tav tm="100000">
+                                          <p:val>
+                                            <p:strVal val="#ppt_x"/>
+                                          </p:val>
+                                        </p:tav>
+                                      </p:tavLst>
+                                    </p:anim>
+                                    <p:anim calcmode="lin" valueType="num">
+                                      <p:cBhvr additive="base">
+                                        <p:cTn id="18" dur="500" fill="hold"/>
+                                        <p:tgtEl>
+                                          <p:spTgt spid="3">
+                                            <p:txEl>
+                                              <p:pRg st="3" end="3"/>
+                                            </p:txEl>
+                                          </p:spTgt>
+                                        </p:tgtEl>
+                                        <p:attrNameLst>
+                                          <p:attrName>ppt_y</p:attrName>
+                                        </p:attrNameLst>
+                                      </p:cBhvr>
+                                      <p:tavLst>
+                                        <p:tav tm="0">
+                                          <p:val>
+                                            <p:strVal val="1+#ppt_h/2"/>
+                                          </p:val>
+                                        </p:tav>
+                                        <p:tav tm="100000">
+                                          <p:val>
+                                            <p:strVal val="#ppt_y"/>
+                                          </p:val>
+                                        </p:tav>
+                                      </p:tavLst>
+                                    </p:anim>
+                                  </p:childTnLst>
+                                </p:cTn>
+                              </p:par>
+                            </p:childTnLst>
+                          </p:cTn>
+                        </p:par>
+                      </p:childTnLst>
+                    </p:cTn>
+                  </p:par>
+                  <p:par>
+                    <p:cTn id="19" fill="hold">
+                      <p:stCondLst>
+                        <p:cond delay="indefinite"/>
+                      </p:stCondLst>
+                      <p:childTnLst>
+                        <p:par>
+                          <p:cTn id="20" fill="hold">
+                            <p:stCondLst>
+                              <p:cond delay="0"/>
+                            </p:stCondLst>
+                            <p:childTnLst>
+                              <p:par>
+                                <p:cTn id="21" presetID="2" presetClass="entr" presetSubtype="4" fill="hold" nodeType="clickEffect">
+                                  <p:stCondLst>
+                                    <p:cond delay="0"/>
+                                  </p:stCondLst>
+                                  <p:childTnLst>
+                                    <p:set>
+                                      <p:cBhvr>
+                                        <p:cTn id="22" dur="1" fill="hold">
+                                          <p:stCondLst>
+                                            <p:cond delay="0"/>
+                                          </p:stCondLst>
+                                        </p:cTn>
+                                        <p:tgtEl>
+                                          <p:spTgt spid="5"/>
+                                        </p:tgtEl>
+                                        <p:attrNameLst>
+                                          <p:attrName>style.visibility</p:attrName>
+                                        </p:attrNameLst>
+                                      </p:cBhvr>
+                                      <p:to>
+                                        <p:strVal val="visible"/>
+                                      </p:to>
+                                    </p:set>
+                                    <p:anim calcmode="lin" valueType="num">
+                                      <p:cBhvr additive="base">
+                                        <p:cTn id="23" dur="500" fill="hold"/>
+                                        <p:tgtEl>
+                                          <p:spTgt spid="5"/>
+                                        </p:tgtEl>
+                                        <p:attrNameLst>
+                                          <p:attrName>ppt_x</p:attrName>
+                                        </p:attrNameLst>
+                                      </p:cBhvr>
+                                      <p:tavLst>
+                                        <p:tav tm="0">
+                                          <p:val>
+                                            <p:strVal val="#ppt_x"/>
+                                          </p:val>
+                                        </p:tav>
+                                        <p:tav tm="100000">
+                                          <p:val>
+                                            <p:strVal val="#ppt_x"/>
+                                          </p:val>
+                                        </p:tav>
+                                      </p:tavLst>
+                                    </p:anim>
+                                    <p:anim calcmode="lin" valueType="num">
+                                      <p:cBhvr additive="base">
+                                        <p:cTn id="24" dur="500" fill="hold"/>
+                                        <p:tgtEl>
+                                          <p:spTgt spid="5"/>
+                                        </p:tgtEl>
+                                        <p:attrNameLst>
+                                          <p:attrName>ppt_y</p:attrName>
+                                        </p:attrNameLst>
+                                      </p:cBhvr>
+                                      <p:tavLst>
+                                        <p:tav tm="0">
+                                          <p:val>
+                                            <p:strVal val="1+#ppt_h/2"/>
+                                          </p:val>
+                                        </p:tav>
+                                        <p:tav tm="100000">
+                                          <p:val>
+                                            <p:strVal val="#ppt_y"/>
+                                          </p:val>
+                                        </p:tav>
+                                      </p:tavLst>
+                                    </p:anim>
+                                  </p:childTnLst>
+                                </p:cTn>
+                              </p:par>
+                            </p:childTnLst>
+                          </p:cTn>
+                        </p:par>
+                      </p:childTnLst>
+                    </p:cTn>
+                  </p:par>
+                  <p:par>
+                    <p:cTn id="25" fill="hold">
+                      <p:stCondLst>
+                        <p:cond delay="indefinite"/>
+                      </p:stCondLst>
+                      <p:childTnLst>
+                        <p:par>
+                          <p:cTn id="26" fill="hold">
+                            <p:stCondLst>
+                              <p:cond delay="0"/>
+                            </p:stCondLst>
+                            <p:childTnLst>
+                              <p:par>
+                                <p:cTn id="27" presetID="10" presetClass="entr" presetSubtype="0" fill="hold" grpId="0" nodeType="clickEffect">
+                                  <p:stCondLst>
+                                    <p:cond delay="0"/>
+                                  </p:stCondLst>
+                                  <p:childTnLst>
+                                    <p:set>
+                                      <p:cBhvr>
+                                        <p:cTn id="28" dur="1" fill="hold">
+                                          <p:stCondLst>
+                                            <p:cond delay="0"/>
+                                          </p:stCondLst>
+                                        </p:cTn>
+                                        <p:tgtEl>
+                                          <p:spTgt spid="6"/>
+                                        </p:tgtEl>
+                                        <p:attrNameLst>
+                                          <p:attrName>style.visibility</p:attrName>
+                                        </p:attrNameLst>
+                                      </p:cBhvr>
+                                      <p:to>
+                                        <p:strVal val="visible"/>
+                                      </p:to>
+                                    </p:set>
+                                    <p:animEffect transition="in" filter="fade">
+                                      <p:cBhvr>
+                                        <p:cTn id="29" dur="500"/>
+                                        <p:tgtEl>
+                                          <p:spTgt spid="6"/>
+                                        </p:tgtEl>
+                                      </p:cBhvr>
+                                    </p:animEffect>
+                                  </p:childTnLst>
+                                </p:cTn>
+                              </p:par>
+                            </p:childTnLst>
+                          </p:cTn>
+                        </p:par>
+                      </p:childTnLst>
+                    </p:cTn>
+                  </p:par>
+                  <p:par>
+                    <p:cTn id="30" fill="hold">
+                      <p:stCondLst>
+                        <p:cond delay="indefinite"/>
+                      </p:stCondLst>
+                      <p:childTnLst>
+                        <p:par>
+                          <p:cTn id="31" fill="hold">
+                            <p:stCondLst>
+                              <p:cond delay="0"/>
+                            </p:stCondLst>
+                            <p:childTnLst>
+                              <p:par>
+                                <p:cTn id="32" presetID="30" presetClass="entr" presetSubtype="0" fill="hold" grpId="0" nodeType="clickEffect">
+                                  <p:stCondLst>
+                                    <p:cond delay="0"/>
+                                  </p:stCondLst>
+                                  <p:childTnLst>
+                                    <p:set>
+                                      <p:cBhvr>
+                                        <p:cTn id="33" dur="1" fill="hold">
+                                          <p:stCondLst>
+                                            <p:cond delay="0"/>
+                                          </p:stCondLst>
+                                        </p:cTn>
+                                        <p:tgtEl>
+                                          <p:spTgt spid="7"/>
+                                        </p:tgtEl>
+                                        <p:attrNameLst>
+                                          <p:attrName>style.visibility</p:attrName>
+                                        </p:attrNameLst>
+                                      </p:cBhvr>
+                                      <p:to>
+                                        <p:strVal val="visible"/>
+                                      </p:to>
+                                    </p:set>
+                                    <p:animEffect transition="in" filter="fade">
+                                      <p:cBhvr>
+                                        <p:cTn id="34" dur="800" decel="100000"/>
+                                        <p:tgtEl>
+                                          <p:spTgt spid="7"/>
+                                        </p:tgtEl>
+                                      </p:cBhvr>
+                                    </p:animEffect>
+                                    <p:anim calcmode="lin" valueType="num">
+                                      <p:cBhvr>
+                                        <p:cTn id="35" dur="800" decel="100000" fill="hold"/>
+                                        <p:tgtEl>
+                                          <p:spTgt spid="7"/>
+                                        </p:tgtEl>
+                                        <p:attrNameLst>
+                                          <p:attrName>style.rotation</p:attrName>
+                                        </p:attrNameLst>
+                                      </p:cBhvr>
+                                      <p:tavLst>
+                                        <p:tav tm="0">
+                                          <p:val>
+                                            <p:fltVal val="-90"/>
+                                          </p:val>
+                                        </p:tav>
+                                        <p:tav tm="100000">
+                                          <p:val>
+                                            <p:fltVal val="0"/>
+                                          </p:val>
+                                        </p:tav>
+                                      </p:tavLst>
+                                    </p:anim>
+                                    <p:anim calcmode="lin" valueType="num">
+                                      <p:cBhvr>
+                                        <p:cTn id="36" dur="800" decel="100000" fill="hold"/>
+                                        <p:tgtEl>
+                                          <p:spTgt spid="7"/>
+                                        </p:tgtEl>
+                                        <p:attrNameLst>
+                                          <p:attrName>ppt_x</p:attrName>
+                                        </p:attrNameLst>
+                                      </p:cBhvr>
+                                      <p:tavLst>
+                                        <p:tav tm="0">
+                                          <p:val>
+                                            <p:strVal val="#ppt_x+0.4"/>
+                                          </p:val>
+                                        </p:tav>
+                                        <p:tav tm="100000">
+                                          <p:val>
+                                            <p:strVal val="#ppt_x-0.05"/>
+                                          </p:val>
+                                        </p:tav>
+                                      </p:tavLst>
+                                    </p:anim>
+                                    <p:anim calcmode="lin" valueType="num">
+                                      <p:cBhvr>
+                                        <p:cTn id="37" dur="800" decel="100000" fill="hold"/>
+                                        <p:tgtEl>
+                                          <p:spTgt spid="7"/>
+                                        </p:tgtEl>
+                                        <p:attrNameLst>
+                                          <p:attrName>ppt_y</p:attrName>
+                                        </p:attrNameLst>
+                                      </p:cBhvr>
+                                      <p:tavLst>
+                                        <p:tav tm="0">
+                                          <p:val>
+                                            <p:strVal val="#ppt_y-0.4"/>
+                                          </p:val>
+                                        </p:tav>
+                                        <p:tav tm="100000">
+                                          <p:val>
+                                            <p:strVal val="#ppt_y+0.1"/>
+                                          </p:val>
+                                        </p:tav>
+                                      </p:tavLst>
+                                    </p:anim>
+                                    <p:anim calcmode="lin" valueType="num">
+                                      <p:cBhvr>
+                                        <p:cTn id="38" dur="200" accel="100000" fill="hold">
+                                          <p:stCondLst>
+                                            <p:cond delay="800"/>
+                                          </p:stCondLst>
+                                        </p:cTn>
+                                        <p:tgtEl>
+                                          <p:spTgt spid="7"/>
+                                        </p:tgtEl>
+                                        <p:attrNameLst>
+                                          <p:attrName>ppt_x</p:attrName>
+                                        </p:attrNameLst>
+                                      </p:cBhvr>
+                                      <p:tavLst>
+                                        <p:tav tm="0">
+                                          <p:val>
+                                            <p:strVal val="#ppt_x-0.05"/>
+                                          </p:val>
+                                        </p:tav>
+                                        <p:tav tm="100000">
+                                          <p:val>
+                                            <p:strVal val="#ppt_x"/>
+                                          </p:val>
+                                        </p:tav>
+                                      </p:tavLst>
+                                    </p:anim>
+                                    <p:anim calcmode="lin" valueType="num">
+                                      <p:cBhvr>
+                                        <p:cTn id="39" dur="200" accel="100000" fill="hold">
+                                          <p:stCondLst>
+                                            <p:cond delay="800"/>
+                                          </p:stCondLst>
+                                        </p:cTn>
+                                        <p:tgtEl>
+                                          <p:spTgt spid="7"/>
+                                        </p:tgtEl>
+                                        <p:attrNameLst>
+                                          <p:attrName>ppt_y</p:attrName>
+                                        </p:attrNameLst>
+                                      </p:cBhvr>
+                                      <p:tavLst>
+                                        <p:tav tm="0">
+                                          <p:val>
+                                            <p:strVal val="#ppt_y+0.1"/>
+                                          </p:val>
+                                        </p:tav>
+                                        <p:tav tm="100000">
+                                          <p:val>
+                                            <p:strVal val="#ppt_y"/>
+                                          </p:val>
+                                        </p:tav>
+                                      </p:tavLst>
+                                    </p:anim>
+                                  </p:childTnLst>
+                                </p:cTn>
+                              </p:par>
+                            </p:childTnLst>
+                          </p:cTn>
+                        </p:par>
+                      </p:childTnLst>
+                    </p:cTn>
+                  </p:par>
+                </p:childTnLst>
+              </p:cTn>
+              <p:prevCondLst>
+                <p:cond evt="onPrev" delay="0">
+                  <p:tgtEl>
+                    <p:sldTgt/>
+                  </p:tgtEl>
+                </p:cond>
+              </p:prevCondLst>
+              <p:nextCondLst>
+                <p:cond evt="onNext" delay="0">
+                  <p:tgtEl>
+                    <p:sldTgt/>
+                  </p:tgtEl>
+                </p:cond>
+              </p:nextCondLst>
+            </p:seq>
+          </p:childTnLst>
+        </p:cTn>
+      </p:par>
+    </p:tnLst>
+    <p:bldLst>
+      <p:bldP spid="3" grpId="0" build="p"/>
+      <p:bldP spid="6" grpId="0"/>
+      <p:bldP spid="7" grpId="0"/>
+    </p:bldLst>
+  </p:timing>
+</p:sld>
+</file>
+
+<file path=ppt/slides/slide27.xml><?xml version="1.0" encoding="utf-8"?>
+<p:sld xmlns:a="http://schemas.openxmlformats.org/drawingml/2006/main" xmlns:r="http://schemas.openxmlformats.org/officeDocument/2006/relationships" xmlns:p="http://schemas.openxmlformats.org/presentationml/2006/main">
+  <p:cSld>
+    <p:spTree>
+      <p:nvGrpSpPr>
+        <p:cNvPr id="1" name=""/>
+        <p:cNvGrpSpPr/>
+        <p:nvPr/>
+      </p:nvGrpSpPr>
+      <p:grpSpPr>
+        <a:xfrm>
+          <a:off x="0" y="0"/>
+          <a:ext cx="0" cy="0"/>
+          <a:chOff x="0" y="0"/>
+          <a:chExt cx="0" cy="0"/>
+        </a:xfrm>
+      </p:grpSpPr>
+      <p:sp>
+        <p:nvSpPr>
+          <p:cNvPr id="2" name="Title 1">
+            <a:extLst>
+              <a:ext uri="{FF2B5EF4-FFF2-40B4-BE49-F238E27FC236}">
+                <a16:creationId xmlns:a16="http://schemas.microsoft.com/office/drawing/2014/main" id="{E58760D6-D269-4945-B1A4-694876E82262}"/>
+              </a:ext>
+            </a:extLst>
+          </p:cNvPr>
+          <p:cNvSpPr>
+            <a:spLocks noGrp="1"/>
+          </p:cNvSpPr>
+          <p:nvPr>
+            <p:ph type="title"/>
+          </p:nvPr>
+        </p:nvSpPr>
+        <p:spPr/>
+        <p:txBody>
+          <a:bodyPr/>
+          <a:lstStyle/>
+          <a:p>
+            <a:pPr algn="ctr"/>
+            <a:r>
+              <a:rPr lang="en-US" b="1" dirty="0"/>
+              <a:t>5 Minute task</a:t>
+            </a:r>
+          </a:p>
+        </p:txBody>
+      </p:sp>
+      <p:sp>
+        <p:nvSpPr>
+          <p:cNvPr id="3" name="Content Placeholder 2">
+            <a:extLst>
+              <a:ext uri="{FF2B5EF4-FFF2-40B4-BE49-F238E27FC236}">
+                <a16:creationId xmlns:a16="http://schemas.microsoft.com/office/drawing/2014/main" id="{EEFD4948-5517-1945-853A-517362BFEC57}"/>
+              </a:ext>
+            </a:extLst>
+          </p:cNvPr>
+          <p:cNvSpPr>
+            <a:spLocks noGrp="1"/>
+          </p:cNvSpPr>
+          <p:nvPr>
+            <p:ph idx="1"/>
+          </p:nvPr>
+        </p:nvSpPr>
+        <p:spPr/>
+        <p:txBody>
+          <a:bodyPr/>
+          <a:lstStyle/>
+          <a:p>
+            <a:r>
+              <a:rPr lang="en-US" b="1" dirty="0"/>
+              <a:t>Stop the illegal input!</a:t>
+            </a:r>
+          </a:p>
+          <a:p>
+            <a:endParaRPr lang="en-US" b="1" dirty="0"/>
+          </a:p>
+          <a:p>
+            <a:r>
+              <a:rPr lang="en-US" dirty="0"/>
+              <a:t>Construct a function that informs us if a number was an input</a:t>
+            </a:r>
+          </a:p>
+          <a:p>
+            <a:endParaRPr lang="en-US" b="1" dirty="0"/>
+          </a:p>
+          <a:p>
+            <a:r>
+              <a:rPr lang="en-US" dirty="0"/>
+              <a:t>You may use any means necessary, but remember what we just talked about</a:t>
+            </a:r>
+          </a:p>
+          <a:p>
+            <a:pPr lvl="1"/>
+            <a:r>
+              <a:rPr lang="en-US" dirty="0"/>
+              <a:t>It will help you a lot!</a:t>
+            </a:r>
+          </a:p>
+        </p:txBody>
+      </p:sp>
+      <p:pic>
+        <p:nvPicPr>
+          <p:cNvPr id="5" name="Graphic 4" descr="Robber">
+            <a:extLst>
+              <a:ext uri="{FF2B5EF4-FFF2-40B4-BE49-F238E27FC236}">
+                <a16:creationId xmlns:a16="http://schemas.microsoft.com/office/drawing/2014/main" id="{95EE983A-34D5-8945-9625-4D8F61AFDF5A}"/>
+              </a:ext>
+            </a:extLst>
+          </p:cNvPr>
+          <p:cNvPicPr>
+            <a:picLocks noChangeAspect="1"/>
+          </p:cNvPicPr>
+          <p:nvPr/>
+        </p:nvPicPr>
+        <p:blipFill>
+          <a:blip r:embed="rId2">
+            <a:extLst>
+              <a:ext uri="{96DAC541-7B7A-43D3-8B79-37D633B846F1}">
+                <asvg:svgBlip xmlns:asvg="http://schemas.microsoft.com/office/drawing/2016/SVG/main" r:embed="rId3"/>
+              </a:ext>
+            </a:extLst>
+          </a:blip>
+          <a:stretch>
+            <a:fillRect/>
+          </a:stretch>
+        </p:blipFill>
+        <p:spPr>
+          <a:xfrm>
+            <a:off x="7726678" y="2097088"/>
+            <a:ext cx="914401" cy="914401"/>
+          </a:xfrm>
+          <a:prstGeom prst="rect">
+            <a:avLst/>
+          </a:prstGeom>
+        </p:spPr>
+      </p:pic>
+      <p:pic>
+        <p:nvPicPr>
+          <p:cNvPr id="7" name="Graphic 6" descr="Siren">
+            <a:extLst>
+              <a:ext uri="{FF2B5EF4-FFF2-40B4-BE49-F238E27FC236}">
+                <a16:creationId xmlns:a16="http://schemas.microsoft.com/office/drawing/2014/main" id="{033041FD-8F4F-7144-95D7-5B56E46DFED5}"/>
+              </a:ext>
+            </a:extLst>
+          </p:cNvPr>
+          <p:cNvPicPr>
+            <a:picLocks noChangeAspect="1"/>
+          </p:cNvPicPr>
+          <p:nvPr/>
+        </p:nvPicPr>
+        <p:blipFill>
+          <a:blip r:embed="rId4">
+            <a:extLst>
+              <a:ext uri="{96DAC541-7B7A-43D3-8B79-37D633B846F1}">
+                <asvg:svgBlip xmlns:asvg="http://schemas.microsoft.com/office/drawing/2016/SVG/main" r:embed="rId5"/>
+              </a:ext>
+            </a:extLst>
+          </a:blip>
+          <a:stretch>
+            <a:fillRect/>
+          </a:stretch>
+        </p:blipFill>
+        <p:spPr>
+          <a:xfrm>
+            <a:off x="5971681" y="2097088"/>
+            <a:ext cx="914400" cy="914400"/>
+          </a:xfrm>
+          <a:prstGeom prst="rect">
+            <a:avLst/>
+          </a:prstGeom>
+        </p:spPr>
+      </p:pic>
+      <p:pic>
+        <p:nvPicPr>
+          <p:cNvPr id="8" name="Graphic 7" descr="Siren">
+            <a:extLst>
+              <a:ext uri="{FF2B5EF4-FFF2-40B4-BE49-F238E27FC236}">
+                <a16:creationId xmlns:a16="http://schemas.microsoft.com/office/drawing/2014/main" id="{56A36691-4F66-7843-A3D9-F4F99E44B9B1}"/>
+              </a:ext>
+            </a:extLst>
+          </p:cNvPr>
+          <p:cNvPicPr>
+            <a:picLocks noChangeAspect="1"/>
+          </p:cNvPicPr>
+          <p:nvPr/>
+        </p:nvPicPr>
+        <p:blipFill>
+          <a:blip r:embed="rId6">
+            <a:extLst>
+              <a:ext uri="{96DAC541-7B7A-43D3-8B79-37D633B846F1}">
+                <asvg:svgBlip xmlns:asvg="http://schemas.microsoft.com/office/drawing/2016/SVG/main" r:embed="rId7"/>
+              </a:ext>
+            </a:extLst>
+          </a:blip>
+          <a:stretch>
+            <a:fillRect/>
+          </a:stretch>
+        </p:blipFill>
+        <p:spPr>
+          <a:xfrm>
+            <a:off x="4848721" y="2097088"/>
+            <a:ext cx="914400" cy="914400"/>
+          </a:xfrm>
+          <a:prstGeom prst="rect">
+            <a:avLst/>
+          </a:prstGeom>
+        </p:spPr>
+      </p:pic>
+      <p:pic>
+        <p:nvPicPr>
+          <p:cNvPr id="10" name="Graphic 9" descr="Handcuffs">
+            <a:extLst>
+              <a:ext uri="{FF2B5EF4-FFF2-40B4-BE49-F238E27FC236}">
+                <a16:creationId xmlns:a16="http://schemas.microsoft.com/office/drawing/2014/main" id="{C1DCBAC7-E8BC-B74A-A251-2C841D490B69}"/>
+              </a:ext>
+            </a:extLst>
+          </p:cNvPr>
+          <p:cNvPicPr>
+            <a:picLocks noChangeAspect="1"/>
+          </p:cNvPicPr>
+          <p:nvPr/>
+        </p:nvPicPr>
+        <p:blipFill>
+          <a:blip r:embed="rId8">
+            <a:extLst>
+              <a:ext uri="{96DAC541-7B7A-43D3-8B79-37D633B846F1}">
+                <asvg:svgBlip xmlns:asvg="http://schemas.microsoft.com/office/drawing/2016/SVG/main" r:embed="rId9"/>
+              </a:ext>
+            </a:extLst>
+          </a:blip>
+          <a:stretch>
+            <a:fillRect/>
+          </a:stretch>
+        </p:blipFill>
+        <p:spPr>
+          <a:xfrm>
+            <a:off x="11047411" y="4434841"/>
+            <a:ext cx="914400" cy="914400"/>
+          </a:xfrm>
+          <a:prstGeom prst="rect">
+            <a:avLst/>
+          </a:prstGeom>
+        </p:spPr>
+      </p:pic>
+    </p:spTree>
+    <p:extLst>
+      <p:ext uri="{BB962C8B-B14F-4D97-AF65-F5344CB8AC3E}">
+        <p14:creationId xmlns:p14="http://schemas.microsoft.com/office/powerpoint/2010/main" val="4149200172"/>
+      </p:ext>
+    </p:extLst>
+  </p:cSld>
+  <p:clrMapOvr>
+    <a:masterClrMapping/>
+  </p:clrMapOvr>
+  <p:timing>
+    <p:tnLst>
+      <p:par>
+        <p:cTn id="1" dur="indefinite" restart="never" nodeType="tmRoot">
+          <p:childTnLst>
+            <p:seq concurrent="1" nextAc="seek">
+              <p:cTn id="2" dur="indefinite" nodeType="mainSeq">
+                <p:childTnLst>
+                  <p:par>
+                    <p:cTn id="3" fill="hold">
+                      <p:stCondLst>
+                        <p:cond delay="indefinite"/>
+                      </p:stCondLst>
+                      <p:childTnLst>
+                        <p:par>
+                          <p:cTn id="4" fill="hold">
+                            <p:stCondLst>
+                              <p:cond delay="0"/>
+                            </p:stCondLst>
+                            <p:childTnLst>
+                              <p:par>
+                                <p:cTn id="5" presetID="2" presetClass="entr" presetSubtype="4" fill="hold" grpId="0" nodeType="clickEffect">
+                                  <p:stCondLst>
+                                    <p:cond delay="0"/>
+                                  </p:stCondLst>
+                                  <p:childTnLst>
+                                    <p:set>
+                                      <p:cBhvr>
+                                        <p:cTn id="6" dur="1" fill="hold">
+                                          <p:stCondLst>
+                                            <p:cond delay="0"/>
+                                          </p:stCondLst>
+                                        </p:cTn>
+                                        <p:tgtEl>
+                                          <p:spTgt spid="3">
+                                            <p:txEl>
+                                              <p:pRg st="0" end="0"/>
+                                            </p:txEl>
+                                          </p:spTgt>
+                                        </p:tgtEl>
+                                        <p:attrNameLst>
+                                          <p:attrName>style.visibility</p:attrName>
+                                        </p:attrNameLst>
+                                      </p:cBhvr>
+                                      <p:to>
+                                        <p:strVal val="visible"/>
+                                      </p:to>
+                                    </p:set>
+                                    <p:anim calcmode="lin" valueType="num">
+                                      <p:cBhvr additive="base">
+                                        <p:cTn id="7" dur="500" fill="hold"/>
+                                        <p:tgtEl>
+                                          <p:spTgt spid="3">
+                                            <p:txEl>
+                                              <p:pRg st="0" end="0"/>
+                                            </p:txEl>
+                                          </p:spTgt>
+                                        </p:tgtEl>
+                                        <p:attrNameLst>
+                                          <p:attrName>ppt_x</p:attrName>
+                                        </p:attrNameLst>
+                                      </p:cBhvr>
+                                      <p:tavLst>
+                                        <p:tav tm="0">
+                                          <p:val>
+                                            <p:strVal val="#ppt_x"/>
+                                          </p:val>
+                                        </p:tav>
+                                        <p:tav tm="100000">
+                                          <p:val>
+                                            <p:strVal val="#ppt_x"/>
+                                          </p:val>
+                                        </p:tav>
+                                      </p:tavLst>
+                                    </p:anim>
+                                    <p:anim calcmode="lin" valueType="num">
+                                      <p:cBhvr additive="base">
+                                        <p:cTn id="8" dur="500" fill="hold"/>
+                                        <p:tgtEl>
+                                          <p:spTgt spid="3">
+                                            <p:txEl>
+                                              <p:pRg st="0" end="0"/>
+                                            </p:txEl>
+                                          </p:spTgt>
+                                        </p:tgtEl>
+                                        <p:attrNameLst>
+                                          <p:attrName>ppt_y</p:attrName>
+                                        </p:attrNameLst>
+                                      </p:cBhvr>
+                                      <p:tavLst>
+                                        <p:tav tm="0">
+                                          <p:val>
+                                            <p:strVal val="1+#ppt_h/2"/>
+                                          </p:val>
+                                        </p:tav>
+                                        <p:tav tm="100000">
+                                          <p:val>
+                                            <p:strVal val="#ppt_y"/>
+                                          </p:val>
+                                        </p:tav>
+                                      </p:tavLst>
+                                    </p:anim>
+                                  </p:childTnLst>
+                                </p:cTn>
+                              </p:par>
+                              <p:par>
+                                <p:cTn id="9" presetID="2" presetClass="entr" presetSubtype="8" fill="hold" nodeType="withEffect">
+                                  <p:stCondLst>
+                                    <p:cond delay="0"/>
+                                  </p:stCondLst>
+                                  <p:childTnLst>
+                                    <p:set>
+                                      <p:cBhvr>
+                                        <p:cTn id="10" dur="1" fill="hold">
+                                          <p:stCondLst>
+                                            <p:cond delay="0"/>
+                                          </p:stCondLst>
+                                        </p:cTn>
+                                        <p:tgtEl>
+                                          <p:spTgt spid="5"/>
+                                        </p:tgtEl>
+                                        <p:attrNameLst>
+                                          <p:attrName>style.visibility</p:attrName>
+                                        </p:attrNameLst>
+                                      </p:cBhvr>
+                                      <p:to>
+                                        <p:strVal val="visible"/>
+                                      </p:to>
+                                    </p:set>
+                                    <p:anim calcmode="lin" valueType="num">
+                                      <p:cBhvr additive="base">
+                                        <p:cTn id="11" dur="500" fill="hold"/>
+                                        <p:tgtEl>
+                                          <p:spTgt spid="5"/>
+                                        </p:tgtEl>
+                                        <p:attrNameLst>
+                                          <p:attrName>ppt_x</p:attrName>
+                                        </p:attrNameLst>
+                                      </p:cBhvr>
+                                      <p:tavLst>
+                                        <p:tav tm="0">
+                                          <p:val>
+                                            <p:strVal val="0-#ppt_w/2"/>
+                                          </p:val>
+                                        </p:tav>
+                                        <p:tav tm="100000">
+                                          <p:val>
+                                            <p:strVal val="#ppt_x"/>
+                                          </p:val>
+                                        </p:tav>
+                                      </p:tavLst>
+                                    </p:anim>
+                                    <p:anim calcmode="lin" valueType="num">
+                                      <p:cBhvr additive="base">
+                                        <p:cTn id="12" dur="500" fill="hold"/>
+                                        <p:tgtEl>
+                                          <p:spTgt spid="5"/>
+                                        </p:tgtEl>
+                                        <p:attrNameLst>
+                                          <p:attrName>ppt_y</p:attrName>
+                                        </p:attrNameLst>
+                                      </p:cBhvr>
+                                      <p:tavLst>
+                                        <p:tav tm="0">
+                                          <p:val>
+                                            <p:strVal val="#ppt_y"/>
+                                          </p:val>
+                                        </p:tav>
+                                        <p:tav tm="100000">
+                                          <p:val>
+                                            <p:strVal val="#ppt_y"/>
+                                          </p:val>
+                                        </p:tav>
+                                      </p:tavLst>
+                                    </p:anim>
+                                  </p:childTnLst>
+                                </p:cTn>
+                              </p:par>
+                              <p:par>
+                                <p:cTn id="13" presetID="2" presetClass="entr" presetSubtype="8" fill="hold" nodeType="withEffect">
+                                  <p:stCondLst>
+                                    <p:cond delay="0"/>
+                                  </p:stCondLst>
+                                  <p:childTnLst>
+                                    <p:set>
+                                      <p:cBhvr>
+                                        <p:cTn id="14" dur="1" fill="hold">
+                                          <p:stCondLst>
+                                            <p:cond delay="0"/>
+                                          </p:stCondLst>
+                                        </p:cTn>
+                                        <p:tgtEl>
+                                          <p:spTgt spid="7"/>
+                                        </p:tgtEl>
+                                        <p:attrNameLst>
+                                          <p:attrName>style.visibility</p:attrName>
+                                        </p:attrNameLst>
+                                      </p:cBhvr>
+                                      <p:to>
+                                        <p:strVal val="visible"/>
+                                      </p:to>
+                                    </p:set>
+                                    <p:anim calcmode="lin" valueType="num">
+                                      <p:cBhvr additive="base">
+                                        <p:cTn id="15" dur="500" fill="hold"/>
+                                        <p:tgtEl>
+                                          <p:spTgt spid="7"/>
+                                        </p:tgtEl>
+                                        <p:attrNameLst>
+                                          <p:attrName>ppt_x</p:attrName>
+                                        </p:attrNameLst>
+                                      </p:cBhvr>
+                                      <p:tavLst>
+                                        <p:tav tm="0">
+                                          <p:val>
+                                            <p:strVal val="0-#ppt_w/2"/>
+                                          </p:val>
+                                        </p:tav>
+                                        <p:tav tm="100000">
+                                          <p:val>
+                                            <p:strVal val="#ppt_x"/>
+                                          </p:val>
+                                        </p:tav>
+                                      </p:tavLst>
+                                    </p:anim>
+                                    <p:anim calcmode="lin" valueType="num">
+                                      <p:cBhvr additive="base">
+                                        <p:cTn id="16" dur="500" fill="hold"/>
+                                        <p:tgtEl>
+                                          <p:spTgt spid="7"/>
+                                        </p:tgtEl>
+                                        <p:attrNameLst>
+                                          <p:attrName>ppt_y</p:attrName>
+                                        </p:attrNameLst>
+                                      </p:cBhvr>
+                                      <p:tavLst>
+                                        <p:tav tm="0">
+                                          <p:val>
+                                            <p:strVal val="#ppt_y"/>
+                                          </p:val>
+                                        </p:tav>
+                                        <p:tav tm="100000">
+                                          <p:val>
+                                            <p:strVal val="#ppt_y"/>
+                                          </p:val>
+                                        </p:tav>
+                                      </p:tavLst>
+                                    </p:anim>
+                                  </p:childTnLst>
+                                </p:cTn>
+                              </p:par>
+                              <p:par>
+                                <p:cTn id="17" presetID="26" presetClass="emph" presetSubtype="0" repeatCount="indefinite" fill="hold" nodeType="withEffect">
+                                  <p:stCondLst>
+                                    <p:cond delay="0"/>
+                                  </p:stCondLst>
+                                  <p:childTnLst>
+                                    <p:animEffect transition="out" filter="fade">
+                                      <p:cBhvr>
+                                        <p:cTn id="18" dur="500" tmFilter="0, 0; .2, .5; .8, .5; 1, 0"/>
+                                        <p:tgtEl>
+                                          <p:spTgt spid="7"/>
+                                        </p:tgtEl>
+                                      </p:cBhvr>
+                                    </p:animEffect>
+                                    <p:animScale>
+                                      <p:cBhvr>
+                                        <p:cTn id="19" dur="250" autoRev="1" fill="hold"/>
+                                        <p:tgtEl>
+                                          <p:spTgt spid="7"/>
+                                        </p:tgtEl>
+                                      </p:cBhvr>
+                                      <p:by x="105000" y="105000"/>
+                                    </p:animScale>
+                                  </p:childTnLst>
+                                </p:cTn>
+                              </p:par>
+                              <p:par>
+                                <p:cTn id="20" presetID="2" presetClass="entr" presetSubtype="8" fill="hold" nodeType="withEffect">
+                                  <p:stCondLst>
+                                    <p:cond delay="0"/>
+                                  </p:stCondLst>
+                                  <p:childTnLst>
+                                    <p:set>
+                                      <p:cBhvr>
+                                        <p:cTn id="21" dur="1" fill="hold">
+                                          <p:stCondLst>
+                                            <p:cond delay="0"/>
+                                          </p:stCondLst>
+                                        </p:cTn>
+                                        <p:tgtEl>
+                                          <p:spTgt spid="8"/>
+                                        </p:tgtEl>
+                                        <p:attrNameLst>
+                                          <p:attrName>style.visibility</p:attrName>
+                                        </p:attrNameLst>
+                                      </p:cBhvr>
+                                      <p:to>
+                                        <p:strVal val="visible"/>
+                                      </p:to>
+                                    </p:set>
+                                    <p:anim calcmode="lin" valueType="num">
+                                      <p:cBhvr additive="base">
+                                        <p:cTn id="22" dur="500" fill="hold"/>
+                                        <p:tgtEl>
+                                          <p:spTgt spid="8"/>
+                                        </p:tgtEl>
+                                        <p:attrNameLst>
+                                          <p:attrName>ppt_x</p:attrName>
+                                        </p:attrNameLst>
+                                      </p:cBhvr>
+                                      <p:tavLst>
+                                        <p:tav tm="0">
+                                          <p:val>
+                                            <p:strVal val="0-#ppt_w/2"/>
+                                          </p:val>
+                                        </p:tav>
+                                        <p:tav tm="100000">
+                                          <p:val>
+                                            <p:strVal val="#ppt_x"/>
+                                          </p:val>
+                                        </p:tav>
+                                      </p:tavLst>
+                                    </p:anim>
+                                    <p:anim calcmode="lin" valueType="num">
+                                      <p:cBhvr additive="base">
+                                        <p:cTn id="23" dur="500" fill="hold"/>
+                                        <p:tgtEl>
+                                          <p:spTgt spid="8"/>
+                                        </p:tgtEl>
+                                        <p:attrNameLst>
+                                          <p:attrName>ppt_y</p:attrName>
+                                        </p:attrNameLst>
+                                      </p:cBhvr>
+                                      <p:tavLst>
+                                        <p:tav tm="0">
+                                          <p:val>
+                                            <p:strVal val="#ppt_y"/>
+                                          </p:val>
+                                        </p:tav>
+                                        <p:tav tm="100000">
+                                          <p:val>
+                                            <p:strVal val="#ppt_y"/>
+                                          </p:val>
+                                        </p:tav>
+                                      </p:tavLst>
+                                    </p:anim>
+                                  </p:childTnLst>
+                                </p:cTn>
+                              </p:par>
+                              <p:par>
+                                <p:cTn id="24" presetID="26" presetClass="emph" presetSubtype="0" repeatCount="indefinite" fill="hold" nodeType="withEffect">
+                                  <p:stCondLst>
+                                    <p:cond delay="0"/>
+                                  </p:stCondLst>
+                                  <p:childTnLst>
+                                    <p:animEffect transition="out" filter="fade">
+                                      <p:cBhvr>
+                                        <p:cTn id="25" dur="500" tmFilter="0, 0; .2, .5; .8, .5; 1, 0"/>
+                                        <p:tgtEl>
+                                          <p:spTgt spid="8"/>
+                                        </p:tgtEl>
+                                      </p:cBhvr>
+                                    </p:animEffect>
+                                    <p:animScale>
+                                      <p:cBhvr>
+                                        <p:cTn id="26" dur="250" autoRev="1" fill="hold"/>
+                                        <p:tgtEl>
+                                          <p:spTgt spid="8"/>
+                                        </p:tgtEl>
+                                      </p:cBhvr>
+                                      <p:by x="105000" y="105000"/>
+                                    </p:animScale>
+                                  </p:childTnLst>
+                                </p:cTn>
+                              </p:par>
+                            </p:childTnLst>
+                          </p:cTn>
+                        </p:par>
+                      </p:childTnLst>
+                    </p:cTn>
+                  </p:par>
+                  <p:par>
+                    <p:cTn id="27" fill="hold">
+                      <p:stCondLst>
+                        <p:cond delay="indefinite"/>
+                      </p:stCondLst>
+                      <p:childTnLst>
+                        <p:par>
+                          <p:cTn id="28" fill="hold">
+                            <p:stCondLst>
+                              <p:cond delay="0"/>
+                            </p:stCondLst>
+                            <p:childTnLst>
+                              <p:par>
+                                <p:cTn id="29" presetID="2" presetClass="entr" presetSubtype="4" fill="hold" grpId="0" nodeType="clickEffect">
+                                  <p:stCondLst>
+                                    <p:cond delay="0"/>
+                                  </p:stCondLst>
+                                  <p:childTnLst>
+                                    <p:set>
+                                      <p:cBhvr>
+                                        <p:cTn id="30" dur="1" fill="hold">
+                                          <p:stCondLst>
+                                            <p:cond delay="0"/>
+                                          </p:stCondLst>
+                                        </p:cTn>
+                                        <p:tgtEl>
+                                          <p:spTgt spid="3">
+                                            <p:txEl>
+                                              <p:pRg st="2" end="2"/>
+                                            </p:txEl>
+                                          </p:spTgt>
+                                        </p:tgtEl>
+                                        <p:attrNameLst>
+                                          <p:attrName>style.visibility</p:attrName>
+                                        </p:attrNameLst>
+                                      </p:cBhvr>
+                                      <p:to>
+                                        <p:strVal val="visible"/>
+                                      </p:to>
+                                    </p:set>
+                                    <p:anim calcmode="lin" valueType="num">
+                                      <p:cBhvr additive="base">
+                                        <p:cTn id="31" dur="500" fill="hold"/>
+                                        <p:tgtEl>
+                                          <p:spTgt spid="3">
+                                            <p:txEl>
+                                              <p:pRg st="2" end="2"/>
+                                            </p:txEl>
+                                          </p:spTgt>
+                                        </p:tgtEl>
+                                        <p:attrNameLst>
+                                          <p:attrName>ppt_x</p:attrName>
+                                        </p:attrNameLst>
+                                      </p:cBhvr>
+                                      <p:tavLst>
+                                        <p:tav tm="0">
+                                          <p:val>
+                                            <p:strVal val="#ppt_x"/>
+                                          </p:val>
+                                        </p:tav>
+                                        <p:tav tm="100000">
+                                          <p:val>
+                                            <p:strVal val="#ppt_x"/>
+                                          </p:val>
+                                        </p:tav>
+                                      </p:tavLst>
+                                    </p:anim>
+                                    <p:anim calcmode="lin" valueType="num">
+                                      <p:cBhvr additive="base">
+                                        <p:cTn id="32" dur="500" fill="hold"/>
+                                        <p:tgtEl>
+                                          <p:spTgt spid="3">
+                                            <p:txEl>
+                                              <p:pRg st="2" end="2"/>
+                                            </p:txEl>
+                                          </p:spTgt>
+                                        </p:tgtEl>
+                                        <p:attrNameLst>
+                                          <p:attrName>ppt_y</p:attrName>
+                                        </p:attrNameLst>
+                                      </p:cBhvr>
+                                      <p:tavLst>
+                                        <p:tav tm="0">
+                                          <p:val>
+                                            <p:strVal val="1+#ppt_h/2"/>
+                                          </p:val>
+                                        </p:tav>
+                                        <p:tav tm="100000">
+                                          <p:val>
+                                            <p:strVal val="#ppt_y"/>
+                                          </p:val>
+                                        </p:tav>
+                                      </p:tavLst>
+                                    </p:anim>
+                                  </p:childTnLst>
+                                </p:cTn>
+                              </p:par>
+                            </p:childTnLst>
+                          </p:cTn>
+                        </p:par>
+                      </p:childTnLst>
+                    </p:cTn>
+                  </p:par>
+                  <p:par>
+                    <p:cTn id="33" fill="hold">
+                      <p:stCondLst>
+                        <p:cond delay="indefinite"/>
+                      </p:stCondLst>
+                      <p:childTnLst>
+                        <p:par>
+                          <p:cTn id="34" fill="hold">
+                            <p:stCondLst>
+                              <p:cond delay="0"/>
+                            </p:stCondLst>
+                            <p:childTnLst>
+                              <p:par>
+                                <p:cTn id="35" presetID="2" presetClass="entr" presetSubtype="4" fill="hold" grpId="0" nodeType="clickEffect">
+                                  <p:stCondLst>
+                                    <p:cond delay="0"/>
+                                  </p:stCondLst>
+                                  <p:childTnLst>
+                                    <p:set>
+                                      <p:cBhvr>
+                                        <p:cTn id="36" dur="1" fill="hold">
+                                          <p:stCondLst>
+                                            <p:cond delay="0"/>
+                                          </p:stCondLst>
+                                        </p:cTn>
+                                        <p:tgtEl>
+                                          <p:spTgt spid="3">
+                                            <p:txEl>
+                                              <p:pRg st="4" end="4"/>
+                                            </p:txEl>
+                                          </p:spTgt>
+                                        </p:tgtEl>
+                                        <p:attrNameLst>
+                                          <p:attrName>style.visibility</p:attrName>
+                                        </p:attrNameLst>
+                                      </p:cBhvr>
+                                      <p:to>
+                                        <p:strVal val="visible"/>
+                                      </p:to>
+                                    </p:set>
+                                    <p:anim calcmode="lin" valueType="num">
+                                      <p:cBhvr additive="base">
+                                        <p:cTn id="37" dur="500" fill="hold"/>
+                                        <p:tgtEl>
+                                          <p:spTgt spid="3">
+                                            <p:txEl>
+                                              <p:pRg st="4" end="4"/>
+                                            </p:txEl>
+                                          </p:spTgt>
+                                        </p:tgtEl>
+                                        <p:attrNameLst>
+                                          <p:attrName>ppt_x</p:attrName>
+                                        </p:attrNameLst>
+                                      </p:cBhvr>
+                                      <p:tavLst>
+                                        <p:tav tm="0">
+                                          <p:val>
+                                            <p:strVal val="#ppt_x"/>
+                                          </p:val>
+                                        </p:tav>
+                                        <p:tav tm="100000">
+                                          <p:val>
+                                            <p:strVal val="#ppt_x"/>
+                                          </p:val>
+                                        </p:tav>
+                                      </p:tavLst>
+                                    </p:anim>
+                                    <p:anim calcmode="lin" valueType="num">
+                                      <p:cBhvr additive="base">
+                                        <p:cTn id="38" dur="500" fill="hold"/>
+                                        <p:tgtEl>
+                                          <p:spTgt spid="3">
+                                            <p:txEl>
+                                              <p:pRg st="4" end="4"/>
+                                            </p:txEl>
+                                          </p:spTgt>
+                                        </p:tgtEl>
+                                        <p:attrNameLst>
+                                          <p:attrName>ppt_y</p:attrName>
+                                        </p:attrNameLst>
+                                      </p:cBhvr>
+                                      <p:tavLst>
+                                        <p:tav tm="0">
+                                          <p:val>
+                                            <p:strVal val="1+#ppt_h/2"/>
+                                          </p:val>
+                                        </p:tav>
+                                        <p:tav tm="100000">
+                                          <p:val>
+                                            <p:strVal val="#ppt_y"/>
+                                          </p:val>
+                                        </p:tav>
+                                      </p:tavLst>
+                                    </p:anim>
+                                  </p:childTnLst>
+                                </p:cTn>
+                              </p:par>
+                              <p:par>
+                                <p:cTn id="39" presetID="2" presetClass="entr" presetSubtype="4" fill="hold" grpId="0" nodeType="withEffect">
+                                  <p:stCondLst>
+                                    <p:cond delay="0"/>
+                                  </p:stCondLst>
+                                  <p:childTnLst>
+                                    <p:set>
+                                      <p:cBhvr>
+                                        <p:cTn id="40" dur="1" fill="hold">
+                                          <p:stCondLst>
+                                            <p:cond delay="0"/>
+                                          </p:stCondLst>
+                                        </p:cTn>
+                                        <p:tgtEl>
+                                          <p:spTgt spid="3">
+                                            <p:txEl>
+                                              <p:pRg st="5" end="5"/>
+                                            </p:txEl>
+                                          </p:spTgt>
+                                        </p:tgtEl>
+                                        <p:attrNameLst>
+                                          <p:attrName>style.visibility</p:attrName>
+                                        </p:attrNameLst>
+                                      </p:cBhvr>
+                                      <p:to>
+                                        <p:strVal val="visible"/>
+                                      </p:to>
+                                    </p:set>
+                                    <p:anim calcmode="lin" valueType="num">
+                                      <p:cBhvr additive="base">
+                                        <p:cTn id="41" dur="500" fill="hold"/>
+                                        <p:tgtEl>
+                                          <p:spTgt spid="3">
+                                            <p:txEl>
+                                              <p:pRg st="5" end="5"/>
+                                            </p:txEl>
+                                          </p:spTgt>
+                                        </p:tgtEl>
+                                        <p:attrNameLst>
+                                          <p:attrName>ppt_x</p:attrName>
+                                        </p:attrNameLst>
+                                      </p:cBhvr>
+                                      <p:tavLst>
+                                        <p:tav tm="0">
+                                          <p:val>
+                                            <p:strVal val="#ppt_x"/>
+                                          </p:val>
+                                        </p:tav>
+                                        <p:tav tm="100000">
+                                          <p:val>
+                                            <p:strVal val="#ppt_x"/>
+                                          </p:val>
+                                        </p:tav>
+                                      </p:tavLst>
+                                    </p:anim>
+                                    <p:anim calcmode="lin" valueType="num">
+                                      <p:cBhvr additive="base">
+                                        <p:cTn id="42" dur="500" fill="hold"/>
+                                        <p:tgtEl>
+                                          <p:spTgt spid="3">
+                                            <p:txEl>
+                                              <p:pRg st="5" end="5"/>
+                                            </p:txEl>
+                                          </p:spTgt>
+                                        </p:tgtEl>
+                                        <p:attrNameLst>
+                                          <p:attrName>ppt_y</p:attrName>
+                                        </p:attrNameLst>
+                                      </p:cBhvr>
+                                      <p:tavLst>
+                                        <p:tav tm="0">
+                                          <p:val>
+                                            <p:strVal val="1+#ppt_h/2"/>
+                                          </p:val>
+                                        </p:tav>
+                                        <p:tav tm="100000">
+                                          <p:val>
+                                            <p:strVal val="#ppt_y"/>
+                                          </p:val>
+                                        </p:tav>
+                                      </p:tavLst>
+                                    </p:anim>
+                                  </p:childTnLst>
+                                </p:cTn>
+                              </p:par>
+                              <p:par>
+                                <p:cTn id="43" presetID="31" presetClass="entr" presetSubtype="0" fill="hold" nodeType="withEffect">
+                                  <p:stCondLst>
+                                    <p:cond delay="0"/>
+                                  </p:stCondLst>
+                                  <p:childTnLst>
+                                    <p:set>
+                                      <p:cBhvr>
+                                        <p:cTn id="44" dur="1" fill="hold">
+                                          <p:stCondLst>
+                                            <p:cond delay="0"/>
+                                          </p:stCondLst>
+                                        </p:cTn>
+                                        <p:tgtEl>
+                                          <p:spTgt spid="10"/>
+                                        </p:tgtEl>
+                                        <p:attrNameLst>
+                                          <p:attrName>style.visibility</p:attrName>
+                                        </p:attrNameLst>
+                                      </p:cBhvr>
+                                      <p:to>
+                                        <p:strVal val="visible"/>
+                                      </p:to>
+                                    </p:set>
+                                    <p:anim calcmode="lin" valueType="num">
+                                      <p:cBhvr>
+                                        <p:cTn id="45" dur="1000" fill="hold"/>
+                                        <p:tgtEl>
+                                          <p:spTgt spid="10"/>
+                                        </p:tgtEl>
+                                        <p:attrNameLst>
+                                          <p:attrName>ppt_w</p:attrName>
+                                        </p:attrNameLst>
+                                      </p:cBhvr>
+                                      <p:tavLst>
+                                        <p:tav tm="0">
+                                          <p:val>
+                                            <p:fltVal val="0"/>
+                                          </p:val>
+                                        </p:tav>
+                                        <p:tav tm="100000">
+                                          <p:val>
+                                            <p:strVal val="#ppt_w"/>
+                                          </p:val>
+                                        </p:tav>
+                                      </p:tavLst>
+                                    </p:anim>
+                                    <p:anim calcmode="lin" valueType="num">
+                                      <p:cBhvr>
+                                        <p:cTn id="46" dur="1000" fill="hold"/>
+                                        <p:tgtEl>
+                                          <p:spTgt spid="10"/>
+                                        </p:tgtEl>
+                                        <p:attrNameLst>
+                                          <p:attrName>ppt_h</p:attrName>
+                                        </p:attrNameLst>
+                                      </p:cBhvr>
+                                      <p:tavLst>
+                                        <p:tav tm="0">
+                                          <p:val>
+                                            <p:fltVal val="0"/>
+                                          </p:val>
+                                        </p:tav>
+                                        <p:tav tm="100000">
+                                          <p:val>
+                                            <p:strVal val="#ppt_h"/>
+                                          </p:val>
+                                        </p:tav>
+                                      </p:tavLst>
+                                    </p:anim>
+                                    <p:anim calcmode="lin" valueType="num">
+                                      <p:cBhvr>
+                                        <p:cTn id="47" dur="1000" fill="hold"/>
+                                        <p:tgtEl>
+                                          <p:spTgt spid="10"/>
+                                        </p:tgtEl>
+                                        <p:attrNameLst>
+                                          <p:attrName>style.rotation</p:attrName>
+                                        </p:attrNameLst>
+                                      </p:cBhvr>
+                                      <p:tavLst>
+                                        <p:tav tm="0">
+                                          <p:val>
+                                            <p:fltVal val="90"/>
+                                          </p:val>
+                                        </p:tav>
+                                        <p:tav tm="100000">
+                                          <p:val>
+                                            <p:fltVal val="0"/>
+                                          </p:val>
+                                        </p:tav>
+                                      </p:tavLst>
+                                    </p:anim>
+                                    <p:animEffect transition="in" filter="fade">
+                                      <p:cBhvr>
+                                        <p:cTn id="48" dur="1000"/>
+                                        <p:tgtEl>
+                                          <p:spTgt spid="10"/>
+                                        </p:tgtEl>
+                                      </p:cBhvr>
+                                    </p:animEffect>
+                                  </p:childTnLst>
+                                </p:cTn>
+                              </p:par>
+                            </p:childTnLst>
+                          </p:cTn>
+                        </p:par>
+                      </p:childTnLst>
+                    </p:cTn>
+                  </p:par>
+                </p:childTnLst>
+              </p:cTn>
+              <p:prevCondLst>
+                <p:cond evt="onPrev" delay="0">
+                  <p:tgtEl>
+                    <p:sldTgt/>
+                  </p:tgtEl>
+                </p:cond>
+              </p:prevCondLst>
+              <p:nextCondLst>
+                <p:cond evt="onNext" delay="0">
+                  <p:tgtEl>
+                    <p:sldTgt/>
+                  </p:tgtEl>
+                </p:cond>
+              </p:nextCondLst>
+            </p:seq>
+          </p:childTnLst>
+        </p:cTn>
+      </p:par>
+    </p:tnLst>
+    <p:bldLst>
+      <p:bldP spid="3" grpId="0" uiExpand="1" build="p"/>
+    </p:bldLst>
+  </p:timing>
+</p:sld>
+</file>
+
+<file path=ppt/slides/slide28.xml><?xml version="1.0" encoding="utf-8"?>
+<p:sld xmlns:a="http://schemas.openxmlformats.org/drawingml/2006/main" xmlns:r="http://schemas.openxmlformats.org/officeDocument/2006/relationships" xmlns:p="http://schemas.openxmlformats.org/presentationml/2006/main">
+  <p:cSld>
+    <p:spTree>
+      <p:nvGrpSpPr>
+        <p:cNvPr id="1" name=""/>
+        <p:cNvGrpSpPr/>
+        <p:nvPr/>
+      </p:nvGrpSpPr>
+      <p:grpSpPr>
+        <a:xfrm>
+          <a:off x="0" y="0"/>
+          <a:ext cx="0" cy="0"/>
+          <a:chOff x="0" y="0"/>
+          <a:chExt cx="0" cy="0"/>
+        </a:xfrm>
+      </p:grpSpPr>
+      <p:sp>
+        <p:nvSpPr>
+          <p:cNvPr id="2" name="Title 1">
+            <a:extLst>
+              <a:ext uri="{FF2B5EF4-FFF2-40B4-BE49-F238E27FC236}">
+                <a16:creationId xmlns:a16="http://schemas.microsoft.com/office/drawing/2014/main" id="{ACFEDB95-8344-504B-87A6-DC97B9098CA9}"/>
+              </a:ext>
+            </a:extLst>
+          </p:cNvPr>
+          <p:cNvSpPr>
+            <a:spLocks noGrp="1"/>
+          </p:cNvSpPr>
+          <p:nvPr>
+            <p:ph type="title"/>
+          </p:nvPr>
+        </p:nvSpPr>
+        <p:spPr/>
+        <p:txBody>
+          <a:bodyPr/>
+          <a:lstStyle/>
+          <a:p>
+            <a:pPr algn="ctr"/>
+            <a:r>
+              <a:rPr lang="en-US" b="1" dirty="0"/>
+              <a:t>Solution</a:t>
+            </a:r>
+          </a:p>
+        </p:txBody>
+      </p:sp>
+      <p:sp>
+        <p:nvSpPr>
+          <p:cNvPr id="8" name="Content Placeholder 7">
+            <a:extLst>
+              <a:ext uri="{FF2B5EF4-FFF2-40B4-BE49-F238E27FC236}">
+                <a16:creationId xmlns:a16="http://schemas.microsoft.com/office/drawing/2014/main" id="{E09166C2-8D2F-4F46-A6CB-2A47DCCF99FC}"/>
+              </a:ext>
+            </a:extLst>
+          </p:cNvPr>
+          <p:cNvSpPr>
+            <a:spLocks noGrp="1"/>
+          </p:cNvSpPr>
+          <p:nvPr>
+            <p:ph idx="1"/>
+          </p:nvPr>
+        </p:nvSpPr>
+        <p:spPr>
+          <a:xfrm>
+            <a:off x="1141412" y="2249487"/>
+            <a:ext cx="10380028" cy="2825433"/>
+          </a:xfrm>
+        </p:spPr>
+        <p:txBody>
+          <a:bodyPr/>
+          <a:lstStyle/>
+          <a:p>
+            <a:r>
+              <a:rPr lang="en-US" dirty="0"/>
+              <a:t>Your solution can look something like this:</a:t>
+            </a:r>
+          </a:p>
+          <a:p>
+            <a:endParaRPr lang="en-US" dirty="0"/>
+          </a:p>
+          <a:p>
+            <a:endParaRPr lang="en-US" dirty="0"/>
+          </a:p>
+          <a:p>
+            <a:r>
+              <a:rPr lang="en-US" dirty="0"/>
+              <a:t>We return </a:t>
+            </a:r>
+            <a:r>
+              <a:rPr lang="en-US" sz="2000" dirty="0">
+                <a:latin typeface="Consolas" panose="020B0609020204030204" pitchFamily="49" charset="0"/>
+                <a:cs typeface="Consolas" panose="020B0609020204030204" pitchFamily="49" charset="0"/>
+              </a:rPr>
+              <a:t>!</a:t>
+            </a:r>
+            <a:r>
+              <a:rPr lang="en-US" sz="2000" dirty="0" err="1">
+                <a:solidFill>
+                  <a:schemeClr val="accent6"/>
+                </a:solidFill>
+                <a:latin typeface="Consolas" panose="020B0609020204030204" pitchFamily="49" charset="0"/>
+                <a:cs typeface="Consolas" panose="020B0609020204030204" pitchFamily="49" charset="0"/>
+              </a:rPr>
+              <a:t>isalpha</a:t>
+            </a:r>
+            <a:r>
+              <a:rPr lang="en-US" sz="2000" dirty="0">
+                <a:latin typeface="Consolas" panose="020B0609020204030204" pitchFamily="49" charset="0"/>
+                <a:cs typeface="Consolas" panose="020B0609020204030204" pitchFamily="49" charset="0"/>
+              </a:rPr>
+              <a:t>(c)</a:t>
+            </a:r>
+            <a:r>
+              <a:rPr lang="en-US" dirty="0"/>
+              <a:t> because “If </a:t>
+            </a:r>
+            <a:r>
+              <a:rPr lang="en-US" dirty="0">
+                <a:latin typeface="Consolas" panose="020B0609020204030204" pitchFamily="49" charset="0"/>
+                <a:cs typeface="Consolas" panose="020B0609020204030204" pitchFamily="49" charset="0"/>
+              </a:rPr>
+              <a:t>c</a:t>
+            </a:r>
+            <a:r>
+              <a:rPr lang="en-US" dirty="0"/>
+              <a:t> IS alphanumeric, then it is NOT ILLEGAL”</a:t>
+            </a:r>
+          </a:p>
+        </p:txBody>
+      </p:sp>
+      <p:pic>
+        <p:nvPicPr>
+          <p:cNvPr id="10" name="Graphic 9" descr="Robber">
+            <a:extLst>
+              <a:ext uri="{FF2B5EF4-FFF2-40B4-BE49-F238E27FC236}">
+                <a16:creationId xmlns:a16="http://schemas.microsoft.com/office/drawing/2014/main" id="{D5FBF5F7-C13D-BB49-8AF3-25281E8B54DC}"/>
+              </a:ext>
+            </a:extLst>
+          </p:cNvPr>
+          <p:cNvPicPr>
+            <a:picLocks noChangeAspect="1"/>
+          </p:cNvPicPr>
+          <p:nvPr/>
+        </p:nvPicPr>
+        <p:blipFill>
+          <a:blip r:embed="rId2">
+            <a:extLst>
+              <a:ext uri="{96DAC541-7B7A-43D3-8B79-37D633B846F1}">
+                <asvg:svgBlip xmlns:asvg="http://schemas.microsoft.com/office/drawing/2016/SVG/main" r:embed="rId3"/>
+              </a:ext>
+            </a:extLst>
+          </a:blip>
+          <a:stretch>
+            <a:fillRect/>
+          </a:stretch>
+        </p:blipFill>
+        <p:spPr>
+          <a:xfrm>
+            <a:off x="546257" y="5704493"/>
+            <a:ext cx="1190309" cy="1190309"/>
+          </a:xfrm>
+          <a:prstGeom prst="rect">
+            <a:avLst/>
+          </a:prstGeom>
+        </p:spPr>
+      </p:pic>
+      <p:pic>
+        <p:nvPicPr>
+          <p:cNvPr id="12" name="Picture 11">
+            <a:extLst>
+              <a:ext uri="{FF2B5EF4-FFF2-40B4-BE49-F238E27FC236}">
+                <a16:creationId xmlns:a16="http://schemas.microsoft.com/office/drawing/2014/main" id="{C6F39955-F23D-924F-B110-7EA2A7F83C49}"/>
+              </a:ext>
+            </a:extLst>
+          </p:cNvPr>
+          <p:cNvPicPr>
+            <a:picLocks noChangeAspect="1"/>
+          </p:cNvPicPr>
+          <p:nvPr/>
+        </p:nvPicPr>
+        <p:blipFill>
+          <a:blip r:embed="rId4"/>
+          <a:stretch>
+            <a:fillRect/>
+          </a:stretch>
+        </p:blipFill>
+        <p:spPr>
+          <a:xfrm>
+            <a:off x="6814820" y="2386647"/>
+            <a:ext cx="3807460" cy="1292441"/>
+          </a:xfrm>
+          <a:prstGeom prst="rect">
+            <a:avLst/>
+          </a:prstGeom>
+        </p:spPr>
+      </p:pic>
+      <p:pic>
+        <p:nvPicPr>
+          <p:cNvPr id="9" name="Content Placeholder 4" descr="Jail">
+            <a:extLst>
+              <a:ext uri="{FF2B5EF4-FFF2-40B4-BE49-F238E27FC236}">
+                <a16:creationId xmlns:a16="http://schemas.microsoft.com/office/drawing/2014/main" id="{90D697BA-2FDE-DC4E-90F1-1153996E5EF5}"/>
+              </a:ext>
+            </a:extLst>
+          </p:cNvPr>
+          <p:cNvPicPr>
+            <a:picLocks noChangeAspect="1"/>
+          </p:cNvPicPr>
+          <p:nvPr/>
+        </p:nvPicPr>
+        <p:blipFill>
+          <a:blip r:embed="rId5">
+            <a:extLst>
+              <a:ext uri="{96DAC541-7B7A-43D3-8B79-37D633B846F1}">
+                <asvg:svgBlip xmlns:asvg="http://schemas.microsoft.com/office/drawing/2016/SVG/main" r:embed="rId6"/>
+              </a:ext>
+            </a:extLst>
+          </a:blip>
+          <a:stretch>
+            <a:fillRect/>
+          </a:stretch>
+        </p:blipFill>
+        <p:spPr>
+          <a:xfrm>
+            <a:off x="6451600" y="4646753"/>
+            <a:ext cx="2783840" cy="2783840"/>
+          </a:xfrm>
+          <a:prstGeom prst="rect">
+            <a:avLst/>
+          </a:prstGeom>
+        </p:spPr>
+      </p:pic>
+    </p:spTree>
+    <p:extLst>
+      <p:ext uri="{BB962C8B-B14F-4D97-AF65-F5344CB8AC3E}">
+        <p14:creationId xmlns:p14="http://schemas.microsoft.com/office/powerpoint/2010/main" val="1141031998"/>
+      </p:ext>
+    </p:extLst>
+  </p:cSld>
+  <p:clrMapOvr>
+    <a:masterClrMapping/>
+  </p:clrMapOvr>
+  <p:timing>
+    <p:tnLst>
+      <p:par>
+        <p:cTn id="1" dur="indefinite" restart="never" nodeType="tmRoot">
+          <p:childTnLst>
+            <p:seq concurrent="1" nextAc="seek">
+              <p:cTn id="2" dur="indefinite" nodeType="mainSeq">
+                <p:childTnLst>
+                  <p:par>
+                    <p:cTn id="3" fill="hold">
+                      <p:stCondLst>
+                        <p:cond delay="indefinite"/>
+                      </p:stCondLst>
+                      <p:childTnLst>
+                        <p:par>
+                          <p:cTn id="4" fill="hold">
+                            <p:stCondLst>
+                              <p:cond delay="0"/>
+                            </p:stCondLst>
+                            <p:childTnLst>
+                              <p:par>
+                                <p:cTn id="5" presetID="2" presetClass="entr" presetSubtype="4" fill="hold" grpId="0" nodeType="clickEffect">
+                                  <p:stCondLst>
+                                    <p:cond delay="0"/>
+                                  </p:stCondLst>
+                                  <p:childTnLst>
+                                    <p:set>
+                                      <p:cBhvr>
+                                        <p:cTn id="6" dur="1" fill="hold">
+                                          <p:stCondLst>
+                                            <p:cond delay="0"/>
+                                          </p:stCondLst>
+                                        </p:cTn>
+                                        <p:tgtEl>
+                                          <p:spTgt spid="8">
+                                            <p:txEl>
+                                              <p:pRg st="0" end="0"/>
+                                            </p:txEl>
+                                          </p:spTgt>
+                                        </p:tgtEl>
+                                        <p:attrNameLst>
+                                          <p:attrName>style.visibility</p:attrName>
+                                        </p:attrNameLst>
+                                      </p:cBhvr>
+                                      <p:to>
+                                        <p:strVal val="visible"/>
+                                      </p:to>
+                                    </p:set>
+                                    <p:anim calcmode="lin" valueType="num">
+                                      <p:cBhvr additive="base">
+                                        <p:cTn id="7" dur="500" fill="hold"/>
+                                        <p:tgtEl>
+                                          <p:spTgt spid="8">
+                                            <p:txEl>
+                                              <p:pRg st="0" end="0"/>
+                                            </p:txEl>
+                                          </p:spTgt>
+                                        </p:tgtEl>
+                                        <p:attrNameLst>
+                                          <p:attrName>ppt_x</p:attrName>
+                                        </p:attrNameLst>
+                                      </p:cBhvr>
+                                      <p:tavLst>
+                                        <p:tav tm="0">
+                                          <p:val>
+                                            <p:strVal val="#ppt_x"/>
+                                          </p:val>
+                                        </p:tav>
+                                        <p:tav tm="100000">
+                                          <p:val>
+                                            <p:strVal val="#ppt_x"/>
+                                          </p:val>
+                                        </p:tav>
+                                      </p:tavLst>
+                                    </p:anim>
+                                    <p:anim calcmode="lin" valueType="num">
+                                      <p:cBhvr additive="base">
+                                        <p:cTn id="8" dur="500" fill="hold"/>
+                                        <p:tgtEl>
+                                          <p:spTgt spid="8">
+                                            <p:txEl>
+                                              <p:pRg st="0" end="0"/>
+                                            </p:txEl>
+                                          </p:spTgt>
+                                        </p:tgtEl>
+                                        <p:attrNameLst>
+                                          <p:attrName>ppt_y</p:attrName>
+                                        </p:attrNameLst>
+                                      </p:cBhvr>
+                                      <p:tavLst>
+                                        <p:tav tm="0">
+                                          <p:val>
+                                            <p:strVal val="1+#ppt_h/2"/>
+                                          </p:val>
+                                        </p:tav>
+                                        <p:tav tm="100000">
+                                          <p:val>
+                                            <p:strVal val="#ppt_y"/>
+                                          </p:val>
+                                        </p:tav>
+                                      </p:tavLst>
+                                    </p:anim>
+                                  </p:childTnLst>
+                                </p:cTn>
+                              </p:par>
+                              <p:par>
+                                <p:cTn id="9" presetID="2" presetClass="entr" presetSubtype="2" fill="hold" nodeType="withEffect">
+                                  <p:stCondLst>
+                                    <p:cond delay="0"/>
+                                  </p:stCondLst>
+                                  <p:childTnLst>
+                                    <p:set>
+                                      <p:cBhvr>
+                                        <p:cTn id="10" dur="1" fill="hold">
+                                          <p:stCondLst>
+                                            <p:cond delay="0"/>
+                                          </p:stCondLst>
+                                        </p:cTn>
+                                        <p:tgtEl>
+                                          <p:spTgt spid="12"/>
+                                        </p:tgtEl>
+                                        <p:attrNameLst>
+                                          <p:attrName>style.visibility</p:attrName>
+                                        </p:attrNameLst>
+                                      </p:cBhvr>
+                                      <p:to>
+                                        <p:strVal val="visible"/>
+                                      </p:to>
+                                    </p:set>
+                                    <p:anim calcmode="lin" valueType="num">
+                                      <p:cBhvr additive="base">
+                                        <p:cTn id="11" dur="500" fill="hold"/>
+                                        <p:tgtEl>
+                                          <p:spTgt spid="12"/>
+                                        </p:tgtEl>
+                                        <p:attrNameLst>
+                                          <p:attrName>ppt_x</p:attrName>
+                                        </p:attrNameLst>
+                                      </p:cBhvr>
+                                      <p:tavLst>
+                                        <p:tav tm="0">
+                                          <p:val>
+                                            <p:strVal val="1+#ppt_w/2"/>
+                                          </p:val>
+                                        </p:tav>
+                                        <p:tav tm="100000">
+                                          <p:val>
+                                            <p:strVal val="#ppt_x"/>
+                                          </p:val>
+                                        </p:tav>
+                                      </p:tavLst>
+                                    </p:anim>
+                                    <p:anim calcmode="lin" valueType="num">
+                                      <p:cBhvr additive="base">
+                                        <p:cTn id="12" dur="500" fill="hold"/>
+                                        <p:tgtEl>
+                                          <p:spTgt spid="12"/>
+                                        </p:tgtEl>
+                                        <p:attrNameLst>
+                                          <p:attrName>ppt_y</p:attrName>
+                                        </p:attrNameLst>
+                                      </p:cBhvr>
+                                      <p:tavLst>
+                                        <p:tav tm="0">
+                                          <p:val>
+                                            <p:strVal val="#ppt_y"/>
+                                          </p:val>
+                                        </p:tav>
+                                        <p:tav tm="100000">
+                                          <p:val>
+                                            <p:strVal val="#ppt_y"/>
+                                          </p:val>
+                                        </p:tav>
+                                      </p:tavLst>
+                                    </p:anim>
+                                  </p:childTnLst>
+                                </p:cTn>
+                              </p:par>
+                            </p:childTnLst>
+                          </p:cTn>
+                        </p:par>
+                      </p:childTnLst>
+                    </p:cTn>
+                  </p:par>
+                  <p:par>
+                    <p:cTn id="13" fill="hold">
+                      <p:stCondLst>
+                        <p:cond delay="indefinite"/>
+                      </p:stCondLst>
+                      <p:childTnLst>
+                        <p:par>
+                          <p:cTn id="14" fill="hold">
+                            <p:stCondLst>
+                              <p:cond delay="0"/>
+                            </p:stCondLst>
+                            <p:childTnLst>
+                              <p:par>
+                                <p:cTn id="15" presetID="2" presetClass="entr" presetSubtype="4" fill="hold" grpId="0" nodeType="clickEffect">
+                                  <p:stCondLst>
+                                    <p:cond delay="0"/>
+                                  </p:stCondLst>
+                                  <p:childTnLst>
+                                    <p:set>
+                                      <p:cBhvr>
+                                        <p:cTn id="16" dur="1" fill="hold">
+                                          <p:stCondLst>
+                                            <p:cond delay="0"/>
+                                          </p:stCondLst>
+                                        </p:cTn>
+                                        <p:tgtEl>
+                                          <p:spTgt spid="8">
+                                            <p:txEl>
+                                              <p:pRg st="3" end="3"/>
+                                            </p:txEl>
+                                          </p:spTgt>
+                                        </p:tgtEl>
+                                        <p:attrNameLst>
+                                          <p:attrName>style.visibility</p:attrName>
+                                        </p:attrNameLst>
+                                      </p:cBhvr>
+                                      <p:to>
+                                        <p:strVal val="visible"/>
+                                      </p:to>
+                                    </p:set>
+                                    <p:anim calcmode="lin" valueType="num">
+                                      <p:cBhvr additive="base">
+                                        <p:cTn id="17" dur="500" fill="hold"/>
+                                        <p:tgtEl>
+                                          <p:spTgt spid="8">
+                                            <p:txEl>
+                                              <p:pRg st="3" end="3"/>
+                                            </p:txEl>
+                                          </p:spTgt>
+                                        </p:tgtEl>
+                                        <p:attrNameLst>
+                                          <p:attrName>ppt_x</p:attrName>
+                                        </p:attrNameLst>
+                                      </p:cBhvr>
+                                      <p:tavLst>
+                                        <p:tav tm="0">
+                                          <p:val>
+                                            <p:strVal val="#ppt_x"/>
+                                          </p:val>
+                                        </p:tav>
+                                        <p:tav tm="100000">
+                                          <p:val>
+                                            <p:strVal val="#ppt_x"/>
+                                          </p:val>
+                                        </p:tav>
+                                      </p:tavLst>
+                                    </p:anim>
+                                    <p:anim calcmode="lin" valueType="num">
+                                      <p:cBhvr additive="base">
+                                        <p:cTn id="18" dur="500" fill="hold"/>
+                                        <p:tgtEl>
+                                          <p:spTgt spid="8">
+                                            <p:txEl>
+                                              <p:pRg st="3" end="3"/>
+                                            </p:txEl>
+                                          </p:spTgt>
+                                        </p:tgtEl>
+                                        <p:attrNameLst>
+                                          <p:attrName>ppt_y</p:attrName>
+                                        </p:attrNameLst>
+                                      </p:cBhvr>
+                                      <p:tavLst>
+                                        <p:tav tm="0">
+                                          <p:val>
+                                            <p:strVal val="1+#ppt_h/2"/>
+                                          </p:val>
+                                        </p:tav>
+                                        <p:tav tm="100000">
+                                          <p:val>
+                                            <p:strVal val="#ppt_y"/>
+                                          </p:val>
+                                        </p:tav>
+                                      </p:tavLst>
+                                    </p:anim>
+                                  </p:childTnLst>
+                                </p:cTn>
+                              </p:par>
+                              <p:par>
+                                <p:cTn id="19" presetID="2" presetClass="entr" presetSubtype="4" fill="hold" nodeType="withEffect">
+                                  <p:stCondLst>
+                                    <p:cond delay="0"/>
+                                  </p:stCondLst>
+                                  <p:childTnLst>
+                                    <p:set>
+                                      <p:cBhvr>
+                                        <p:cTn id="20" dur="1" fill="hold">
+                                          <p:stCondLst>
+                                            <p:cond delay="0"/>
+                                          </p:stCondLst>
+                                        </p:cTn>
+                                        <p:tgtEl>
+                                          <p:spTgt spid="10"/>
+                                        </p:tgtEl>
+                                        <p:attrNameLst>
+                                          <p:attrName>style.visibility</p:attrName>
+                                        </p:attrNameLst>
+                                      </p:cBhvr>
+                                      <p:to>
+                                        <p:strVal val="visible"/>
+                                      </p:to>
+                                    </p:set>
+                                    <p:anim calcmode="lin" valueType="num">
+                                      <p:cBhvr additive="base">
+                                        <p:cTn id="21" dur="500" fill="hold"/>
+                                        <p:tgtEl>
+                                          <p:spTgt spid="10"/>
+                                        </p:tgtEl>
+                                        <p:attrNameLst>
+                                          <p:attrName>ppt_x</p:attrName>
+                                        </p:attrNameLst>
+                                      </p:cBhvr>
+                                      <p:tavLst>
+                                        <p:tav tm="0">
+                                          <p:val>
+                                            <p:strVal val="#ppt_x"/>
+                                          </p:val>
+                                        </p:tav>
+                                        <p:tav tm="100000">
+                                          <p:val>
+                                            <p:strVal val="#ppt_x"/>
+                                          </p:val>
+                                        </p:tav>
+                                      </p:tavLst>
+                                    </p:anim>
+                                    <p:anim calcmode="lin" valueType="num">
+                                      <p:cBhvr additive="base">
+                                        <p:cTn id="22" dur="500" fill="hold"/>
+                                        <p:tgtEl>
+                                          <p:spTgt spid="10"/>
+                                        </p:tgtEl>
+                                        <p:attrNameLst>
+                                          <p:attrName>ppt_y</p:attrName>
+                                        </p:attrNameLst>
+                                      </p:cBhvr>
+                                      <p:tavLst>
+                                        <p:tav tm="0">
+                                          <p:val>
+                                            <p:strVal val="1+#ppt_h/2"/>
+                                          </p:val>
+                                        </p:tav>
+                                        <p:tav tm="100000">
+                                          <p:val>
+                                            <p:strVal val="#ppt_y"/>
+                                          </p:val>
+                                        </p:tav>
+                                      </p:tavLst>
+                                    </p:anim>
+                                  </p:childTnLst>
+                                </p:cTn>
+                              </p:par>
+                              <p:par>
+                                <p:cTn id="23" presetID="0" presetClass="path" presetSubtype="0" accel="50000" decel="50000" fill="hold" nodeType="withEffect">
+                                  <p:stCondLst>
+                                    <p:cond delay="0"/>
+                                  </p:stCondLst>
+                                  <p:childTnLst>
+                                    <p:animMotion origin="layout" path="M 2.08333E-7 -0.00579 L 0.55143 -0.0088 " pathEditMode="relative" rAng="0" ptsTypes="AA">
+                                      <p:cBhvr>
+                                        <p:cTn id="24" dur="2000" fill="hold"/>
+                                        <p:tgtEl>
+                                          <p:spTgt spid="10"/>
+                                        </p:tgtEl>
+                                        <p:attrNameLst>
+                                          <p:attrName>ppt_x</p:attrName>
+                                          <p:attrName>ppt_y</p:attrName>
+                                        </p:attrNameLst>
+                                      </p:cBhvr>
+                                      <p:rCtr x="27565" y="-162"/>
+                                    </p:animMotion>
+                                  </p:childTnLst>
+                                </p:cTn>
+                              </p:par>
+                              <p:par>
+                                <p:cTn id="25" presetID="3" presetClass="entr" presetSubtype="10" fill="hold" nodeType="withEffect">
+                                  <p:stCondLst>
+                                    <p:cond delay="0"/>
+                                  </p:stCondLst>
+                                  <p:childTnLst>
+                                    <p:set>
+                                      <p:cBhvr>
+                                        <p:cTn id="26" dur="1" fill="hold">
+                                          <p:stCondLst>
+                                            <p:cond delay="0"/>
+                                          </p:stCondLst>
+                                        </p:cTn>
+                                        <p:tgtEl>
+                                          <p:spTgt spid="9"/>
+                                        </p:tgtEl>
+                                        <p:attrNameLst>
+                                          <p:attrName>style.visibility</p:attrName>
+                                        </p:attrNameLst>
+                                      </p:cBhvr>
+                                      <p:to>
+                                        <p:strVal val="visible"/>
+                                      </p:to>
+                                    </p:set>
+                                    <p:animEffect transition="in" filter="blinds(horizontal)">
+                                      <p:cBhvr>
+                                        <p:cTn id="27" dur="500"/>
+                                        <p:tgtEl>
+                                          <p:spTgt spid="9"/>
+                                        </p:tgtEl>
+                                      </p:cBhvr>
+                                    </p:animEffect>
+                                  </p:childTnLst>
+                                </p:cTn>
+                              </p:par>
+                            </p:childTnLst>
+                          </p:cTn>
+                        </p:par>
+                      </p:childTnLst>
+                    </p:cTn>
+                  </p:par>
+                </p:childTnLst>
+              </p:cTn>
+              <p:prevCondLst>
+                <p:cond evt="onPrev" delay="0">
+                  <p:tgtEl>
+                    <p:sldTgt/>
+                  </p:tgtEl>
+                </p:cond>
+              </p:prevCondLst>
+              <p:nextCondLst>
+                <p:cond evt="onNext" delay="0">
+                  <p:tgtEl>
+                    <p:sldTgt/>
+                  </p:tgtEl>
+                </p:cond>
+              </p:nextCondLst>
+            </p:seq>
+          </p:childTnLst>
+        </p:cTn>
+      </p:par>
+    </p:tnLst>
+    <p:bldLst>
+      <p:bldP spid="8" grpId="0" uiExpand="1" build="p"/>
+    </p:bldLst>
+  </p:timing>
+</p:sld>
+</file>
+
+<file path=ppt/slides/slide29.xml><?xml version="1.0" encoding="utf-8"?>
+<p:sld xmlns:a="http://schemas.openxmlformats.org/drawingml/2006/main" xmlns:r="http://schemas.openxmlformats.org/officeDocument/2006/relationships" xmlns:p="http://schemas.openxmlformats.org/presentationml/2006/main">
+  <p:cSld>
+    <p:spTree>
+      <p:nvGrpSpPr>
+        <p:cNvPr id="1" name=""/>
+        <p:cNvGrpSpPr/>
+        <p:nvPr/>
+      </p:nvGrpSpPr>
+      <p:grpSpPr>
+        <a:xfrm>
+          <a:off x="0" y="0"/>
+          <a:ext cx="0" cy="0"/>
+          <a:chOff x="0" y="0"/>
+          <a:chExt cx="0" cy="0"/>
+        </a:xfrm>
+      </p:grpSpPr>
+      <p:sp>
+        <p:nvSpPr>
+          <p:cNvPr id="2" name="Title 1">
+            <a:extLst>
+              <a:ext uri="{FF2B5EF4-FFF2-40B4-BE49-F238E27FC236}">
+                <a16:creationId xmlns:a16="http://schemas.microsoft.com/office/drawing/2014/main" id="{6ED235B4-2652-C34D-AD86-7F3E7B24E761}"/>
+              </a:ext>
+            </a:extLst>
+          </p:cNvPr>
+          <p:cNvSpPr>
+            <a:spLocks noGrp="1"/>
+          </p:cNvSpPr>
+          <p:nvPr>
+            <p:ph type="title"/>
+          </p:nvPr>
+        </p:nvSpPr>
+        <p:spPr/>
+        <p:txBody>
+          <a:bodyPr/>
+          <a:lstStyle/>
+          <a:p>
+            <a:pPr algn="ctr"/>
+            <a:r>
+              <a:rPr lang="en-US" b="1" dirty="0"/>
+              <a:t>Stopping illegal strings</a:t>
+            </a:r>
+          </a:p>
+        </p:txBody>
+      </p:sp>
+      <p:sp>
+        <p:nvSpPr>
+          <p:cNvPr id="3" name="Content Placeholder 2">
+            <a:extLst>
+              <a:ext uri="{FF2B5EF4-FFF2-40B4-BE49-F238E27FC236}">
+                <a16:creationId xmlns:a16="http://schemas.microsoft.com/office/drawing/2014/main" id="{040D44BF-A40D-FE42-993F-769BC57D5AF9}"/>
+              </a:ext>
+            </a:extLst>
+          </p:cNvPr>
+          <p:cNvSpPr>
+            <a:spLocks noGrp="1"/>
+          </p:cNvSpPr>
+          <p:nvPr>
+            <p:ph idx="1"/>
+          </p:nvPr>
+        </p:nvSpPr>
+        <p:spPr>
+          <a:xfrm>
+            <a:off x="1141412" y="2249486"/>
+            <a:ext cx="9905999" cy="3989995"/>
+          </a:xfrm>
+        </p:spPr>
+        <p:txBody>
+          <a:bodyPr>
+            <a:normAutofit fontScale="92500" lnSpcReduction="10000"/>
+          </a:bodyPr>
+          <a:lstStyle/>
+          <a:p>
+            <a:r>
+              <a:rPr lang="en-US" dirty="0"/>
+              <a:t>Before we stopped our user from inputting a SINGLE number into our program</a:t>
+            </a:r>
+          </a:p>
+          <a:p>
+            <a:pPr lvl="1"/>
+            <a:r>
+              <a:rPr lang="en-US">
+                <a:solidFill>
+                  <a:srgbClr val="00B100"/>
+                </a:solidFill>
+                <a:highlight>
+                  <a:srgbClr val="000000"/>
+                </a:highlight>
+                <a:latin typeface="Consolas" panose="020B0609020204030204" pitchFamily="49" charset="0"/>
+                <a:cs typeface="Consolas" panose="020B0609020204030204" pitchFamily="49" charset="0"/>
+              </a:rPr>
+              <a:t>:~ ./a</a:t>
+            </a:r>
+            <a:r>
+              <a:rPr lang="en-US" dirty="0" err="1">
+                <a:solidFill>
+                  <a:srgbClr val="00B100"/>
+                </a:solidFill>
+                <a:highlight>
+                  <a:srgbClr val="000000"/>
+                </a:highlight>
+                <a:latin typeface="Consolas" panose="020B0609020204030204" pitchFamily="49" charset="0"/>
+                <a:cs typeface="Consolas" panose="020B0609020204030204" pitchFamily="49" charset="0"/>
+              </a:rPr>
+              <a:t>.out</a:t>
+            </a:r>
+            <a:r>
+              <a:rPr lang="en-US" dirty="0">
+                <a:solidFill>
+                  <a:srgbClr val="00B100"/>
+                </a:solidFill>
+                <a:highlight>
+                  <a:srgbClr val="000000"/>
+                </a:highlight>
+                <a:latin typeface="Consolas" panose="020B0609020204030204" pitchFamily="49" charset="0"/>
+                <a:cs typeface="Consolas" panose="020B0609020204030204" pitchFamily="49" charset="0"/>
+              </a:rPr>
+              <a:t> 12</a:t>
+            </a:r>
+            <a:r>
+              <a:rPr lang="en-US" dirty="0"/>
+              <a:t> would be rejected</a:t>
+            </a:r>
+          </a:p>
+          <a:p>
+            <a:endParaRPr lang="en-US" dirty="0"/>
+          </a:p>
+          <a:p>
+            <a:r>
+              <a:rPr lang="en-US" dirty="0"/>
+              <a:t>But what if we entered something like “iAmN07Astr1ng”?</a:t>
+            </a:r>
+          </a:p>
+          <a:p>
+            <a:pPr lvl="1"/>
+            <a:r>
+              <a:rPr lang="en-US" dirty="0"/>
+              <a:t>In short, our program would go “Well this whole thing is not a number, so that’s fine”</a:t>
+            </a:r>
+          </a:p>
+          <a:p>
+            <a:pPr lvl="1"/>
+            <a:r>
+              <a:rPr lang="en-US" dirty="0"/>
+              <a:t>Unfortunately this is the furthest that we can get from “fine” (</a:t>
+            </a:r>
+            <a:r>
+              <a:rPr lang="en-US" dirty="0" err="1"/>
+              <a:t>ie</a:t>
+            </a:r>
+            <a:r>
+              <a:rPr lang="en-US" dirty="0"/>
+              <a:t>. It’s a disaster!)</a:t>
+            </a:r>
+          </a:p>
+          <a:p>
+            <a:pPr lvl="1"/>
+            <a:endParaRPr lang="en-US" dirty="0"/>
+          </a:p>
+          <a:p>
+            <a:r>
+              <a:rPr lang="en-US" dirty="0"/>
+              <a:t>So what’s the problem?</a:t>
+            </a:r>
+          </a:p>
+          <a:p>
+            <a:pPr lvl="1"/>
+            <a:r>
+              <a:rPr lang="en-US" b="1" dirty="0"/>
+              <a:t>Simply</a:t>
+            </a:r>
+            <a:r>
+              <a:rPr lang="en-US" dirty="0"/>
+              <a:t>: We are not checking the entire string for illegal characters</a:t>
+            </a:r>
+          </a:p>
+        </p:txBody>
+      </p:sp>
+      <p:pic>
+        <p:nvPicPr>
+          <p:cNvPr id="5" name="Graphic 4" descr="Warning">
+            <a:extLst>
+              <a:ext uri="{FF2B5EF4-FFF2-40B4-BE49-F238E27FC236}">
+                <a16:creationId xmlns:a16="http://schemas.microsoft.com/office/drawing/2014/main" id="{268A3D77-0928-3444-A280-62BE4217F6C0}"/>
+              </a:ext>
+            </a:extLst>
+          </p:cNvPr>
+          <p:cNvPicPr>
+            <a:picLocks noChangeAspect="1"/>
+          </p:cNvPicPr>
+          <p:nvPr/>
+        </p:nvPicPr>
+        <p:blipFill>
+          <a:blip r:embed="rId2">
+            <a:extLst>
+              <a:ext uri="{96DAC541-7B7A-43D3-8B79-37D633B846F1}">
+                <asvg:svgBlip xmlns:asvg="http://schemas.microsoft.com/office/drawing/2016/SVG/main" r:embed="rId3"/>
+              </a:ext>
+            </a:extLst>
+          </a:blip>
+          <a:stretch>
+            <a:fillRect/>
+          </a:stretch>
+        </p:blipFill>
+        <p:spPr>
+          <a:xfrm>
+            <a:off x="9098280" y="771208"/>
+            <a:ext cx="914400" cy="914400"/>
+          </a:xfrm>
+          <a:prstGeom prst="rect">
+            <a:avLst/>
+          </a:prstGeom>
+        </p:spPr>
+      </p:pic>
+    </p:spTree>
+    <p:extLst>
+      <p:ext uri="{BB962C8B-B14F-4D97-AF65-F5344CB8AC3E}">
+        <p14:creationId xmlns:p14="http://schemas.microsoft.com/office/powerpoint/2010/main" val="1999636499"/>
+      </p:ext>
+    </p:extLst>
+  </p:cSld>
+  <p:clrMapOvr>
+    <a:masterClrMapping/>
+  </p:clrMapOvr>
+  <p:timing>
+    <p:tnLst>
+      <p:par>
+        <p:cTn id="1" dur="indefinite" restart="never" nodeType="tmRoot">
+          <p:childTnLst>
+            <p:seq concurrent="1" nextAc="seek">
+              <p:cTn id="2" dur="indefinite" nodeType="mainSeq">
+                <p:childTnLst>
+                  <p:par>
+                    <p:cTn id="3" fill="hold">
+                      <p:stCondLst>
+                        <p:cond delay="indefinite"/>
+                      </p:stCondLst>
+                      <p:childTnLst>
+                        <p:par>
+                          <p:cTn id="4" fill="hold">
+                            <p:stCondLst>
+                              <p:cond delay="0"/>
+                            </p:stCondLst>
+                            <p:childTnLst>
+                              <p:par>
+                                <p:cTn id="5" presetID="2" presetClass="entr" presetSubtype="4" fill="hold" grpId="0" nodeType="clickEffect">
+                                  <p:stCondLst>
+                                    <p:cond delay="0"/>
+                                  </p:stCondLst>
+                                  <p:childTnLst>
+                                    <p:set>
+                                      <p:cBhvr>
+                                        <p:cTn id="6" dur="1" fill="hold">
+                                          <p:stCondLst>
+                                            <p:cond delay="0"/>
+                                          </p:stCondLst>
+                                        </p:cTn>
+                                        <p:tgtEl>
+                                          <p:spTgt spid="3">
+                                            <p:txEl>
+                                              <p:pRg st="0" end="0"/>
+                                            </p:txEl>
+                                          </p:spTgt>
+                                        </p:tgtEl>
+                                        <p:attrNameLst>
+                                          <p:attrName>style.visibility</p:attrName>
+                                        </p:attrNameLst>
+                                      </p:cBhvr>
+                                      <p:to>
+                                        <p:strVal val="visible"/>
+                                      </p:to>
+                                    </p:set>
+                                    <p:anim calcmode="lin" valueType="num">
+                                      <p:cBhvr additive="base">
+                                        <p:cTn id="7" dur="500" fill="hold"/>
+                                        <p:tgtEl>
+                                          <p:spTgt spid="3">
+                                            <p:txEl>
+                                              <p:pRg st="0" end="0"/>
+                                            </p:txEl>
+                                          </p:spTgt>
+                                        </p:tgtEl>
+                                        <p:attrNameLst>
+                                          <p:attrName>ppt_x</p:attrName>
+                                        </p:attrNameLst>
+                                      </p:cBhvr>
+                                      <p:tavLst>
+                                        <p:tav tm="0">
+                                          <p:val>
+                                            <p:strVal val="#ppt_x"/>
+                                          </p:val>
+                                        </p:tav>
+                                        <p:tav tm="100000">
+                                          <p:val>
+                                            <p:strVal val="#ppt_x"/>
+                                          </p:val>
+                                        </p:tav>
+                                      </p:tavLst>
+                                    </p:anim>
+                                    <p:anim calcmode="lin" valueType="num">
+                                      <p:cBhvr additive="base">
+                                        <p:cTn id="8" dur="500" fill="hold"/>
+                                        <p:tgtEl>
+                                          <p:spTgt spid="3">
+                                            <p:txEl>
+                                              <p:pRg st="0" end="0"/>
+                                            </p:txEl>
+                                          </p:spTgt>
+                                        </p:tgtEl>
+                                        <p:attrNameLst>
+                                          <p:attrName>ppt_y</p:attrName>
+                                        </p:attrNameLst>
+                                      </p:cBhvr>
+                                      <p:tavLst>
+                                        <p:tav tm="0">
+                                          <p:val>
+                                            <p:strVal val="1+#ppt_h/2"/>
+                                          </p:val>
+                                        </p:tav>
+                                        <p:tav tm="100000">
+                                          <p:val>
+                                            <p:strVal val="#ppt_y"/>
+                                          </p:val>
+                                        </p:tav>
+                                      </p:tavLst>
+                                    </p:anim>
+                                  </p:childTnLst>
+                                </p:cTn>
+                              </p:par>
+                              <p:par>
+                                <p:cTn id="9" presetID="2" presetClass="entr" presetSubtype="4" fill="hold" grpId="0" nodeType="withEffect">
+                                  <p:stCondLst>
+                                    <p:cond delay="0"/>
+                                  </p:stCondLst>
+                                  <p:childTnLst>
+                                    <p:set>
+                                      <p:cBhvr>
+                                        <p:cTn id="10" dur="1" fill="hold">
+                                          <p:stCondLst>
+                                            <p:cond delay="0"/>
+                                          </p:stCondLst>
+                                        </p:cTn>
+                                        <p:tgtEl>
+                                          <p:spTgt spid="3">
+                                            <p:txEl>
+                                              <p:pRg st="1" end="1"/>
+                                            </p:txEl>
+                                          </p:spTgt>
+                                        </p:tgtEl>
+                                        <p:attrNameLst>
+                                          <p:attrName>style.visibility</p:attrName>
+                                        </p:attrNameLst>
+                                      </p:cBhvr>
+                                      <p:to>
+                                        <p:strVal val="visible"/>
+                                      </p:to>
+                                    </p:set>
+                                    <p:anim calcmode="lin" valueType="num">
+                                      <p:cBhvr additive="base">
+                                        <p:cTn id="11" dur="500" fill="hold"/>
+                                        <p:tgtEl>
+                                          <p:spTgt spid="3">
+                                            <p:txEl>
+                                              <p:pRg st="1" end="1"/>
+                                            </p:txEl>
+                                          </p:spTgt>
+                                        </p:tgtEl>
+                                        <p:attrNameLst>
+                                          <p:attrName>ppt_x</p:attrName>
+                                        </p:attrNameLst>
+                                      </p:cBhvr>
+                                      <p:tavLst>
+                                        <p:tav tm="0">
+                                          <p:val>
+                                            <p:strVal val="#ppt_x"/>
+                                          </p:val>
+                                        </p:tav>
+                                        <p:tav tm="100000">
+                                          <p:val>
+                                            <p:strVal val="#ppt_x"/>
+                                          </p:val>
+                                        </p:tav>
+                                      </p:tavLst>
+                                    </p:anim>
+                                    <p:anim calcmode="lin" valueType="num">
+                                      <p:cBhvr additive="base">
+                                        <p:cTn id="12" dur="500" fill="hold"/>
+                                        <p:tgtEl>
+                                          <p:spTgt spid="3">
+                                            <p:txEl>
+                                              <p:pRg st="1" end="1"/>
+                                            </p:txEl>
+                                          </p:spTgt>
+                                        </p:tgtEl>
+                                        <p:attrNameLst>
+                                          <p:attrName>ppt_y</p:attrName>
+                                        </p:attrNameLst>
+                                      </p:cBhvr>
+                                      <p:tavLst>
+                                        <p:tav tm="0">
+                                          <p:val>
+                                            <p:strVal val="1+#ppt_h/2"/>
+                                          </p:val>
+                                        </p:tav>
+                                        <p:tav tm="100000">
+                                          <p:val>
+                                            <p:strVal val="#ppt_y"/>
+                                          </p:val>
+                                        </p:tav>
+                                      </p:tavLst>
+                                    </p:anim>
+                                  </p:childTnLst>
+                                </p:cTn>
+                              </p:par>
+                            </p:childTnLst>
+                          </p:cTn>
+                        </p:par>
+                      </p:childTnLst>
+                    </p:cTn>
+                  </p:par>
+                  <p:par>
+                    <p:cTn id="13" fill="hold">
+                      <p:stCondLst>
+                        <p:cond delay="indefinite"/>
+                      </p:stCondLst>
+                      <p:childTnLst>
+                        <p:par>
+                          <p:cTn id="14" fill="hold">
+                            <p:stCondLst>
+                              <p:cond delay="0"/>
+                            </p:stCondLst>
+                            <p:childTnLst>
+                              <p:par>
+                                <p:cTn id="15" presetID="2" presetClass="entr" presetSubtype="4" fill="hold" grpId="0" nodeType="clickEffect">
+                                  <p:stCondLst>
+                                    <p:cond delay="0"/>
+                                  </p:stCondLst>
+                                  <p:childTnLst>
+                                    <p:set>
+                                      <p:cBhvr>
+                                        <p:cTn id="16" dur="1" fill="hold">
+                                          <p:stCondLst>
+                                            <p:cond delay="0"/>
+                                          </p:stCondLst>
+                                        </p:cTn>
+                                        <p:tgtEl>
+                                          <p:spTgt spid="3">
+                                            <p:txEl>
+                                              <p:pRg st="3" end="3"/>
+                                            </p:txEl>
+                                          </p:spTgt>
+                                        </p:tgtEl>
+                                        <p:attrNameLst>
+                                          <p:attrName>style.visibility</p:attrName>
+                                        </p:attrNameLst>
+                                      </p:cBhvr>
+                                      <p:to>
+                                        <p:strVal val="visible"/>
+                                      </p:to>
+                                    </p:set>
+                                    <p:anim calcmode="lin" valueType="num">
+                                      <p:cBhvr additive="base">
+                                        <p:cTn id="17" dur="500" fill="hold"/>
+                                        <p:tgtEl>
+                                          <p:spTgt spid="3">
+                                            <p:txEl>
+                                              <p:pRg st="3" end="3"/>
+                                            </p:txEl>
+                                          </p:spTgt>
+                                        </p:tgtEl>
+                                        <p:attrNameLst>
+                                          <p:attrName>ppt_x</p:attrName>
+                                        </p:attrNameLst>
+                                      </p:cBhvr>
+                                      <p:tavLst>
+                                        <p:tav tm="0">
+                                          <p:val>
+                                            <p:strVal val="#ppt_x"/>
+                                          </p:val>
+                                        </p:tav>
+                                        <p:tav tm="100000">
+                                          <p:val>
+                                            <p:strVal val="#ppt_x"/>
+                                          </p:val>
+                                        </p:tav>
+                                      </p:tavLst>
+                                    </p:anim>
+                                    <p:anim calcmode="lin" valueType="num">
+                                      <p:cBhvr additive="base">
+                                        <p:cTn id="18" dur="500" fill="hold"/>
+                                        <p:tgtEl>
+                                          <p:spTgt spid="3">
+                                            <p:txEl>
+                                              <p:pRg st="3" end="3"/>
+                                            </p:txEl>
+                                          </p:spTgt>
+                                        </p:tgtEl>
+                                        <p:attrNameLst>
+                                          <p:attrName>ppt_y</p:attrName>
+                                        </p:attrNameLst>
+                                      </p:cBhvr>
+                                      <p:tavLst>
+                                        <p:tav tm="0">
+                                          <p:val>
+                                            <p:strVal val="1+#ppt_h/2"/>
+                                          </p:val>
+                                        </p:tav>
+                                        <p:tav tm="100000">
+                                          <p:val>
+                                            <p:strVal val="#ppt_y"/>
+                                          </p:val>
+                                        </p:tav>
+                                      </p:tavLst>
+                                    </p:anim>
+                                  </p:childTnLst>
+                                </p:cTn>
+                              </p:par>
+                              <p:par>
+                                <p:cTn id="19" presetID="2" presetClass="entr" presetSubtype="4" fill="hold" grpId="0" nodeType="withEffect">
+                                  <p:stCondLst>
+                                    <p:cond delay="0"/>
+                                  </p:stCondLst>
+                                  <p:childTnLst>
+                                    <p:set>
+                                      <p:cBhvr>
+                                        <p:cTn id="20" dur="1" fill="hold">
+                                          <p:stCondLst>
+                                            <p:cond delay="0"/>
+                                          </p:stCondLst>
+                                        </p:cTn>
+                                        <p:tgtEl>
+                                          <p:spTgt spid="3">
+                                            <p:txEl>
+                                              <p:pRg st="4" end="4"/>
+                                            </p:txEl>
+                                          </p:spTgt>
+                                        </p:tgtEl>
+                                        <p:attrNameLst>
+                                          <p:attrName>style.visibility</p:attrName>
+                                        </p:attrNameLst>
+                                      </p:cBhvr>
+                                      <p:to>
+                                        <p:strVal val="visible"/>
+                                      </p:to>
+                                    </p:set>
+                                    <p:anim calcmode="lin" valueType="num">
+                                      <p:cBhvr additive="base">
+                                        <p:cTn id="21" dur="500" fill="hold"/>
+                                        <p:tgtEl>
+                                          <p:spTgt spid="3">
+                                            <p:txEl>
+                                              <p:pRg st="4" end="4"/>
+                                            </p:txEl>
+                                          </p:spTgt>
+                                        </p:tgtEl>
+                                        <p:attrNameLst>
+                                          <p:attrName>ppt_x</p:attrName>
+                                        </p:attrNameLst>
+                                      </p:cBhvr>
+                                      <p:tavLst>
+                                        <p:tav tm="0">
+                                          <p:val>
+                                            <p:strVal val="#ppt_x"/>
+                                          </p:val>
+                                        </p:tav>
+                                        <p:tav tm="100000">
+                                          <p:val>
+                                            <p:strVal val="#ppt_x"/>
+                                          </p:val>
+                                        </p:tav>
+                                      </p:tavLst>
+                                    </p:anim>
+                                    <p:anim calcmode="lin" valueType="num">
+                                      <p:cBhvr additive="base">
+                                        <p:cTn id="22" dur="500" fill="hold"/>
+                                        <p:tgtEl>
+                                          <p:spTgt spid="3">
+                                            <p:txEl>
+                                              <p:pRg st="4" end="4"/>
+                                            </p:txEl>
+                                          </p:spTgt>
+                                        </p:tgtEl>
+                                        <p:attrNameLst>
+                                          <p:attrName>ppt_y</p:attrName>
+                                        </p:attrNameLst>
+                                      </p:cBhvr>
+                                      <p:tavLst>
+                                        <p:tav tm="0">
+                                          <p:val>
+                                            <p:strVal val="1+#ppt_h/2"/>
+                                          </p:val>
+                                        </p:tav>
+                                        <p:tav tm="100000">
+                                          <p:val>
+                                            <p:strVal val="#ppt_y"/>
+                                          </p:val>
+                                        </p:tav>
+                                      </p:tavLst>
+                                    </p:anim>
+                                  </p:childTnLst>
+                                </p:cTn>
+                              </p:par>
+                              <p:par>
+                                <p:cTn id="23" presetID="2" presetClass="entr" presetSubtype="4" fill="hold" grpId="0" nodeType="withEffect">
+                                  <p:stCondLst>
+                                    <p:cond delay="0"/>
+                                  </p:stCondLst>
+                                  <p:childTnLst>
+                                    <p:set>
+                                      <p:cBhvr>
+                                        <p:cTn id="24" dur="1" fill="hold">
+                                          <p:stCondLst>
+                                            <p:cond delay="0"/>
+                                          </p:stCondLst>
+                                        </p:cTn>
+                                        <p:tgtEl>
+                                          <p:spTgt spid="3">
+                                            <p:txEl>
+                                              <p:pRg st="5" end="5"/>
+                                            </p:txEl>
+                                          </p:spTgt>
+                                        </p:tgtEl>
+                                        <p:attrNameLst>
+                                          <p:attrName>style.visibility</p:attrName>
+                                        </p:attrNameLst>
+                                      </p:cBhvr>
+                                      <p:to>
+                                        <p:strVal val="visible"/>
+                                      </p:to>
+                                    </p:set>
+                                    <p:anim calcmode="lin" valueType="num">
+                                      <p:cBhvr additive="base">
+                                        <p:cTn id="25" dur="500" fill="hold"/>
+                                        <p:tgtEl>
+                                          <p:spTgt spid="3">
+                                            <p:txEl>
+                                              <p:pRg st="5" end="5"/>
+                                            </p:txEl>
+                                          </p:spTgt>
+                                        </p:tgtEl>
+                                        <p:attrNameLst>
+                                          <p:attrName>ppt_x</p:attrName>
+                                        </p:attrNameLst>
+                                      </p:cBhvr>
+                                      <p:tavLst>
+                                        <p:tav tm="0">
+                                          <p:val>
+                                            <p:strVal val="#ppt_x"/>
+                                          </p:val>
+                                        </p:tav>
+                                        <p:tav tm="100000">
+                                          <p:val>
+                                            <p:strVal val="#ppt_x"/>
+                                          </p:val>
+                                        </p:tav>
+                                      </p:tavLst>
+                                    </p:anim>
+                                    <p:anim calcmode="lin" valueType="num">
+                                      <p:cBhvr additive="base">
+                                        <p:cTn id="26" dur="500" fill="hold"/>
+                                        <p:tgtEl>
+                                          <p:spTgt spid="3">
+                                            <p:txEl>
+                                              <p:pRg st="5" end="5"/>
+                                            </p:txEl>
+                                          </p:spTgt>
+                                        </p:tgtEl>
+                                        <p:attrNameLst>
+                                          <p:attrName>ppt_y</p:attrName>
+                                        </p:attrNameLst>
+                                      </p:cBhvr>
+                                      <p:tavLst>
+                                        <p:tav tm="0">
+                                          <p:val>
+                                            <p:strVal val="1+#ppt_h/2"/>
+                                          </p:val>
+                                        </p:tav>
+                                        <p:tav tm="100000">
+                                          <p:val>
+                                            <p:strVal val="#ppt_y"/>
+                                          </p:val>
+                                        </p:tav>
+                                      </p:tavLst>
+                                    </p:anim>
+                                  </p:childTnLst>
+                                </p:cTn>
+                              </p:par>
+                            </p:childTnLst>
+                          </p:cTn>
+                        </p:par>
+                      </p:childTnLst>
+                    </p:cTn>
+                  </p:par>
+                  <p:par>
+                    <p:cTn id="27" fill="hold">
+                      <p:stCondLst>
+                        <p:cond delay="indefinite"/>
+                      </p:stCondLst>
+                      <p:childTnLst>
+                        <p:par>
+                          <p:cTn id="28" fill="hold">
+                            <p:stCondLst>
+                              <p:cond delay="0"/>
+                            </p:stCondLst>
+                            <p:childTnLst>
+                              <p:par>
+                                <p:cTn id="29" presetID="2" presetClass="entr" presetSubtype="4" fill="hold" grpId="0" nodeType="clickEffect">
+                                  <p:stCondLst>
+                                    <p:cond delay="0"/>
+                                  </p:stCondLst>
+                                  <p:childTnLst>
+                                    <p:set>
+                                      <p:cBhvr>
+                                        <p:cTn id="30" dur="1" fill="hold">
+                                          <p:stCondLst>
+                                            <p:cond delay="0"/>
+                                          </p:stCondLst>
+                                        </p:cTn>
+                                        <p:tgtEl>
+                                          <p:spTgt spid="3">
+                                            <p:txEl>
+                                              <p:pRg st="7" end="7"/>
+                                            </p:txEl>
+                                          </p:spTgt>
+                                        </p:tgtEl>
+                                        <p:attrNameLst>
+                                          <p:attrName>style.visibility</p:attrName>
+                                        </p:attrNameLst>
+                                      </p:cBhvr>
+                                      <p:to>
+                                        <p:strVal val="visible"/>
+                                      </p:to>
+                                    </p:set>
+                                    <p:anim calcmode="lin" valueType="num">
+                                      <p:cBhvr additive="base">
+                                        <p:cTn id="31" dur="500" fill="hold"/>
+                                        <p:tgtEl>
+                                          <p:spTgt spid="3">
+                                            <p:txEl>
+                                              <p:pRg st="7" end="7"/>
+                                            </p:txEl>
+                                          </p:spTgt>
+                                        </p:tgtEl>
+                                        <p:attrNameLst>
+                                          <p:attrName>ppt_x</p:attrName>
+                                        </p:attrNameLst>
+                                      </p:cBhvr>
+                                      <p:tavLst>
+                                        <p:tav tm="0">
+                                          <p:val>
+                                            <p:strVal val="#ppt_x"/>
+                                          </p:val>
+                                        </p:tav>
+                                        <p:tav tm="100000">
+                                          <p:val>
+                                            <p:strVal val="#ppt_x"/>
+                                          </p:val>
+                                        </p:tav>
+                                      </p:tavLst>
+                                    </p:anim>
+                                    <p:anim calcmode="lin" valueType="num">
+                                      <p:cBhvr additive="base">
+                                        <p:cTn id="32" dur="500" fill="hold"/>
+                                        <p:tgtEl>
+                                          <p:spTgt spid="3">
+                                            <p:txEl>
+                                              <p:pRg st="7" end="7"/>
+                                            </p:txEl>
+                                          </p:spTgt>
+                                        </p:tgtEl>
+                                        <p:attrNameLst>
+                                          <p:attrName>ppt_y</p:attrName>
+                                        </p:attrNameLst>
+                                      </p:cBhvr>
+                                      <p:tavLst>
+                                        <p:tav tm="0">
+                                          <p:val>
+                                            <p:strVal val="1+#ppt_h/2"/>
+                                          </p:val>
+                                        </p:tav>
+                                        <p:tav tm="100000">
+                                          <p:val>
+                                            <p:strVal val="#ppt_y"/>
+                                          </p:val>
+                                        </p:tav>
+                                      </p:tavLst>
+                                    </p:anim>
+                                  </p:childTnLst>
+                                </p:cTn>
+                              </p:par>
+                              <p:par>
+                                <p:cTn id="33" presetID="2" presetClass="entr" presetSubtype="4" fill="hold" grpId="0" nodeType="withEffect">
+                                  <p:stCondLst>
+                                    <p:cond delay="0"/>
+                                  </p:stCondLst>
+                                  <p:childTnLst>
+                                    <p:set>
+                                      <p:cBhvr>
+                                        <p:cTn id="34" dur="1" fill="hold">
+                                          <p:stCondLst>
+                                            <p:cond delay="0"/>
+                                          </p:stCondLst>
+                                        </p:cTn>
+                                        <p:tgtEl>
+                                          <p:spTgt spid="3">
+                                            <p:txEl>
+                                              <p:pRg st="8" end="8"/>
+                                            </p:txEl>
+                                          </p:spTgt>
+                                        </p:tgtEl>
+                                        <p:attrNameLst>
+                                          <p:attrName>style.visibility</p:attrName>
+                                        </p:attrNameLst>
+                                      </p:cBhvr>
+                                      <p:to>
+                                        <p:strVal val="visible"/>
+                                      </p:to>
+                                    </p:set>
+                                    <p:anim calcmode="lin" valueType="num">
+                                      <p:cBhvr additive="base">
+                                        <p:cTn id="35" dur="500" fill="hold"/>
+                                        <p:tgtEl>
+                                          <p:spTgt spid="3">
+                                            <p:txEl>
+                                              <p:pRg st="8" end="8"/>
+                                            </p:txEl>
+                                          </p:spTgt>
+                                        </p:tgtEl>
+                                        <p:attrNameLst>
+                                          <p:attrName>ppt_x</p:attrName>
+                                        </p:attrNameLst>
+                                      </p:cBhvr>
+                                      <p:tavLst>
+                                        <p:tav tm="0">
+                                          <p:val>
+                                            <p:strVal val="#ppt_x"/>
+                                          </p:val>
+                                        </p:tav>
+                                        <p:tav tm="100000">
+                                          <p:val>
+                                            <p:strVal val="#ppt_x"/>
+                                          </p:val>
+                                        </p:tav>
+                                      </p:tavLst>
+                                    </p:anim>
+                                    <p:anim calcmode="lin" valueType="num">
+                                      <p:cBhvr additive="base">
+                                        <p:cTn id="36" dur="500" fill="hold"/>
+                                        <p:tgtEl>
+                                          <p:spTgt spid="3">
+                                            <p:txEl>
+                                              <p:pRg st="8" end="8"/>
+                                            </p:txEl>
+                                          </p:spTgt>
+                                        </p:tgtEl>
+                                        <p:attrNameLst>
+                                          <p:attrName>ppt_y</p:attrName>
+                                        </p:attrNameLst>
+                                      </p:cBhvr>
+                                      <p:tavLst>
+                                        <p:tav tm="0">
+                                          <p:val>
+                                            <p:strVal val="1+#ppt_h/2"/>
+                                          </p:val>
+                                        </p:tav>
+                                        <p:tav tm="100000">
+                                          <p:val>
+                                            <p:strVal val="#ppt_y"/>
+                                          </p:val>
+                                        </p:tav>
+                                      </p:tavLst>
+                                    </p:anim>
+                                  </p:childTnLst>
+                                </p:cTn>
+                              </p:par>
+                            </p:childTnLst>
+                          </p:cTn>
+                        </p:par>
+                      </p:childTnLst>
+                    </p:cTn>
+                  </p:par>
+                </p:childTnLst>
+              </p:cTn>
+              <p:prevCondLst>
+                <p:cond evt="onPrev" delay="0">
+                  <p:tgtEl>
+                    <p:sldTgt/>
+                  </p:tgtEl>
+                </p:cond>
+              </p:prevCondLst>
+              <p:nextCondLst>
+                <p:cond evt="onNext" delay="0">
+                  <p:tgtEl>
+                    <p:sldTgt/>
+                  </p:tgtEl>
+                </p:cond>
+              </p:nextCondLst>
+            </p:seq>
+          </p:childTnLst>
+        </p:cTn>
+      </p:par>
+    </p:tnLst>
+    <p:bldLst>
+      <p:bldP spid="3" grpId="0" build="p"/>
+    </p:bldLst>
+  </p:timing>
 </p:sld>
 </file>
 

--- a/Day_4/Day_4.pptx
+++ b/Day_4/Day_4.pptx
@@ -6,34 +6,39 @@
   </p:sldMasterIdLst>
   <p:sldIdLst>
     <p:sldId id="256" r:id="rId2"/>
-    <p:sldId id="257" r:id="rId3"/>
-    <p:sldId id="258" r:id="rId4"/>
-    <p:sldId id="259" r:id="rId5"/>
-    <p:sldId id="272" r:id="rId6"/>
-    <p:sldId id="260" r:id="rId7"/>
-    <p:sldId id="261" r:id="rId8"/>
-    <p:sldId id="262" r:id="rId9"/>
-    <p:sldId id="263" r:id="rId10"/>
-    <p:sldId id="264" r:id="rId11"/>
-    <p:sldId id="265" r:id="rId12"/>
-    <p:sldId id="266" r:id="rId13"/>
-    <p:sldId id="267" r:id="rId14"/>
-    <p:sldId id="280" r:id="rId15"/>
-    <p:sldId id="281" r:id="rId16"/>
-    <p:sldId id="279" r:id="rId17"/>
-    <p:sldId id="268" r:id="rId18"/>
-    <p:sldId id="269" r:id="rId19"/>
-    <p:sldId id="270" r:id="rId20"/>
-    <p:sldId id="271" r:id="rId21"/>
-    <p:sldId id="273" r:id="rId22"/>
-    <p:sldId id="274" r:id="rId23"/>
-    <p:sldId id="275" r:id="rId24"/>
-    <p:sldId id="276" r:id="rId25"/>
-    <p:sldId id="277" r:id="rId26"/>
-    <p:sldId id="278" r:id="rId27"/>
-    <p:sldId id="282" r:id="rId28"/>
-    <p:sldId id="283" r:id="rId29"/>
-    <p:sldId id="284" r:id="rId30"/>
+    <p:sldId id="289" r:id="rId3"/>
+    <p:sldId id="257" r:id="rId4"/>
+    <p:sldId id="258" r:id="rId5"/>
+    <p:sldId id="259" r:id="rId6"/>
+    <p:sldId id="272" r:id="rId7"/>
+    <p:sldId id="260" r:id="rId8"/>
+    <p:sldId id="261" r:id="rId9"/>
+    <p:sldId id="262" r:id="rId10"/>
+    <p:sldId id="263" r:id="rId11"/>
+    <p:sldId id="264" r:id="rId12"/>
+    <p:sldId id="265" r:id="rId13"/>
+    <p:sldId id="266" r:id="rId14"/>
+    <p:sldId id="267" r:id="rId15"/>
+    <p:sldId id="280" r:id="rId16"/>
+    <p:sldId id="281" r:id="rId17"/>
+    <p:sldId id="279" r:id="rId18"/>
+    <p:sldId id="268" r:id="rId19"/>
+    <p:sldId id="269" r:id="rId20"/>
+    <p:sldId id="270" r:id="rId21"/>
+    <p:sldId id="271" r:id="rId22"/>
+    <p:sldId id="273" r:id="rId23"/>
+    <p:sldId id="274" r:id="rId24"/>
+    <p:sldId id="275" r:id="rId25"/>
+    <p:sldId id="276" r:id="rId26"/>
+    <p:sldId id="277" r:id="rId27"/>
+    <p:sldId id="278" r:id="rId28"/>
+    <p:sldId id="282" r:id="rId29"/>
+    <p:sldId id="283" r:id="rId30"/>
+    <p:sldId id="284" r:id="rId31"/>
+    <p:sldId id="285" r:id="rId32"/>
+    <p:sldId id="286" r:id="rId33"/>
+    <p:sldId id="287" r:id="rId34"/>
+    <p:sldId id="288" r:id="rId35"/>
   </p:sldIdLst>
   <p:sldSz cx="12192000" cy="6858000"/>
   <p:notesSz cx="6858000" cy="9144000"/>
@@ -12404,7 +12409,10 @@
           <a:p>
             <a:pPr algn="ctr"/>
             <a:r>
-              <a:rPr lang="en-US" dirty="0"/>
+              <a:rPr lang="en-US" dirty="0">
+                <a:latin typeface="Consolas" panose="020B0609020204030204" pitchFamily="49" charset="0"/>
+                <a:cs typeface="Consolas" panose="020B0609020204030204" pitchFamily="49" charset="0"/>
+              </a:rPr>
               <a:t>I/O</a:t>
             </a:r>
           </a:p>
@@ -12467,6 +12475,631 @@
 </file>
 
 <file path=ppt/slides/slide10.xml><?xml version="1.0" encoding="utf-8"?>
+<p:sld xmlns:a="http://schemas.openxmlformats.org/drawingml/2006/main" xmlns:r="http://schemas.openxmlformats.org/officeDocument/2006/relationships" xmlns:p="http://schemas.openxmlformats.org/presentationml/2006/main">
+  <p:cSld>
+    <p:spTree>
+      <p:nvGrpSpPr>
+        <p:cNvPr id="1" name=""/>
+        <p:cNvGrpSpPr/>
+        <p:nvPr/>
+      </p:nvGrpSpPr>
+      <p:grpSpPr>
+        <a:xfrm>
+          <a:off x="0" y="0"/>
+          <a:ext cx="0" cy="0"/>
+          <a:chOff x="0" y="0"/>
+          <a:chExt cx="0" cy="0"/>
+        </a:xfrm>
+      </p:grpSpPr>
+      <p:sp>
+        <p:nvSpPr>
+          <p:cNvPr id="2" name="Title 1">
+            <a:extLst>
+              <a:ext uri="{FF2B5EF4-FFF2-40B4-BE49-F238E27FC236}">
+                <a16:creationId xmlns:a16="http://schemas.microsoft.com/office/drawing/2014/main" id="{E7F0E680-3F8C-A24A-A1DE-578AE1E05D86}"/>
+              </a:ext>
+            </a:extLst>
+          </p:cNvPr>
+          <p:cNvSpPr>
+            <a:spLocks noGrp="1"/>
+          </p:cNvSpPr>
+          <p:nvPr>
+            <p:ph type="title"/>
+          </p:nvPr>
+        </p:nvSpPr>
+        <p:spPr/>
+        <p:txBody>
+          <a:bodyPr/>
+          <a:lstStyle/>
+          <a:p>
+            <a:pPr algn="ctr"/>
+            <a:r>
+              <a:rPr lang="en-US" b="1" dirty="0"/>
+              <a:t>Solution</a:t>
+            </a:r>
+          </a:p>
+        </p:txBody>
+      </p:sp>
+      <p:pic>
+        <p:nvPicPr>
+          <p:cNvPr id="5" name="Content Placeholder 4">
+            <a:extLst>
+              <a:ext uri="{FF2B5EF4-FFF2-40B4-BE49-F238E27FC236}">
+                <a16:creationId xmlns:a16="http://schemas.microsoft.com/office/drawing/2014/main" id="{B9753524-8466-A140-B1F9-84E2A60C7480}"/>
+              </a:ext>
+            </a:extLst>
+          </p:cNvPr>
+          <p:cNvPicPr>
+            <a:picLocks noGrp="1" noChangeAspect="1"/>
+          </p:cNvPicPr>
+          <p:nvPr>
+            <p:ph idx="1"/>
+          </p:nvPr>
+        </p:nvPicPr>
+        <p:blipFill>
+          <a:blip r:embed="rId2"/>
+          <a:stretch>
+            <a:fillRect/>
+          </a:stretch>
+        </p:blipFill>
+        <p:spPr>
+          <a:xfrm>
+            <a:off x="869761" y="1764320"/>
+            <a:ext cx="6485475" cy="4650768"/>
+          </a:xfrm>
+        </p:spPr>
+      </p:pic>
+      <p:sp>
+        <p:nvSpPr>
+          <p:cNvPr id="6" name="TextBox 5">
+            <a:extLst>
+              <a:ext uri="{FF2B5EF4-FFF2-40B4-BE49-F238E27FC236}">
+                <a16:creationId xmlns:a16="http://schemas.microsoft.com/office/drawing/2014/main" id="{F01C9068-9E8A-214B-BCA4-F800BFB41DC7}"/>
+              </a:ext>
+            </a:extLst>
+          </p:cNvPr>
+          <p:cNvSpPr txBox="1"/>
+          <p:nvPr/>
+        </p:nvSpPr>
+        <p:spPr>
+          <a:xfrm>
+            <a:off x="7626888" y="1828800"/>
+            <a:ext cx="4117437" cy="369332"/>
+          </a:xfrm>
+          <a:prstGeom prst="rect">
+            <a:avLst/>
+          </a:prstGeom>
+          <a:noFill/>
+        </p:spPr>
+        <p:txBody>
+          <a:bodyPr wrap="square" rtlCol="0">
+            <a:spAutoFit/>
+          </a:bodyPr>
+          <a:lstStyle/>
+          <a:p>
+            <a:pPr marL="285750" indent="-285750">
+              <a:buFont typeface="Arial" panose="020B0604020202020204" pitchFamily="34" charset="0"/>
+              <a:buChar char="•"/>
+            </a:pPr>
+            <a:r>
+              <a:rPr lang="en-US" dirty="0"/>
+              <a:t>We can use an </a:t>
+            </a:r>
+            <a:r>
+              <a:rPr lang="en-US" u="sng" dirty="0"/>
+              <a:t>array</a:t>
+            </a:r>
+            <a:r>
+              <a:rPr lang="en-US" dirty="0"/>
+              <a:t> of </a:t>
+            </a:r>
+            <a:r>
+              <a:rPr lang="en-US" sz="1600" dirty="0">
+                <a:solidFill>
+                  <a:schemeClr val="accent4"/>
+                </a:solidFill>
+                <a:latin typeface="Consolas" panose="020B0609020204030204" pitchFamily="49" charset="0"/>
+                <a:cs typeface="Consolas" panose="020B0609020204030204" pitchFamily="49" charset="0"/>
+              </a:rPr>
+              <a:t>string</a:t>
+            </a:r>
+            <a:r>
+              <a:rPr lang="en-US" dirty="0"/>
+              <a:t>s </a:t>
+            </a:r>
+          </a:p>
+        </p:txBody>
+      </p:sp>
+      <p:pic>
+        <p:nvPicPr>
+          <p:cNvPr id="9" name="Picture 8">
+            <a:extLst>
+              <a:ext uri="{FF2B5EF4-FFF2-40B4-BE49-F238E27FC236}">
+                <a16:creationId xmlns:a16="http://schemas.microsoft.com/office/drawing/2014/main" id="{0053F05E-B524-8640-A178-16024B78A167}"/>
+              </a:ext>
+            </a:extLst>
+          </p:cNvPr>
+          <p:cNvPicPr>
+            <a:picLocks noChangeAspect="1"/>
+          </p:cNvPicPr>
+          <p:nvPr/>
+        </p:nvPicPr>
+        <p:blipFill>
+          <a:blip r:embed="rId3"/>
+          <a:stretch>
+            <a:fillRect/>
+          </a:stretch>
+        </p:blipFill>
+        <p:spPr>
+          <a:xfrm>
+            <a:off x="7626888" y="3690616"/>
+            <a:ext cx="4301007" cy="565471"/>
+          </a:xfrm>
+          <a:prstGeom prst="rect">
+            <a:avLst/>
+          </a:prstGeom>
+        </p:spPr>
+      </p:pic>
+      <p:sp>
+        <p:nvSpPr>
+          <p:cNvPr id="10" name="TextBox 9">
+            <a:extLst>
+              <a:ext uri="{FF2B5EF4-FFF2-40B4-BE49-F238E27FC236}">
+                <a16:creationId xmlns:a16="http://schemas.microsoft.com/office/drawing/2014/main" id="{A4081338-3F1C-A244-A0BE-33042964B08E}"/>
+              </a:ext>
+            </a:extLst>
+          </p:cNvPr>
+          <p:cNvSpPr txBox="1"/>
+          <p:nvPr/>
+        </p:nvSpPr>
+        <p:spPr>
+          <a:xfrm>
+            <a:off x="7626888" y="3307370"/>
+            <a:ext cx="1157287" cy="369332"/>
+          </a:xfrm>
+          <a:prstGeom prst="rect">
+            <a:avLst/>
+          </a:prstGeom>
+          <a:noFill/>
+        </p:spPr>
+        <p:txBody>
+          <a:bodyPr wrap="square" rtlCol="0">
+            <a:spAutoFit/>
+          </a:bodyPr>
+          <a:lstStyle/>
+          <a:p>
+            <a:r>
+              <a:rPr lang="en-US" b="1" dirty="0"/>
+              <a:t>OUTPUT:</a:t>
+            </a:r>
+          </a:p>
+        </p:txBody>
+      </p:sp>
+      <p:sp>
+        <p:nvSpPr>
+          <p:cNvPr id="11" name="TextBox 10">
+            <a:extLst>
+              <a:ext uri="{FF2B5EF4-FFF2-40B4-BE49-F238E27FC236}">
+                <a16:creationId xmlns:a16="http://schemas.microsoft.com/office/drawing/2014/main" id="{AFD440E4-D224-C148-AA73-5974F8D460BD}"/>
+              </a:ext>
+            </a:extLst>
+          </p:cNvPr>
+          <p:cNvSpPr txBox="1"/>
+          <p:nvPr/>
+        </p:nvSpPr>
+        <p:spPr>
+          <a:xfrm>
+            <a:off x="7626887" y="4577284"/>
+            <a:ext cx="4117437" cy="646331"/>
+          </a:xfrm>
+          <a:prstGeom prst="rect">
+            <a:avLst/>
+          </a:prstGeom>
+          <a:noFill/>
+        </p:spPr>
+        <p:txBody>
+          <a:bodyPr wrap="square" rtlCol="0">
+            <a:spAutoFit/>
+          </a:bodyPr>
+          <a:lstStyle/>
+          <a:p>
+            <a:r>
+              <a:rPr lang="en-US" b="1" u="sng" dirty="0"/>
+              <a:t>NOTE</a:t>
+            </a:r>
+            <a:r>
+              <a:rPr lang="en-US" dirty="0"/>
+              <a:t>: The spaces between the two strings is ignored</a:t>
+            </a:r>
+          </a:p>
+        </p:txBody>
+      </p:sp>
+    </p:spTree>
+    <p:extLst>
+      <p:ext uri="{BB962C8B-B14F-4D97-AF65-F5344CB8AC3E}">
+        <p14:creationId xmlns:p14="http://schemas.microsoft.com/office/powerpoint/2010/main" val="865421944"/>
+      </p:ext>
+    </p:extLst>
+  </p:cSld>
+  <p:clrMapOvr>
+    <a:masterClrMapping/>
+  </p:clrMapOvr>
+  <p:timing>
+    <p:tnLst>
+      <p:par>
+        <p:cTn id="1" dur="indefinite" restart="never" nodeType="tmRoot">
+          <p:childTnLst>
+            <p:seq concurrent="1" nextAc="seek">
+              <p:cTn id="2" dur="indefinite" nodeType="mainSeq">
+                <p:childTnLst>
+                  <p:par>
+                    <p:cTn id="3" fill="hold">
+                      <p:stCondLst>
+                        <p:cond delay="indefinite"/>
+                      </p:stCondLst>
+                      <p:childTnLst>
+                        <p:par>
+                          <p:cTn id="4" fill="hold">
+                            <p:stCondLst>
+                              <p:cond delay="0"/>
+                            </p:stCondLst>
+                            <p:childTnLst>
+                              <p:par>
+                                <p:cTn id="5" presetID="2" presetClass="entr" presetSubtype="4" fill="hold" nodeType="clickEffect">
+                                  <p:stCondLst>
+                                    <p:cond delay="0"/>
+                                  </p:stCondLst>
+                                  <p:childTnLst>
+                                    <p:set>
+                                      <p:cBhvr>
+                                        <p:cTn id="6" dur="1" fill="hold">
+                                          <p:stCondLst>
+                                            <p:cond delay="0"/>
+                                          </p:stCondLst>
+                                        </p:cTn>
+                                        <p:tgtEl>
+                                          <p:spTgt spid="6">
+                                            <p:txEl>
+                                              <p:pRg st="0" end="0"/>
+                                            </p:txEl>
+                                          </p:spTgt>
+                                        </p:tgtEl>
+                                        <p:attrNameLst>
+                                          <p:attrName>style.visibility</p:attrName>
+                                        </p:attrNameLst>
+                                      </p:cBhvr>
+                                      <p:to>
+                                        <p:strVal val="visible"/>
+                                      </p:to>
+                                    </p:set>
+                                    <p:anim calcmode="lin" valueType="num">
+                                      <p:cBhvr additive="base">
+                                        <p:cTn id="7" dur="500" fill="hold"/>
+                                        <p:tgtEl>
+                                          <p:spTgt spid="6">
+                                            <p:txEl>
+                                              <p:pRg st="0" end="0"/>
+                                            </p:txEl>
+                                          </p:spTgt>
+                                        </p:tgtEl>
+                                        <p:attrNameLst>
+                                          <p:attrName>ppt_x</p:attrName>
+                                        </p:attrNameLst>
+                                      </p:cBhvr>
+                                      <p:tavLst>
+                                        <p:tav tm="0">
+                                          <p:val>
+                                            <p:strVal val="#ppt_x"/>
+                                          </p:val>
+                                        </p:tav>
+                                        <p:tav tm="100000">
+                                          <p:val>
+                                            <p:strVal val="#ppt_x"/>
+                                          </p:val>
+                                        </p:tav>
+                                      </p:tavLst>
+                                    </p:anim>
+                                    <p:anim calcmode="lin" valueType="num">
+                                      <p:cBhvr additive="base">
+                                        <p:cTn id="8" dur="500" fill="hold"/>
+                                        <p:tgtEl>
+                                          <p:spTgt spid="6">
+                                            <p:txEl>
+                                              <p:pRg st="0" end="0"/>
+                                            </p:txEl>
+                                          </p:spTgt>
+                                        </p:tgtEl>
+                                        <p:attrNameLst>
+                                          <p:attrName>ppt_y</p:attrName>
+                                        </p:attrNameLst>
+                                      </p:cBhvr>
+                                      <p:tavLst>
+                                        <p:tav tm="0">
+                                          <p:val>
+                                            <p:strVal val="1+#ppt_h/2"/>
+                                          </p:val>
+                                        </p:tav>
+                                        <p:tav tm="100000">
+                                          <p:val>
+                                            <p:strVal val="#ppt_y"/>
+                                          </p:val>
+                                        </p:tav>
+                                      </p:tavLst>
+                                    </p:anim>
+                                  </p:childTnLst>
+                                </p:cTn>
+                              </p:par>
+                            </p:childTnLst>
+                          </p:cTn>
+                        </p:par>
+                      </p:childTnLst>
+                    </p:cTn>
+                  </p:par>
+                  <p:par>
+                    <p:cTn id="9" fill="hold">
+                      <p:stCondLst>
+                        <p:cond delay="indefinite"/>
+                      </p:stCondLst>
+                      <p:childTnLst>
+                        <p:par>
+                          <p:cTn id="10" fill="hold">
+                            <p:stCondLst>
+                              <p:cond delay="0"/>
+                            </p:stCondLst>
+                            <p:childTnLst>
+                              <p:par>
+                                <p:cTn id="11" presetID="2" presetClass="entr" presetSubtype="4" fill="hold" grpId="0" nodeType="clickEffect">
+                                  <p:stCondLst>
+                                    <p:cond delay="0"/>
+                                  </p:stCondLst>
+                                  <p:childTnLst>
+                                    <p:set>
+                                      <p:cBhvr>
+                                        <p:cTn id="12" dur="1" fill="hold">
+                                          <p:stCondLst>
+                                            <p:cond delay="0"/>
+                                          </p:stCondLst>
+                                        </p:cTn>
+                                        <p:tgtEl>
+                                          <p:spTgt spid="10"/>
+                                        </p:tgtEl>
+                                        <p:attrNameLst>
+                                          <p:attrName>style.visibility</p:attrName>
+                                        </p:attrNameLst>
+                                      </p:cBhvr>
+                                      <p:to>
+                                        <p:strVal val="visible"/>
+                                      </p:to>
+                                    </p:set>
+                                    <p:anim calcmode="lin" valueType="num">
+                                      <p:cBhvr additive="base">
+                                        <p:cTn id="13" dur="500" fill="hold"/>
+                                        <p:tgtEl>
+                                          <p:spTgt spid="10"/>
+                                        </p:tgtEl>
+                                        <p:attrNameLst>
+                                          <p:attrName>ppt_x</p:attrName>
+                                        </p:attrNameLst>
+                                      </p:cBhvr>
+                                      <p:tavLst>
+                                        <p:tav tm="0">
+                                          <p:val>
+                                            <p:strVal val="#ppt_x"/>
+                                          </p:val>
+                                        </p:tav>
+                                        <p:tav tm="100000">
+                                          <p:val>
+                                            <p:strVal val="#ppt_x"/>
+                                          </p:val>
+                                        </p:tav>
+                                      </p:tavLst>
+                                    </p:anim>
+                                    <p:anim calcmode="lin" valueType="num">
+                                      <p:cBhvr additive="base">
+                                        <p:cTn id="14" dur="500" fill="hold"/>
+                                        <p:tgtEl>
+                                          <p:spTgt spid="10"/>
+                                        </p:tgtEl>
+                                        <p:attrNameLst>
+                                          <p:attrName>ppt_y</p:attrName>
+                                        </p:attrNameLst>
+                                      </p:cBhvr>
+                                      <p:tavLst>
+                                        <p:tav tm="0">
+                                          <p:val>
+                                            <p:strVal val="1+#ppt_h/2"/>
+                                          </p:val>
+                                        </p:tav>
+                                        <p:tav tm="100000">
+                                          <p:val>
+                                            <p:strVal val="#ppt_y"/>
+                                          </p:val>
+                                        </p:tav>
+                                      </p:tavLst>
+                                    </p:anim>
+                                  </p:childTnLst>
+                                </p:cTn>
+                              </p:par>
+                            </p:childTnLst>
+                          </p:cTn>
+                        </p:par>
+                      </p:childTnLst>
+                    </p:cTn>
+                  </p:par>
+                  <p:par>
+                    <p:cTn id="15" fill="hold">
+                      <p:stCondLst>
+                        <p:cond delay="indefinite"/>
+                      </p:stCondLst>
+                      <p:childTnLst>
+                        <p:par>
+                          <p:cTn id="16" fill="hold">
+                            <p:stCondLst>
+                              <p:cond delay="0"/>
+                            </p:stCondLst>
+                            <p:childTnLst>
+                              <p:par>
+                                <p:cTn id="17" presetID="2" presetClass="entr" presetSubtype="4" fill="hold" nodeType="clickEffect">
+                                  <p:stCondLst>
+                                    <p:cond delay="0"/>
+                                  </p:stCondLst>
+                                  <p:childTnLst>
+                                    <p:set>
+                                      <p:cBhvr>
+                                        <p:cTn id="18" dur="1" fill="hold">
+                                          <p:stCondLst>
+                                            <p:cond delay="0"/>
+                                          </p:stCondLst>
+                                        </p:cTn>
+                                        <p:tgtEl>
+                                          <p:spTgt spid="9"/>
+                                        </p:tgtEl>
+                                        <p:attrNameLst>
+                                          <p:attrName>style.visibility</p:attrName>
+                                        </p:attrNameLst>
+                                      </p:cBhvr>
+                                      <p:to>
+                                        <p:strVal val="visible"/>
+                                      </p:to>
+                                    </p:set>
+                                    <p:anim calcmode="lin" valueType="num">
+                                      <p:cBhvr additive="base">
+                                        <p:cTn id="19" dur="500" fill="hold"/>
+                                        <p:tgtEl>
+                                          <p:spTgt spid="9"/>
+                                        </p:tgtEl>
+                                        <p:attrNameLst>
+                                          <p:attrName>ppt_x</p:attrName>
+                                        </p:attrNameLst>
+                                      </p:cBhvr>
+                                      <p:tavLst>
+                                        <p:tav tm="0">
+                                          <p:val>
+                                            <p:strVal val="#ppt_x"/>
+                                          </p:val>
+                                        </p:tav>
+                                        <p:tav tm="100000">
+                                          <p:val>
+                                            <p:strVal val="#ppt_x"/>
+                                          </p:val>
+                                        </p:tav>
+                                      </p:tavLst>
+                                    </p:anim>
+                                    <p:anim calcmode="lin" valueType="num">
+                                      <p:cBhvr additive="base">
+                                        <p:cTn id="20" dur="500" fill="hold"/>
+                                        <p:tgtEl>
+                                          <p:spTgt spid="9"/>
+                                        </p:tgtEl>
+                                        <p:attrNameLst>
+                                          <p:attrName>ppt_y</p:attrName>
+                                        </p:attrNameLst>
+                                      </p:cBhvr>
+                                      <p:tavLst>
+                                        <p:tav tm="0">
+                                          <p:val>
+                                            <p:strVal val="1+#ppt_h/2"/>
+                                          </p:val>
+                                        </p:tav>
+                                        <p:tav tm="100000">
+                                          <p:val>
+                                            <p:strVal val="#ppt_y"/>
+                                          </p:val>
+                                        </p:tav>
+                                      </p:tavLst>
+                                    </p:anim>
+                                  </p:childTnLst>
+                                </p:cTn>
+                              </p:par>
+                            </p:childTnLst>
+                          </p:cTn>
+                        </p:par>
+                      </p:childTnLst>
+                    </p:cTn>
+                  </p:par>
+                  <p:par>
+                    <p:cTn id="21" fill="hold">
+                      <p:stCondLst>
+                        <p:cond delay="indefinite"/>
+                      </p:stCondLst>
+                      <p:childTnLst>
+                        <p:par>
+                          <p:cTn id="22" fill="hold">
+                            <p:stCondLst>
+                              <p:cond delay="0"/>
+                            </p:stCondLst>
+                            <p:childTnLst>
+                              <p:par>
+                                <p:cTn id="23" presetID="22" presetClass="entr" presetSubtype="4" fill="hold" grpId="0" nodeType="clickEffect">
+                                  <p:stCondLst>
+                                    <p:cond delay="0"/>
+                                  </p:stCondLst>
+                                  <p:childTnLst>
+                                    <p:set>
+                                      <p:cBhvr>
+                                        <p:cTn id="24" dur="1" fill="hold">
+                                          <p:stCondLst>
+                                            <p:cond delay="0"/>
+                                          </p:stCondLst>
+                                        </p:cTn>
+                                        <p:tgtEl>
+                                          <p:spTgt spid="11"/>
+                                        </p:tgtEl>
+                                        <p:attrNameLst>
+                                          <p:attrName>style.visibility</p:attrName>
+                                        </p:attrNameLst>
+                                      </p:cBhvr>
+                                      <p:to>
+                                        <p:strVal val="visible"/>
+                                      </p:to>
+                                    </p:set>
+                                    <p:animEffect transition="in" filter="wipe(down)">
+                                      <p:cBhvr>
+                                        <p:cTn id="25" dur="500"/>
+                                        <p:tgtEl>
+                                          <p:spTgt spid="11"/>
+                                        </p:tgtEl>
+                                      </p:cBhvr>
+                                    </p:animEffect>
+                                  </p:childTnLst>
+                                </p:cTn>
+                              </p:par>
+                            </p:childTnLst>
+                          </p:cTn>
+                        </p:par>
+                      </p:childTnLst>
+                    </p:cTn>
+                  </p:par>
+                </p:childTnLst>
+              </p:cTn>
+              <p:prevCondLst>
+                <p:cond evt="onPrev" delay="0">
+                  <p:tgtEl>
+                    <p:sldTgt/>
+                  </p:tgtEl>
+                </p:cond>
+              </p:prevCondLst>
+              <p:nextCondLst>
+                <p:cond evt="onNext" delay="0">
+                  <p:tgtEl>
+                    <p:sldTgt/>
+                  </p:tgtEl>
+                </p:cond>
+              </p:nextCondLst>
+            </p:seq>
+          </p:childTnLst>
+        </p:cTn>
+      </p:par>
+    </p:tnLst>
+    <p:bldLst>
+      <p:bldP spid="10" grpId="0"/>
+      <p:bldP spid="11" grpId="0"/>
+    </p:bldLst>
+  </p:timing>
+</p:sld>
+</file>
+
+<file path=ppt/slides/slide11.xml><?xml version="1.0" encoding="utf-8"?>
 <p:sld xmlns:a="http://schemas.openxmlformats.org/drawingml/2006/main" xmlns:r="http://schemas.openxmlformats.org/officeDocument/2006/relationships" xmlns:p="http://schemas.openxmlformats.org/presentationml/2006/main">
   <p:cSld>
     <p:spTree>
@@ -12940,7 +13573,7 @@
 </p:sld>
 </file>
 
-<file path=ppt/slides/slide11.xml><?xml version="1.0" encoding="utf-8"?>
+<file path=ppt/slides/slide12.xml><?xml version="1.0" encoding="utf-8"?>
 <p:sld xmlns:a="http://schemas.openxmlformats.org/drawingml/2006/main" xmlns:r="http://schemas.openxmlformats.org/officeDocument/2006/relationships" xmlns:p="http://schemas.openxmlformats.org/presentationml/2006/main">
   <p:cSld>
     <p:spTree>
@@ -13228,7 +13861,7 @@
 </p:sld>
 </file>
 
-<file path=ppt/slides/slide12.xml><?xml version="1.0" encoding="utf-8"?>
+<file path=ppt/slides/slide13.xml><?xml version="1.0" encoding="utf-8"?>
 <p:sld xmlns:a="http://schemas.openxmlformats.org/drawingml/2006/main" xmlns:r="http://schemas.openxmlformats.org/officeDocument/2006/relationships" xmlns:p="http://schemas.openxmlformats.org/presentationml/2006/main">
   <p:cSld>
     <p:spTree>
@@ -15632,728 +16265,6 @@
                                         </p:tav>
                                       </p:tavLst>
                                     </p:anim>
-                                  </p:childTnLst>
-                                </p:cTn>
-                              </p:par>
-                            </p:childTnLst>
-                          </p:cTn>
-                        </p:par>
-                      </p:childTnLst>
-                    </p:cTn>
-                  </p:par>
-                </p:childTnLst>
-              </p:cTn>
-              <p:prevCondLst>
-                <p:cond evt="onPrev" delay="0">
-                  <p:tgtEl>
-                    <p:sldTgt/>
-                  </p:tgtEl>
-                </p:cond>
-              </p:prevCondLst>
-              <p:nextCondLst>
-                <p:cond evt="onNext" delay="0">
-                  <p:tgtEl>
-                    <p:sldTgt/>
-                  </p:tgtEl>
-                </p:cond>
-              </p:nextCondLst>
-            </p:seq>
-          </p:childTnLst>
-        </p:cTn>
-      </p:par>
-    </p:tnLst>
-    <p:bldLst>
-      <p:bldP spid="3" grpId="0" build="p"/>
-    </p:bldLst>
-  </p:timing>
-</p:sld>
-</file>
-
-<file path=ppt/slides/slide13.xml><?xml version="1.0" encoding="utf-8"?>
-<p:sld xmlns:a="http://schemas.openxmlformats.org/drawingml/2006/main" xmlns:r="http://schemas.openxmlformats.org/officeDocument/2006/relationships" xmlns:p="http://schemas.openxmlformats.org/presentationml/2006/main">
-  <p:cSld>
-    <p:spTree>
-      <p:nvGrpSpPr>
-        <p:cNvPr id="1" name=""/>
-        <p:cNvGrpSpPr/>
-        <p:nvPr/>
-      </p:nvGrpSpPr>
-      <p:grpSpPr>
-        <a:xfrm>
-          <a:off x="0" y="0"/>
-          <a:ext cx="0" cy="0"/>
-          <a:chOff x="0" y="0"/>
-          <a:chExt cx="0" cy="0"/>
-        </a:xfrm>
-      </p:grpSpPr>
-      <p:sp>
-        <p:nvSpPr>
-          <p:cNvPr id="2" name="Title 1">
-            <a:extLst>
-              <a:ext uri="{FF2B5EF4-FFF2-40B4-BE49-F238E27FC236}">
-                <a16:creationId xmlns:a16="http://schemas.microsoft.com/office/drawing/2014/main" id="{780E8B09-E6A0-BE48-B8AC-B5B62CAA7BA8}"/>
-              </a:ext>
-            </a:extLst>
-          </p:cNvPr>
-          <p:cNvSpPr>
-            <a:spLocks noGrp="1"/>
-          </p:cNvSpPr>
-          <p:nvPr>
-            <p:ph type="title"/>
-          </p:nvPr>
-        </p:nvSpPr>
-        <p:spPr/>
-        <p:txBody>
-          <a:bodyPr/>
-          <a:lstStyle/>
-          <a:p>
-            <a:pPr algn="ctr"/>
-            <a:r>
-              <a:rPr lang="en-US" b="1" dirty="0" err="1"/>
-              <a:t>argv</a:t>
-            </a:r>
-            <a:endParaRPr lang="en-US" b="1" dirty="0"/>
-          </a:p>
-        </p:txBody>
-      </p:sp>
-      <p:sp>
-        <p:nvSpPr>
-          <p:cNvPr id="3" name="Content Placeholder 2">
-            <a:extLst>
-              <a:ext uri="{FF2B5EF4-FFF2-40B4-BE49-F238E27FC236}">
-                <a16:creationId xmlns:a16="http://schemas.microsoft.com/office/drawing/2014/main" id="{AF8FA69C-F1CF-9949-8252-85062FF521FD}"/>
-              </a:ext>
-            </a:extLst>
-          </p:cNvPr>
-          <p:cNvSpPr>
-            <a:spLocks noGrp="1"/>
-          </p:cNvSpPr>
-          <p:nvPr>
-            <p:ph idx="1"/>
-          </p:nvPr>
-        </p:nvSpPr>
-        <p:spPr>
-          <a:xfrm>
-            <a:off x="1141412" y="2249486"/>
-            <a:ext cx="9905999" cy="3989995"/>
-          </a:xfrm>
-        </p:spPr>
-        <p:txBody>
-          <a:bodyPr>
-            <a:normAutofit fontScale="92500" lnSpcReduction="10000"/>
-          </a:bodyPr>
-          <a:lstStyle/>
-          <a:p>
-            <a:r>
-              <a:rPr lang="en-US" dirty="0"/>
-              <a:t>This is an </a:t>
-            </a:r>
-            <a:r>
-              <a:rPr lang="en-US" u="sng" dirty="0"/>
-              <a:t>array of </a:t>
-            </a:r>
-            <a:r>
-              <a:rPr lang="en-US" sz="2000" u="sng" dirty="0">
-                <a:latin typeface="Consolas" panose="020B0609020204030204" pitchFamily="49" charset="0"/>
-                <a:cs typeface="Consolas" panose="020B0609020204030204" pitchFamily="49" charset="0"/>
-              </a:rPr>
-              <a:t>string</a:t>
-            </a:r>
-            <a:r>
-              <a:rPr lang="en-US" u="sng" dirty="0"/>
-              <a:t>s</a:t>
-            </a:r>
-            <a:r>
-              <a:rPr lang="en-US" dirty="0"/>
-              <a:t> that our program can use</a:t>
-            </a:r>
-          </a:p>
-          <a:p>
-            <a:endParaRPr lang="en-US" dirty="0"/>
-          </a:p>
-          <a:p>
-            <a:r>
-              <a:rPr lang="en-US" sz="2000" dirty="0" err="1">
-                <a:latin typeface="Consolas" panose="020B0609020204030204" pitchFamily="49" charset="0"/>
-                <a:cs typeface="Consolas" panose="020B0609020204030204" pitchFamily="49" charset="0"/>
-              </a:rPr>
-              <a:t>argv</a:t>
-            </a:r>
-            <a:r>
-              <a:rPr lang="en-US" sz="2000" dirty="0">
-                <a:latin typeface="Consolas" panose="020B0609020204030204" pitchFamily="49" charset="0"/>
-                <a:cs typeface="Consolas" panose="020B0609020204030204" pitchFamily="49" charset="0"/>
-              </a:rPr>
-              <a:t>[</a:t>
-            </a:r>
-            <a:r>
-              <a:rPr lang="en-US" sz="2000" dirty="0">
-                <a:solidFill>
-                  <a:schemeClr val="accent4"/>
-                </a:solidFill>
-                <a:latin typeface="Consolas" panose="020B0609020204030204" pitchFamily="49" charset="0"/>
-                <a:cs typeface="Consolas" panose="020B0609020204030204" pitchFamily="49" charset="0"/>
-              </a:rPr>
-              <a:t>0</a:t>
-            </a:r>
-            <a:r>
-              <a:rPr lang="en-US" sz="2000" dirty="0">
-                <a:latin typeface="Consolas" panose="020B0609020204030204" pitchFamily="49" charset="0"/>
-                <a:cs typeface="Consolas" panose="020B0609020204030204" pitchFamily="49" charset="0"/>
-              </a:rPr>
-              <a:t>]</a:t>
-            </a:r>
-            <a:r>
-              <a:rPr lang="en-US" dirty="0"/>
-              <a:t> is always the path to our the .</a:t>
-            </a:r>
-            <a:r>
-              <a:rPr lang="en-US" dirty="0" err="1"/>
-              <a:t>cpp</a:t>
-            </a:r>
-            <a:r>
-              <a:rPr lang="en-US" dirty="0"/>
-              <a:t> file were working in</a:t>
-            </a:r>
-          </a:p>
-          <a:p>
-            <a:endParaRPr lang="en-US" dirty="0"/>
-          </a:p>
-          <a:p>
-            <a:r>
-              <a:rPr lang="en-US" dirty="0"/>
-              <a:t>Arguments are passed before we run our program </a:t>
-            </a:r>
-          </a:p>
-          <a:p>
-            <a:pPr lvl="1"/>
-            <a:r>
-              <a:rPr lang="en-US" dirty="0"/>
-              <a:t>This is done on the command line via the shell</a:t>
-            </a:r>
-          </a:p>
-          <a:p>
-            <a:endParaRPr lang="en-US" dirty="0"/>
-          </a:p>
-          <a:p>
-            <a:r>
-              <a:rPr lang="en-US" dirty="0" err="1">
-                <a:latin typeface="Consolas" panose="020B0609020204030204" pitchFamily="49" charset="0"/>
-                <a:cs typeface="Consolas" panose="020B0609020204030204" pitchFamily="49" charset="0"/>
-              </a:rPr>
-              <a:t>argc</a:t>
-            </a:r>
-            <a:r>
-              <a:rPr lang="en-US" dirty="0"/>
-              <a:t> tells us how many strings </a:t>
-            </a:r>
-            <a:r>
-              <a:rPr lang="en-US" sz="2100" dirty="0" err="1">
-                <a:latin typeface="Consolas" panose="020B0609020204030204" pitchFamily="49" charset="0"/>
-                <a:cs typeface="Consolas" panose="020B0609020204030204" pitchFamily="49" charset="0"/>
-              </a:rPr>
-              <a:t>argv</a:t>
-            </a:r>
-            <a:r>
-              <a:rPr lang="en-US" sz="2100" dirty="0">
-                <a:latin typeface="Consolas" panose="020B0609020204030204" pitchFamily="49" charset="0"/>
-                <a:cs typeface="Consolas" panose="020B0609020204030204" pitchFamily="49" charset="0"/>
-              </a:rPr>
-              <a:t>[]</a:t>
-            </a:r>
-            <a:r>
-              <a:rPr lang="en-US" dirty="0"/>
-              <a:t> contains</a:t>
-            </a:r>
-          </a:p>
-        </p:txBody>
-      </p:sp>
-    </p:spTree>
-    <p:extLst>
-      <p:ext uri="{BB962C8B-B14F-4D97-AF65-F5344CB8AC3E}">
-        <p14:creationId xmlns:p14="http://schemas.microsoft.com/office/powerpoint/2010/main" val="3683427353"/>
-      </p:ext>
-    </p:extLst>
-  </p:cSld>
-  <p:clrMapOvr>
-    <a:masterClrMapping/>
-  </p:clrMapOvr>
-  <p:timing>
-    <p:tnLst>
-      <p:par>
-        <p:cTn id="1" dur="indefinite" restart="never" nodeType="tmRoot">
-          <p:childTnLst>
-            <p:seq concurrent="1" nextAc="seek">
-              <p:cTn id="2" dur="indefinite" nodeType="mainSeq">
-                <p:childTnLst>
-                  <p:par>
-                    <p:cTn id="3" fill="hold">
-                      <p:stCondLst>
-                        <p:cond delay="indefinite"/>
-                      </p:stCondLst>
-                      <p:childTnLst>
-                        <p:par>
-                          <p:cTn id="4" fill="hold">
-                            <p:stCondLst>
-                              <p:cond delay="0"/>
-                            </p:stCondLst>
-                            <p:childTnLst>
-                              <p:par>
-                                <p:cTn id="5" presetID="52" presetClass="entr" presetSubtype="0" fill="hold" grpId="0" nodeType="clickEffect">
-                                  <p:stCondLst>
-                                    <p:cond delay="0"/>
-                                  </p:stCondLst>
-                                  <p:childTnLst>
-                                    <p:set>
-                                      <p:cBhvr>
-                                        <p:cTn id="6" dur="1" fill="hold">
-                                          <p:stCondLst>
-                                            <p:cond delay="0"/>
-                                          </p:stCondLst>
-                                        </p:cTn>
-                                        <p:tgtEl>
-                                          <p:spTgt spid="3">
-                                            <p:txEl>
-                                              <p:pRg st="0" end="0"/>
-                                            </p:txEl>
-                                          </p:spTgt>
-                                        </p:tgtEl>
-                                        <p:attrNameLst>
-                                          <p:attrName>style.visibility</p:attrName>
-                                        </p:attrNameLst>
-                                      </p:cBhvr>
-                                      <p:to>
-                                        <p:strVal val="visible"/>
-                                      </p:to>
-                                    </p:set>
-                                    <p:animScale>
-                                      <p:cBhvr>
-                                        <p:cTn id="7" dur="1000" decel="50000" fill="hold">
-                                          <p:stCondLst>
-                                            <p:cond delay="0"/>
-                                          </p:stCondLst>
-                                        </p:cTn>
-                                        <p:tgtEl>
-                                          <p:spTgt spid="3">
-                                            <p:txEl>
-                                              <p:pRg st="0" end="0"/>
-                                            </p:txEl>
-                                          </p:spTgt>
-                                        </p:tgtEl>
-                                      </p:cBhvr>
-                                      <p:from x="250000" y="250000"/>
-                                      <p:to x="100000" y="100000"/>
-                                    </p:animScale>
-                                    <p:animMotion origin="layout" path="M -0.46736 0.92887  C -0.37517 0.88508  -0.02552 0.75279  0.0908 0.66613  C  0.20747 0.57948  0.21649 0.50394  0.23177 0.40825  C 0.24705 0.31256  0.22118 0.15964   0.18264 0.09152  C 0.1441 0.02341  0.03802 0.0  0.0 0.0  " pathEditMode="relative" ptsTypes="">
-                                      <p:cBhvr>
-                                        <p:cTn id="8" dur="1000" decel="50000" fill="hold">
-                                          <p:stCondLst>
-                                            <p:cond delay="0"/>
-                                          </p:stCondLst>
-                                        </p:cTn>
-                                        <p:tgtEl>
-                                          <p:spTgt spid="3">
-                                            <p:txEl>
-                                              <p:pRg st="0" end="0"/>
-                                            </p:txEl>
-                                          </p:spTgt>
-                                        </p:tgtEl>
-                                        <p:attrNameLst>
-                                          <p:attrName>ppt_x</p:attrName>
-                                          <p:attrName>ppt_y</p:attrName>
-                                        </p:attrNameLst>
-                                      </p:cBhvr>
-                                    </p:animMotion>
-                                    <p:animEffect transition="in" filter="fade">
-                                      <p:cBhvr>
-                                        <p:cTn id="9" dur="1000"/>
-                                        <p:tgtEl>
-                                          <p:spTgt spid="3">
-                                            <p:txEl>
-                                              <p:pRg st="0" end="0"/>
-                                            </p:txEl>
-                                          </p:spTgt>
-                                        </p:tgtEl>
-                                      </p:cBhvr>
-                                    </p:animEffect>
-                                  </p:childTnLst>
-                                </p:cTn>
-                              </p:par>
-                            </p:childTnLst>
-                          </p:cTn>
-                        </p:par>
-                      </p:childTnLst>
-                    </p:cTn>
-                  </p:par>
-                  <p:par>
-                    <p:cTn id="10" fill="hold">
-                      <p:stCondLst>
-                        <p:cond delay="indefinite"/>
-                      </p:stCondLst>
-                      <p:childTnLst>
-                        <p:par>
-                          <p:cTn id="11" fill="hold">
-                            <p:stCondLst>
-                              <p:cond delay="0"/>
-                            </p:stCondLst>
-                            <p:childTnLst>
-                              <p:par>
-                                <p:cTn id="12" presetID="52" presetClass="entr" presetSubtype="0" fill="hold" grpId="0" nodeType="clickEffect">
-                                  <p:stCondLst>
-                                    <p:cond delay="0"/>
-                                  </p:stCondLst>
-                                  <p:childTnLst>
-                                    <p:set>
-                                      <p:cBhvr>
-                                        <p:cTn id="13" dur="1" fill="hold">
-                                          <p:stCondLst>
-                                            <p:cond delay="0"/>
-                                          </p:stCondLst>
-                                        </p:cTn>
-                                        <p:tgtEl>
-                                          <p:spTgt spid="3">
-                                            <p:txEl>
-                                              <p:pRg st="2" end="2"/>
-                                            </p:txEl>
-                                          </p:spTgt>
-                                        </p:tgtEl>
-                                        <p:attrNameLst>
-                                          <p:attrName>style.visibility</p:attrName>
-                                        </p:attrNameLst>
-                                      </p:cBhvr>
-                                      <p:to>
-                                        <p:strVal val="visible"/>
-                                      </p:to>
-                                    </p:set>
-                                    <p:animScale>
-                                      <p:cBhvr>
-                                        <p:cTn id="14" dur="1000" decel="50000" fill="hold">
-                                          <p:stCondLst>
-                                            <p:cond delay="0"/>
-                                          </p:stCondLst>
-                                        </p:cTn>
-                                        <p:tgtEl>
-                                          <p:spTgt spid="3">
-                                            <p:txEl>
-                                              <p:pRg st="2" end="2"/>
-                                            </p:txEl>
-                                          </p:spTgt>
-                                        </p:tgtEl>
-                                      </p:cBhvr>
-                                      <p:from x="250000" y="250000"/>
-                                      <p:to x="100000" y="100000"/>
-                                    </p:animScale>
-                                    <p:animMotion origin="layout" path="M -0.46736 0.92887  C -0.37517 0.88508  -0.02552 0.75279  0.0908 0.66613  C  0.20747 0.57948  0.21649 0.50394  0.23177 0.40825  C 0.24705 0.31256  0.22118 0.15964   0.18264 0.09152  C 0.1441 0.02341  0.03802 0.0  0.0 0.0  " pathEditMode="relative" ptsTypes="">
-                                      <p:cBhvr>
-                                        <p:cTn id="15" dur="1000" decel="50000" fill="hold">
-                                          <p:stCondLst>
-                                            <p:cond delay="0"/>
-                                          </p:stCondLst>
-                                        </p:cTn>
-                                        <p:tgtEl>
-                                          <p:spTgt spid="3">
-                                            <p:txEl>
-                                              <p:pRg st="2" end="2"/>
-                                            </p:txEl>
-                                          </p:spTgt>
-                                        </p:tgtEl>
-                                        <p:attrNameLst>
-                                          <p:attrName>ppt_x</p:attrName>
-                                          <p:attrName>ppt_y</p:attrName>
-                                        </p:attrNameLst>
-                                      </p:cBhvr>
-                                    </p:animMotion>
-                                    <p:animEffect transition="in" filter="fade">
-                                      <p:cBhvr>
-                                        <p:cTn id="16" dur="1000"/>
-                                        <p:tgtEl>
-                                          <p:spTgt spid="3">
-                                            <p:txEl>
-                                              <p:pRg st="2" end="2"/>
-                                            </p:txEl>
-                                          </p:spTgt>
-                                        </p:tgtEl>
-                                      </p:cBhvr>
-                                    </p:animEffect>
-                                  </p:childTnLst>
-                                </p:cTn>
-                              </p:par>
-                            </p:childTnLst>
-                          </p:cTn>
-                        </p:par>
-                      </p:childTnLst>
-                    </p:cTn>
-                  </p:par>
-                  <p:par>
-                    <p:cTn id="17" fill="hold">
-                      <p:stCondLst>
-                        <p:cond delay="indefinite"/>
-                      </p:stCondLst>
-                      <p:childTnLst>
-                        <p:par>
-                          <p:cTn id="18" fill="hold">
-                            <p:stCondLst>
-                              <p:cond delay="0"/>
-                            </p:stCondLst>
-                            <p:childTnLst>
-                              <p:par>
-                                <p:cTn id="19" presetID="52" presetClass="entr" presetSubtype="0" fill="hold" grpId="0" nodeType="clickEffect">
-                                  <p:stCondLst>
-                                    <p:cond delay="0"/>
-                                  </p:stCondLst>
-                                  <p:childTnLst>
-                                    <p:set>
-                                      <p:cBhvr>
-                                        <p:cTn id="20" dur="1" fill="hold">
-                                          <p:stCondLst>
-                                            <p:cond delay="0"/>
-                                          </p:stCondLst>
-                                        </p:cTn>
-                                        <p:tgtEl>
-                                          <p:spTgt spid="3">
-                                            <p:txEl>
-                                              <p:pRg st="4" end="4"/>
-                                            </p:txEl>
-                                          </p:spTgt>
-                                        </p:tgtEl>
-                                        <p:attrNameLst>
-                                          <p:attrName>style.visibility</p:attrName>
-                                        </p:attrNameLst>
-                                      </p:cBhvr>
-                                      <p:to>
-                                        <p:strVal val="visible"/>
-                                      </p:to>
-                                    </p:set>
-                                    <p:animScale>
-                                      <p:cBhvr>
-                                        <p:cTn id="21" dur="1000" decel="50000" fill="hold">
-                                          <p:stCondLst>
-                                            <p:cond delay="0"/>
-                                          </p:stCondLst>
-                                        </p:cTn>
-                                        <p:tgtEl>
-                                          <p:spTgt spid="3">
-                                            <p:txEl>
-                                              <p:pRg st="4" end="4"/>
-                                            </p:txEl>
-                                          </p:spTgt>
-                                        </p:tgtEl>
-                                      </p:cBhvr>
-                                      <p:from x="250000" y="250000"/>
-                                      <p:to x="100000" y="100000"/>
-                                    </p:animScale>
-                                    <p:animMotion origin="layout" path="M -0.46736 0.92887  C -0.37517 0.88508  -0.02552 0.75279  0.0908 0.66613  C  0.20747 0.57948  0.21649 0.50394  0.23177 0.40825  C 0.24705 0.31256  0.22118 0.15964   0.18264 0.09152  C 0.1441 0.02341  0.03802 0.0  0.0 0.0  " pathEditMode="relative" ptsTypes="">
-                                      <p:cBhvr>
-                                        <p:cTn id="22" dur="1000" decel="50000" fill="hold">
-                                          <p:stCondLst>
-                                            <p:cond delay="0"/>
-                                          </p:stCondLst>
-                                        </p:cTn>
-                                        <p:tgtEl>
-                                          <p:spTgt spid="3">
-                                            <p:txEl>
-                                              <p:pRg st="4" end="4"/>
-                                            </p:txEl>
-                                          </p:spTgt>
-                                        </p:tgtEl>
-                                        <p:attrNameLst>
-                                          <p:attrName>ppt_x</p:attrName>
-                                          <p:attrName>ppt_y</p:attrName>
-                                        </p:attrNameLst>
-                                      </p:cBhvr>
-                                    </p:animMotion>
-                                    <p:animEffect transition="in" filter="fade">
-                                      <p:cBhvr>
-                                        <p:cTn id="23" dur="1000"/>
-                                        <p:tgtEl>
-                                          <p:spTgt spid="3">
-                                            <p:txEl>
-                                              <p:pRg st="4" end="4"/>
-                                            </p:txEl>
-                                          </p:spTgt>
-                                        </p:tgtEl>
-                                      </p:cBhvr>
-                                    </p:animEffect>
-                                  </p:childTnLst>
-                                </p:cTn>
-                              </p:par>
-                              <p:par>
-                                <p:cTn id="24" presetID="52" presetClass="entr" presetSubtype="0" fill="hold" grpId="0" nodeType="withEffect">
-                                  <p:stCondLst>
-                                    <p:cond delay="0"/>
-                                  </p:stCondLst>
-                                  <p:childTnLst>
-                                    <p:set>
-                                      <p:cBhvr>
-                                        <p:cTn id="25" dur="1" fill="hold">
-                                          <p:stCondLst>
-                                            <p:cond delay="0"/>
-                                          </p:stCondLst>
-                                        </p:cTn>
-                                        <p:tgtEl>
-                                          <p:spTgt spid="3">
-                                            <p:txEl>
-                                              <p:pRg st="5" end="5"/>
-                                            </p:txEl>
-                                          </p:spTgt>
-                                        </p:tgtEl>
-                                        <p:attrNameLst>
-                                          <p:attrName>style.visibility</p:attrName>
-                                        </p:attrNameLst>
-                                      </p:cBhvr>
-                                      <p:to>
-                                        <p:strVal val="visible"/>
-                                      </p:to>
-                                    </p:set>
-                                    <p:animScale>
-                                      <p:cBhvr>
-                                        <p:cTn id="26" dur="1000" decel="50000" fill="hold">
-                                          <p:stCondLst>
-                                            <p:cond delay="0"/>
-                                          </p:stCondLst>
-                                        </p:cTn>
-                                        <p:tgtEl>
-                                          <p:spTgt spid="3">
-                                            <p:txEl>
-                                              <p:pRg st="5" end="5"/>
-                                            </p:txEl>
-                                          </p:spTgt>
-                                        </p:tgtEl>
-                                      </p:cBhvr>
-                                      <p:from x="250000" y="250000"/>
-                                      <p:to x="100000" y="100000"/>
-                                    </p:animScale>
-                                    <p:animMotion origin="layout" path="M -0.46736 0.92887  C -0.37517 0.88508  -0.02552 0.75279  0.0908 0.66613  C  0.20747 0.57948  0.21649 0.50394  0.23177 0.40825  C 0.24705 0.31256  0.22118 0.15964   0.18264 0.09152  C 0.1441 0.02341  0.03802 0.0  0.0 0.0  " pathEditMode="relative" ptsTypes="">
-                                      <p:cBhvr>
-                                        <p:cTn id="27" dur="1000" decel="50000" fill="hold">
-                                          <p:stCondLst>
-                                            <p:cond delay="0"/>
-                                          </p:stCondLst>
-                                        </p:cTn>
-                                        <p:tgtEl>
-                                          <p:spTgt spid="3">
-                                            <p:txEl>
-                                              <p:pRg st="5" end="5"/>
-                                            </p:txEl>
-                                          </p:spTgt>
-                                        </p:tgtEl>
-                                        <p:attrNameLst>
-                                          <p:attrName>ppt_x</p:attrName>
-                                          <p:attrName>ppt_y</p:attrName>
-                                        </p:attrNameLst>
-                                      </p:cBhvr>
-                                    </p:animMotion>
-                                    <p:animEffect transition="in" filter="fade">
-                                      <p:cBhvr>
-                                        <p:cTn id="28" dur="1000"/>
-                                        <p:tgtEl>
-                                          <p:spTgt spid="3">
-                                            <p:txEl>
-                                              <p:pRg st="5" end="5"/>
-                                            </p:txEl>
-                                          </p:spTgt>
-                                        </p:tgtEl>
-                                      </p:cBhvr>
-                                    </p:animEffect>
-                                  </p:childTnLst>
-                                </p:cTn>
-                              </p:par>
-                            </p:childTnLst>
-                          </p:cTn>
-                        </p:par>
-                      </p:childTnLst>
-                    </p:cTn>
-                  </p:par>
-                  <p:par>
-                    <p:cTn id="29" fill="hold">
-                      <p:stCondLst>
-                        <p:cond delay="indefinite"/>
-                      </p:stCondLst>
-                      <p:childTnLst>
-                        <p:par>
-                          <p:cTn id="30" fill="hold">
-                            <p:stCondLst>
-                              <p:cond delay="0"/>
-                            </p:stCondLst>
-                            <p:childTnLst>
-                              <p:par>
-                                <p:cTn id="31" presetID="52" presetClass="entr" presetSubtype="0" fill="hold" grpId="0" nodeType="clickEffect">
-                                  <p:stCondLst>
-                                    <p:cond delay="0"/>
-                                  </p:stCondLst>
-                                  <p:childTnLst>
-                                    <p:set>
-                                      <p:cBhvr>
-                                        <p:cTn id="32" dur="1" fill="hold">
-                                          <p:stCondLst>
-                                            <p:cond delay="0"/>
-                                          </p:stCondLst>
-                                        </p:cTn>
-                                        <p:tgtEl>
-                                          <p:spTgt spid="3">
-                                            <p:txEl>
-                                              <p:pRg st="7" end="7"/>
-                                            </p:txEl>
-                                          </p:spTgt>
-                                        </p:tgtEl>
-                                        <p:attrNameLst>
-                                          <p:attrName>style.visibility</p:attrName>
-                                        </p:attrNameLst>
-                                      </p:cBhvr>
-                                      <p:to>
-                                        <p:strVal val="visible"/>
-                                      </p:to>
-                                    </p:set>
-                                    <p:animScale>
-                                      <p:cBhvr>
-                                        <p:cTn id="33" dur="1000" decel="50000" fill="hold">
-                                          <p:stCondLst>
-                                            <p:cond delay="0"/>
-                                          </p:stCondLst>
-                                        </p:cTn>
-                                        <p:tgtEl>
-                                          <p:spTgt spid="3">
-                                            <p:txEl>
-                                              <p:pRg st="7" end="7"/>
-                                            </p:txEl>
-                                          </p:spTgt>
-                                        </p:tgtEl>
-                                      </p:cBhvr>
-                                      <p:from x="250000" y="250000"/>
-                                      <p:to x="100000" y="100000"/>
-                                    </p:animScale>
-                                    <p:animMotion origin="layout" path="M -0.46736 0.92887  C -0.37517 0.88508  -0.02552 0.75279  0.0908 0.66613  C  0.20747 0.57948  0.21649 0.50394  0.23177 0.40825  C 0.24705 0.31256  0.22118 0.15964   0.18264 0.09152  C 0.1441 0.02341  0.03802 0.0  0.0 0.0  " pathEditMode="relative" ptsTypes="">
-                                      <p:cBhvr>
-                                        <p:cTn id="34" dur="1000" decel="50000" fill="hold">
-                                          <p:stCondLst>
-                                            <p:cond delay="0"/>
-                                          </p:stCondLst>
-                                        </p:cTn>
-                                        <p:tgtEl>
-                                          <p:spTgt spid="3">
-                                            <p:txEl>
-                                              <p:pRg st="7" end="7"/>
-                                            </p:txEl>
-                                          </p:spTgt>
-                                        </p:tgtEl>
-                                        <p:attrNameLst>
-                                          <p:attrName>ppt_x</p:attrName>
-                                          <p:attrName>ppt_y</p:attrName>
-                                        </p:attrNameLst>
-                                      </p:cBhvr>
-                                    </p:animMotion>
-                                    <p:animEffect transition="in" filter="fade">
-                                      <p:cBhvr>
-                                        <p:cTn id="35" dur="1000"/>
-                                        <p:tgtEl>
-                                          <p:spTgt spid="3">
-                                            <p:txEl>
-                                              <p:pRg st="7" end="7"/>
-                                            </p:txEl>
-                                          </p:spTgt>
-                                        </p:tgtEl>
-                                      </p:cBhvr>
-                                    </p:animEffect>
                                   </p:childTnLst>
                                 </p:cTn>
                               </p:par>
@@ -16413,6 +16324,728 @@
           <p:cNvPr id="2" name="Title 1">
             <a:extLst>
               <a:ext uri="{FF2B5EF4-FFF2-40B4-BE49-F238E27FC236}">
+                <a16:creationId xmlns:a16="http://schemas.microsoft.com/office/drawing/2014/main" id="{780E8B09-E6A0-BE48-B8AC-B5B62CAA7BA8}"/>
+              </a:ext>
+            </a:extLst>
+          </p:cNvPr>
+          <p:cNvSpPr>
+            <a:spLocks noGrp="1"/>
+          </p:cNvSpPr>
+          <p:nvPr>
+            <p:ph type="title"/>
+          </p:nvPr>
+        </p:nvSpPr>
+        <p:spPr/>
+        <p:txBody>
+          <a:bodyPr/>
+          <a:lstStyle/>
+          <a:p>
+            <a:pPr algn="ctr"/>
+            <a:r>
+              <a:rPr lang="en-US" b="1" dirty="0" err="1"/>
+              <a:t>argv</a:t>
+            </a:r>
+            <a:endParaRPr lang="en-US" b="1" dirty="0"/>
+          </a:p>
+        </p:txBody>
+      </p:sp>
+      <p:sp>
+        <p:nvSpPr>
+          <p:cNvPr id="3" name="Content Placeholder 2">
+            <a:extLst>
+              <a:ext uri="{FF2B5EF4-FFF2-40B4-BE49-F238E27FC236}">
+                <a16:creationId xmlns:a16="http://schemas.microsoft.com/office/drawing/2014/main" id="{AF8FA69C-F1CF-9949-8252-85062FF521FD}"/>
+              </a:ext>
+            </a:extLst>
+          </p:cNvPr>
+          <p:cNvSpPr>
+            <a:spLocks noGrp="1"/>
+          </p:cNvSpPr>
+          <p:nvPr>
+            <p:ph idx="1"/>
+          </p:nvPr>
+        </p:nvSpPr>
+        <p:spPr>
+          <a:xfrm>
+            <a:off x="1141412" y="2249486"/>
+            <a:ext cx="9905999" cy="3989995"/>
+          </a:xfrm>
+        </p:spPr>
+        <p:txBody>
+          <a:bodyPr>
+            <a:normAutofit fontScale="92500" lnSpcReduction="10000"/>
+          </a:bodyPr>
+          <a:lstStyle/>
+          <a:p>
+            <a:r>
+              <a:rPr lang="en-US" dirty="0"/>
+              <a:t>This is an </a:t>
+            </a:r>
+            <a:r>
+              <a:rPr lang="en-US" u="sng" dirty="0"/>
+              <a:t>array of </a:t>
+            </a:r>
+            <a:r>
+              <a:rPr lang="en-US" sz="2000" u="sng" dirty="0">
+                <a:latin typeface="Consolas" panose="020B0609020204030204" pitchFamily="49" charset="0"/>
+                <a:cs typeface="Consolas" panose="020B0609020204030204" pitchFamily="49" charset="0"/>
+              </a:rPr>
+              <a:t>string</a:t>
+            </a:r>
+            <a:r>
+              <a:rPr lang="en-US" u="sng" dirty="0"/>
+              <a:t>s</a:t>
+            </a:r>
+            <a:r>
+              <a:rPr lang="en-US" dirty="0"/>
+              <a:t> that our program can use</a:t>
+            </a:r>
+          </a:p>
+          <a:p>
+            <a:endParaRPr lang="en-US" dirty="0"/>
+          </a:p>
+          <a:p>
+            <a:r>
+              <a:rPr lang="en-US" sz="2000" dirty="0" err="1">
+                <a:latin typeface="Consolas" panose="020B0609020204030204" pitchFamily="49" charset="0"/>
+                <a:cs typeface="Consolas" panose="020B0609020204030204" pitchFamily="49" charset="0"/>
+              </a:rPr>
+              <a:t>argv</a:t>
+            </a:r>
+            <a:r>
+              <a:rPr lang="en-US" sz="2000" dirty="0">
+                <a:latin typeface="Consolas" panose="020B0609020204030204" pitchFamily="49" charset="0"/>
+                <a:cs typeface="Consolas" panose="020B0609020204030204" pitchFamily="49" charset="0"/>
+              </a:rPr>
+              <a:t>[</a:t>
+            </a:r>
+            <a:r>
+              <a:rPr lang="en-US" sz="2000" dirty="0">
+                <a:solidFill>
+                  <a:schemeClr val="accent4"/>
+                </a:solidFill>
+                <a:latin typeface="Consolas" panose="020B0609020204030204" pitchFamily="49" charset="0"/>
+                <a:cs typeface="Consolas" panose="020B0609020204030204" pitchFamily="49" charset="0"/>
+              </a:rPr>
+              <a:t>0</a:t>
+            </a:r>
+            <a:r>
+              <a:rPr lang="en-US" sz="2000" dirty="0">
+                <a:latin typeface="Consolas" panose="020B0609020204030204" pitchFamily="49" charset="0"/>
+                <a:cs typeface="Consolas" panose="020B0609020204030204" pitchFamily="49" charset="0"/>
+              </a:rPr>
+              <a:t>]</a:t>
+            </a:r>
+            <a:r>
+              <a:rPr lang="en-US" dirty="0"/>
+              <a:t> is always the path to our the .</a:t>
+            </a:r>
+            <a:r>
+              <a:rPr lang="en-US" dirty="0" err="1"/>
+              <a:t>cpp</a:t>
+            </a:r>
+            <a:r>
+              <a:rPr lang="en-US" dirty="0"/>
+              <a:t> file were working in</a:t>
+            </a:r>
+          </a:p>
+          <a:p>
+            <a:endParaRPr lang="en-US" dirty="0"/>
+          </a:p>
+          <a:p>
+            <a:r>
+              <a:rPr lang="en-US" dirty="0"/>
+              <a:t>Arguments are passed before we run our program </a:t>
+            </a:r>
+          </a:p>
+          <a:p>
+            <a:pPr lvl="1"/>
+            <a:r>
+              <a:rPr lang="en-US" dirty="0"/>
+              <a:t>This is done on the command line via the shell</a:t>
+            </a:r>
+          </a:p>
+          <a:p>
+            <a:endParaRPr lang="en-US" dirty="0"/>
+          </a:p>
+          <a:p>
+            <a:r>
+              <a:rPr lang="en-US" dirty="0" err="1">
+                <a:latin typeface="Consolas" panose="020B0609020204030204" pitchFamily="49" charset="0"/>
+                <a:cs typeface="Consolas" panose="020B0609020204030204" pitchFamily="49" charset="0"/>
+              </a:rPr>
+              <a:t>argc</a:t>
+            </a:r>
+            <a:r>
+              <a:rPr lang="en-US" dirty="0"/>
+              <a:t> tells us how many strings </a:t>
+            </a:r>
+            <a:r>
+              <a:rPr lang="en-US" sz="2100" dirty="0" err="1">
+                <a:latin typeface="Consolas" panose="020B0609020204030204" pitchFamily="49" charset="0"/>
+                <a:cs typeface="Consolas" panose="020B0609020204030204" pitchFamily="49" charset="0"/>
+              </a:rPr>
+              <a:t>argv</a:t>
+            </a:r>
+            <a:r>
+              <a:rPr lang="en-US" sz="2100" dirty="0">
+                <a:latin typeface="Consolas" panose="020B0609020204030204" pitchFamily="49" charset="0"/>
+                <a:cs typeface="Consolas" panose="020B0609020204030204" pitchFamily="49" charset="0"/>
+              </a:rPr>
+              <a:t>[]</a:t>
+            </a:r>
+            <a:r>
+              <a:rPr lang="en-US" dirty="0"/>
+              <a:t> contains</a:t>
+            </a:r>
+          </a:p>
+        </p:txBody>
+      </p:sp>
+    </p:spTree>
+    <p:extLst>
+      <p:ext uri="{BB962C8B-B14F-4D97-AF65-F5344CB8AC3E}">
+        <p14:creationId xmlns:p14="http://schemas.microsoft.com/office/powerpoint/2010/main" val="3683427353"/>
+      </p:ext>
+    </p:extLst>
+  </p:cSld>
+  <p:clrMapOvr>
+    <a:masterClrMapping/>
+  </p:clrMapOvr>
+  <p:timing>
+    <p:tnLst>
+      <p:par>
+        <p:cTn id="1" dur="indefinite" restart="never" nodeType="tmRoot">
+          <p:childTnLst>
+            <p:seq concurrent="1" nextAc="seek">
+              <p:cTn id="2" dur="indefinite" nodeType="mainSeq">
+                <p:childTnLst>
+                  <p:par>
+                    <p:cTn id="3" fill="hold">
+                      <p:stCondLst>
+                        <p:cond delay="indefinite"/>
+                      </p:stCondLst>
+                      <p:childTnLst>
+                        <p:par>
+                          <p:cTn id="4" fill="hold">
+                            <p:stCondLst>
+                              <p:cond delay="0"/>
+                            </p:stCondLst>
+                            <p:childTnLst>
+                              <p:par>
+                                <p:cTn id="5" presetID="52" presetClass="entr" presetSubtype="0" fill="hold" grpId="0" nodeType="clickEffect">
+                                  <p:stCondLst>
+                                    <p:cond delay="0"/>
+                                  </p:stCondLst>
+                                  <p:childTnLst>
+                                    <p:set>
+                                      <p:cBhvr>
+                                        <p:cTn id="6" dur="1" fill="hold">
+                                          <p:stCondLst>
+                                            <p:cond delay="0"/>
+                                          </p:stCondLst>
+                                        </p:cTn>
+                                        <p:tgtEl>
+                                          <p:spTgt spid="3">
+                                            <p:txEl>
+                                              <p:pRg st="0" end="0"/>
+                                            </p:txEl>
+                                          </p:spTgt>
+                                        </p:tgtEl>
+                                        <p:attrNameLst>
+                                          <p:attrName>style.visibility</p:attrName>
+                                        </p:attrNameLst>
+                                      </p:cBhvr>
+                                      <p:to>
+                                        <p:strVal val="visible"/>
+                                      </p:to>
+                                    </p:set>
+                                    <p:animScale>
+                                      <p:cBhvr>
+                                        <p:cTn id="7" dur="1000" decel="50000" fill="hold">
+                                          <p:stCondLst>
+                                            <p:cond delay="0"/>
+                                          </p:stCondLst>
+                                        </p:cTn>
+                                        <p:tgtEl>
+                                          <p:spTgt spid="3">
+                                            <p:txEl>
+                                              <p:pRg st="0" end="0"/>
+                                            </p:txEl>
+                                          </p:spTgt>
+                                        </p:tgtEl>
+                                      </p:cBhvr>
+                                      <p:from x="250000" y="250000"/>
+                                      <p:to x="100000" y="100000"/>
+                                    </p:animScale>
+                                    <p:animMotion origin="layout" path="M -0.46736 0.92887  C -0.37517 0.88508  -0.02552 0.75279  0.0908 0.66613  C  0.20747 0.57948  0.21649 0.50394  0.23177 0.40825  C 0.24705 0.31256  0.22118 0.15964   0.18264 0.09152  C 0.1441 0.02341  0.03802 0.0  0.0 0.0  " pathEditMode="relative" ptsTypes="">
+                                      <p:cBhvr>
+                                        <p:cTn id="8" dur="1000" decel="50000" fill="hold">
+                                          <p:stCondLst>
+                                            <p:cond delay="0"/>
+                                          </p:stCondLst>
+                                        </p:cTn>
+                                        <p:tgtEl>
+                                          <p:spTgt spid="3">
+                                            <p:txEl>
+                                              <p:pRg st="0" end="0"/>
+                                            </p:txEl>
+                                          </p:spTgt>
+                                        </p:tgtEl>
+                                        <p:attrNameLst>
+                                          <p:attrName>ppt_x</p:attrName>
+                                          <p:attrName>ppt_y</p:attrName>
+                                        </p:attrNameLst>
+                                      </p:cBhvr>
+                                    </p:animMotion>
+                                    <p:animEffect transition="in" filter="fade">
+                                      <p:cBhvr>
+                                        <p:cTn id="9" dur="1000"/>
+                                        <p:tgtEl>
+                                          <p:spTgt spid="3">
+                                            <p:txEl>
+                                              <p:pRg st="0" end="0"/>
+                                            </p:txEl>
+                                          </p:spTgt>
+                                        </p:tgtEl>
+                                      </p:cBhvr>
+                                    </p:animEffect>
+                                  </p:childTnLst>
+                                </p:cTn>
+                              </p:par>
+                            </p:childTnLst>
+                          </p:cTn>
+                        </p:par>
+                      </p:childTnLst>
+                    </p:cTn>
+                  </p:par>
+                  <p:par>
+                    <p:cTn id="10" fill="hold">
+                      <p:stCondLst>
+                        <p:cond delay="indefinite"/>
+                      </p:stCondLst>
+                      <p:childTnLst>
+                        <p:par>
+                          <p:cTn id="11" fill="hold">
+                            <p:stCondLst>
+                              <p:cond delay="0"/>
+                            </p:stCondLst>
+                            <p:childTnLst>
+                              <p:par>
+                                <p:cTn id="12" presetID="52" presetClass="entr" presetSubtype="0" fill="hold" grpId="0" nodeType="clickEffect">
+                                  <p:stCondLst>
+                                    <p:cond delay="0"/>
+                                  </p:stCondLst>
+                                  <p:childTnLst>
+                                    <p:set>
+                                      <p:cBhvr>
+                                        <p:cTn id="13" dur="1" fill="hold">
+                                          <p:stCondLst>
+                                            <p:cond delay="0"/>
+                                          </p:stCondLst>
+                                        </p:cTn>
+                                        <p:tgtEl>
+                                          <p:spTgt spid="3">
+                                            <p:txEl>
+                                              <p:pRg st="2" end="2"/>
+                                            </p:txEl>
+                                          </p:spTgt>
+                                        </p:tgtEl>
+                                        <p:attrNameLst>
+                                          <p:attrName>style.visibility</p:attrName>
+                                        </p:attrNameLst>
+                                      </p:cBhvr>
+                                      <p:to>
+                                        <p:strVal val="visible"/>
+                                      </p:to>
+                                    </p:set>
+                                    <p:animScale>
+                                      <p:cBhvr>
+                                        <p:cTn id="14" dur="1000" decel="50000" fill="hold">
+                                          <p:stCondLst>
+                                            <p:cond delay="0"/>
+                                          </p:stCondLst>
+                                        </p:cTn>
+                                        <p:tgtEl>
+                                          <p:spTgt spid="3">
+                                            <p:txEl>
+                                              <p:pRg st="2" end="2"/>
+                                            </p:txEl>
+                                          </p:spTgt>
+                                        </p:tgtEl>
+                                      </p:cBhvr>
+                                      <p:from x="250000" y="250000"/>
+                                      <p:to x="100000" y="100000"/>
+                                    </p:animScale>
+                                    <p:animMotion origin="layout" path="M -0.46736 0.92887  C -0.37517 0.88508  -0.02552 0.75279  0.0908 0.66613  C  0.20747 0.57948  0.21649 0.50394  0.23177 0.40825  C 0.24705 0.31256  0.22118 0.15964   0.18264 0.09152  C 0.1441 0.02341  0.03802 0.0  0.0 0.0  " pathEditMode="relative" ptsTypes="">
+                                      <p:cBhvr>
+                                        <p:cTn id="15" dur="1000" decel="50000" fill="hold">
+                                          <p:stCondLst>
+                                            <p:cond delay="0"/>
+                                          </p:stCondLst>
+                                        </p:cTn>
+                                        <p:tgtEl>
+                                          <p:spTgt spid="3">
+                                            <p:txEl>
+                                              <p:pRg st="2" end="2"/>
+                                            </p:txEl>
+                                          </p:spTgt>
+                                        </p:tgtEl>
+                                        <p:attrNameLst>
+                                          <p:attrName>ppt_x</p:attrName>
+                                          <p:attrName>ppt_y</p:attrName>
+                                        </p:attrNameLst>
+                                      </p:cBhvr>
+                                    </p:animMotion>
+                                    <p:animEffect transition="in" filter="fade">
+                                      <p:cBhvr>
+                                        <p:cTn id="16" dur="1000"/>
+                                        <p:tgtEl>
+                                          <p:spTgt spid="3">
+                                            <p:txEl>
+                                              <p:pRg st="2" end="2"/>
+                                            </p:txEl>
+                                          </p:spTgt>
+                                        </p:tgtEl>
+                                      </p:cBhvr>
+                                    </p:animEffect>
+                                  </p:childTnLst>
+                                </p:cTn>
+                              </p:par>
+                            </p:childTnLst>
+                          </p:cTn>
+                        </p:par>
+                      </p:childTnLst>
+                    </p:cTn>
+                  </p:par>
+                  <p:par>
+                    <p:cTn id="17" fill="hold">
+                      <p:stCondLst>
+                        <p:cond delay="indefinite"/>
+                      </p:stCondLst>
+                      <p:childTnLst>
+                        <p:par>
+                          <p:cTn id="18" fill="hold">
+                            <p:stCondLst>
+                              <p:cond delay="0"/>
+                            </p:stCondLst>
+                            <p:childTnLst>
+                              <p:par>
+                                <p:cTn id="19" presetID="52" presetClass="entr" presetSubtype="0" fill="hold" grpId="0" nodeType="clickEffect">
+                                  <p:stCondLst>
+                                    <p:cond delay="0"/>
+                                  </p:stCondLst>
+                                  <p:childTnLst>
+                                    <p:set>
+                                      <p:cBhvr>
+                                        <p:cTn id="20" dur="1" fill="hold">
+                                          <p:stCondLst>
+                                            <p:cond delay="0"/>
+                                          </p:stCondLst>
+                                        </p:cTn>
+                                        <p:tgtEl>
+                                          <p:spTgt spid="3">
+                                            <p:txEl>
+                                              <p:pRg st="4" end="4"/>
+                                            </p:txEl>
+                                          </p:spTgt>
+                                        </p:tgtEl>
+                                        <p:attrNameLst>
+                                          <p:attrName>style.visibility</p:attrName>
+                                        </p:attrNameLst>
+                                      </p:cBhvr>
+                                      <p:to>
+                                        <p:strVal val="visible"/>
+                                      </p:to>
+                                    </p:set>
+                                    <p:animScale>
+                                      <p:cBhvr>
+                                        <p:cTn id="21" dur="1000" decel="50000" fill="hold">
+                                          <p:stCondLst>
+                                            <p:cond delay="0"/>
+                                          </p:stCondLst>
+                                        </p:cTn>
+                                        <p:tgtEl>
+                                          <p:spTgt spid="3">
+                                            <p:txEl>
+                                              <p:pRg st="4" end="4"/>
+                                            </p:txEl>
+                                          </p:spTgt>
+                                        </p:tgtEl>
+                                      </p:cBhvr>
+                                      <p:from x="250000" y="250000"/>
+                                      <p:to x="100000" y="100000"/>
+                                    </p:animScale>
+                                    <p:animMotion origin="layout" path="M -0.46736 0.92887  C -0.37517 0.88508  -0.02552 0.75279  0.0908 0.66613  C  0.20747 0.57948  0.21649 0.50394  0.23177 0.40825  C 0.24705 0.31256  0.22118 0.15964   0.18264 0.09152  C 0.1441 0.02341  0.03802 0.0  0.0 0.0  " pathEditMode="relative" ptsTypes="">
+                                      <p:cBhvr>
+                                        <p:cTn id="22" dur="1000" decel="50000" fill="hold">
+                                          <p:stCondLst>
+                                            <p:cond delay="0"/>
+                                          </p:stCondLst>
+                                        </p:cTn>
+                                        <p:tgtEl>
+                                          <p:spTgt spid="3">
+                                            <p:txEl>
+                                              <p:pRg st="4" end="4"/>
+                                            </p:txEl>
+                                          </p:spTgt>
+                                        </p:tgtEl>
+                                        <p:attrNameLst>
+                                          <p:attrName>ppt_x</p:attrName>
+                                          <p:attrName>ppt_y</p:attrName>
+                                        </p:attrNameLst>
+                                      </p:cBhvr>
+                                    </p:animMotion>
+                                    <p:animEffect transition="in" filter="fade">
+                                      <p:cBhvr>
+                                        <p:cTn id="23" dur="1000"/>
+                                        <p:tgtEl>
+                                          <p:spTgt spid="3">
+                                            <p:txEl>
+                                              <p:pRg st="4" end="4"/>
+                                            </p:txEl>
+                                          </p:spTgt>
+                                        </p:tgtEl>
+                                      </p:cBhvr>
+                                    </p:animEffect>
+                                  </p:childTnLst>
+                                </p:cTn>
+                              </p:par>
+                              <p:par>
+                                <p:cTn id="24" presetID="52" presetClass="entr" presetSubtype="0" fill="hold" grpId="0" nodeType="withEffect">
+                                  <p:stCondLst>
+                                    <p:cond delay="0"/>
+                                  </p:stCondLst>
+                                  <p:childTnLst>
+                                    <p:set>
+                                      <p:cBhvr>
+                                        <p:cTn id="25" dur="1" fill="hold">
+                                          <p:stCondLst>
+                                            <p:cond delay="0"/>
+                                          </p:stCondLst>
+                                        </p:cTn>
+                                        <p:tgtEl>
+                                          <p:spTgt spid="3">
+                                            <p:txEl>
+                                              <p:pRg st="5" end="5"/>
+                                            </p:txEl>
+                                          </p:spTgt>
+                                        </p:tgtEl>
+                                        <p:attrNameLst>
+                                          <p:attrName>style.visibility</p:attrName>
+                                        </p:attrNameLst>
+                                      </p:cBhvr>
+                                      <p:to>
+                                        <p:strVal val="visible"/>
+                                      </p:to>
+                                    </p:set>
+                                    <p:animScale>
+                                      <p:cBhvr>
+                                        <p:cTn id="26" dur="1000" decel="50000" fill="hold">
+                                          <p:stCondLst>
+                                            <p:cond delay="0"/>
+                                          </p:stCondLst>
+                                        </p:cTn>
+                                        <p:tgtEl>
+                                          <p:spTgt spid="3">
+                                            <p:txEl>
+                                              <p:pRg st="5" end="5"/>
+                                            </p:txEl>
+                                          </p:spTgt>
+                                        </p:tgtEl>
+                                      </p:cBhvr>
+                                      <p:from x="250000" y="250000"/>
+                                      <p:to x="100000" y="100000"/>
+                                    </p:animScale>
+                                    <p:animMotion origin="layout" path="M -0.46736 0.92887  C -0.37517 0.88508  -0.02552 0.75279  0.0908 0.66613  C  0.20747 0.57948  0.21649 0.50394  0.23177 0.40825  C 0.24705 0.31256  0.22118 0.15964   0.18264 0.09152  C 0.1441 0.02341  0.03802 0.0  0.0 0.0  " pathEditMode="relative" ptsTypes="">
+                                      <p:cBhvr>
+                                        <p:cTn id="27" dur="1000" decel="50000" fill="hold">
+                                          <p:stCondLst>
+                                            <p:cond delay="0"/>
+                                          </p:stCondLst>
+                                        </p:cTn>
+                                        <p:tgtEl>
+                                          <p:spTgt spid="3">
+                                            <p:txEl>
+                                              <p:pRg st="5" end="5"/>
+                                            </p:txEl>
+                                          </p:spTgt>
+                                        </p:tgtEl>
+                                        <p:attrNameLst>
+                                          <p:attrName>ppt_x</p:attrName>
+                                          <p:attrName>ppt_y</p:attrName>
+                                        </p:attrNameLst>
+                                      </p:cBhvr>
+                                    </p:animMotion>
+                                    <p:animEffect transition="in" filter="fade">
+                                      <p:cBhvr>
+                                        <p:cTn id="28" dur="1000"/>
+                                        <p:tgtEl>
+                                          <p:spTgt spid="3">
+                                            <p:txEl>
+                                              <p:pRg st="5" end="5"/>
+                                            </p:txEl>
+                                          </p:spTgt>
+                                        </p:tgtEl>
+                                      </p:cBhvr>
+                                    </p:animEffect>
+                                  </p:childTnLst>
+                                </p:cTn>
+                              </p:par>
+                            </p:childTnLst>
+                          </p:cTn>
+                        </p:par>
+                      </p:childTnLst>
+                    </p:cTn>
+                  </p:par>
+                  <p:par>
+                    <p:cTn id="29" fill="hold">
+                      <p:stCondLst>
+                        <p:cond delay="indefinite"/>
+                      </p:stCondLst>
+                      <p:childTnLst>
+                        <p:par>
+                          <p:cTn id="30" fill="hold">
+                            <p:stCondLst>
+                              <p:cond delay="0"/>
+                            </p:stCondLst>
+                            <p:childTnLst>
+                              <p:par>
+                                <p:cTn id="31" presetID="52" presetClass="entr" presetSubtype="0" fill="hold" grpId="0" nodeType="clickEffect">
+                                  <p:stCondLst>
+                                    <p:cond delay="0"/>
+                                  </p:stCondLst>
+                                  <p:childTnLst>
+                                    <p:set>
+                                      <p:cBhvr>
+                                        <p:cTn id="32" dur="1" fill="hold">
+                                          <p:stCondLst>
+                                            <p:cond delay="0"/>
+                                          </p:stCondLst>
+                                        </p:cTn>
+                                        <p:tgtEl>
+                                          <p:spTgt spid="3">
+                                            <p:txEl>
+                                              <p:pRg st="7" end="7"/>
+                                            </p:txEl>
+                                          </p:spTgt>
+                                        </p:tgtEl>
+                                        <p:attrNameLst>
+                                          <p:attrName>style.visibility</p:attrName>
+                                        </p:attrNameLst>
+                                      </p:cBhvr>
+                                      <p:to>
+                                        <p:strVal val="visible"/>
+                                      </p:to>
+                                    </p:set>
+                                    <p:animScale>
+                                      <p:cBhvr>
+                                        <p:cTn id="33" dur="1000" decel="50000" fill="hold">
+                                          <p:stCondLst>
+                                            <p:cond delay="0"/>
+                                          </p:stCondLst>
+                                        </p:cTn>
+                                        <p:tgtEl>
+                                          <p:spTgt spid="3">
+                                            <p:txEl>
+                                              <p:pRg st="7" end="7"/>
+                                            </p:txEl>
+                                          </p:spTgt>
+                                        </p:tgtEl>
+                                      </p:cBhvr>
+                                      <p:from x="250000" y="250000"/>
+                                      <p:to x="100000" y="100000"/>
+                                    </p:animScale>
+                                    <p:animMotion origin="layout" path="M -0.46736 0.92887  C -0.37517 0.88508  -0.02552 0.75279  0.0908 0.66613  C  0.20747 0.57948  0.21649 0.50394  0.23177 0.40825  C 0.24705 0.31256  0.22118 0.15964   0.18264 0.09152  C 0.1441 0.02341  0.03802 0.0  0.0 0.0  " pathEditMode="relative" ptsTypes="">
+                                      <p:cBhvr>
+                                        <p:cTn id="34" dur="1000" decel="50000" fill="hold">
+                                          <p:stCondLst>
+                                            <p:cond delay="0"/>
+                                          </p:stCondLst>
+                                        </p:cTn>
+                                        <p:tgtEl>
+                                          <p:spTgt spid="3">
+                                            <p:txEl>
+                                              <p:pRg st="7" end="7"/>
+                                            </p:txEl>
+                                          </p:spTgt>
+                                        </p:tgtEl>
+                                        <p:attrNameLst>
+                                          <p:attrName>ppt_x</p:attrName>
+                                          <p:attrName>ppt_y</p:attrName>
+                                        </p:attrNameLst>
+                                      </p:cBhvr>
+                                    </p:animMotion>
+                                    <p:animEffect transition="in" filter="fade">
+                                      <p:cBhvr>
+                                        <p:cTn id="35" dur="1000"/>
+                                        <p:tgtEl>
+                                          <p:spTgt spid="3">
+                                            <p:txEl>
+                                              <p:pRg st="7" end="7"/>
+                                            </p:txEl>
+                                          </p:spTgt>
+                                        </p:tgtEl>
+                                      </p:cBhvr>
+                                    </p:animEffect>
+                                  </p:childTnLst>
+                                </p:cTn>
+                              </p:par>
+                            </p:childTnLst>
+                          </p:cTn>
+                        </p:par>
+                      </p:childTnLst>
+                    </p:cTn>
+                  </p:par>
+                </p:childTnLst>
+              </p:cTn>
+              <p:prevCondLst>
+                <p:cond evt="onPrev" delay="0">
+                  <p:tgtEl>
+                    <p:sldTgt/>
+                  </p:tgtEl>
+                </p:cond>
+              </p:prevCondLst>
+              <p:nextCondLst>
+                <p:cond evt="onNext" delay="0">
+                  <p:tgtEl>
+                    <p:sldTgt/>
+                  </p:tgtEl>
+                </p:cond>
+              </p:nextCondLst>
+            </p:seq>
+          </p:childTnLst>
+        </p:cTn>
+      </p:par>
+    </p:tnLst>
+    <p:bldLst>
+      <p:bldP spid="3" grpId="0" build="p"/>
+    </p:bldLst>
+  </p:timing>
+</p:sld>
+</file>
+
+<file path=ppt/slides/slide15.xml><?xml version="1.0" encoding="utf-8"?>
+<p:sld xmlns:a="http://schemas.openxmlformats.org/drawingml/2006/main" xmlns:r="http://schemas.openxmlformats.org/officeDocument/2006/relationships" xmlns:p="http://schemas.openxmlformats.org/presentationml/2006/main">
+  <p:cSld>
+    <p:spTree>
+      <p:nvGrpSpPr>
+        <p:cNvPr id="1" name=""/>
+        <p:cNvGrpSpPr/>
+        <p:nvPr/>
+      </p:nvGrpSpPr>
+      <p:grpSpPr>
+        <a:xfrm>
+          <a:off x="0" y="0"/>
+          <a:ext cx="0" cy="0"/>
+          <a:chOff x="0" y="0"/>
+          <a:chExt cx="0" cy="0"/>
+        </a:xfrm>
+      </p:grpSpPr>
+      <p:sp>
+        <p:nvSpPr>
+          <p:cNvPr id="2" name="Title 1">
+            <a:extLst>
+              <a:ext uri="{FF2B5EF4-FFF2-40B4-BE49-F238E27FC236}">
                 <a16:creationId xmlns:a16="http://schemas.microsoft.com/office/drawing/2014/main" id="{19DCFC99-5300-0246-B7BF-88B1B478AD21}"/>
               </a:ext>
             </a:extLst>
@@ -16518,7 +17151,7 @@
 </p:sld>
 </file>
 
-<file path=ppt/slides/slide15.xml><?xml version="1.0" encoding="utf-8"?>
+<file path=ppt/slides/slide16.xml><?xml version="1.0" encoding="utf-8"?>
 <p:sld xmlns:a="http://schemas.openxmlformats.org/drawingml/2006/main" xmlns:r="http://schemas.openxmlformats.org/officeDocument/2006/relationships" xmlns:p="http://schemas.openxmlformats.org/presentationml/2006/main" showMasterSp="0">
   <p:cSld>
     <p:bg>
@@ -17297,7 +17930,7 @@
 </p:sld>
 </file>
 
-<file path=ppt/slides/slide16.xml><?xml version="1.0" encoding="utf-8"?>
+<file path=ppt/slides/slide17.xml><?xml version="1.0" encoding="utf-8"?>
 <p:sld xmlns:a="http://schemas.openxmlformats.org/drawingml/2006/main" xmlns:r="http://schemas.openxmlformats.org/officeDocument/2006/relationships" xmlns:p="http://schemas.openxmlformats.org/presentationml/2006/main">
   <p:cSld>
     <p:spTree>
@@ -17921,7 +18554,7 @@
 </p:sld>
 </file>
 
-<file path=ppt/slides/slide17.xml><?xml version="1.0" encoding="utf-8"?>
+<file path=ppt/slides/slide18.xml><?xml version="1.0" encoding="utf-8"?>
 <p:sld xmlns:a="http://schemas.openxmlformats.org/drawingml/2006/main" xmlns:r="http://schemas.openxmlformats.org/officeDocument/2006/relationships" xmlns:p="http://schemas.openxmlformats.org/presentationml/2006/main">
   <p:cSld>
     <p:spTree>
@@ -18356,7 +18989,7 @@
 </p:sld>
 </file>
 
-<file path=ppt/slides/slide18.xml><?xml version="1.0" encoding="utf-8"?>
+<file path=ppt/slides/slide19.xml><?xml version="1.0" encoding="utf-8"?>
 <p:sld xmlns:a="http://schemas.openxmlformats.org/drawingml/2006/main" xmlns:r="http://schemas.openxmlformats.org/officeDocument/2006/relationships" xmlns:p="http://schemas.openxmlformats.org/presentationml/2006/main">
   <p:cSld>
     <p:spTree>
@@ -19336,7 +19969,153 @@
 </p:sld>
 </file>
 
-<file path=ppt/slides/slide19.xml><?xml version="1.0" encoding="utf-8"?>
+<file path=ppt/slides/slide2.xml><?xml version="1.0" encoding="utf-8"?>
+<p:sld xmlns:a="http://schemas.openxmlformats.org/drawingml/2006/main" xmlns:r="http://schemas.openxmlformats.org/officeDocument/2006/relationships" xmlns:p="http://schemas.openxmlformats.org/presentationml/2006/main">
+  <p:cSld>
+    <p:spTree>
+      <p:nvGrpSpPr>
+        <p:cNvPr id="1" name=""/>
+        <p:cNvGrpSpPr/>
+        <p:nvPr/>
+      </p:nvGrpSpPr>
+      <p:grpSpPr>
+        <a:xfrm>
+          <a:off x="0" y="0"/>
+          <a:ext cx="0" cy="0"/>
+          <a:chOff x="0" y="0"/>
+          <a:chExt cx="0" cy="0"/>
+        </a:xfrm>
+      </p:grpSpPr>
+      <p:sp>
+        <p:nvSpPr>
+          <p:cNvPr id="2" name="Title 1">
+            <a:extLst>
+              <a:ext uri="{FF2B5EF4-FFF2-40B4-BE49-F238E27FC236}">
+                <a16:creationId xmlns:a16="http://schemas.microsoft.com/office/drawing/2014/main" id="{107F65D1-C596-2041-BBD7-345CBBFAE9C7}"/>
+              </a:ext>
+            </a:extLst>
+          </p:cNvPr>
+          <p:cNvSpPr>
+            <a:spLocks noGrp="1"/>
+          </p:cNvSpPr>
+          <p:nvPr>
+            <p:ph type="title"/>
+          </p:nvPr>
+        </p:nvSpPr>
+        <p:spPr/>
+        <p:txBody>
+          <a:bodyPr/>
+          <a:lstStyle/>
+          <a:p>
+            <a:pPr algn="ctr"/>
+            <a:r>
+              <a:rPr lang="en-US" b="1" dirty="0"/>
+              <a:t>Goals for today</a:t>
+            </a:r>
+          </a:p>
+        </p:txBody>
+      </p:sp>
+      <p:sp>
+        <p:nvSpPr>
+          <p:cNvPr id="3" name="Content Placeholder 2">
+            <a:extLst>
+              <a:ext uri="{FF2B5EF4-FFF2-40B4-BE49-F238E27FC236}">
+                <a16:creationId xmlns:a16="http://schemas.microsoft.com/office/drawing/2014/main" id="{98FD93A0-7BD3-874F-869C-C0D7B78C2BCD}"/>
+              </a:ext>
+            </a:extLst>
+          </p:cNvPr>
+          <p:cNvSpPr>
+            <a:spLocks noGrp="1"/>
+          </p:cNvSpPr>
+          <p:nvPr>
+            <p:ph idx="1"/>
+          </p:nvPr>
+        </p:nvSpPr>
+        <p:spPr/>
+        <p:txBody>
+          <a:bodyPr/>
+          <a:lstStyle/>
+          <a:p>
+            <a:r>
+              <a:rPr lang="en-US" dirty="0"/>
+              <a:t>What is </a:t>
+            </a:r>
+            <a:r>
+              <a:rPr lang="en-US" dirty="0">
+                <a:latin typeface="Consolas" panose="020B0609020204030204" pitchFamily="49" charset="0"/>
+                <a:cs typeface="Consolas" panose="020B0609020204030204" pitchFamily="49" charset="0"/>
+              </a:rPr>
+              <a:t>I/O</a:t>
+            </a:r>
+          </a:p>
+          <a:p>
+            <a:r>
+              <a:rPr lang="en-US" dirty="0"/>
+              <a:t>Quick note regarding </a:t>
+            </a:r>
+            <a:r>
+              <a:rPr lang="en-US" dirty="0">
+                <a:latin typeface="Consolas" panose="020B0609020204030204" pitchFamily="49" charset="0"/>
+                <a:cs typeface="Consolas" panose="020B0609020204030204" pitchFamily="49" charset="0"/>
+              </a:rPr>
+              <a:t>main()</a:t>
+            </a:r>
+          </a:p>
+          <a:p>
+            <a:r>
+              <a:rPr lang="en-US" dirty="0"/>
+              <a:t>How does </a:t>
+            </a:r>
+            <a:r>
+              <a:rPr lang="en-US" dirty="0">
+                <a:latin typeface="Consolas" panose="020B0609020204030204" pitchFamily="49" charset="0"/>
+                <a:cs typeface="Consolas" panose="020B0609020204030204" pitchFamily="49" charset="0"/>
+              </a:rPr>
+              <a:t>I/O</a:t>
+            </a:r>
+            <a:r>
+              <a:rPr lang="en-US" dirty="0"/>
+              <a:t> work in C++</a:t>
+            </a:r>
+          </a:p>
+          <a:p>
+            <a:r>
+              <a:rPr lang="en-US" dirty="0"/>
+              <a:t>The </a:t>
+            </a:r>
+            <a:r>
+              <a:rPr lang="en-US" b="1" dirty="0"/>
+              <a:t>SHELL</a:t>
+            </a:r>
+          </a:p>
+          <a:p>
+            <a:r>
+              <a:rPr lang="en-US" dirty="0"/>
+              <a:t>Stupid users</a:t>
+            </a:r>
+          </a:p>
+          <a:p>
+            <a:endParaRPr lang="en-US" dirty="0"/>
+          </a:p>
+          <a:p>
+            <a:endParaRPr lang="en-US" dirty="0"/>
+          </a:p>
+        </p:txBody>
+      </p:sp>
+    </p:spTree>
+    <p:extLst>
+      <p:ext uri="{BB962C8B-B14F-4D97-AF65-F5344CB8AC3E}">
+        <p14:creationId xmlns:p14="http://schemas.microsoft.com/office/powerpoint/2010/main" val="325006166"/>
+      </p:ext>
+    </p:extLst>
+  </p:cSld>
+  <p:clrMapOvr>
+    <a:masterClrMapping/>
+  </p:clrMapOvr>
+</p:sld>
+</file>
+
+<file path=ppt/slides/slide20.xml><?xml version="1.0" encoding="utf-8"?>
 <p:sld xmlns:a="http://schemas.openxmlformats.org/drawingml/2006/main" xmlns:r="http://schemas.openxmlformats.org/officeDocument/2006/relationships" xmlns:p="http://schemas.openxmlformats.org/presentationml/2006/main">
   <p:cSld>
     <p:spTree>
@@ -20261,565 +21040,7 @@
 </p:sld>
 </file>
 
-<file path=ppt/slides/slide2.xml><?xml version="1.0" encoding="utf-8"?>
-<p:sld xmlns:a="http://schemas.openxmlformats.org/drawingml/2006/main" xmlns:r="http://schemas.openxmlformats.org/officeDocument/2006/relationships" xmlns:p="http://schemas.openxmlformats.org/presentationml/2006/main">
-  <p:cSld>
-    <p:spTree>
-      <p:nvGrpSpPr>
-        <p:cNvPr id="1" name=""/>
-        <p:cNvGrpSpPr/>
-        <p:nvPr/>
-      </p:nvGrpSpPr>
-      <p:grpSpPr>
-        <a:xfrm>
-          <a:off x="0" y="0"/>
-          <a:ext cx="0" cy="0"/>
-          <a:chOff x="0" y="0"/>
-          <a:chExt cx="0" cy="0"/>
-        </a:xfrm>
-      </p:grpSpPr>
-      <p:sp>
-        <p:nvSpPr>
-          <p:cNvPr id="2" name="Title 1">
-            <a:extLst>
-              <a:ext uri="{FF2B5EF4-FFF2-40B4-BE49-F238E27FC236}">
-                <a16:creationId xmlns:a16="http://schemas.microsoft.com/office/drawing/2014/main" id="{A23703F7-D127-C34E-BDA2-360EAC381134}"/>
-              </a:ext>
-            </a:extLst>
-          </p:cNvPr>
-          <p:cNvSpPr>
-            <a:spLocks noGrp="1"/>
-          </p:cNvSpPr>
-          <p:nvPr>
-            <p:ph type="title"/>
-          </p:nvPr>
-        </p:nvSpPr>
-        <p:spPr/>
-        <p:txBody>
-          <a:bodyPr/>
-          <a:lstStyle/>
-          <a:p>
-            <a:pPr algn="ctr"/>
-            <a:r>
-              <a:rPr lang="en-US" b="1" dirty="0"/>
-              <a:t>What is I/O?</a:t>
-            </a:r>
-          </a:p>
-        </p:txBody>
-      </p:sp>
-      <p:sp>
-        <p:nvSpPr>
-          <p:cNvPr id="3" name="Content Placeholder 2">
-            <a:extLst>
-              <a:ext uri="{FF2B5EF4-FFF2-40B4-BE49-F238E27FC236}">
-                <a16:creationId xmlns:a16="http://schemas.microsoft.com/office/drawing/2014/main" id="{6993F94B-0BF5-3445-824D-629A00E410A5}"/>
-              </a:ext>
-            </a:extLst>
-          </p:cNvPr>
-          <p:cNvSpPr>
-            <a:spLocks noGrp="1"/>
-          </p:cNvSpPr>
-          <p:nvPr>
-            <p:ph idx="1"/>
-          </p:nvPr>
-        </p:nvSpPr>
-        <p:spPr/>
-        <p:txBody>
-          <a:bodyPr/>
-          <a:lstStyle/>
-          <a:p>
-            <a:r>
-              <a:rPr lang="en-US" dirty="0"/>
-              <a:t>Its an acronym for “Input/Output”</a:t>
-            </a:r>
-          </a:p>
-          <a:p>
-            <a:endParaRPr lang="en-US" dirty="0"/>
-          </a:p>
-          <a:p>
-            <a:r>
-              <a:rPr lang="en-US" dirty="0"/>
-              <a:t>I/O is what we use to give our program some input to work with</a:t>
-            </a:r>
-          </a:p>
-          <a:p>
-            <a:endParaRPr lang="en-US" dirty="0"/>
-          </a:p>
-          <a:p>
-            <a:r>
-              <a:rPr lang="en-US" dirty="0"/>
-              <a:t>I/O is typically used if we want the user to enter some information </a:t>
-            </a:r>
-          </a:p>
-        </p:txBody>
-      </p:sp>
-      <p:pic>
-        <p:nvPicPr>
-          <p:cNvPr id="5" name="Graphic 4" descr="Decision chart">
-            <a:extLst>
-              <a:ext uri="{FF2B5EF4-FFF2-40B4-BE49-F238E27FC236}">
-                <a16:creationId xmlns:a16="http://schemas.microsoft.com/office/drawing/2014/main" id="{E3919723-42DB-EB41-BC7C-B5DFCEDC5282}"/>
-              </a:ext>
-            </a:extLst>
-          </p:cNvPr>
-          <p:cNvPicPr>
-            <a:picLocks noChangeAspect="1"/>
-          </p:cNvPicPr>
-          <p:nvPr/>
-        </p:nvPicPr>
-        <p:blipFill>
-          <a:blip r:embed="rId2">
-            <a:extLst>
-              <a:ext uri="{96DAC541-7B7A-43D3-8B79-37D633B846F1}">
-                <asvg:svgBlip xmlns:asvg="http://schemas.microsoft.com/office/drawing/2016/SVG/main" r:embed="rId3"/>
-              </a:ext>
-            </a:extLst>
-          </a:blip>
-          <a:stretch>
-            <a:fillRect/>
-          </a:stretch>
-        </p:blipFill>
-        <p:spPr>
-          <a:xfrm rot="16200000">
-            <a:off x="4694235" y="5294311"/>
-            <a:ext cx="1563689" cy="1563689"/>
-          </a:xfrm>
-          <a:prstGeom prst="rect">
-            <a:avLst/>
-          </a:prstGeom>
-        </p:spPr>
-      </p:pic>
-      <p:pic>
-        <p:nvPicPr>
-          <p:cNvPr id="7" name="Graphic 6" descr="Chevron arrows">
-            <a:extLst>
-              <a:ext uri="{FF2B5EF4-FFF2-40B4-BE49-F238E27FC236}">
-                <a16:creationId xmlns:a16="http://schemas.microsoft.com/office/drawing/2014/main" id="{6EDC7A3D-B203-9040-AD98-02F4A08F3A6F}"/>
-              </a:ext>
-            </a:extLst>
-          </p:cNvPr>
-          <p:cNvPicPr>
-            <a:picLocks noChangeAspect="1"/>
-          </p:cNvPicPr>
-          <p:nvPr/>
-        </p:nvPicPr>
-        <p:blipFill>
-          <a:blip r:embed="rId4">
-            <a:extLst>
-              <a:ext uri="{96DAC541-7B7A-43D3-8B79-37D633B846F1}">
-                <asvg:svgBlip xmlns:asvg="http://schemas.microsoft.com/office/drawing/2016/SVG/main" r:embed="rId5"/>
-              </a:ext>
-            </a:extLst>
-          </a:blip>
-          <a:stretch>
-            <a:fillRect/>
-          </a:stretch>
-        </p:blipFill>
-        <p:spPr>
-          <a:xfrm>
-            <a:off x="3927473" y="5692774"/>
-            <a:ext cx="766762" cy="766762"/>
-          </a:xfrm>
-          <a:prstGeom prst="rect">
-            <a:avLst/>
-          </a:prstGeom>
-        </p:spPr>
-      </p:pic>
-    </p:spTree>
-    <p:extLst>
-      <p:ext uri="{BB962C8B-B14F-4D97-AF65-F5344CB8AC3E}">
-        <p14:creationId xmlns:p14="http://schemas.microsoft.com/office/powerpoint/2010/main" val="2329187282"/>
-      </p:ext>
-    </p:extLst>
-  </p:cSld>
-  <p:clrMapOvr>
-    <a:masterClrMapping/>
-  </p:clrMapOvr>
-  <p:timing>
-    <p:tnLst>
-      <p:par>
-        <p:cTn id="1" dur="indefinite" restart="never" nodeType="tmRoot">
-          <p:childTnLst>
-            <p:seq concurrent="1" nextAc="seek">
-              <p:cTn id="2" dur="indefinite" nodeType="mainSeq">
-                <p:childTnLst>
-                  <p:par>
-                    <p:cTn id="3" fill="hold">
-                      <p:stCondLst>
-                        <p:cond delay="indefinite"/>
-                      </p:stCondLst>
-                      <p:childTnLst>
-                        <p:par>
-                          <p:cTn id="4" fill="hold">
-                            <p:stCondLst>
-                              <p:cond delay="0"/>
-                            </p:stCondLst>
-                            <p:childTnLst>
-                              <p:par>
-                                <p:cTn id="5" presetID="2" presetClass="entr" presetSubtype="4" fill="hold" grpId="0" nodeType="clickEffect">
-                                  <p:stCondLst>
-                                    <p:cond delay="0"/>
-                                  </p:stCondLst>
-                                  <p:childTnLst>
-                                    <p:set>
-                                      <p:cBhvr>
-                                        <p:cTn id="6" dur="1" fill="hold">
-                                          <p:stCondLst>
-                                            <p:cond delay="0"/>
-                                          </p:stCondLst>
-                                        </p:cTn>
-                                        <p:tgtEl>
-                                          <p:spTgt spid="3">
-                                            <p:txEl>
-                                              <p:pRg st="0" end="0"/>
-                                            </p:txEl>
-                                          </p:spTgt>
-                                        </p:tgtEl>
-                                        <p:attrNameLst>
-                                          <p:attrName>style.visibility</p:attrName>
-                                        </p:attrNameLst>
-                                      </p:cBhvr>
-                                      <p:to>
-                                        <p:strVal val="visible"/>
-                                      </p:to>
-                                    </p:set>
-                                    <p:anim calcmode="lin" valueType="num">
-                                      <p:cBhvr additive="base">
-                                        <p:cTn id="7" dur="500" fill="hold"/>
-                                        <p:tgtEl>
-                                          <p:spTgt spid="3">
-                                            <p:txEl>
-                                              <p:pRg st="0" end="0"/>
-                                            </p:txEl>
-                                          </p:spTgt>
-                                        </p:tgtEl>
-                                        <p:attrNameLst>
-                                          <p:attrName>ppt_x</p:attrName>
-                                        </p:attrNameLst>
-                                      </p:cBhvr>
-                                      <p:tavLst>
-                                        <p:tav tm="0">
-                                          <p:val>
-                                            <p:strVal val="#ppt_x"/>
-                                          </p:val>
-                                        </p:tav>
-                                        <p:tav tm="100000">
-                                          <p:val>
-                                            <p:strVal val="#ppt_x"/>
-                                          </p:val>
-                                        </p:tav>
-                                      </p:tavLst>
-                                    </p:anim>
-                                    <p:anim calcmode="lin" valueType="num">
-                                      <p:cBhvr additive="base">
-                                        <p:cTn id="8" dur="500" fill="hold"/>
-                                        <p:tgtEl>
-                                          <p:spTgt spid="3">
-                                            <p:txEl>
-                                              <p:pRg st="0" end="0"/>
-                                            </p:txEl>
-                                          </p:spTgt>
-                                        </p:tgtEl>
-                                        <p:attrNameLst>
-                                          <p:attrName>ppt_y</p:attrName>
-                                        </p:attrNameLst>
-                                      </p:cBhvr>
-                                      <p:tavLst>
-                                        <p:tav tm="0">
-                                          <p:val>
-                                            <p:strVal val="1+#ppt_h/2"/>
-                                          </p:val>
-                                        </p:tav>
-                                        <p:tav tm="100000">
-                                          <p:val>
-                                            <p:strVal val="#ppt_y"/>
-                                          </p:val>
-                                        </p:tav>
-                                      </p:tavLst>
-                                    </p:anim>
-                                  </p:childTnLst>
-                                </p:cTn>
-                              </p:par>
-                            </p:childTnLst>
-                          </p:cTn>
-                        </p:par>
-                      </p:childTnLst>
-                    </p:cTn>
-                  </p:par>
-                  <p:par>
-                    <p:cTn id="9" fill="hold">
-                      <p:stCondLst>
-                        <p:cond delay="indefinite"/>
-                      </p:stCondLst>
-                      <p:childTnLst>
-                        <p:par>
-                          <p:cTn id="10" fill="hold">
-                            <p:stCondLst>
-                              <p:cond delay="0"/>
-                            </p:stCondLst>
-                            <p:childTnLst>
-                              <p:par>
-                                <p:cTn id="11" presetID="2" presetClass="entr" presetSubtype="4" fill="hold" grpId="0" nodeType="clickEffect">
-                                  <p:stCondLst>
-                                    <p:cond delay="0"/>
-                                  </p:stCondLst>
-                                  <p:childTnLst>
-                                    <p:set>
-                                      <p:cBhvr>
-                                        <p:cTn id="12" dur="1" fill="hold">
-                                          <p:stCondLst>
-                                            <p:cond delay="0"/>
-                                          </p:stCondLst>
-                                        </p:cTn>
-                                        <p:tgtEl>
-                                          <p:spTgt spid="3">
-                                            <p:txEl>
-                                              <p:pRg st="2" end="2"/>
-                                            </p:txEl>
-                                          </p:spTgt>
-                                        </p:tgtEl>
-                                        <p:attrNameLst>
-                                          <p:attrName>style.visibility</p:attrName>
-                                        </p:attrNameLst>
-                                      </p:cBhvr>
-                                      <p:to>
-                                        <p:strVal val="visible"/>
-                                      </p:to>
-                                    </p:set>
-                                    <p:anim calcmode="lin" valueType="num">
-                                      <p:cBhvr additive="base">
-                                        <p:cTn id="13" dur="500" fill="hold"/>
-                                        <p:tgtEl>
-                                          <p:spTgt spid="3">
-                                            <p:txEl>
-                                              <p:pRg st="2" end="2"/>
-                                            </p:txEl>
-                                          </p:spTgt>
-                                        </p:tgtEl>
-                                        <p:attrNameLst>
-                                          <p:attrName>ppt_x</p:attrName>
-                                        </p:attrNameLst>
-                                      </p:cBhvr>
-                                      <p:tavLst>
-                                        <p:tav tm="0">
-                                          <p:val>
-                                            <p:strVal val="#ppt_x"/>
-                                          </p:val>
-                                        </p:tav>
-                                        <p:tav tm="100000">
-                                          <p:val>
-                                            <p:strVal val="#ppt_x"/>
-                                          </p:val>
-                                        </p:tav>
-                                      </p:tavLst>
-                                    </p:anim>
-                                    <p:anim calcmode="lin" valueType="num">
-                                      <p:cBhvr additive="base">
-                                        <p:cTn id="14" dur="500" fill="hold"/>
-                                        <p:tgtEl>
-                                          <p:spTgt spid="3">
-                                            <p:txEl>
-                                              <p:pRg st="2" end="2"/>
-                                            </p:txEl>
-                                          </p:spTgt>
-                                        </p:tgtEl>
-                                        <p:attrNameLst>
-                                          <p:attrName>ppt_y</p:attrName>
-                                        </p:attrNameLst>
-                                      </p:cBhvr>
-                                      <p:tavLst>
-                                        <p:tav tm="0">
-                                          <p:val>
-                                            <p:strVal val="1+#ppt_h/2"/>
-                                          </p:val>
-                                        </p:tav>
-                                        <p:tav tm="100000">
-                                          <p:val>
-                                            <p:strVal val="#ppt_y"/>
-                                          </p:val>
-                                        </p:tav>
-                                      </p:tavLst>
-                                    </p:anim>
-                                  </p:childTnLst>
-                                </p:cTn>
-                              </p:par>
-                            </p:childTnLst>
-                          </p:cTn>
-                        </p:par>
-                      </p:childTnLst>
-                    </p:cTn>
-                  </p:par>
-                  <p:par>
-                    <p:cTn id="15" fill="hold">
-                      <p:stCondLst>
-                        <p:cond delay="indefinite"/>
-                      </p:stCondLst>
-                      <p:childTnLst>
-                        <p:par>
-                          <p:cTn id="16" fill="hold">
-                            <p:stCondLst>
-                              <p:cond delay="0"/>
-                            </p:stCondLst>
-                            <p:childTnLst>
-                              <p:par>
-                                <p:cTn id="17" presetID="2" presetClass="entr" presetSubtype="4" fill="hold" grpId="0" nodeType="clickEffect">
-                                  <p:stCondLst>
-                                    <p:cond delay="0"/>
-                                  </p:stCondLst>
-                                  <p:childTnLst>
-                                    <p:set>
-                                      <p:cBhvr>
-                                        <p:cTn id="18" dur="1" fill="hold">
-                                          <p:stCondLst>
-                                            <p:cond delay="0"/>
-                                          </p:stCondLst>
-                                        </p:cTn>
-                                        <p:tgtEl>
-                                          <p:spTgt spid="3">
-                                            <p:txEl>
-                                              <p:pRg st="4" end="4"/>
-                                            </p:txEl>
-                                          </p:spTgt>
-                                        </p:tgtEl>
-                                        <p:attrNameLst>
-                                          <p:attrName>style.visibility</p:attrName>
-                                        </p:attrNameLst>
-                                      </p:cBhvr>
-                                      <p:to>
-                                        <p:strVal val="visible"/>
-                                      </p:to>
-                                    </p:set>
-                                    <p:anim calcmode="lin" valueType="num">
-                                      <p:cBhvr additive="base">
-                                        <p:cTn id="19" dur="500" fill="hold"/>
-                                        <p:tgtEl>
-                                          <p:spTgt spid="3">
-                                            <p:txEl>
-                                              <p:pRg st="4" end="4"/>
-                                            </p:txEl>
-                                          </p:spTgt>
-                                        </p:tgtEl>
-                                        <p:attrNameLst>
-                                          <p:attrName>ppt_x</p:attrName>
-                                        </p:attrNameLst>
-                                      </p:cBhvr>
-                                      <p:tavLst>
-                                        <p:tav tm="0">
-                                          <p:val>
-                                            <p:strVal val="#ppt_x"/>
-                                          </p:val>
-                                        </p:tav>
-                                        <p:tav tm="100000">
-                                          <p:val>
-                                            <p:strVal val="#ppt_x"/>
-                                          </p:val>
-                                        </p:tav>
-                                      </p:tavLst>
-                                    </p:anim>
-                                    <p:anim calcmode="lin" valueType="num">
-                                      <p:cBhvr additive="base">
-                                        <p:cTn id="20" dur="500" fill="hold"/>
-                                        <p:tgtEl>
-                                          <p:spTgt spid="3">
-                                            <p:txEl>
-                                              <p:pRg st="4" end="4"/>
-                                            </p:txEl>
-                                          </p:spTgt>
-                                        </p:tgtEl>
-                                        <p:attrNameLst>
-                                          <p:attrName>ppt_y</p:attrName>
-                                        </p:attrNameLst>
-                                      </p:cBhvr>
-                                      <p:tavLst>
-                                        <p:tav tm="0">
-                                          <p:val>
-                                            <p:strVal val="1+#ppt_h/2"/>
-                                          </p:val>
-                                        </p:tav>
-                                        <p:tav tm="100000">
-                                          <p:val>
-                                            <p:strVal val="#ppt_y"/>
-                                          </p:val>
-                                        </p:tav>
-                                      </p:tavLst>
-                                    </p:anim>
-                                  </p:childTnLst>
-                                </p:cTn>
-                              </p:par>
-                            </p:childTnLst>
-                          </p:cTn>
-                        </p:par>
-                      </p:childTnLst>
-                    </p:cTn>
-                  </p:par>
-                  <p:par>
-                    <p:cTn id="21" fill="hold">
-                      <p:stCondLst>
-                        <p:cond delay="indefinite"/>
-                      </p:stCondLst>
-                      <p:childTnLst>
-                        <p:par>
-                          <p:cTn id="22" fill="hold">
-                            <p:stCondLst>
-                              <p:cond delay="0"/>
-                            </p:stCondLst>
-                            <p:childTnLst>
-                              <p:par>
-                                <p:cTn id="23" presetID="0" presetClass="path" presetSubtype="0" accel="50000" decel="50000" fill="hold" nodeType="clickEffect">
-                                  <p:stCondLst>
-                                    <p:cond delay="0"/>
-                                  </p:stCondLst>
-                                  <p:childTnLst>
-                                    <p:animMotion origin="layout" path="M 0.03151 0.00162 L 0.24062 0.00162 " pathEditMode="relative" ptsTypes="AA">
-                                      <p:cBhvr>
-                                        <p:cTn id="24" dur="2000" fill="hold"/>
-                                        <p:tgtEl>
-                                          <p:spTgt spid="7"/>
-                                        </p:tgtEl>
-                                        <p:attrNameLst>
-                                          <p:attrName>ppt_x</p:attrName>
-                                          <p:attrName>ppt_y</p:attrName>
-                                        </p:attrNameLst>
-                                      </p:cBhvr>
-                                    </p:animMotion>
-                                  </p:childTnLst>
-                                </p:cTn>
-                              </p:par>
-                            </p:childTnLst>
-                          </p:cTn>
-                        </p:par>
-                      </p:childTnLst>
-                    </p:cTn>
-                  </p:par>
-                </p:childTnLst>
-              </p:cTn>
-              <p:prevCondLst>
-                <p:cond evt="onPrev" delay="0">
-                  <p:tgtEl>
-                    <p:sldTgt/>
-                  </p:tgtEl>
-                </p:cond>
-              </p:prevCondLst>
-              <p:nextCondLst>
-                <p:cond evt="onNext" delay="0">
-                  <p:tgtEl>
-                    <p:sldTgt/>
-                  </p:tgtEl>
-                </p:cond>
-              </p:nextCondLst>
-            </p:seq>
-          </p:childTnLst>
-        </p:cTn>
-      </p:par>
-    </p:tnLst>
-    <p:bldLst>
-      <p:bldP spid="3" grpId="0" build="p"/>
-    </p:bldLst>
-  </p:timing>
-</p:sld>
-</file>
-
-<file path=ppt/slides/slide20.xml><?xml version="1.0" encoding="utf-8"?>
+<file path=ppt/slides/slide21.xml><?xml version="1.0" encoding="utf-8"?>
 <p:sld xmlns:a="http://schemas.openxmlformats.org/drawingml/2006/main" xmlns:r="http://schemas.openxmlformats.org/officeDocument/2006/relationships" xmlns:p="http://schemas.openxmlformats.org/presentationml/2006/main">
   <p:cSld>
     <p:spTree>
@@ -21459,7 +21680,7 @@
 </p:sld>
 </file>
 
-<file path=ppt/slides/slide21.xml><?xml version="1.0" encoding="utf-8"?>
+<file path=ppt/slides/slide22.xml><?xml version="1.0" encoding="utf-8"?>
 <p:sld xmlns:a="http://schemas.openxmlformats.org/drawingml/2006/main" xmlns:r="http://schemas.openxmlformats.org/officeDocument/2006/relationships" xmlns:p="http://schemas.openxmlformats.org/presentationml/2006/main">
   <p:cSld>
     <p:spTree>
@@ -22126,7 +22347,7 @@
 </p:sld>
 </file>
 
-<file path=ppt/slides/slide22.xml><?xml version="1.0" encoding="utf-8"?>
+<file path=ppt/slides/slide23.xml><?xml version="1.0" encoding="utf-8"?>
 <p:sld xmlns:a="http://schemas.openxmlformats.org/drawingml/2006/main" xmlns:r="http://schemas.openxmlformats.org/officeDocument/2006/relationships" xmlns:p="http://schemas.openxmlformats.org/presentationml/2006/main">
   <p:cSld>
     <p:spTree>
@@ -22631,7 +22852,7 @@
 </p:sld>
 </file>
 
-<file path=ppt/slides/slide23.xml><?xml version="1.0" encoding="utf-8"?>
+<file path=ppt/slides/slide24.xml><?xml version="1.0" encoding="utf-8"?>
 <p:sld xmlns:a="http://schemas.openxmlformats.org/drawingml/2006/main" xmlns:r="http://schemas.openxmlformats.org/officeDocument/2006/relationships" xmlns:p="http://schemas.openxmlformats.org/presentationml/2006/main">
   <p:cSld>
     <p:spTree>
@@ -23071,7 +23292,7 @@
 </p:sld>
 </file>
 
-<file path=ppt/slides/slide24.xml><?xml version="1.0" encoding="utf-8"?>
+<file path=ppt/slides/slide25.xml><?xml version="1.0" encoding="utf-8"?>
 <p:sld xmlns:a="http://schemas.openxmlformats.org/drawingml/2006/main" xmlns:r="http://schemas.openxmlformats.org/officeDocument/2006/relationships" xmlns:p="http://schemas.openxmlformats.org/presentationml/2006/main">
   <p:cSld>
     <p:spTree>
@@ -23873,7 +24094,7 @@
 </p:sld>
 </file>
 
-<file path=ppt/slides/slide25.xml><?xml version="1.0" encoding="utf-8"?>
+<file path=ppt/slides/slide26.xml><?xml version="1.0" encoding="utf-8"?>
 <p:sld xmlns:a="http://schemas.openxmlformats.org/drawingml/2006/main" xmlns:r="http://schemas.openxmlformats.org/officeDocument/2006/relationships" xmlns:p="http://schemas.openxmlformats.org/presentationml/2006/main">
   <p:cSld>
     <p:spTree>
@@ -24287,7 +24508,7 @@
 </p:sld>
 </file>
 
-<file path=ppt/slides/slide26.xml><?xml version="1.0" encoding="utf-8"?>
+<file path=ppt/slides/slide27.xml><?xml version="1.0" encoding="utf-8"?>
 <p:sld xmlns:a="http://schemas.openxmlformats.org/drawingml/2006/main" xmlns:r="http://schemas.openxmlformats.org/officeDocument/2006/relationships" xmlns:p="http://schemas.openxmlformats.org/presentationml/2006/main">
   <p:cSld>
     <p:spTree>
@@ -25191,7 +25412,7 @@
 </p:sld>
 </file>
 
-<file path=ppt/slides/slide27.xml><?xml version="1.0" encoding="utf-8"?>
+<file path=ppt/slides/slide28.xml><?xml version="1.0" encoding="utf-8"?>
 <p:sld xmlns:a="http://schemas.openxmlformats.org/drawingml/2006/main" xmlns:r="http://schemas.openxmlformats.org/officeDocument/2006/relationships" xmlns:p="http://schemas.openxmlformats.org/presentationml/2006/main">
   <p:cSld>
     <p:spTree>
@@ -26249,7 +26470,7 @@
 </p:sld>
 </file>
 
-<file path=ppt/slides/slide28.xml><?xml version="1.0" encoding="utf-8"?>
+<file path=ppt/slides/slide29.xml><?xml version="1.0" encoding="utf-8"?>
 <p:sld xmlns:a="http://schemas.openxmlformats.org/drawingml/2006/main" xmlns:r="http://schemas.openxmlformats.org/officeDocument/2006/relationships" xmlns:p="http://schemas.openxmlformats.org/presentationml/2006/main">
   <p:cSld>
     <p:spTree>
@@ -26318,15 +26539,27 @@
           </a:xfrm>
         </p:spPr>
         <p:txBody>
-          <a:bodyPr/>
+          <a:bodyPr>
+            <a:normAutofit/>
+          </a:bodyPr>
           <a:lstStyle/>
           <a:p>
             <a:r>
               <a:rPr lang="en-US" dirty="0"/>
-              <a:t>Your solution can look something like this:</a:t>
-            </a:r>
-          </a:p>
-          <a:p>
+              <a:t>Your solution may look something like this:</a:t>
+            </a:r>
+          </a:p>
+          <a:p>
+            <a:pPr lvl="1"/>
+            <a:r>
+              <a:rPr lang="en-US" dirty="0"/>
+              <a:t>This is not the “end all be all” solution</a:t>
+            </a:r>
+          </a:p>
+          <a:p>
+            <a:pPr marL="457200" lvl="1" indent="0">
+              <a:buNone/>
+            </a:pPr>
             <a:endParaRPr lang="en-US" dirty="0"/>
           </a:p>
           <a:p>
@@ -26473,7 +26706,7 @@
         </p:blipFill>
         <p:spPr>
           <a:xfrm>
-            <a:off x="6451600" y="4646753"/>
+            <a:off x="6460172" y="4631513"/>
             <a:ext cx="2783840" cy="2783840"/>
           </a:xfrm>
           <a:prstGeom prst="rect">
@@ -26597,7 +26830,7 @@
                                 </p:cTn>
                               </p:par>
                               <p:par>
-                                <p:cTn id="9" presetID="2" presetClass="entr" presetSubtype="2" fill="hold" nodeType="withEffect">
+                                <p:cTn id="9" presetID="2" presetClass="entr" presetSubtype="4" fill="hold" grpId="0" nodeType="withEffect">
                                   <p:stCondLst>
                                     <p:cond delay="0"/>
                                   </p:stCondLst>
@@ -26610,7 +26843,11 @@
                                           </p:stCondLst>
                                         </p:cTn>
                                         <p:tgtEl>
-                                          <p:spTgt spid="12"/>
+                                          <p:spTgt spid="8">
+                                            <p:txEl>
+                                              <p:pRg st="1" end="1"/>
+                                            </p:txEl>
+                                          </p:spTgt>
                                         </p:tgtEl>
                                         <p:attrNameLst>
                                           <p:attrName>style.visibility</p:attrName>
@@ -26624,7 +26861,11 @@
                                       <p:cBhvr additive="base">
                                         <p:cTn id="11" dur="500" fill="hold"/>
                                         <p:tgtEl>
-                                          <p:spTgt spid="12"/>
+                                          <p:spTgt spid="8">
+                                            <p:txEl>
+                                              <p:pRg st="1" end="1"/>
+                                            </p:txEl>
+                                          </p:spTgt>
                                         </p:tgtEl>
                                         <p:attrNameLst>
                                           <p:attrName>ppt_x</p:attrName>
@@ -26633,7 +26874,7 @@
                                       <p:tavLst>
                                         <p:tav tm="0">
                                           <p:val>
-                                            <p:strVal val="1+#ppt_w/2"/>
+                                            <p:strVal val="#ppt_x"/>
                                           </p:val>
                                         </p:tav>
                                         <p:tav tm="100000">
@@ -26646,6 +26887,83 @@
                                     <p:anim calcmode="lin" valueType="num">
                                       <p:cBhvr additive="base">
                                         <p:cTn id="12" dur="500" fill="hold"/>
+                                        <p:tgtEl>
+                                          <p:spTgt spid="8">
+                                            <p:txEl>
+                                              <p:pRg st="1" end="1"/>
+                                            </p:txEl>
+                                          </p:spTgt>
+                                        </p:tgtEl>
+                                        <p:attrNameLst>
+                                          <p:attrName>ppt_y</p:attrName>
+                                        </p:attrNameLst>
+                                      </p:cBhvr>
+                                      <p:tavLst>
+                                        <p:tav tm="0">
+                                          <p:val>
+                                            <p:strVal val="1+#ppt_h/2"/>
+                                          </p:val>
+                                        </p:tav>
+                                        <p:tav tm="100000">
+                                          <p:val>
+                                            <p:strVal val="#ppt_y"/>
+                                          </p:val>
+                                        </p:tav>
+                                      </p:tavLst>
+                                    </p:anim>
+                                  </p:childTnLst>
+                                </p:cTn>
+                              </p:par>
+                              <p:par>
+                                <p:cTn id="13" presetID="2" presetClass="entr" presetSubtype="2" fill="hold" nodeType="withEffect">
+                                  <p:stCondLst>
+                                    <p:cond delay="0"/>
+                                  </p:stCondLst>
+                                  <p:childTnLst>
+                                    <p:set>
+                                      <p:cBhvr>
+                                        <p:cTn id="14" dur="1" fill="hold">
+                                          <p:stCondLst>
+                                            <p:cond delay="0"/>
+                                          </p:stCondLst>
+                                        </p:cTn>
+                                        <p:tgtEl>
+                                          <p:spTgt spid="12"/>
+                                        </p:tgtEl>
+                                        <p:attrNameLst>
+                                          <p:attrName>style.visibility</p:attrName>
+                                        </p:attrNameLst>
+                                      </p:cBhvr>
+                                      <p:to>
+                                        <p:strVal val="visible"/>
+                                      </p:to>
+                                    </p:set>
+                                    <p:anim calcmode="lin" valueType="num">
+                                      <p:cBhvr additive="base">
+                                        <p:cTn id="15" dur="500" fill="hold"/>
+                                        <p:tgtEl>
+                                          <p:spTgt spid="12"/>
+                                        </p:tgtEl>
+                                        <p:attrNameLst>
+                                          <p:attrName>ppt_x</p:attrName>
+                                        </p:attrNameLst>
+                                      </p:cBhvr>
+                                      <p:tavLst>
+                                        <p:tav tm="0">
+                                          <p:val>
+                                            <p:strVal val="1+#ppt_w/2"/>
+                                          </p:val>
+                                        </p:tav>
+                                        <p:tav tm="100000">
+                                          <p:val>
+                                            <p:strVal val="#ppt_x"/>
+                                          </p:val>
+                                        </p:tav>
+                                      </p:tavLst>
+                                    </p:anim>
+                                    <p:anim calcmode="lin" valueType="num">
+                                      <p:cBhvr additive="base">
+                                        <p:cTn id="16" dur="500" fill="hold"/>
                                         <p:tgtEl>
                                           <p:spTgt spid="12"/>
                                         </p:tgtEl>
@@ -26676,104 +26994,19 @@
                     </p:cTn>
                   </p:par>
                   <p:par>
-                    <p:cTn id="13" fill="hold">
+                    <p:cTn id="17" fill="hold">
                       <p:stCondLst>
                         <p:cond delay="indefinite"/>
                       </p:stCondLst>
                       <p:childTnLst>
                         <p:par>
-                          <p:cTn id="14" fill="hold">
+                          <p:cTn id="18" fill="hold">
                             <p:stCondLst>
                               <p:cond delay="0"/>
                             </p:stCondLst>
                             <p:childTnLst>
                               <p:par>
-                                <p:cTn id="15" presetID="2" presetClass="entr" presetSubtype="4" fill="hold" grpId="0" nodeType="clickEffect">
-                                  <p:stCondLst>
-                                    <p:cond delay="0"/>
-                                  </p:stCondLst>
-                                  <p:childTnLst>
-                                    <p:set>
-                                      <p:cBhvr>
-                                        <p:cTn id="16" dur="1" fill="hold">
-                                          <p:stCondLst>
-                                            <p:cond delay="0"/>
-                                          </p:stCondLst>
-                                        </p:cTn>
-                                        <p:tgtEl>
-                                          <p:spTgt spid="8">
-                                            <p:txEl>
-                                              <p:pRg st="3" end="3"/>
-                                            </p:txEl>
-                                          </p:spTgt>
-                                        </p:tgtEl>
-                                        <p:attrNameLst>
-                                          <p:attrName>style.visibility</p:attrName>
-                                        </p:attrNameLst>
-                                      </p:cBhvr>
-                                      <p:to>
-                                        <p:strVal val="visible"/>
-                                      </p:to>
-                                    </p:set>
-                                    <p:anim calcmode="lin" valueType="num">
-                                      <p:cBhvr additive="base">
-                                        <p:cTn id="17" dur="500" fill="hold"/>
-                                        <p:tgtEl>
-                                          <p:spTgt spid="8">
-                                            <p:txEl>
-                                              <p:pRg st="3" end="3"/>
-                                            </p:txEl>
-                                          </p:spTgt>
-                                        </p:tgtEl>
-                                        <p:attrNameLst>
-                                          <p:attrName>ppt_x</p:attrName>
-                                        </p:attrNameLst>
-                                      </p:cBhvr>
-                                      <p:tavLst>
-                                        <p:tav tm="0">
-                                          <p:val>
-                                            <p:strVal val="#ppt_x"/>
-                                          </p:val>
-                                        </p:tav>
-                                        <p:tav tm="100000">
-                                          <p:val>
-                                            <p:strVal val="#ppt_x"/>
-                                          </p:val>
-                                        </p:tav>
-                                      </p:tavLst>
-                                    </p:anim>
-                                    <p:anim calcmode="lin" valueType="num">
-                                      <p:cBhvr additive="base">
-                                        <p:cTn id="18" dur="500" fill="hold"/>
-                                        <p:tgtEl>
-                                          <p:spTgt spid="8">
-                                            <p:txEl>
-                                              <p:pRg st="3" end="3"/>
-                                            </p:txEl>
-                                          </p:spTgt>
-                                        </p:tgtEl>
-                                        <p:attrNameLst>
-                                          <p:attrName>ppt_y</p:attrName>
-                                        </p:attrNameLst>
-                                      </p:cBhvr>
-                                      <p:tavLst>
-                                        <p:tav tm="0">
-                                          <p:val>
-                                            <p:strVal val="1+#ppt_h/2"/>
-                                          </p:val>
-                                        </p:tav>
-                                        <p:tav tm="100000">
-                                          <p:val>
-                                            <p:strVal val="#ppt_y"/>
-                                          </p:val>
-                                        </p:tav>
-                                      </p:tavLst>
-                                    </p:anim>
-                                  </p:childTnLst>
-                                </p:cTn>
-                              </p:par>
-                              <p:par>
-                                <p:cTn id="19" presetID="2" presetClass="entr" presetSubtype="4" fill="hold" nodeType="withEffect">
+                                <p:cTn id="19" presetID="2" presetClass="entr" presetSubtype="4" fill="hold" grpId="0" nodeType="clickEffect">
                                   <p:stCondLst>
                                     <p:cond delay="0"/>
                                   </p:stCondLst>
@@ -26786,7 +27019,11 @@
                                           </p:stCondLst>
                                         </p:cTn>
                                         <p:tgtEl>
-                                          <p:spTgt spid="10"/>
+                                          <p:spTgt spid="8">
+                                            <p:txEl>
+                                              <p:pRg st="4" end="4"/>
+                                            </p:txEl>
+                                          </p:spTgt>
                                         </p:tgtEl>
                                         <p:attrNameLst>
                                           <p:attrName>style.visibility</p:attrName>
@@ -26800,7 +27037,11 @@
                                       <p:cBhvr additive="base">
                                         <p:cTn id="21" dur="500" fill="hold"/>
                                         <p:tgtEl>
-                                          <p:spTgt spid="10"/>
+                                          <p:spTgt spid="8">
+                                            <p:txEl>
+                                              <p:pRg st="4" end="4"/>
+                                            </p:txEl>
+                                          </p:spTgt>
                                         </p:tgtEl>
                                         <p:attrNameLst>
                                           <p:attrName>ppt_x</p:attrName>
@@ -26823,7 +27064,11 @@
                                       <p:cBhvr additive="base">
                                         <p:cTn id="22" dur="500" fill="hold"/>
                                         <p:tgtEl>
-                                          <p:spTgt spid="10"/>
+                                          <p:spTgt spid="8">
+                                            <p:txEl>
+                                              <p:pRg st="4" end="4"/>
+                                            </p:txEl>
+                                          </p:spTgt>
                                         </p:tgtEl>
                                         <p:attrNameLst>
                                           <p:attrName>ppt_y</p:attrName>
@@ -26846,14 +27091,87 @@
                                 </p:cTn>
                               </p:par>
                               <p:par>
-                                <p:cTn id="23" presetID="0" presetClass="path" presetSubtype="0" accel="50000" decel="50000" fill="hold" nodeType="withEffect">
+                                <p:cTn id="23" presetID="2" presetClass="entr" presetSubtype="4" fill="hold" nodeType="withEffect">
+                                  <p:stCondLst>
+                                    <p:cond delay="0"/>
+                                  </p:stCondLst>
+                                  <p:childTnLst>
+                                    <p:set>
+                                      <p:cBhvr>
+                                        <p:cTn id="24" dur="1" fill="hold">
+                                          <p:stCondLst>
+                                            <p:cond delay="0"/>
+                                          </p:stCondLst>
+                                        </p:cTn>
+                                        <p:tgtEl>
+                                          <p:spTgt spid="10"/>
+                                        </p:tgtEl>
+                                        <p:attrNameLst>
+                                          <p:attrName>style.visibility</p:attrName>
+                                        </p:attrNameLst>
+                                      </p:cBhvr>
+                                      <p:to>
+                                        <p:strVal val="visible"/>
+                                      </p:to>
+                                    </p:set>
+                                    <p:anim calcmode="lin" valueType="num">
+                                      <p:cBhvr additive="base">
+                                        <p:cTn id="25" dur="500" fill="hold"/>
+                                        <p:tgtEl>
+                                          <p:spTgt spid="10"/>
+                                        </p:tgtEl>
+                                        <p:attrNameLst>
+                                          <p:attrName>ppt_x</p:attrName>
+                                        </p:attrNameLst>
+                                      </p:cBhvr>
+                                      <p:tavLst>
+                                        <p:tav tm="0">
+                                          <p:val>
+                                            <p:strVal val="#ppt_x"/>
+                                          </p:val>
+                                        </p:tav>
+                                        <p:tav tm="100000">
+                                          <p:val>
+                                            <p:strVal val="#ppt_x"/>
+                                          </p:val>
+                                        </p:tav>
+                                      </p:tavLst>
+                                    </p:anim>
+                                    <p:anim calcmode="lin" valueType="num">
+                                      <p:cBhvr additive="base">
+                                        <p:cTn id="26" dur="500" fill="hold"/>
+                                        <p:tgtEl>
+                                          <p:spTgt spid="10"/>
+                                        </p:tgtEl>
+                                        <p:attrNameLst>
+                                          <p:attrName>ppt_y</p:attrName>
+                                        </p:attrNameLst>
+                                      </p:cBhvr>
+                                      <p:tavLst>
+                                        <p:tav tm="0">
+                                          <p:val>
+                                            <p:strVal val="1+#ppt_h/2"/>
+                                          </p:val>
+                                        </p:tav>
+                                        <p:tav tm="100000">
+                                          <p:val>
+                                            <p:strVal val="#ppt_y"/>
+                                          </p:val>
+                                        </p:tav>
+                                      </p:tavLst>
+                                    </p:anim>
+                                  </p:childTnLst>
+                                </p:cTn>
+                              </p:par>
+                              <p:par>
+                                <p:cTn id="27" presetID="0" presetClass="path" presetSubtype="0" accel="50000" decel="50000" fill="hold" nodeType="withEffect">
                                   <p:stCondLst>
                                     <p:cond delay="0"/>
                                   </p:stCondLst>
                                   <p:childTnLst>
                                     <p:animMotion origin="layout" path="M 2.08333E-7 -0.00579 L 0.55143 -0.0088 " pathEditMode="relative" rAng="0" ptsTypes="AA">
                                       <p:cBhvr>
-                                        <p:cTn id="24" dur="2000" fill="hold"/>
+                                        <p:cTn id="28" dur="2000" fill="hold"/>
                                         <p:tgtEl>
                                           <p:spTgt spid="10"/>
                                         </p:tgtEl>
@@ -26868,14 +27186,14 @@
                                 </p:cTn>
                               </p:par>
                               <p:par>
-                                <p:cTn id="25" presetID="3" presetClass="entr" presetSubtype="10" fill="hold" nodeType="withEffect">
+                                <p:cTn id="29" presetID="3" presetClass="entr" presetSubtype="10" fill="hold" nodeType="withEffect">
                                   <p:stCondLst>
                                     <p:cond delay="0"/>
                                   </p:stCondLst>
                                   <p:childTnLst>
                                     <p:set>
                                       <p:cBhvr>
-                                        <p:cTn id="26" dur="1" fill="hold">
+                                        <p:cTn id="30" dur="1" fill="hold">
                                           <p:stCondLst>
                                             <p:cond delay="0"/>
                                           </p:stCondLst>
@@ -26893,7 +27211,7 @@
                                     </p:set>
                                     <p:animEffect transition="in" filter="blinds(horizontal)">
                                       <p:cBhvr>
-                                        <p:cTn id="27" dur="500"/>
+                                        <p:cTn id="31" dur="500"/>
                                         <p:tgtEl>
                                           <p:spTgt spid="9"/>
                                         </p:tgtEl>
@@ -26936,7 +27254,565 @@
 </p:sld>
 </file>
 
-<file path=ppt/slides/slide29.xml><?xml version="1.0" encoding="utf-8"?>
+<file path=ppt/slides/slide3.xml><?xml version="1.0" encoding="utf-8"?>
+<p:sld xmlns:a="http://schemas.openxmlformats.org/drawingml/2006/main" xmlns:r="http://schemas.openxmlformats.org/officeDocument/2006/relationships" xmlns:p="http://schemas.openxmlformats.org/presentationml/2006/main">
+  <p:cSld>
+    <p:spTree>
+      <p:nvGrpSpPr>
+        <p:cNvPr id="1" name=""/>
+        <p:cNvGrpSpPr/>
+        <p:nvPr/>
+      </p:nvGrpSpPr>
+      <p:grpSpPr>
+        <a:xfrm>
+          <a:off x="0" y="0"/>
+          <a:ext cx="0" cy="0"/>
+          <a:chOff x="0" y="0"/>
+          <a:chExt cx="0" cy="0"/>
+        </a:xfrm>
+      </p:grpSpPr>
+      <p:sp>
+        <p:nvSpPr>
+          <p:cNvPr id="2" name="Title 1">
+            <a:extLst>
+              <a:ext uri="{FF2B5EF4-FFF2-40B4-BE49-F238E27FC236}">
+                <a16:creationId xmlns:a16="http://schemas.microsoft.com/office/drawing/2014/main" id="{A23703F7-D127-C34E-BDA2-360EAC381134}"/>
+              </a:ext>
+            </a:extLst>
+          </p:cNvPr>
+          <p:cNvSpPr>
+            <a:spLocks noGrp="1"/>
+          </p:cNvSpPr>
+          <p:nvPr>
+            <p:ph type="title"/>
+          </p:nvPr>
+        </p:nvSpPr>
+        <p:spPr/>
+        <p:txBody>
+          <a:bodyPr/>
+          <a:lstStyle/>
+          <a:p>
+            <a:pPr algn="ctr"/>
+            <a:r>
+              <a:rPr lang="en-US" b="1" dirty="0"/>
+              <a:t>What is I/O?</a:t>
+            </a:r>
+          </a:p>
+        </p:txBody>
+      </p:sp>
+      <p:sp>
+        <p:nvSpPr>
+          <p:cNvPr id="3" name="Content Placeholder 2">
+            <a:extLst>
+              <a:ext uri="{FF2B5EF4-FFF2-40B4-BE49-F238E27FC236}">
+                <a16:creationId xmlns:a16="http://schemas.microsoft.com/office/drawing/2014/main" id="{6993F94B-0BF5-3445-824D-629A00E410A5}"/>
+              </a:ext>
+            </a:extLst>
+          </p:cNvPr>
+          <p:cNvSpPr>
+            <a:spLocks noGrp="1"/>
+          </p:cNvSpPr>
+          <p:nvPr>
+            <p:ph idx="1"/>
+          </p:nvPr>
+        </p:nvSpPr>
+        <p:spPr/>
+        <p:txBody>
+          <a:bodyPr/>
+          <a:lstStyle/>
+          <a:p>
+            <a:r>
+              <a:rPr lang="en-US" dirty="0"/>
+              <a:t>Its an acronym for “Input/Output”</a:t>
+            </a:r>
+          </a:p>
+          <a:p>
+            <a:endParaRPr lang="en-US" dirty="0"/>
+          </a:p>
+          <a:p>
+            <a:r>
+              <a:rPr lang="en-US" dirty="0"/>
+              <a:t>I/O is what we use to give our program some input to work with</a:t>
+            </a:r>
+          </a:p>
+          <a:p>
+            <a:endParaRPr lang="en-US" dirty="0"/>
+          </a:p>
+          <a:p>
+            <a:r>
+              <a:rPr lang="en-US" dirty="0"/>
+              <a:t>I/O is typically used if we want the user to enter some information </a:t>
+            </a:r>
+          </a:p>
+        </p:txBody>
+      </p:sp>
+      <p:pic>
+        <p:nvPicPr>
+          <p:cNvPr id="5" name="Graphic 4" descr="Decision chart">
+            <a:extLst>
+              <a:ext uri="{FF2B5EF4-FFF2-40B4-BE49-F238E27FC236}">
+                <a16:creationId xmlns:a16="http://schemas.microsoft.com/office/drawing/2014/main" id="{E3919723-42DB-EB41-BC7C-B5DFCEDC5282}"/>
+              </a:ext>
+            </a:extLst>
+          </p:cNvPr>
+          <p:cNvPicPr>
+            <a:picLocks noChangeAspect="1"/>
+          </p:cNvPicPr>
+          <p:nvPr/>
+        </p:nvPicPr>
+        <p:blipFill>
+          <a:blip r:embed="rId2">
+            <a:extLst>
+              <a:ext uri="{96DAC541-7B7A-43D3-8B79-37D633B846F1}">
+                <asvg:svgBlip xmlns:asvg="http://schemas.microsoft.com/office/drawing/2016/SVG/main" r:embed="rId3"/>
+              </a:ext>
+            </a:extLst>
+          </a:blip>
+          <a:stretch>
+            <a:fillRect/>
+          </a:stretch>
+        </p:blipFill>
+        <p:spPr>
+          <a:xfrm rot="16200000">
+            <a:off x="4694235" y="5294311"/>
+            <a:ext cx="1563689" cy="1563689"/>
+          </a:xfrm>
+          <a:prstGeom prst="rect">
+            <a:avLst/>
+          </a:prstGeom>
+        </p:spPr>
+      </p:pic>
+      <p:pic>
+        <p:nvPicPr>
+          <p:cNvPr id="7" name="Graphic 6" descr="Chevron arrows">
+            <a:extLst>
+              <a:ext uri="{FF2B5EF4-FFF2-40B4-BE49-F238E27FC236}">
+                <a16:creationId xmlns:a16="http://schemas.microsoft.com/office/drawing/2014/main" id="{6EDC7A3D-B203-9040-AD98-02F4A08F3A6F}"/>
+              </a:ext>
+            </a:extLst>
+          </p:cNvPr>
+          <p:cNvPicPr>
+            <a:picLocks noChangeAspect="1"/>
+          </p:cNvPicPr>
+          <p:nvPr/>
+        </p:nvPicPr>
+        <p:blipFill>
+          <a:blip r:embed="rId4">
+            <a:extLst>
+              <a:ext uri="{96DAC541-7B7A-43D3-8B79-37D633B846F1}">
+                <asvg:svgBlip xmlns:asvg="http://schemas.microsoft.com/office/drawing/2016/SVG/main" r:embed="rId5"/>
+              </a:ext>
+            </a:extLst>
+          </a:blip>
+          <a:stretch>
+            <a:fillRect/>
+          </a:stretch>
+        </p:blipFill>
+        <p:spPr>
+          <a:xfrm>
+            <a:off x="3927473" y="5692774"/>
+            <a:ext cx="766762" cy="766762"/>
+          </a:xfrm>
+          <a:prstGeom prst="rect">
+            <a:avLst/>
+          </a:prstGeom>
+        </p:spPr>
+      </p:pic>
+    </p:spTree>
+    <p:extLst>
+      <p:ext uri="{BB962C8B-B14F-4D97-AF65-F5344CB8AC3E}">
+        <p14:creationId xmlns:p14="http://schemas.microsoft.com/office/powerpoint/2010/main" val="2329187282"/>
+      </p:ext>
+    </p:extLst>
+  </p:cSld>
+  <p:clrMapOvr>
+    <a:masterClrMapping/>
+  </p:clrMapOvr>
+  <p:timing>
+    <p:tnLst>
+      <p:par>
+        <p:cTn id="1" dur="indefinite" restart="never" nodeType="tmRoot">
+          <p:childTnLst>
+            <p:seq concurrent="1" nextAc="seek">
+              <p:cTn id="2" dur="indefinite" nodeType="mainSeq">
+                <p:childTnLst>
+                  <p:par>
+                    <p:cTn id="3" fill="hold">
+                      <p:stCondLst>
+                        <p:cond delay="indefinite"/>
+                      </p:stCondLst>
+                      <p:childTnLst>
+                        <p:par>
+                          <p:cTn id="4" fill="hold">
+                            <p:stCondLst>
+                              <p:cond delay="0"/>
+                            </p:stCondLst>
+                            <p:childTnLst>
+                              <p:par>
+                                <p:cTn id="5" presetID="2" presetClass="entr" presetSubtype="4" fill="hold" grpId="0" nodeType="clickEffect">
+                                  <p:stCondLst>
+                                    <p:cond delay="0"/>
+                                  </p:stCondLst>
+                                  <p:childTnLst>
+                                    <p:set>
+                                      <p:cBhvr>
+                                        <p:cTn id="6" dur="1" fill="hold">
+                                          <p:stCondLst>
+                                            <p:cond delay="0"/>
+                                          </p:stCondLst>
+                                        </p:cTn>
+                                        <p:tgtEl>
+                                          <p:spTgt spid="3">
+                                            <p:txEl>
+                                              <p:pRg st="0" end="0"/>
+                                            </p:txEl>
+                                          </p:spTgt>
+                                        </p:tgtEl>
+                                        <p:attrNameLst>
+                                          <p:attrName>style.visibility</p:attrName>
+                                        </p:attrNameLst>
+                                      </p:cBhvr>
+                                      <p:to>
+                                        <p:strVal val="visible"/>
+                                      </p:to>
+                                    </p:set>
+                                    <p:anim calcmode="lin" valueType="num">
+                                      <p:cBhvr additive="base">
+                                        <p:cTn id="7" dur="500" fill="hold"/>
+                                        <p:tgtEl>
+                                          <p:spTgt spid="3">
+                                            <p:txEl>
+                                              <p:pRg st="0" end="0"/>
+                                            </p:txEl>
+                                          </p:spTgt>
+                                        </p:tgtEl>
+                                        <p:attrNameLst>
+                                          <p:attrName>ppt_x</p:attrName>
+                                        </p:attrNameLst>
+                                      </p:cBhvr>
+                                      <p:tavLst>
+                                        <p:tav tm="0">
+                                          <p:val>
+                                            <p:strVal val="#ppt_x"/>
+                                          </p:val>
+                                        </p:tav>
+                                        <p:tav tm="100000">
+                                          <p:val>
+                                            <p:strVal val="#ppt_x"/>
+                                          </p:val>
+                                        </p:tav>
+                                      </p:tavLst>
+                                    </p:anim>
+                                    <p:anim calcmode="lin" valueType="num">
+                                      <p:cBhvr additive="base">
+                                        <p:cTn id="8" dur="500" fill="hold"/>
+                                        <p:tgtEl>
+                                          <p:spTgt spid="3">
+                                            <p:txEl>
+                                              <p:pRg st="0" end="0"/>
+                                            </p:txEl>
+                                          </p:spTgt>
+                                        </p:tgtEl>
+                                        <p:attrNameLst>
+                                          <p:attrName>ppt_y</p:attrName>
+                                        </p:attrNameLst>
+                                      </p:cBhvr>
+                                      <p:tavLst>
+                                        <p:tav tm="0">
+                                          <p:val>
+                                            <p:strVal val="1+#ppt_h/2"/>
+                                          </p:val>
+                                        </p:tav>
+                                        <p:tav tm="100000">
+                                          <p:val>
+                                            <p:strVal val="#ppt_y"/>
+                                          </p:val>
+                                        </p:tav>
+                                      </p:tavLst>
+                                    </p:anim>
+                                  </p:childTnLst>
+                                </p:cTn>
+                              </p:par>
+                            </p:childTnLst>
+                          </p:cTn>
+                        </p:par>
+                      </p:childTnLst>
+                    </p:cTn>
+                  </p:par>
+                  <p:par>
+                    <p:cTn id="9" fill="hold">
+                      <p:stCondLst>
+                        <p:cond delay="indefinite"/>
+                      </p:stCondLst>
+                      <p:childTnLst>
+                        <p:par>
+                          <p:cTn id="10" fill="hold">
+                            <p:stCondLst>
+                              <p:cond delay="0"/>
+                            </p:stCondLst>
+                            <p:childTnLst>
+                              <p:par>
+                                <p:cTn id="11" presetID="2" presetClass="entr" presetSubtype="4" fill="hold" grpId="0" nodeType="clickEffect">
+                                  <p:stCondLst>
+                                    <p:cond delay="0"/>
+                                  </p:stCondLst>
+                                  <p:childTnLst>
+                                    <p:set>
+                                      <p:cBhvr>
+                                        <p:cTn id="12" dur="1" fill="hold">
+                                          <p:stCondLst>
+                                            <p:cond delay="0"/>
+                                          </p:stCondLst>
+                                        </p:cTn>
+                                        <p:tgtEl>
+                                          <p:spTgt spid="3">
+                                            <p:txEl>
+                                              <p:pRg st="2" end="2"/>
+                                            </p:txEl>
+                                          </p:spTgt>
+                                        </p:tgtEl>
+                                        <p:attrNameLst>
+                                          <p:attrName>style.visibility</p:attrName>
+                                        </p:attrNameLst>
+                                      </p:cBhvr>
+                                      <p:to>
+                                        <p:strVal val="visible"/>
+                                      </p:to>
+                                    </p:set>
+                                    <p:anim calcmode="lin" valueType="num">
+                                      <p:cBhvr additive="base">
+                                        <p:cTn id="13" dur="500" fill="hold"/>
+                                        <p:tgtEl>
+                                          <p:spTgt spid="3">
+                                            <p:txEl>
+                                              <p:pRg st="2" end="2"/>
+                                            </p:txEl>
+                                          </p:spTgt>
+                                        </p:tgtEl>
+                                        <p:attrNameLst>
+                                          <p:attrName>ppt_x</p:attrName>
+                                        </p:attrNameLst>
+                                      </p:cBhvr>
+                                      <p:tavLst>
+                                        <p:tav tm="0">
+                                          <p:val>
+                                            <p:strVal val="#ppt_x"/>
+                                          </p:val>
+                                        </p:tav>
+                                        <p:tav tm="100000">
+                                          <p:val>
+                                            <p:strVal val="#ppt_x"/>
+                                          </p:val>
+                                        </p:tav>
+                                      </p:tavLst>
+                                    </p:anim>
+                                    <p:anim calcmode="lin" valueType="num">
+                                      <p:cBhvr additive="base">
+                                        <p:cTn id="14" dur="500" fill="hold"/>
+                                        <p:tgtEl>
+                                          <p:spTgt spid="3">
+                                            <p:txEl>
+                                              <p:pRg st="2" end="2"/>
+                                            </p:txEl>
+                                          </p:spTgt>
+                                        </p:tgtEl>
+                                        <p:attrNameLst>
+                                          <p:attrName>ppt_y</p:attrName>
+                                        </p:attrNameLst>
+                                      </p:cBhvr>
+                                      <p:tavLst>
+                                        <p:tav tm="0">
+                                          <p:val>
+                                            <p:strVal val="1+#ppt_h/2"/>
+                                          </p:val>
+                                        </p:tav>
+                                        <p:tav tm="100000">
+                                          <p:val>
+                                            <p:strVal val="#ppt_y"/>
+                                          </p:val>
+                                        </p:tav>
+                                      </p:tavLst>
+                                    </p:anim>
+                                  </p:childTnLst>
+                                </p:cTn>
+                              </p:par>
+                            </p:childTnLst>
+                          </p:cTn>
+                        </p:par>
+                      </p:childTnLst>
+                    </p:cTn>
+                  </p:par>
+                  <p:par>
+                    <p:cTn id="15" fill="hold">
+                      <p:stCondLst>
+                        <p:cond delay="indefinite"/>
+                      </p:stCondLst>
+                      <p:childTnLst>
+                        <p:par>
+                          <p:cTn id="16" fill="hold">
+                            <p:stCondLst>
+                              <p:cond delay="0"/>
+                            </p:stCondLst>
+                            <p:childTnLst>
+                              <p:par>
+                                <p:cTn id="17" presetID="2" presetClass="entr" presetSubtype="4" fill="hold" grpId="0" nodeType="clickEffect">
+                                  <p:stCondLst>
+                                    <p:cond delay="0"/>
+                                  </p:stCondLst>
+                                  <p:childTnLst>
+                                    <p:set>
+                                      <p:cBhvr>
+                                        <p:cTn id="18" dur="1" fill="hold">
+                                          <p:stCondLst>
+                                            <p:cond delay="0"/>
+                                          </p:stCondLst>
+                                        </p:cTn>
+                                        <p:tgtEl>
+                                          <p:spTgt spid="3">
+                                            <p:txEl>
+                                              <p:pRg st="4" end="4"/>
+                                            </p:txEl>
+                                          </p:spTgt>
+                                        </p:tgtEl>
+                                        <p:attrNameLst>
+                                          <p:attrName>style.visibility</p:attrName>
+                                        </p:attrNameLst>
+                                      </p:cBhvr>
+                                      <p:to>
+                                        <p:strVal val="visible"/>
+                                      </p:to>
+                                    </p:set>
+                                    <p:anim calcmode="lin" valueType="num">
+                                      <p:cBhvr additive="base">
+                                        <p:cTn id="19" dur="500" fill="hold"/>
+                                        <p:tgtEl>
+                                          <p:spTgt spid="3">
+                                            <p:txEl>
+                                              <p:pRg st="4" end="4"/>
+                                            </p:txEl>
+                                          </p:spTgt>
+                                        </p:tgtEl>
+                                        <p:attrNameLst>
+                                          <p:attrName>ppt_x</p:attrName>
+                                        </p:attrNameLst>
+                                      </p:cBhvr>
+                                      <p:tavLst>
+                                        <p:tav tm="0">
+                                          <p:val>
+                                            <p:strVal val="#ppt_x"/>
+                                          </p:val>
+                                        </p:tav>
+                                        <p:tav tm="100000">
+                                          <p:val>
+                                            <p:strVal val="#ppt_x"/>
+                                          </p:val>
+                                        </p:tav>
+                                      </p:tavLst>
+                                    </p:anim>
+                                    <p:anim calcmode="lin" valueType="num">
+                                      <p:cBhvr additive="base">
+                                        <p:cTn id="20" dur="500" fill="hold"/>
+                                        <p:tgtEl>
+                                          <p:spTgt spid="3">
+                                            <p:txEl>
+                                              <p:pRg st="4" end="4"/>
+                                            </p:txEl>
+                                          </p:spTgt>
+                                        </p:tgtEl>
+                                        <p:attrNameLst>
+                                          <p:attrName>ppt_y</p:attrName>
+                                        </p:attrNameLst>
+                                      </p:cBhvr>
+                                      <p:tavLst>
+                                        <p:tav tm="0">
+                                          <p:val>
+                                            <p:strVal val="1+#ppt_h/2"/>
+                                          </p:val>
+                                        </p:tav>
+                                        <p:tav tm="100000">
+                                          <p:val>
+                                            <p:strVal val="#ppt_y"/>
+                                          </p:val>
+                                        </p:tav>
+                                      </p:tavLst>
+                                    </p:anim>
+                                  </p:childTnLst>
+                                </p:cTn>
+                              </p:par>
+                            </p:childTnLst>
+                          </p:cTn>
+                        </p:par>
+                      </p:childTnLst>
+                    </p:cTn>
+                  </p:par>
+                  <p:par>
+                    <p:cTn id="21" fill="hold">
+                      <p:stCondLst>
+                        <p:cond delay="indefinite"/>
+                      </p:stCondLst>
+                      <p:childTnLst>
+                        <p:par>
+                          <p:cTn id="22" fill="hold">
+                            <p:stCondLst>
+                              <p:cond delay="0"/>
+                            </p:stCondLst>
+                            <p:childTnLst>
+                              <p:par>
+                                <p:cTn id="23" presetID="0" presetClass="path" presetSubtype="0" accel="50000" decel="50000" fill="hold" nodeType="clickEffect">
+                                  <p:stCondLst>
+                                    <p:cond delay="0"/>
+                                  </p:stCondLst>
+                                  <p:childTnLst>
+                                    <p:animMotion origin="layout" path="M 0.03151 0.00162 L 0.24062 0.00162 " pathEditMode="relative" ptsTypes="AA">
+                                      <p:cBhvr>
+                                        <p:cTn id="24" dur="2000" fill="hold"/>
+                                        <p:tgtEl>
+                                          <p:spTgt spid="7"/>
+                                        </p:tgtEl>
+                                        <p:attrNameLst>
+                                          <p:attrName>ppt_x</p:attrName>
+                                          <p:attrName>ppt_y</p:attrName>
+                                        </p:attrNameLst>
+                                      </p:cBhvr>
+                                    </p:animMotion>
+                                  </p:childTnLst>
+                                </p:cTn>
+                              </p:par>
+                            </p:childTnLst>
+                          </p:cTn>
+                        </p:par>
+                      </p:childTnLst>
+                    </p:cTn>
+                  </p:par>
+                </p:childTnLst>
+              </p:cTn>
+              <p:prevCondLst>
+                <p:cond evt="onPrev" delay="0">
+                  <p:tgtEl>
+                    <p:sldTgt/>
+                  </p:tgtEl>
+                </p:cond>
+              </p:prevCondLst>
+              <p:nextCondLst>
+                <p:cond evt="onNext" delay="0">
+                  <p:tgtEl>
+                    <p:sldTgt/>
+                  </p:tgtEl>
+                </p:cond>
+              </p:nextCondLst>
+            </p:seq>
+          </p:childTnLst>
+        </p:cTn>
+      </p:par>
+    </p:tnLst>
+    <p:bldLst>
+      <p:bldP spid="3" grpId="0" build="p"/>
+    </p:bldLst>
+  </p:timing>
+</p:sld>
+</file>
+
+<file path=ppt/slides/slide30.xml><?xml version="1.0" encoding="utf-8"?>
 <p:sld xmlns:a="http://schemas.openxmlformats.org/drawingml/2006/main" xmlns:r="http://schemas.openxmlformats.org/officeDocument/2006/relationships" xmlns:p="http://schemas.openxmlformats.org/presentationml/2006/main">
   <p:cSld>
     <p:spTree>
@@ -27018,7 +27894,7 @@
           <a:p>
             <a:pPr lvl="1"/>
             <a:r>
-              <a:rPr lang="en-US">
+              <a:rPr lang="en-US" dirty="0">
                 <a:solidFill>
                   <a:srgbClr val="00B100"/>
                 </a:solidFill>
@@ -27028,7 +27904,7 @@
                 <a:latin typeface="Consolas" panose="020B0609020204030204" pitchFamily="49" charset="0"/>
                 <a:cs typeface="Consolas" panose="020B0609020204030204" pitchFamily="49" charset="0"/>
               </a:rPr>
-              <a:t>:~ ./a</a:t>
+              <a:t>:~ ./</a:t>
             </a:r>
             <a:r>
               <a:rPr lang="en-US" dirty="0" err="1">
@@ -27041,7 +27917,7 @@
                 <a:latin typeface="Consolas" panose="020B0609020204030204" pitchFamily="49" charset="0"/>
                 <a:cs typeface="Consolas" panose="020B0609020204030204" pitchFamily="49" charset="0"/>
               </a:rPr>
-              <a:t>.out</a:t>
+              <a:t>a.out</a:t>
             </a:r>
             <a:r>
               <a:rPr lang="en-US" dirty="0">
@@ -27846,7 +28722,2398 @@
 </p:sld>
 </file>
 
-<file path=ppt/slides/slide3.xml><?xml version="1.0" encoding="utf-8"?>
+<file path=ppt/slides/slide31.xml><?xml version="1.0" encoding="utf-8"?>
+<p:sld xmlns:a="http://schemas.openxmlformats.org/drawingml/2006/main" xmlns:r="http://schemas.openxmlformats.org/officeDocument/2006/relationships" xmlns:p="http://schemas.openxmlformats.org/presentationml/2006/main">
+  <p:cSld>
+    <p:spTree>
+      <p:nvGrpSpPr>
+        <p:cNvPr id="1" name=""/>
+        <p:cNvGrpSpPr/>
+        <p:nvPr/>
+      </p:nvGrpSpPr>
+      <p:grpSpPr>
+        <a:xfrm>
+          <a:off x="0" y="0"/>
+          <a:ext cx="0" cy="0"/>
+          <a:chOff x="0" y="0"/>
+          <a:chExt cx="0" cy="0"/>
+        </a:xfrm>
+      </p:grpSpPr>
+      <p:sp>
+        <p:nvSpPr>
+          <p:cNvPr id="2" name="Title 1">
+            <a:extLst>
+              <a:ext uri="{FF2B5EF4-FFF2-40B4-BE49-F238E27FC236}">
+                <a16:creationId xmlns:a16="http://schemas.microsoft.com/office/drawing/2014/main" id="{B7142A22-105A-C24C-86EF-7ADC970BBD8A}"/>
+              </a:ext>
+            </a:extLst>
+          </p:cNvPr>
+          <p:cNvSpPr>
+            <a:spLocks noGrp="1"/>
+          </p:cNvSpPr>
+          <p:nvPr>
+            <p:ph type="title"/>
+          </p:nvPr>
+        </p:nvSpPr>
+        <p:spPr/>
+        <p:txBody>
+          <a:bodyPr/>
+          <a:lstStyle/>
+          <a:p>
+            <a:pPr algn="ctr"/>
+            <a:r>
+              <a:rPr lang="en-US" b="1" dirty="0"/>
+              <a:t>String sanitizing </a:t>
+            </a:r>
+          </a:p>
+        </p:txBody>
+      </p:sp>
+      <p:sp>
+        <p:nvSpPr>
+          <p:cNvPr id="3" name="Content Placeholder 2">
+            <a:extLst>
+              <a:ext uri="{FF2B5EF4-FFF2-40B4-BE49-F238E27FC236}">
+                <a16:creationId xmlns:a16="http://schemas.microsoft.com/office/drawing/2014/main" id="{8CE55308-04AC-284B-81C2-1829C7E2F328}"/>
+              </a:ext>
+            </a:extLst>
+          </p:cNvPr>
+          <p:cNvSpPr>
+            <a:spLocks noGrp="1"/>
+          </p:cNvSpPr>
+          <p:nvPr>
+            <p:ph idx="1"/>
+          </p:nvPr>
+        </p:nvSpPr>
+        <p:spPr>
+          <a:xfrm>
+            <a:off x="1141412" y="2249487"/>
+            <a:ext cx="10075228" cy="3541714"/>
+          </a:xfrm>
+        </p:spPr>
+        <p:txBody>
+          <a:bodyPr/>
+          <a:lstStyle/>
+          <a:p>
+            <a:r>
+              <a:rPr lang="en-US" dirty="0"/>
+              <a:t>We need to find a way to look at the entire string and analyze each character</a:t>
+            </a:r>
+          </a:p>
+          <a:p>
+            <a:endParaRPr lang="en-US" dirty="0"/>
+          </a:p>
+          <a:p>
+            <a:r>
+              <a:rPr lang="en-US" dirty="0"/>
+              <a:t>We have the tools to do this so let’s try it!</a:t>
+            </a:r>
+          </a:p>
+          <a:p>
+            <a:endParaRPr lang="en-US" dirty="0"/>
+          </a:p>
+          <a:p>
+            <a:r>
+              <a:rPr lang="en-US" dirty="0"/>
+              <a:t>For the next few minutes, try and come up with a function that informs us if a string is legal or not.</a:t>
+            </a:r>
+          </a:p>
+        </p:txBody>
+      </p:sp>
+    </p:spTree>
+    <p:extLst>
+      <p:ext uri="{BB962C8B-B14F-4D97-AF65-F5344CB8AC3E}">
+        <p14:creationId xmlns:p14="http://schemas.microsoft.com/office/powerpoint/2010/main" val="3319999659"/>
+      </p:ext>
+    </p:extLst>
+  </p:cSld>
+  <p:clrMapOvr>
+    <a:masterClrMapping/>
+  </p:clrMapOvr>
+  <p:timing>
+    <p:tnLst>
+      <p:par>
+        <p:cTn id="1" dur="indefinite" restart="never" nodeType="tmRoot">
+          <p:childTnLst>
+            <p:seq concurrent="1" nextAc="seek">
+              <p:cTn id="2" dur="indefinite" nodeType="mainSeq">
+                <p:childTnLst>
+                  <p:par>
+                    <p:cTn id="3" fill="hold">
+                      <p:stCondLst>
+                        <p:cond delay="indefinite"/>
+                      </p:stCondLst>
+                      <p:childTnLst>
+                        <p:par>
+                          <p:cTn id="4" fill="hold">
+                            <p:stCondLst>
+                              <p:cond delay="0"/>
+                            </p:stCondLst>
+                            <p:childTnLst>
+                              <p:par>
+                                <p:cTn id="5" presetID="2" presetClass="entr" presetSubtype="4" fill="hold" grpId="0" nodeType="clickEffect">
+                                  <p:stCondLst>
+                                    <p:cond delay="0"/>
+                                  </p:stCondLst>
+                                  <p:childTnLst>
+                                    <p:set>
+                                      <p:cBhvr>
+                                        <p:cTn id="6" dur="1" fill="hold">
+                                          <p:stCondLst>
+                                            <p:cond delay="0"/>
+                                          </p:stCondLst>
+                                        </p:cTn>
+                                        <p:tgtEl>
+                                          <p:spTgt spid="3">
+                                            <p:txEl>
+                                              <p:pRg st="0" end="0"/>
+                                            </p:txEl>
+                                          </p:spTgt>
+                                        </p:tgtEl>
+                                        <p:attrNameLst>
+                                          <p:attrName>style.visibility</p:attrName>
+                                        </p:attrNameLst>
+                                      </p:cBhvr>
+                                      <p:to>
+                                        <p:strVal val="visible"/>
+                                      </p:to>
+                                    </p:set>
+                                    <p:anim calcmode="lin" valueType="num">
+                                      <p:cBhvr additive="base">
+                                        <p:cTn id="7" dur="500" fill="hold"/>
+                                        <p:tgtEl>
+                                          <p:spTgt spid="3">
+                                            <p:txEl>
+                                              <p:pRg st="0" end="0"/>
+                                            </p:txEl>
+                                          </p:spTgt>
+                                        </p:tgtEl>
+                                        <p:attrNameLst>
+                                          <p:attrName>ppt_x</p:attrName>
+                                        </p:attrNameLst>
+                                      </p:cBhvr>
+                                      <p:tavLst>
+                                        <p:tav tm="0">
+                                          <p:val>
+                                            <p:strVal val="#ppt_x"/>
+                                          </p:val>
+                                        </p:tav>
+                                        <p:tav tm="100000">
+                                          <p:val>
+                                            <p:strVal val="#ppt_x"/>
+                                          </p:val>
+                                        </p:tav>
+                                      </p:tavLst>
+                                    </p:anim>
+                                    <p:anim calcmode="lin" valueType="num">
+                                      <p:cBhvr additive="base">
+                                        <p:cTn id="8" dur="500" fill="hold"/>
+                                        <p:tgtEl>
+                                          <p:spTgt spid="3">
+                                            <p:txEl>
+                                              <p:pRg st="0" end="0"/>
+                                            </p:txEl>
+                                          </p:spTgt>
+                                        </p:tgtEl>
+                                        <p:attrNameLst>
+                                          <p:attrName>ppt_y</p:attrName>
+                                        </p:attrNameLst>
+                                      </p:cBhvr>
+                                      <p:tavLst>
+                                        <p:tav tm="0">
+                                          <p:val>
+                                            <p:strVal val="1+#ppt_h/2"/>
+                                          </p:val>
+                                        </p:tav>
+                                        <p:tav tm="100000">
+                                          <p:val>
+                                            <p:strVal val="#ppt_y"/>
+                                          </p:val>
+                                        </p:tav>
+                                      </p:tavLst>
+                                    </p:anim>
+                                  </p:childTnLst>
+                                </p:cTn>
+                              </p:par>
+                            </p:childTnLst>
+                          </p:cTn>
+                        </p:par>
+                      </p:childTnLst>
+                    </p:cTn>
+                  </p:par>
+                  <p:par>
+                    <p:cTn id="9" fill="hold">
+                      <p:stCondLst>
+                        <p:cond delay="indefinite"/>
+                      </p:stCondLst>
+                      <p:childTnLst>
+                        <p:par>
+                          <p:cTn id="10" fill="hold">
+                            <p:stCondLst>
+                              <p:cond delay="0"/>
+                            </p:stCondLst>
+                            <p:childTnLst>
+                              <p:par>
+                                <p:cTn id="11" presetID="2" presetClass="entr" presetSubtype="4" fill="hold" grpId="0" nodeType="clickEffect">
+                                  <p:stCondLst>
+                                    <p:cond delay="0"/>
+                                  </p:stCondLst>
+                                  <p:childTnLst>
+                                    <p:set>
+                                      <p:cBhvr>
+                                        <p:cTn id="12" dur="1" fill="hold">
+                                          <p:stCondLst>
+                                            <p:cond delay="0"/>
+                                          </p:stCondLst>
+                                        </p:cTn>
+                                        <p:tgtEl>
+                                          <p:spTgt spid="3">
+                                            <p:txEl>
+                                              <p:pRg st="2" end="2"/>
+                                            </p:txEl>
+                                          </p:spTgt>
+                                        </p:tgtEl>
+                                        <p:attrNameLst>
+                                          <p:attrName>style.visibility</p:attrName>
+                                        </p:attrNameLst>
+                                      </p:cBhvr>
+                                      <p:to>
+                                        <p:strVal val="visible"/>
+                                      </p:to>
+                                    </p:set>
+                                    <p:anim calcmode="lin" valueType="num">
+                                      <p:cBhvr additive="base">
+                                        <p:cTn id="13" dur="500" fill="hold"/>
+                                        <p:tgtEl>
+                                          <p:spTgt spid="3">
+                                            <p:txEl>
+                                              <p:pRg st="2" end="2"/>
+                                            </p:txEl>
+                                          </p:spTgt>
+                                        </p:tgtEl>
+                                        <p:attrNameLst>
+                                          <p:attrName>ppt_x</p:attrName>
+                                        </p:attrNameLst>
+                                      </p:cBhvr>
+                                      <p:tavLst>
+                                        <p:tav tm="0">
+                                          <p:val>
+                                            <p:strVal val="#ppt_x"/>
+                                          </p:val>
+                                        </p:tav>
+                                        <p:tav tm="100000">
+                                          <p:val>
+                                            <p:strVal val="#ppt_x"/>
+                                          </p:val>
+                                        </p:tav>
+                                      </p:tavLst>
+                                    </p:anim>
+                                    <p:anim calcmode="lin" valueType="num">
+                                      <p:cBhvr additive="base">
+                                        <p:cTn id="14" dur="500" fill="hold"/>
+                                        <p:tgtEl>
+                                          <p:spTgt spid="3">
+                                            <p:txEl>
+                                              <p:pRg st="2" end="2"/>
+                                            </p:txEl>
+                                          </p:spTgt>
+                                        </p:tgtEl>
+                                        <p:attrNameLst>
+                                          <p:attrName>ppt_y</p:attrName>
+                                        </p:attrNameLst>
+                                      </p:cBhvr>
+                                      <p:tavLst>
+                                        <p:tav tm="0">
+                                          <p:val>
+                                            <p:strVal val="1+#ppt_h/2"/>
+                                          </p:val>
+                                        </p:tav>
+                                        <p:tav tm="100000">
+                                          <p:val>
+                                            <p:strVal val="#ppt_y"/>
+                                          </p:val>
+                                        </p:tav>
+                                      </p:tavLst>
+                                    </p:anim>
+                                  </p:childTnLst>
+                                </p:cTn>
+                              </p:par>
+                            </p:childTnLst>
+                          </p:cTn>
+                        </p:par>
+                      </p:childTnLst>
+                    </p:cTn>
+                  </p:par>
+                  <p:par>
+                    <p:cTn id="15" fill="hold">
+                      <p:stCondLst>
+                        <p:cond delay="indefinite"/>
+                      </p:stCondLst>
+                      <p:childTnLst>
+                        <p:par>
+                          <p:cTn id="16" fill="hold">
+                            <p:stCondLst>
+                              <p:cond delay="0"/>
+                            </p:stCondLst>
+                            <p:childTnLst>
+                              <p:par>
+                                <p:cTn id="17" presetID="2" presetClass="entr" presetSubtype="4" fill="hold" grpId="0" nodeType="clickEffect">
+                                  <p:stCondLst>
+                                    <p:cond delay="0"/>
+                                  </p:stCondLst>
+                                  <p:childTnLst>
+                                    <p:set>
+                                      <p:cBhvr>
+                                        <p:cTn id="18" dur="1" fill="hold">
+                                          <p:stCondLst>
+                                            <p:cond delay="0"/>
+                                          </p:stCondLst>
+                                        </p:cTn>
+                                        <p:tgtEl>
+                                          <p:spTgt spid="3">
+                                            <p:txEl>
+                                              <p:pRg st="4" end="4"/>
+                                            </p:txEl>
+                                          </p:spTgt>
+                                        </p:tgtEl>
+                                        <p:attrNameLst>
+                                          <p:attrName>style.visibility</p:attrName>
+                                        </p:attrNameLst>
+                                      </p:cBhvr>
+                                      <p:to>
+                                        <p:strVal val="visible"/>
+                                      </p:to>
+                                    </p:set>
+                                    <p:anim calcmode="lin" valueType="num">
+                                      <p:cBhvr additive="base">
+                                        <p:cTn id="19" dur="500" fill="hold"/>
+                                        <p:tgtEl>
+                                          <p:spTgt spid="3">
+                                            <p:txEl>
+                                              <p:pRg st="4" end="4"/>
+                                            </p:txEl>
+                                          </p:spTgt>
+                                        </p:tgtEl>
+                                        <p:attrNameLst>
+                                          <p:attrName>ppt_x</p:attrName>
+                                        </p:attrNameLst>
+                                      </p:cBhvr>
+                                      <p:tavLst>
+                                        <p:tav tm="0">
+                                          <p:val>
+                                            <p:strVal val="#ppt_x"/>
+                                          </p:val>
+                                        </p:tav>
+                                        <p:tav tm="100000">
+                                          <p:val>
+                                            <p:strVal val="#ppt_x"/>
+                                          </p:val>
+                                        </p:tav>
+                                      </p:tavLst>
+                                    </p:anim>
+                                    <p:anim calcmode="lin" valueType="num">
+                                      <p:cBhvr additive="base">
+                                        <p:cTn id="20" dur="500" fill="hold"/>
+                                        <p:tgtEl>
+                                          <p:spTgt spid="3">
+                                            <p:txEl>
+                                              <p:pRg st="4" end="4"/>
+                                            </p:txEl>
+                                          </p:spTgt>
+                                        </p:tgtEl>
+                                        <p:attrNameLst>
+                                          <p:attrName>ppt_y</p:attrName>
+                                        </p:attrNameLst>
+                                      </p:cBhvr>
+                                      <p:tavLst>
+                                        <p:tav tm="0">
+                                          <p:val>
+                                            <p:strVal val="1+#ppt_h/2"/>
+                                          </p:val>
+                                        </p:tav>
+                                        <p:tav tm="100000">
+                                          <p:val>
+                                            <p:strVal val="#ppt_y"/>
+                                          </p:val>
+                                        </p:tav>
+                                      </p:tavLst>
+                                    </p:anim>
+                                  </p:childTnLst>
+                                </p:cTn>
+                              </p:par>
+                            </p:childTnLst>
+                          </p:cTn>
+                        </p:par>
+                      </p:childTnLst>
+                    </p:cTn>
+                  </p:par>
+                </p:childTnLst>
+              </p:cTn>
+              <p:prevCondLst>
+                <p:cond evt="onPrev" delay="0">
+                  <p:tgtEl>
+                    <p:sldTgt/>
+                  </p:tgtEl>
+                </p:cond>
+              </p:prevCondLst>
+              <p:nextCondLst>
+                <p:cond evt="onNext" delay="0">
+                  <p:tgtEl>
+                    <p:sldTgt/>
+                  </p:tgtEl>
+                </p:cond>
+              </p:nextCondLst>
+            </p:seq>
+          </p:childTnLst>
+        </p:cTn>
+      </p:par>
+    </p:tnLst>
+    <p:bldLst>
+      <p:bldP spid="3" grpId="0" build="p"/>
+    </p:bldLst>
+  </p:timing>
+</p:sld>
+</file>
+
+<file path=ppt/slides/slide32.xml><?xml version="1.0" encoding="utf-8"?>
+<p:sld xmlns:a="http://schemas.openxmlformats.org/drawingml/2006/main" xmlns:r="http://schemas.openxmlformats.org/officeDocument/2006/relationships" xmlns:p="http://schemas.openxmlformats.org/presentationml/2006/main">
+  <p:cSld>
+    <p:spTree>
+      <p:nvGrpSpPr>
+        <p:cNvPr id="1" name=""/>
+        <p:cNvGrpSpPr/>
+        <p:nvPr/>
+      </p:nvGrpSpPr>
+      <p:grpSpPr>
+        <a:xfrm>
+          <a:off x="0" y="0"/>
+          <a:ext cx="0" cy="0"/>
+          <a:chOff x="0" y="0"/>
+          <a:chExt cx="0" cy="0"/>
+        </a:xfrm>
+      </p:grpSpPr>
+      <p:sp>
+        <p:nvSpPr>
+          <p:cNvPr id="2" name="Title 1">
+            <a:extLst>
+              <a:ext uri="{FF2B5EF4-FFF2-40B4-BE49-F238E27FC236}">
+                <a16:creationId xmlns:a16="http://schemas.microsoft.com/office/drawing/2014/main" id="{D9D64FAC-77D1-7440-AF6B-66DD2D7854B4}"/>
+              </a:ext>
+            </a:extLst>
+          </p:cNvPr>
+          <p:cNvSpPr>
+            <a:spLocks noGrp="1"/>
+          </p:cNvSpPr>
+          <p:nvPr>
+            <p:ph type="title"/>
+          </p:nvPr>
+        </p:nvSpPr>
+        <p:spPr/>
+        <p:txBody>
+          <a:bodyPr/>
+          <a:lstStyle/>
+          <a:p>
+            <a:pPr algn="ctr"/>
+            <a:r>
+              <a:rPr lang="en-US" b="1" dirty="0"/>
+              <a:t>Solution</a:t>
+            </a:r>
+          </a:p>
+        </p:txBody>
+      </p:sp>
+      <p:sp>
+        <p:nvSpPr>
+          <p:cNvPr id="3" name="Content Placeholder 2">
+            <a:extLst>
+              <a:ext uri="{FF2B5EF4-FFF2-40B4-BE49-F238E27FC236}">
+                <a16:creationId xmlns:a16="http://schemas.microsoft.com/office/drawing/2014/main" id="{BE2EA963-2CD4-AA4F-9096-10034B208A99}"/>
+              </a:ext>
+            </a:extLst>
+          </p:cNvPr>
+          <p:cNvSpPr>
+            <a:spLocks noGrp="1"/>
+          </p:cNvSpPr>
+          <p:nvPr>
+            <p:ph idx="1"/>
+          </p:nvPr>
+        </p:nvSpPr>
+        <p:spPr>
+          <a:xfrm>
+            <a:off x="788668" y="2249487"/>
+            <a:ext cx="6938012" cy="1911033"/>
+          </a:xfrm>
+        </p:spPr>
+        <p:txBody>
+          <a:bodyPr/>
+          <a:lstStyle/>
+          <a:p>
+            <a:r>
+              <a:rPr lang="en-US" dirty="0"/>
+              <a:t>Your solution may look something like this: </a:t>
+            </a:r>
+          </a:p>
+          <a:p>
+            <a:endParaRPr lang="en-US" dirty="0"/>
+          </a:p>
+          <a:p>
+            <a:r>
+              <a:rPr lang="en-US" dirty="0"/>
+              <a:t>There are many solutions but this is a simple one</a:t>
+            </a:r>
+          </a:p>
+        </p:txBody>
+      </p:sp>
+      <p:pic>
+        <p:nvPicPr>
+          <p:cNvPr id="5" name="Picture 4">
+            <a:extLst>
+              <a:ext uri="{FF2B5EF4-FFF2-40B4-BE49-F238E27FC236}">
+                <a16:creationId xmlns:a16="http://schemas.microsoft.com/office/drawing/2014/main" id="{CF7989F9-CC77-104F-9D43-EC78F30B5BDD}"/>
+              </a:ext>
+            </a:extLst>
+          </p:cNvPr>
+          <p:cNvPicPr>
+            <a:picLocks noChangeAspect="1"/>
+          </p:cNvPicPr>
+          <p:nvPr/>
+        </p:nvPicPr>
+        <p:blipFill>
+          <a:blip r:embed="rId2"/>
+          <a:stretch>
+            <a:fillRect/>
+          </a:stretch>
+        </p:blipFill>
+        <p:spPr>
+          <a:xfrm>
+            <a:off x="7726680" y="2249487"/>
+            <a:ext cx="4458455" cy="2655036"/>
+          </a:xfrm>
+          <a:prstGeom prst="rect">
+            <a:avLst/>
+          </a:prstGeom>
+        </p:spPr>
+      </p:pic>
+      <p:sp>
+        <p:nvSpPr>
+          <p:cNvPr id="6" name="TextBox 5">
+            <a:extLst>
+              <a:ext uri="{FF2B5EF4-FFF2-40B4-BE49-F238E27FC236}">
+                <a16:creationId xmlns:a16="http://schemas.microsoft.com/office/drawing/2014/main" id="{BF594D3A-87EF-5C4F-BCDF-9C9BF27CBE46}"/>
+              </a:ext>
+            </a:extLst>
+          </p:cNvPr>
+          <p:cNvSpPr txBox="1"/>
+          <p:nvPr/>
+        </p:nvSpPr>
+        <p:spPr>
+          <a:xfrm>
+            <a:off x="1057274" y="5577840"/>
+            <a:ext cx="6400800" cy="369332"/>
+          </a:xfrm>
+          <a:prstGeom prst="rect">
+            <a:avLst/>
+          </a:prstGeom>
+          <a:noFill/>
+        </p:spPr>
+        <p:txBody>
+          <a:bodyPr wrap="square" rtlCol="0">
+            <a:spAutoFit/>
+          </a:bodyPr>
+          <a:lstStyle/>
+          <a:p>
+            <a:r>
+              <a:rPr lang="en-US" b="1" dirty="0"/>
+              <a:t>WAIT HOLD ON THE IF IS MISSING THE BRACKETS!</a:t>
+            </a:r>
+          </a:p>
+        </p:txBody>
+      </p:sp>
+    </p:spTree>
+    <p:extLst>
+      <p:ext uri="{BB962C8B-B14F-4D97-AF65-F5344CB8AC3E}">
+        <p14:creationId xmlns:p14="http://schemas.microsoft.com/office/powerpoint/2010/main" val="3269971568"/>
+      </p:ext>
+    </p:extLst>
+  </p:cSld>
+  <p:clrMapOvr>
+    <a:masterClrMapping/>
+  </p:clrMapOvr>
+  <p:timing>
+    <p:tnLst>
+      <p:par>
+        <p:cTn id="1" dur="indefinite" restart="never" nodeType="tmRoot">
+          <p:childTnLst>
+            <p:seq concurrent="1" nextAc="seek">
+              <p:cTn id="2" dur="indefinite" nodeType="mainSeq">
+                <p:childTnLst>
+                  <p:par>
+                    <p:cTn id="3" fill="hold">
+                      <p:stCondLst>
+                        <p:cond delay="indefinite"/>
+                      </p:stCondLst>
+                      <p:childTnLst>
+                        <p:par>
+                          <p:cTn id="4" fill="hold">
+                            <p:stCondLst>
+                              <p:cond delay="0"/>
+                            </p:stCondLst>
+                            <p:childTnLst>
+                              <p:par>
+                                <p:cTn id="5" presetID="2" presetClass="entr" presetSubtype="4" fill="hold" grpId="0" nodeType="clickEffect">
+                                  <p:stCondLst>
+                                    <p:cond delay="0"/>
+                                  </p:stCondLst>
+                                  <p:childTnLst>
+                                    <p:set>
+                                      <p:cBhvr>
+                                        <p:cTn id="6" dur="1" fill="hold">
+                                          <p:stCondLst>
+                                            <p:cond delay="0"/>
+                                          </p:stCondLst>
+                                        </p:cTn>
+                                        <p:tgtEl>
+                                          <p:spTgt spid="3">
+                                            <p:txEl>
+                                              <p:pRg st="0" end="0"/>
+                                            </p:txEl>
+                                          </p:spTgt>
+                                        </p:tgtEl>
+                                        <p:attrNameLst>
+                                          <p:attrName>style.visibility</p:attrName>
+                                        </p:attrNameLst>
+                                      </p:cBhvr>
+                                      <p:to>
+                                        <p:strVal val="visible"/>
+                                      </p:to>
+                                    </p:set>
+                                    <p:anim calcmode="lin" valueType="num">
+                                      <p:cBhvr additive="base">
+                                        <p:cTn id="7" dur="500" fill="hold"/>
+                                        <p:tgtEl>
+                                          <p:spTgt spid="3">
+                                            <p:txEl>
+                                              <p:pRg st="0" end="0"/>
+                                            </p:txEl>
+                                          </p:spTgt>
+                                        </p:tgtEl>
+                                        <p:attrNameLst>
+                                          <p:attrName>ppt_x</p:attrName>
+                                        </p:attrNameLst>
+                                      </p:cBhvr>
+                                      <p:tavLst>
+                                        <p:tav tm="0">
+                                          <p:val>
+                                            <p:strVal val="#ppt_x"/>
+                                          </p:val>
+                                        </p:tav>
+                                        <p:tav tm="100000">
+                                          <p:val>
+                                            <p:strVal val="#ppt_x"/>
+                                          </p:val>
+                                        </p:tav>
+                                      </p:tavLst>
+                                    </p:anim>
+                                    <p:anim calcmode="lin" valueType="num">
+                                      <p:cBhvr additive="base">
+                                        <p:cTn id="8" dur="500" fill="hold"/>
+                                        <p:tgtEl>
+                                          <p:spTgt spid="3">
+                                            <p:txEl>
+                                              <p:pRg st="0" end="0"/>
+                                            </p:txEl>
+                                          </p:spTgt>
+                                        </p:tgtEl>
+                                        <p:attrNameLst>
+                                          <p:attrName>ppt_y</p:attrName>
+                                        </p:attrNameLst>
+                                      </p:cBhvr>
+                                      <p:tavLst>
+                                        <p:tav tm="0">
+                                          <p:val>
+                                            <p:strVal val="1+#ppt_h/2"/>
+                                          </p:val>
+                                        </p:tav>
+                                        <p:tav tm="100000">
+                                          <p:val>
+                                            <p:strVal val="#ppt_y"/>
+                                          </p:val>
+                                        </p:tav>
+                                      </p:tavLst>
+                                    </p:anim>
+                                  </p:childTnLst>
+                                </p:cTn>
+                              </p:par>
+                              <p:par>
+                                <p:cTn id="9" presetID="2" presetClass="entr" presetSubtype="2" fill="hold" nodeType="withEffect">
+                                  <p:stCondLst>
+                                    <p:cond delay="0"/>
+                                  </p:stCondLst>
+                                  <p:childTnLst>
+                                    <p:set>
+                                      <p:cBhvr>
+                                        <p:cTn id="10" dur="1" fill="hold">
+                                          <p:stCondLst>
+                                            <p:cond delay="0"/>
+                                          </p:stCondLst>
+                                        </p:cTn>
+                                        <p:tgtEl>
+                                          <p:spTgt spid="5"/>
+                                        </p:tgtEl>
+                                        <p:attrNameLst>
+                                          <p:attrName>style.visibility</p:attrName>
+                                        </p:attrNameLst>
+                                      </p:cBhvr>
+                                      <p:to>
+                                        <p:strVal val="visible"/>
+                                      </p:to>
+                                    </p:set>
+                                    <p:anim calcmode="lin" valueType="num">
+                                      <p:cBhvr additive="base">
+                                        <p:cTn id="11" dur="500" fill="hold"/>
+                                        <p:tgtEl>
+                                          <p:spTgt spid="5"/>
+                                        </p:tgtEl>
+                                        <p:attrNameLst>
+                                          <p:attrName>ppt_x</p:attrName>
+                                        </p:attrNameLst>
+                                      </p:cBhvr>
+                                      <p:tavLst>
+                                        <p:tav tm="0">
+                                          <p:val>
+                                            <p:strVal val="1+#ppt_w/2"/>
+                                          </p:val>
+                                        </p:tav>
+                                        <p:tav tm="100000">
+                                          <p:val>
+                                            <p:strVal val="#ppt_x"/>
+                                          </p:val>
+                                        </p:tav>
+                                      </p:tavLst>
+                                    </p:anim>
+                                    <p:anim calcmode="lin" valueType="num">
+                                      <p:cBhvr additive="base">
+                                        <p:cTn id="12" dur="500" fill="hold"/>
+                                        <p:tgtEl>
+                                          <p:spTgt spid="5"/>
+                                        </p:tgtEl>
+                                        <p:attrNameLst>
+                                          <p:attrName>ppt_y</p:attrName>
+                                        </p:attrNameLst>
+                                      </p:cBhvr>
+                                      <p:tavLst>
+                                        <p:tav tm="0">
+                                          <p:val>
+                                            <p:strVal val="#ppt_y"/>
+                                          </p:val>
+                                        </p:tav>
+                                        <p:tav tm="100000">
+                                          <p:val>
+                                            <p:strVal val="#ppt_y"/>
+                                          </p:val>
+                                        </p:tav>
+                                      </p:tavLst>
+                                    </p:anim>
+                                  </p:childTnLst>
+                                </p:cTn>
+                              </p:par>
+                            </p:childTnLst>
+                          </p:cTn>
+                        </p:par>
+                      </p:childTnLst>
+                    </p:cTn>
+                  </p:par>
+                  <p:par>
+                    <p:cTn id="13" fill="hold">
+                      <p:stCondLst>
+                        <p:cond delay="indefinite"/>
+                      </p:stCondLst>
+                      <p:childTnLst>
+                        <p:par>
+                          <p:cTn id="14" fill="hold">
+                            <p:stCondLst>
+                              <p:cond delay="0"/>
+                            </p:stCondLst>
+                            <p:childTnLst>
+                              <p:par>
+                                <p:cTn id="15" presetID="2" presetClass="entr" presetSubtype="4" fill="hold" grpId="0" nodeType="clickEffect">
+                                  <p:stCondLst>
+                                    <p:cond delay="0"/>
+                                  </p:stCondLst>
+                                  <p:childTnLst>
+                                    <p:set>
+                                      <p:cBhvr>
+                                        <p:cTn id="16" dur="1" fill="hold">
+                                          <p:stCondLst>
+                                            <p:cond delay="0"/>
+                                          </p:stCondLst>
+                                        </p:cTn>
+                                        <p:tgtEl>
+                                          <p:spTgt spid="3">
+                                            <p:txEl>
+                                              <p:pRg st="2" end="2"/>
+                                            </p:txEl>
+                                          </p:spTgt>
+                                        </p:tgtEl>
+                                        <p:attrNameLst>
+                                          <p:attrName>style.visibility</p:attrName>
+                                        </p:attrNameLst>
+                                      </p:cBhvr>
+                                      <p:to>
+                                        <p:strVal val="visible"/>
+                                      </p:to>
+                                    </p:set>
+                                    <p:anim calcmode="lin" valueType="num">
+                                      <p:cBhvr additive="base">
+                                        <p:cTn id="17" dur="500" fill="hold"/>
+                                        <p:tgtEl>
+                                          <p:spTgt spid="3">
+                                            <p:txEl>
+                                              <p:pRg st="2" end="2"/>
+                                            </p:txEl>
+                                          </p:spTgt>
+                                        </p:tgtEl>
+                                        <p:attrNameLst>
+                                          <p:attrName>ppt_x</p:attrName>
+                                        </p:attrNameLst>
+                                      </p:cBhvr>
+                                      <p:tavLst>
+                                        <p:tav tm="0">
+                                          <p:val>
+                                            <p:strVal val="#ppt_x"/>
+                                          </p:val>
+                                        </p:tav>
+                                        <p:tav tm="100000">
+                                          <p:val>
+                                            <p:strVal val="#ppt_x"/>
+                                          </p:val>
+                                        </p:tav>
+                                      </p:tavLst>
+                                    </p:anim>
+                                    <p:anim calcmode="lin" valueType="num">
+                                      <p:cBhvr additive="base">
+                                        <p:cTn id="18" dur="500" fill="hold"/>
+                                        <p:tgtEl>
+                                          <p:spTgt spid="3">
+                                            <p:txEl>
+                                              <p:pRg st="2" end="2"/>
+                                            </p:txEl>
+                                          </p:spTgt>
+                                        </p:tgtEl>
+                                        <p:attrNameLst>
+                                          <p:attrName>ppt_y</p:attrName>
+                                        </p:attrNameLst>
+                                      </p:cBhvr>
+                                      <p:tavLst>
+                                        <p:tav tm="0">
+                                          <p:val>
+                                            <p:strVal val="1+#ppt_h/2"/>
+                                          </p:val>
+                                        </p:tav>
+                                        <p:tav tm="100000">
+                                          <p:val>
+                                            <p:strVal val="#ppt_y"/>
+                                          </p:val>
+                                        </p:tav>
+                                      </p:tavLst>
+                                    </p:anim>
+                                  </p:childTnLst>
+                                </p:cTn>
+                              </p:par>
+                            </p:childTnLst>
+                          </p:cTn>
+                        </p:par>
+                      </p:childTnLst>
+                    </p:cTn>
+                  </p:par>
+                  <p:par>
+                    <p:cTn id="19" fill="hold">
+                      <p:stCondLst>
+                        <p:cond delay="indefinite"/>
+                      </p:stCondLst>
+                      <p:childTnLst>
+                        <p:par>
+                          <p:cTn id="20" fill="hold">
+                            <p:stCondLst>
+                              <p:cond delay="0"/>
+                            </p:stCondLst>
+                            <p:childTnLst>
+                              <p:par>
+                                <p:cTn id="21" presetID="22" presetClass="entr" presetSubtype="4" fill="hold" nodeType="clickEffect">
+                                  <p:stCondLst>
+                                    <p:cond delay="0"/>
+                                  </p:stCondLst>
+                                  <p:childTnLst>
+                                    <p:set>
+                                      <p:cBhvr>
+                                        <p:cTn id="22" dur="1" fill="hold">
+                                          <p:stCondLst>
+                                            <p:cond delay="0"/>
+                                          </p:stCondLst>
+                                        </p:cTn>
+                                        <p:tgtEl>
+                                          <p:spTgt spid="6">
+                                            <p:txEl>
+                                              <p:pRg st="0" end="0"/>
+                                            </p:txEl>
+                                          </p:spTgt>
+                                        </p:tgtEl>
+                                        <p:attrNameLst>
+                                          <p:attrName>style.visibility</p:attrName>
+                                        </p:attrNameLst>
+                                      </p:cBhvr>
+                                      <p:to>
+                                        <p:strVal val="visible"/>
+                                      </p:to>
+                                    </p:set>
+                                    <p:animEffect transition="in" filter="wipe(down)">
+                                      <p:cBhvr>
+                                        <p:cTn id="23" dur="500"/>
+                                        <p:tgtEl>
+                                          <p:spTgt spid="6">
+                                            <p:txEl>
+                                              <p:pRg st="0" end="0"/>
+                                            </p:txEl>
+                                          </p:spTgt>
+                                        </p:tgtEl>
+                                      </p:cBhvr>
+                                    </p:animEffect>
+                                  </p:childTnLst>
+                                </p:cTn>
+                              </p:par>
+                            </p:childTnLst>
+                          </p:cTn>
+                        </p:par>
+                      </p:childTnLst>
+                    </p:cTn>
+                  </p:par>
+                </p:childTnLst>
+              </p:cTn>
+              <p:prevCondLst>
+                <p:cond evt="onPrev" delay="0">
+                  <p:tgtEl>
+                    <p:sldTgt/>
+                  </p:tgtEl>
+                </p:cond>
+              </p:prevCondLst>
+              <p:nextCondLst>
+                <p:cond evt="onNext" delay="0">
+                  <p:tgtEl>
+                    <p:sldTgt/>
+                  </p:tgtEl>
+                </p:cond>
+              </p:nextCondLst>
+            </p:seq>
+          </p:childTnLst>
+        </p:cTn>
+      </p:par>
+    </p:tnLst>
+    <p:bldLst>
+      <p:bldP spid="3" grpId="0" uiExpand="1" build="p"/>
+    </p:bldLst>
+  </p:timing>
+</p:sld>
+</file>
+
+<file path=ppt/slides/slide33.xml><?xml version="1.0" encoding="utf-8"?>
+<p:sld xmlns:a="http://schemas.openxmlformats.org/drawingml/2006/main" xmlns:r="http://schemas.openxmlformats.org/officeDocument/2006/relationships" xmlns:p="http://schemas.openxmlformats.org/presentationml/2006/main">
+  <p:cSld>
+    <p:spTree>
+      <p:nvGrpSpPr>
+        <p:cNvPr id="1" name=""/>
+        <p:cNvGrpSpPr/>
+        <p:nvPr/>
+      </p:nvGrpSpPr>
+      <p:grpSpPr>
+        <a:xfrm>
+          <a:off x="0" y="0"/>
+          <a:ext cx="0" cy="0"/>
+          <a:chOff x="0" y="0"/>
+          <a:chExt cx="0" cy="0"/>
+        </a:xfrm>
+      </p:grpSpPr>
+      <p:sp>
+        <p:nvSpPr>
+          <p:cNvPr id="2" name="Title 1">
+            <a:extLst>
+              <a:ext uri="{FF2B5EF4-FFF2-40B4-BE49-F238E27FC236}">
+                <a16:creationId xmlns:a16="http://schemas.microsoft.com/office/drawing/2014/main" id="{0F5B33FC-FE17-114E-A17F-A68AE831C245}"/>
+              </a:ext>
+            </a:extLst>
+          </p:cNvPr>
+          <p:cNvSpPr>
+            <a:spLocks noGrp="1"/>
+          </p:cNvSpPr>
+          <p:nvPr>
+            <p:ph type="title"/>
+          </p:nvPr>
+        </p:nvSpPr>
+        <p:spPr/>
+        <p:txBody>
+          <a:bodyPr/>
+          <a:lstStyle/>
+          <a:p>
+            <a:pPr algn="ctr"/>
+            <a:r>
+              <a:rPr lang="en-US" b="1" dirty="0"/>
+              <a:t>A minor detail about the if</a:t>
+            </a:r>
+          </a:p>
+        </p:txBody>
+      </p:sp>
+      <p:sp>
+        <p:nvSpPr>
+          <p:cNvPr id="3" name="Content Placeholder 2">
+            <a:extLst>
+              <a:ext uri="{FF2B5EF4-FFF2-40B4-BE49-F238E27FC236}">
+                <a16:creationId xmlns:a16="http://schemas.microsoft.com/office/drawing/2014/main" id="{172D8071-5351-7E48-9D99-66799AD4BDD0}"/>
+              </a:ext>
+            </a:extLst>
+          </p:cNvPr>
+          <p:cNvSpPr>
+            <a:spLocks noGrp="1"/>
+          </p:cNvSpPr>
+          <p:nvPr>
+            <p:ph idx="1"/>
+          </p:nvPr>
+        </p:nvSpPr>
+        <p:spPr>
+          <a:xfrm>
+            <a:off x="1141412" y="2249487"/>
+            <a:ext cx="10349548" cy="3989995"/>
+          </a:xfrm>
+        </p:spPr>
+        <p:txBody>
+          <a:bodyPr>
+            <a:normAutofit/>
+          </a:bodyPr>
+          <a:lstStyle/>
+          <a:p>
+            <a:r>
+              <a:rPr lang="en-US" dirty="0"/>
+              <a:t>Up until now we always enclosed our statement for the </a:t>
+            </a:r>
+            <a:r>
+              <a:rPr lang="en-US" dirty="0">
+                <a:solidFill>
+                  <a:schemeClr val="accent4"/>
+                </a:solidFill>
+                <a:latin typeface="Consolas" panose="020B0609020204030204" pitchFamily="49" charset="0"/>
+                <a:cs typeface="Consolas" panose="020B0609020204030204" pitchFamily="49" charset="0"/>
+              </a:rPr>
+              <a:t>if</a:t>
+            </a:r>
+            <a:r>
+              <a:rPr lang="en-US" dirty="0"/>
+              <a:t> with {}</a:t>
+            </a:r>
+          </a:p>
+          <a:p>
+            <a:endParaRPr lang="en-US" dirty="0"/>
+          </a:p>
+          <a:p>
+            <a:r>
+              <a:rPr lang="en-US" dirty="0"/>
+              <a:t>In C++ it is possible to negate this, SO LONG AS THE STATEMENT IS 1 LINE</a:t>
+            </a:r>
+          </a:p>
+          <a:p>
+            <a:endParaRPr lang="en-US" dirty="0"/>
+          </a:p>
+          <a:p>
+            <a:r>
+              <a:rPr lang="en-US" dirty="0"/>
+              <a:t>This allows us </a:t>
+            </a:r>
+            <a:r>
+              <a:rPr lang="en-US"/>
+              <a:t>to making </a:t>
+            </a:r>
+            <a:r>
+              <a:rPr lang="en-US" dirty="0"/>
+              <a:t>our code more readable in some cases</a:t>
+            </a:r>
+          </a:p>
+          <a:p>
+            <a:endParaRPr lang="en-US" dirty="0"/>
+          </a:p>
+          <a:p>
+            <a:r>
+              <a:rPr lang="en-US" b="1" dirty="0"/>
+              <a:t>NOTE</a:t>
+            </a:r>
+            <a:r>
+              <a:rPr lang="en-US" dirty="0"/>
+              <a:t>: This also works for the </a:t>
+            </a:r>
+            <a:r>
+              <a:rPr lang="en-US" dirty="0">
+                <a:solidFill>
+                  <a:schemeClr val="accent4"/>
+                </a:solidFill>
+                <a:latin typeface="Consolas" panose="020B0609020204030204" pitchFamily="49" charset="0"/>
+                <a:cs typeface="Consolas" panose="020B0609020204030204" pitchFamily="49" charset="0"/>
+              </a:rPr>
+              <a:t>else</a:t>
+            </a:r>
+            <a:r>
+              <a:rPr lang="en-US" dirty="0"/>
+              <a:t> statement</a:t>
+            </a:r>
+          </a:p>
+        </p:txBody>
+      </p:sp>
+    </p:spTree>
+    <p:extLst>
+      <p:ext uri="{BB962C8B-B14F-4D97-AF65-F5344CB8AC3E}">
+        <p14:creationId xmlns:p14="http://schemas.microsoft.com/office/powerpoint/2010/main" val="2289632459"/>
+      </p:ext>
+    </p:extLst>
+  </p:cSld>
+  <p:clrMapOvr>
+    <a:masterClrMapping/>
+  </p:clrMapOvr>
+  <p:timing>
+    <p:tnLst>
+      <p:par>
+        <p:cTn id="1" dur="indefinite" restart="never" nodeType="tmRoot">
+          <p:childTnLst>
+            <p:seq concurrent="1" nextAc="seek">
+              <p:cTn id="2" dur="indefinite" nodeType="mainSeq">
+                <p:childTnLst>
+                  <p:par>
+                    <p:cTn id="3" fill="hold">
+                      <p:stCondLst>
+                        <p:cond delay="indefinite"/>
+                      </p:stCondLst>
+                      <p:childTnLst>
+                        <p:par>
+                          <p:cTn id="4" fill="hold">
+                            <p:stCondLst>
+                              <p:cond delay="0"/>
+                            </p:stCondLst>
+                            <p:childTnLst>
+                              <p:par>
+                                <p:cTn id="5" presetID="2" presetClass="entr" presetSubtype="4" fill="hold" grpId="0" nodeType="clickEffect">
+                                  <p:stCondLst>
+                                    <p:cond delay="0"/>
+                                  </p:stCondLst>
+                                  <p:childTnLst>
+                                    <p:set>
+                                      <p:cBhvr>
+                                        <p:cTn id="6" dur="1" fill="hold">
+                                          <p:stCondLst>
+                                            <p:cond delay="0"/>
+                                          </p:stCondLst>
+                                        </p:cTn>
+                                        <p:tgtEl>
+                                          <p:spTgt spid="3">
+                                            <p:txEl>
+                                              <p:pRg st="0" end="0"/>
+                                            </p:txEl>
+                                          </p:spTgt>
+                                        </p:tgtEl>
+                                        <p:attrNameLst>
+                                          <p:attrName>style.visibility</p:attrName>
+                                        </p:attrNameLst>
+                                      </p:cBhvr>
+                                      <p:to>
+                                        <p:strVal val="visible"/>
+                                      </p:to>
+                                    </p:set>
+                                    <p:anim calcmode="lin" valueType="num">
+                                      <p:cBhvr additive="base">
+                                        <p:cTn id="7" dur="500" fill="hold"/>
+                                        <p:tgtEl>
+                                          <p:spTgt spid="3">
+                                            <p:txEl>
+                                              <p:pRg st="0" end="0"/>
+                                            </p:txEl>
+                                          </p:spTgt>
+                                        </p:tgtEl>
+                                        <p:attrNameLst>
+                                          <p:attrName>ppt_x</p:attrName>
+                                        </p:attrNameLst>
+                                      </p:cBhvr>
+                                      <p:tavLst>
+                                        <p:tav tm="0">
+                                          <p:val>
+                                            <p:strVal val="#ppt_x"/>
+                                          </p:val>
+                                        </p:tav>
+                                        <p:tav tm="100000">
+                                          <p:val>
+                                            <p:strVal val="#ppt_x"/>
+                                          </p:val>
+                                        </p:tav>
+                                      </p:tavLst>
+                                    </p:anim>
+                                    <p:anim calcmode="lin" valueType="num">
+                                      <p:cBhvr additive="base">
+                                        <p:cTn id="8" dur="500" fill="hold"/>
+                                        <p:tgtEl>
+                                          <p:spTgt spid="3">
+                                            <p:txEl>
+                                              <p:pRg st="0" end="0"/>
+                                            </p:txEl>
+                                          </p:spTgt>
+                                        </p:tgtEl>
+                                        <p:attrNameLst>
+                                          <p:attrName>ppt_y</p:attrName>
+                                        </p:attrNameLst>
+                                      </p:cBhvr>
+                                      <p:tavLst>
+                                        <p:tav tm="0">
+                                          <p:val>
+                                            <p:strVal val="1+#ppt_h/2"/>
+                                          </p:val>
+                                        </p:tav>
+                                        <p:tav tm="100000">
+                                          <p:val>
+                                            <p:strVal val="#ppt_y"/>
+                                          </p:val>
+                                        </p:tav>
+                                      </p:tavLst>
+                                    </p:anim>
+                                  </p:childTnLst>
+                                </p:cTn>
+                              </p:par>
+                            </p:childTnLst>
+                          </p:cTn>
+                        </p:par>
+                      </p:childTnLst>
+                    </p:cTn>
+                  </p:par>
+                  <p:par>
+                    <p:cTn id="9" fill="hold">
+                      <p:stCondLst>
+                        <p:cond delay="indefinite"/>
+                      </p:stCondLst>
+                      <p:childTnLst>
+                        <p:par>
+                          <p:cTn id="10" fill="hold">
+                            <p:stCondLst>
+                              <p:cond delay="0"/>
+                            </p:stCondLst>
+                            <p:childTnLst>
+                              <p:par>
+                                <p:cTn id="11" presetID="2" presetClass="entr" presetSubtype="4" fill="hold" grpId="0" nodeType="clickEffect">
+                                  <p:stCondLst>
+                                    <p:cond delay="0"/>
+                                  </p:stCondLst>
+                                  <p:childTnLst>
+                                    <p:set>
+                                      <p:cBhvr>
+                                        <p:cTn id="12" dur="1" fill="hold">
+                                          <p:stCondLst>
+                                            <p:cond delay="0"/>
+                                          </p:stCondLst>
+                                        </p:cTn>
+                                        <p:tgtEl>
+                                          <p:spTgt spid="3">
+                                            <p:txEl>
+                                              <p:pRg st="2" end="2"/>
+                                            </p:txEl>
+                                          </p:spTgt>
+                                        </p:tgtEl>
+                                        <p:attrNameLst>
+                                          <p:attrName>style.visibility</p:attrName>
+                                        </p:attrNameLst>
+                                      </p:cBhvr>
+                                      <p:to>
+                                        <p:strVal val="visible"/>
+                                      </p:to>
+                                    </p:set>
+                                    <p:anim calcmode="lin" valueType="num">
+                                      <p:cBhvr additive="base">
+                                        <p:cTn id="13" dur="500" fill="hold"/>
+                                        <p:tgtEl>
+                                          <p:spTgt spid="3">
+                                            <p:txEl>
+                                              <p:pRg st="2" end="2"/>
+                                            </p:txEl>
+                                          </p:spTgt>
+                                        </p:tgtEl>
+                                        <p:attrNameLst>
+                                          <p:attrName>ppt_x</p:attrName>
+                                        </p:attrNameLst>
+                                      </p:cBhvr>
+                                      <p:tavLst>
+                                        <p:tav tm="0">
+                                          <p:val>
+                                            <p:strVal val="#ppt_x"/>
+                                          </p:val>
+                                        </p:tav>
+                                        <p:tav tm="100000">
+                                          <p:val>
+                                            <p:strVal val="#ppt_x"/>
+                                          </p:val>
+                                        </p:tav>
+                                      </p:tavLst>
+                                    </p:anim>
+                                    <p:anim calcmode="lin" valueType="num">
+                                      <p:cBhvr additive="base">
+                                        <p:cTn id="14" dur="500" fill="hold"/>
+                                        <p:tgtEl>
+                                          <p:spTgt spid="3">
+                                            <p:txEl>
+                                              <p:pRg st="2" end="2"/>
+                                            </p:txEl>
+                                          </p:spTgt>
+                                        </p:tgtEl>
+                                        <p:attrNameLst>
+                                          <p:attrName>ppt_y</p:attrName>
+                                        </p:attrNameLst>
+                                      </p:cBhvr>
+                                      <p:tavLst>
+                                        <p:tav tm="0">
+                                          <p:val>
+                                            <p:strVal val="1+#ppt_h/2"/>
+                                          </p:val>
+                                        </p:tav>
+                                        <p:tav tm="100000">
+                                          <p:val>
+                                            <p:strVal val="#ppt_y"/>
+                                          </p:val>
+                                        </p:tav>
+                                      </p:tavLst>
+                                    </p:anim>
+                                  </p:childTnLst>
+                                </p:cTn>
+                              </p:par>
+                            </p:childTnLst>
+                          </p:cTn>
+                        </p:par>
+                      </p:childTnLst>
+                    </p:cTn>
+                  </p:par>
+                  <p:par>
+                    <p:cTn id="15" fill="hold">
+                      <p:stCondLst>
+                        <p:cond delay="indefinite"/>
+                      </p:stCondLst>
+                      <p:childTnLst>
+                        <p:par>
+                          <p:cTn id="16" fill="hold">
+                            <p:stCondLst>
+                              <p:cond delay="0"/>
+                            </p:stCondLst>
+                            <p:childTnLst>
+                              <p:par>
+                                <p:cTn id="17" presetID="2" presetClass="entr" presetSubtype="4" fill="hold" grpId="0" nodeType="clickEffect">
+                                  <p:stCondLst>
+                                    <p:cond delay="0"/>
+                                  </p:stCondLst>
+                                  <p:childTnLst>
+                                    <p:set>
+                                      <p:cBhvr>
+                                        <p:cTn id="18" dur="1" fill="hold">
+                                          <p:stCondLst>
+                                            <p:cond delay="0"/>
+                                          </p:stCondLst>
+                                        </p:cTn>
+                                        <p:tgtEl>
+                                          <p:spTgt spid="3">
+                                            <p:txEl>
+                                              <p:pRg st="4" end="4"/>
+                                            </p:txEl>
+                                          </p:spTgt>
+                                        </p:tgtEl>
+                                        <p:attrNameLst>
+                                          <p:attrName>style.visibility</p:attrName>
+                                        </p:attrNameLst>
+                                      </p:cBhvr>
+                                      <p:to>
+                                        <p:strVal val="visible"/>
+                                      </p:to>
+                                    </p:set>
+                                    <p:anim calcmode="lin" valueType="num">
+                                      <p:cBhvr additive="base">
+                                        <p:cTn id="19" dur="500" fill="hold"/>
+                                        <p:tgtEl>
+                                          <p:spTgt spid="3">
+                                            <p:txEl>
+                                              <p:pRg st="4" end="4"/>
+                                            </p:txEl>
+                                          </p:spTgt>
+                                        </p:tgtEl>
+                                        <p:attrNameLst>
+                                          <p:attrName>ppt_x</p:attrName>
+                                        </p:attrNameLst>
+                                      </p:cBhvr>
+                                      <p:tavLst>
+                                        <p:tav tm="0">
+                                          <p:val>
+                                            <p:strVal val="#ppt_x"/>
+                                          </p:val>
+                                        </p:tav>
+                                        <p:tav tm="100000">
+                                          <p:val>
+                                            <p:strVal val="#ppt_x"/>
+                                          </p:val>
+                                        </p:tav>
+                                      </p:tavLst>
+                                    </p:anim>
+                                    <p:anim calcmode="lin" valueType="num">
+                                      <p:cBhvr additive="base">
+                                        <p:cTn id="20" dur="500" fill="hold"/>
+                                        <p:tgtEl>
+                                          <p:spTgt spid="3">
+                                            <p:txEl>
+                                              <p:pRg st="4" end="4"/>
+                                            </p:txEl>
+                                          </p:spTgt>
+                                        </p:tgtEl>
+                                        <p:attrNameLst>
+                                          <p:attrName>ppt_y</p:attrName>
+                                        </p:attrNameLst>
+                                      </p:cBhvr>
+                                      <p:tavLst>
+                                        <p:tav tm="0">
+                                          <p:val>
+                                            <p:strVal val="1+#ppt_h/2"/>
+                                          </p:val>
+                                        </p:tav>
+                                        <p:tav tm="100000">
+                                          <p:val>
+                                            <p:strVal val="#ppt_y"/>
+                                          </p:val>
+                                        </p:tav>
+                                      </p:tavLst>
+                                    </p:anim>
+                                  </p:childTnLst>
+                                </p:cTn>
+                              </p:par>
+                            </p:childTnLst>
+                          </p:cTn>
+                        </p:par>
+                      </p:childTnLst>
+                    </p:cTn>
+                  </p:par>
+                  <p:par>
+                    <p:cTn id="21" fill="hold">
+                      <p:stCondLst>
+                        <p:cond delay="indefinite"/>
+                      </p:stCondLst>
+                      <p:childTnLst>
+                        <p:par>
+                          <p:cTn id="22" fill="hold">
+                            <p:stCondLst>
+                              <p:cond delay="0"/>
+                            </p:stCondLst>
+                            <p:childTnLst>
+                              <p:par>
+                                <p:cTn id="23" presetID="2" presetClass="entr" presetSubtype="4" fill="hold" grpId="0" nodeType="clickEffect">
+                                  <p:stCondLst>
+                                    <p:cond delay="0"/>
+                                  </p:stCondLst>
+                                  <p:childTnLst>
+                                    <p:set>
+                                      <p:cBhvr>
+                                        <p:cTn id="24" dur="1" fill="hold">
+                                          <p:stCondLst>
+                                            <p:cond delay="0"/>
+                                          </p:stCondLst>
+                                        </p:cTn>
+                                        <p:tgtEl>
+                                          <p:spTgt spid="3">
+                                            <p:txEl>
+                                              <p:pRg st="6" end="6"/>
+                                            </p:txEl>
+                                          </p:spTgt>
+                                        </p:tgtEl>
+                                        <p:attrNameLst>
+                                          <p:attrName>style.visibility</p:attrName>
+                                        </p:attrNameLst>
+                                      </p:cBhvr>
+                                      <p:to>
+                                        <p:strVal val="visible"/>
+                                      </p:to>
+                                    </p:set>
+                                    <p:anim calcmode="lin" valueType="num">
+                                      <p:cBhvr additive="base">
+                                        <p:cTn id="25" dur="500" fill="hold"/>
+                                        <p:tgtEl>
+                                          <p:spTgt spid="3">
+                                            <p:txEl>
+                                              <p:pRg st="6" end="6"/>
+                                            </p:txEl>
+                                          </p:spTgt>
+                                        </p:tgtEl>
+                                        <p:attrNameLst>
+                                          <p:attrName>ppt_x</p:attrName>
+                                        </p:attrNameLst>
+                                      </p:cBhvr>
+                                      <p:tavLst>
+                                        <p:tav tm="0">
+                                          <p:val>
+                                            <p:strVal val="#ppt_x"/>
+                                          </p:val>
+                                        </p:tav>
+                                        <p:tav tm="100000">
+                                          <p:val>
+                                            <p:strVal val="#ppt_x"/>
+                                          </p:val>
+                                        </p:tav>
+                                      </p:tavLst>
+                                    </p:anim>
+                                    <p:anim calcmode="lin" valueType="num">
+                                      <p:cBhvr additive="base">
+                                        <p:cTn id="26" dur="500" fill="hold"/>
+                                        <p:tgtEl>
+                                          <p:spTgt spid="3">
+                                            <p:txEl>
+                                              <p:pRg st="6" end="6"/>
+                                            </p:txEl>
+                                          </p:spTgt>
+                                        </p:tgtEl>
+                                        <p:attrNameLst>
+                                          <p:attrName>ppt_y</p:attrName>
+                                        </p:attrNameLst>
+                                      </p:cBhvr>
+                                      <p:tavLst>
+                                        <p:tav tm="0">
+                                          <p:val>
+                                            <p:strVal val="1+#ppt_h/2"/>
+                                          </p:val>
+                                        </p:tav>
+                                        <p:tav tm="100000">
+                                          <p:val>
+                                            <p:strVal val="#ppt_y"/>
+                                          </p:val>
+                                        </p:tav>
+                                      </p:tavLst>
+                                    </p:anim>
+                                  </p:childTnLst>
+                                </p:cTn>
+                              </p:par>
+                            </p:childTnLst>
+                          </p:cTn>
+                        </p:par>
+                      </p:childTnLst>
+                    </p:cTn>
+                  </p:par>
+                </p:childTnLst>
+              </p:cTn>
+              <p:prevCondLst>
+                <p:cond evt="onPrev" delay="0">
+                  <p:tgtEl>
+                    <p:sldTgt/>
+                  </p:tgtEl>
+                </p:cond>
+              </p:prevCondLst>
+              <p:nextCondLst>
+                <p:cond evt="onNext" delay="0">
+                  <p:tgtEl>
+                    <p:sldTgt/>
+                  </p:tgtEl>
+                </p:cond>
+              </p:nextCondLst>
+            </p:seq>
+          </p:childTnLst>
+        </p:cTn>
+      </p:par>
+    </p:tnLst>
+    <p:bldLst>
+      <p:bldP spid="3" grpId="0" build="p"/>
+    </p:bldLst>
+  </p:timing>
+</p:sld>
+</file>
+
+<file path=ppt/slides/slide34.xml><?xml version="1.0" encoding="utf-8"?>
+<p:sld xmlns:a="http://schemas.openxmlformats.org/drawingml/2006/main" xmlns:r="http://schemas.openxmlformats.org/officeDocument/2006/relationships" xmlns:p="http://schemas.openxmlformats.org/presentationml/2006/main">
+  <p:cSld>
+    <p:spTree>
+      <p:nvGrpSpPr>
+        <p:cNvPr id="1" name=""/>
+        <p:cNvGrpSpPr/>
+        <p:nvPr/>
+      </p:nvGrpSpPr>
+      <p:grpSpPr>
+        <a:xfrm>
+          <a:off x="0" y="0"/>
+          <a:ext cx="0" cy="0"/>
+          <a:chOff x="0" y="0"/>
+          <a:chExt cx="0" cy="0"/>
+        </a:xfrm>
+      </p:grpSpPr>
+      <p:sp>
+        <p:nvSpPr>
+          <p:cNvPr id="2" name="Title 1">
+            <a:extLst>
+              <a:ext uri="{FF2B5EF4-FFF2-40B4-BE49-F238E27FC236}">
+                <a16:creationId xmlns:a16="http://schemas.microsoft.com/office/drawing/2014/main" id="{2B453BF8-04DB-9546-8EC5-8D030EB9B5DD}"/>
+              </a:ext>
+            </a:extLst>
+          </p:cNvPr>
+          <p:cNvSpPr>
+            <a:spLocks noGrp="1"/>
+          </p:cNvSpPr>
+          <p:nvPr>
+            <p:ph type="title"/>
+          </p:nvPr>
+        </p:nvSpPr>
+        <p:spPr/>
+        <p:txBody>
+          <a:bodyPr/>
+          <a:lstStyle/>
+          <a:p>
+            <a:pPr algn="ctr"/>
+            <a:r>
+              <a:rPr lang="en-US" dirty="0"/>
+              <a:t>If statement association</a:t>
+            </a:r>
+          </a:p>
+        </p:txBody>
+      </p:sp>
+      <p:sp>
+        <p:nvSpPr>
+          <p:cNvPr id="3" name="Content Placeholder 2">
+            <a:extLst>
+              <a:ext uri="{FF2B5EF4-FFF2-40B4-BE49-F238E27FC236}">
+                <a16:creationId xmlns:a16="http://schemas.microsoft.com/office/drawing/2014/main" id="{C2A65FB0-7560-A442-82CC-ACFAA2CC182A}"/>
+              </a:ext>
+            </a:extLst>
+          </p:cNvPr>
+          <p:cNvSpPr>
+            <a:spLocks noGrp="1"/>
+          </p:cNvSpPr>
+          <p:nvPr>
+            <p:ph idx="1"/>
+          </p:nvPr>
+        </p:nvSpPr>
+        <p:spPr>
+          <a:xfrm>
+            <a:off x="1005107" y="2249487"/>
+            <a:ext cx="6613062" cy="4608513"/>
+          </a:xfrm>
+        </p:spPr>
+        <p:txBody>
+          <a:bodyPr>
+            <a:normAutofit fontScale="92500" lnSpcReduction="20000"/>
+          </a:bodyPr>
+          <a:lstStyle/>
+          <a:p>
+            <a:r>
+              <a:rPr lang="en-US" dirty="0"/>
+              <a:t>Doing the following will result in </a:t>
+            </a:r>
+            <a:r>
+              <a:rPr lang="en-US" dirty="0" err="1"/>
+              <a:t>Xcode</a:t>
+            </a:r>
+            <a:r>
+              <a:rPr lang="en-US" dirty="0"/>
+              <a:t> yelling at us (rightfully so)</a:t>
+            </a:r>
+          </a:p>
+          <a:p>
+            <a:endParaRPr lang="en-US" dirty="0"/>
+          </a:p>
+          <a:p>
+            <a:endParaRPr lang="en-US" dirty="0"/>
+          </a:p>
+          <a:p>
+            <a:r>
+              <a:rPr lang="en-US" dirty="0" err="1"/>
+              <a:t>Xcode</a:t>
+            </a:r>
+            <a:r>
+              <a:rPr lang="en-US" dirty="0"/>
+              <a:t> will give the following complaint:</a:t>
+            </a:r>
+          </a:p>
+          <a:p>
+            <a:pPr lvl="1"/>
+            <a:r>
+              <a:rPr lang="en-US" dirty="0"/>
+              <a:t>Note: </a:t>
+            </a:r>
+            <a:r>
+              <a:rPr lang="en-US" dirty="0" err="1"/>
+              <a:t>Xcode</a:t>
+            </a:r>
+            <a:r>
+              <a:rPr lang="en-US" dirty="0"/>
+              <a:t> is not all knowing, I am just using it to illustrate a case where it warns us</a:t>
+            </a:r>
+          </a:p>
+          <a:p>
+            <a:pPr lvl="1"/>
+            <a:endParaRPr lang="en-US" dirty="0"/>
+          </a:p>
+          <a:p>
+            <a:r>
+              <a:rPr lang="en-US" dirty="0" err="1"/>
+              <a:t>Xcode</a:t>
+            </a:r>
+            <a:r>
+              <a:rPr lang="en-US" dirty="0"/>
+              <a:t> is basically saying: “looks like the </a:t>
+            </a:r>
+            <a:r>
+              <a:rPr lang="en-US" sz="2200" dirty="0">
+                <a:solidFill>
+                  <a:schemeClr val="accent4"/>
+                </a:solidFill>
+                <a:latin typeface="Consolas" panose="020B0609020204030204" pitchFamily="49" charset="0"/>
+                <a:cs typeface="Consolas" panose="020B0609020204030204" pitchFamily="49" charset="0"/>
+              </a:rPr>
+              <a:t>return true</a:t>
+            </a:r>
+            <a:r>
+              <a:rPr lang="en-US" dirty="0"/>
+              <a:t> is not part of the if, so the loop will only go once. So why on earth are you using a loop?”</a:t>
+            </a:r>
+          </a:p>
+        </p:txBody>
+      </p:sp>
+      <p:pic>
+        <p:nvPicPr>
+          <p:cNvPr id="4" name="Picture 3">
+            <a:extLst>
+              <a:ext uri="{FF2B5EF4-FFF2-40B4-BE49-F238E27FC236}">
+                <a16:creationId xmlns:a16="http://schemas.microsoft.com/office/drawing/2014/main" id="{2D33208C-5C89-A644-804F-0A233C2740A9}"/>
+              </a:ext>
+            </a:extLst>
+          </p:cNvPr>
+          <p:cNvPicPr>
+            <a:picLocks noChangeAspect="1"/>
+          </p:cNvPicPr>
+          <p:nvPr/>
+        </p:nvPicPr>
+        <p:blipFill>
+          <a:blip r:embed="rId2"/>
+          <a:stretch>
+            <a:fillRect/>
+          </a:stretch>
+        </p:blipFill>
+        <p:spPr>
+          <a:xfrm>
+            <a:off x="7618169" y="2097088"/>
+            <a:ext cx="4384161" cy="1770857"/>
+          </a:xfrm>
+          <a:prstGeom prst="rect">
+            <a:avLst/>
+          </a:prstGeom>
+        </p:spPr>
+      </p:pic>
+      <p:pic>
+        <p:nvPicPr>
+          <p:cNvPr id="6" name="Picture 5">
+            <a:extLst>
+              <a:ext uri="{FF2B5EF4-FFF2-40B4-BE49-F238E27FC236}">
+                <a16:creationId xmlns:a16="http://schemas.microsoft.com/office/drawing/2014/main" id="{E6B32BF5-7AE1-8446-8E7D-C391FD3B92D0}"/>
+              </a:ext>
+            </a:extLst>
+          </p:cNvPr>
+          <p:cNvPicPr>
+            <a:picLocks noChangeAspect="1"/>
+          </p:cNvPicPr>
+          <p:nvPr/>
+        </p:nvPicPr>
+        <p:blipFill>
+          <a:blip r:embed="rId3"/>
+          <a:stretch>
+            <a:fillRect/>
+          </a:stretch>
+        </p:blipFill>
+        <p:spPr>
+          <a:xfrm>
+            <a:off x="7737548" y="4380548"/>
+            <a:ext cx="4384162" cy="393700"/>
+          </a:xfrm>
+          <a:prstGeom prst="rect">
+            <a:avLst/>
+          </a:prstGeom>
+        </p:spPr>
+      </p:pic>
+    </p:spTree>
+    <p:extLst>
+      <p:ext uri="{BB962C8B-B14F-4D97-AF65-F5344CB8AC3E}">
+        <p14:creationId xmlns:p14="http://schemas.microsoft.com/office/powerpoint/2010/main" val="1579724252"/>
+      </p:ext>
+    </p:extLst>
+  </p:cSld>
+  <p:clrMapOvr>
+    <a:masterClrMapping/>
+  </p:clrMapOvr>
+  <p:timing>
+    <p:tnLst>
+      <p:par>
+        <p:cTn id="1" dur="indefinite" restart="never" nodeType="tmRoot">
+          <p:childTnLst>
+            <p:seq concurrent="1" nextAc="seek">
+              <p:cTn id="2" dur="indefinite" nodeType="mainSeq">
+                <p:childTnLst>
+                  <p:par>
+                    <p:cTn id="3" fill="hold">
+                      <p:stCondLst>
+                        <p:cond delay="indefinite"/>
+                      </p:stCondLst>
+                      <p:childTnLst>
+                        <p:par>
+                          <p:cTn id="4" fill="hold">
+                            <p:stCondLst>
+                              <p:cond delay="0"/>
+                            </p:stCondLst>
+                            <p:childTnLst>
+                              <p:par>
+                                <p:cTn id="5" presetID="2" presetClass="entr" presetSubtype="4" fill="hold" grpId="0" nodeType="clickEffect">
+                                  <p:stCondLst>
+                                    <p:cond delay="0"/>
+                                  </p:stCondLst>
+                                  <p:childTnLst>
+                                    <p:set>
+                                      <p:cBhvr>
+                                        <p:cTn id="6" dur="1" fill="hold">
+                                          <p:stCondLst>
+                                            <p:cond delay="0"/>
+                                          </p:stCondLst>
+                                        </p:cTn>
+                                        <p:tgtEl>
+                                          <p:spTgt spid="3">
+                                            <p:txEl>
+                                              <p:pRg st="0" end="0"/>
+                                            </p:txEl>
+                                          </p:spTgt>
+                                        </p:tgtEl>
+                                        <p:attrNameLst>
+                                          <p:attrName>style.visibility</p:attrName>
+                                        </p:attrNameLst>
+                                      </p:cBhvr>
+                                      <p:to>
+                                        <p:strVal val="visible"/>
+                                      </p:to>
+                                    </p:set>
+                                    <p:anim calcmode="lin" valueType="num">
+                                      <p:cBhvr additive="base">
+                                        <p:cTn id="7" dur="500" fill="hold"/>
+                                        <p:tgtEl>
+                                          <p:spTgt spid="3">
+                                            <p:txEl>
+                                              <p:pRg st="0" end="0"/>
+                                            </p:txEl>
+                                          </p:spTgt>
+                                        </p:tgtEl>
+                                        <p:attrNameLst>
+                                          <p:attrName>ppt_x</p:attrName>
+                                        </p:attrNameLst>
+                                      </p:cBhvr>
+                                      <p:tavLst>
+                                        <p:tav tm="0">
+                                          <p:val>
+                                            <p:strVal val="#ppt_x"/>
+                                          </p:val>
+                                        </p:tav>
+                                        <p:tav tm="100000">
+                                          <p:val>
+                                            <p:strVal val="#ppt_x"/>
+                                          </p:val>
+                                        </p:tav>
+                                      </p:tavLst>
+                                    </p:anim>
+                                    <p:anim calcmode="lin" valueType="num">
+                                      <p:cBhvr additive="base">
+                                        <p:cTn id="8" dur="500" fill="hold"/>
+                                        <p:tgtEl>
+                                          <p:spTgt spid="3">
+                                            <p:txEl>
+                                              <p:pRg st="0" end="0"/>
+                                            </p:txEl>
+                                          </p:spTgt>
+                                        </p:tgtEl>
+                                        <p:attrNameLst>
+                                          <p:attrName>ppt_y</p:attrName>
+                                        </p:attrNameLst>
+                                      </p:cBhvr>
+                                      <p:tavLst>
+                                        <p:tav tm="0">
+                                          <p:val>
+                                            <p:strVal val="1+#ppt_h/2"/>
+                                          </p:val>
+                                        </p:tav>
+                                        <p:tav tm="100000">
+                                          <p:val>
+                                            <p:strVal val="#ppt_y"/>
+                                          </p:val>
+                                        </p:tav>
+                                      </p:tavLst>
+                                    </p:anim>
+                                  </p:childTnLst>
+                                </p:cTn>
+                              </p:par>
+                              <p:par>
+                                <p:cTn id="9" presetID="2" presetClass="entr" presetSubtype="2" fill="hold" nodeType="withEffect">
+                                  <p:stCondLst>
+                                    <p:cond delay="0"/>
+                                  </p:stCondLst>
+                                  <p:childTnLst>
+                                    <p:set>
+                                      <p:cBhvr>
+                                        <p:cTn id="10" dur="1" fill="hold">
+                                          <p:stCondLst>
+                                            <p:cond delay="0"/>
+                                          </p:stCondLst>
+                                        </p:cTn>
+                                        <p:tgtEl>
+                                          <p:spTgt spid="4"/>
+                                        </p:tgtEl>
+                                        <p:attrNameLst>
+                                          <p:attrName>style.visibility</p:attrName>
+                                        </p:attrNameLst>
+                                      </p:cBhvr>
+                                      <p:to>
+                                        <p:strVal val="visible"/>
+                                      </p:to>
+                                    </p:set>
+                                    <p:anim calcmode="lin" valueType="num">
+                                      <p:cBhvr additive="base">
+                                        <p:cTn id="11" dur="500" fill="hold"/>
+                                        <p:tgtEl>
+                                          <p:spTgt spid="4"/>
+                                        </p:tgtEl>
+                                        <p:attrNameLst>
+                                          <p:attrName>ppt_x</p:attrName>
+                                        </p:attrNameLst>
+                                      </p:cBhvr>
+                                      <p:tavLst>
+                                        <p:tav tm="0">
+                                          <p:val>
+                                            <p:strVal val="1+#ppt_w/2"/>
+                                          </p:val>
+                                        </p:tav>
+                                        <p:tav tm="100000">
+                                          <p:val>
+                                            <p:strVal val="#ppt_x"/>
+                                          </p:val>
+                                        </p:tav>
+                                      </p:tavLst>
+                                    </p:anim>
+                                    <p:anim calcmode="lin" valueType="num">
+                                      <p:cBhvr additive="base">
+                                        <p:cTn id="12" dur="500" fill="hold"/>
+                                        <p:tgtEl>
+                                          <p:spTgt spid="4"/>
+                                        </p:tgtEl>
+                                        <p:attrNameLst>
+                                          <p:attrName>ppt_y</p:attrName>
+                                        </p:attrNameLst>
+                                      </p:cBhvr>
+                                      <p:tavLst>
+                                        <p:tav tm="0">
+                                          <p:val>
+                                            <p:strVal val="#ppt_y"/>
+                                          </p:val>
+                                        </p:tav>
+                                        <p:tav tm="100000">
+                                          <p:val>
+                                            <p:strVal val="#ppt_y"/>
+                                          </p:val>
+                                        </p:tav>
+                                      </p:tavLst>
+                                    </p:anim>
+                                  </p:childTnLst>
+                                </p:cTn>
+                              </p:par>
+                            </p:childTnLst>
+                          </p:cTn>
+                        </p:par>
+                      </p:childTnLst>
+                    </p:cTn>
+                  </p:par>
+                  <p:par>
+                    <p:cTn id="13" fill="hold">
+                      <p:stCondLst>
+                        <p:cond delay="indefinite"/>
+                      </p:stCondLst>
+                      <p:childTnLst>
+                        <p:par>
+                          <p:cTn id="14" fill="hold">
+                            <p:stCondLst>
+                              <p:cond delay="0"/>
+                            </p:stCondLst>
+                            <p:childTnLst>
+                              <p:par>
+                                <p:cTn id="15" presetID="2" presetClass="entr" presetSubtype="4" fill="hold" grpId="0" nodeType="clickEffect">
+                                  <p:stCondLst>
+                                    <p:cond delay="0"/>
+                                  </p:stCondLst>
+                                  <p:childTnLst>
+                                    <p:set>
+                                      <p:cBhvr>
+                                        <p:cTn id="16" dur="1" fill="hold">
+                                          <p:stCondLst>
+                                            <p:cond delay="0"/>
+                                          </p:stCondLst>
+                                        </p:cTn>
+                                        <p:tgtEl>
+                                          <p:spTgt spid="3">
+                                            <p:txEl>
+                                              <p:pRg st="3" end="3"/>
+                                            </p:txEl>
+                                          </p:spTgt>
+                                        </p:tgtEl>
+                                        <p:attrNameLst>
+                                          <p:attrName>style.visibility</p:attrName>
+                                        </p:attrNameLst>
+                                      </p:cBhvr>
+                                      <p:to>
+                                        <p:strVal val="visible"/>
+                                      </p:to>
+                                    </p:set>
+                                    <p:anim calcmode="lin" valueType="num">
+                                      <p:cBhvr additive="base">
+                                        <p:cTn id="17" dur="500" fill="hold"/>
+                                        <p:tgtEl>
+                                          <p:spTgt spid="3">
+                                            <p:txEl>
+                                              <p:pRg st="3" end="3"/>
+                                            </p:txEl>
+                                          </p:spTgt>
+                                        </p:tgtEl>
+                                        <p:attrNameLst>
+                                          <p:attrName>ppt_x</p:attrName>
+                                        </p:attrNameLst>
+                                      </p:cBhvr>
+                                      <p:tavLst>
+                                        <p:tav tm="0">
+                                          <p:val>
+                                            <p:strVal val="#ppt_x"/>
+                                          </p:val>
+                                        </p:tav>
+                                        <p:tav tm="100000">
+                                          <p:val>
+                                            <p:strVal val="#ppt_x"/>
+                                          </p:val>
+                                        </p:tav>
+                                      </p:tavLst>
+                                    </p:anim>
+                                    <p:anim calcmode="lin" valueType="num">
+                                      <p:cBhvr additive="base">
+                                        <p:cTn id="18" dur="500" fill="hold"/>
+                                        <p:tgtEl>
+                                          <p:spTgt spid="3">
+                                            <p:txEl>
+                                              <p:pRg st="3" end="3"/>
+                                            </p:txEl>
+                                          </p:spTgt>
+                                        </p:tgtEl>
+                                        <p:attrNameLst>
+                                          <p:attrName>ppt_y</p:attrName>
+                                        </p:attrNameLst>
+                                      </p:cBhvr>
+                                      <p:tavLst>
+                                        <p:tav tm="0">
+                                          <p:val>
+                                            <p:strVal val="1+#ppt_h/2"/>
+                                          </p:val>
+                                        </p:tav>
+                                        <p:tav tm="100000">
+                                          <p:val>
+                                            <p:strVal val="#ppt_y"/>
+                                          </p:val>
+                                        </p:tav>
+                                      </p:tavLst>
+                                    </p:anim>
+                                  </p:childTnLst>
+                                </p:cTn>
+                              </p:par>
+                              <p:par>
+                                <p:cTn id="19" presetID="2" presetClass="entr" presetSubtype="4" fill="hold" nodeType="withEffect">
+                                  <p:stCondLst>
+                                    <p:cond delay="0"/>
+                                  </p:stCondLst>
+                                  <p:childTnLst>
+                                    <p:set>
+                                      <p:cBhvr>
+                                        <p:cTn id="20" dur="1" fill="hold">
+                                          <p:stCondLst>
+                                            <p:cond delay="0"/>
+                                          </p:stCondLst>
+                                        </p:cTn>
+                                        <p:tgtEl>
+                                          <p:spTgt spid="6"/>
+                                        </p:tgtEl>
+                                        <p:attrNameLst>
+                                          <p:attrName>style.visibility</p:attrName>
+                                        </p:attrNameLst>
+                                      </p:cBhvr>
+                                      <p:to>
+                                        <p:strVal val="visible"/>
+                                      </p:to>
+                                    </p:set>
+                                    <p:anim calcmode="lin" valueType="num">
+                                      <p:cBhvr additive="base">
+                                        <p:cTn id="21" dur="500" fill="hold"/>
+                                        <p:tgtEl>
+                                          <p:spTgt spid="6"/>
+                                        </p:tgtEl>
+                                        <p:attrNameLst>
+                                          <p:attrName>ppt_x</p:attrName>
+                                        </p:attrNameLst>
+                                      </p:cBhvr>
+                                      <p:tavLst>
+                                        <p:tav tm="0">
+                                          <p:val>
+                                            <p:strVal val="#ppt_x"/>
+                                          </p:val>
+                                        </p:tav>
+                                        <p:tav tm="100000">
+                                          <p:val>
+                                            <p:strVal val="#ppt_x"/>
+                                          </p:val>
+                                        </p:tav>
+                                      </p:tavLst>
+                                    </p:anim>
+                                    <p:anim calcmode="lin" valueType="num">
+                                      <p:cBhvr additive="base">
+                                        <p:cTn id="22" dur="500" fill="hold"/>
+                                        <p:tgtEl>
+                                          <p:spTgt spid="6"/>
+                                        </p:tgtEl>
+                                        <p:attrNameLst>
+                                          <p:attrName>ppt_y</p:attrName>
+                                        </p:attrNameLst>
+                                      </p:cBhvr>
+                                      <p:tavLst>
+                                        <p:tav tm="0">
+                                          <p:val>
+                                            <p:strVal val="1+#ppt_h/2"/>
+                                          </p:val>
+                                        </p:tav>
+                                        <p:tav tm="100000">
+                                          <p:val>
+                                            <p:strVal val="#ppt_y"/>
+                                          </p:val>
+                                        </p:tav>
+                                      </p:tavLst>
+                                    </p:anim>
+                                  </p:childTnLst>
+                                </p:cTn>
+                              </p:par>
+                              <p:par>
+                                <p:cTn id="23" presetID="2" presetClass="entr" presetSubtype="4" fill="hold" grpId="0" nodeType="withEffect">
+                                  <p:stCondLst>
+                                    <p:cond delay="0"/>
+                                  </p:stCondLst>
+                                  <p:childTnLst>
+                                    <p:set>
+                                      <p:cBhvr>
+                                        <p:cTn id="24" dur="1" fill="hold">
+                                          <p:stCondLst>
+                                            <p:cond delay="0"/>
+                                          </p:stCondLst>
+                                        </p:cTn>
+                                        <p:tgtEl>
+                                          <p:spTgt spid="3">
+                                            <p:txEl>
+                                              <p:pRg st="4" end="4"/>
+                                            </p:txEl>
+                                          </p:spTgt>
+                                        </p:tgtEl>
+                                        <p:attrNameLst>
+                                          <p:attrName>style.visibility</p:attrName>
+                                        </p:attrNameLst>
+                                      </p:cBhvr>
+                                      <p:to>
+                                        <p:strVal val="visible"/>
+                                      </p:to>
+                                    </p:set>
+                                    <p:anim calcmode="lin" valueType="num">
+                                      <p:cBhvr additive="base">
+                                        <p:cTn id="25" dur="500" fill="hold"/>
+                                        <p:tgtEl>
+                                          <p:spTgt spid="3">
+                                            <p:txEl>
+                                              <p:pRg st="4" end="4"/>
+                                            </p:txEl>
+                                          </p:spTgt>
+                                        </p:tgtEl>
+                                        <p:attrNameLst>
+                                          <p:attrName>ppt_x</p:attrName>
+                                        </p:attrNameLst>
+                                      </p:cBhvr>
+                                      <p:tavLst>
+                                        <p:tav tm="0">
+                                          <p:val>
+                                            <p:strVal val="#ppt_x"/>
+                                          </p:val>
+                                        </p:tav>
+                                        <p:tav tm="100000">
+                                          <p:val>
+                                            <p:strVal val="#ppt_x"/>
+                                          </p:val>
+                                        </p:tav>
+                                      </p:tavLst>
+                                    </p:anim>
+                                    <p:anim calcmode="lin" valueType="num">
+                                      <p:cBhvr additive="base">
+                                        <p:cTn id="26" dur="500" fill="hold"/>
+                                        <p:tgtEl>
+                                          <p:spTgt spid="3">
+                                            <p:txEl>
+                                              <p:pRg st="4" end="4"/>
+                                            </p:txEl>
+                                          </p:spTgt>
+                                        </p:tgtEl>
+                                        <p:attrNameLst>
+                                          <p:attrName>ppt_y</p:attrName>
+                                        </p:attrNameLst>
+                                      </p:cBhvr>
+                                      <p:tavLst>
+                                        <p:tav tm="0">
+                                          <p:val>
+                                            <p:strVal val="1+#ppt_h/2"/>
+                                          </p:val>
+                                        </p:tav>
+                                        <p:tav tm="100000">
+                                          <p:val>
+                                            <p:strVal val="#ppt_y"/>
+                                          </p:val>
+                                        </p:tav>
+                                      </p:tavLst>
+                                    </p:anim>
+                                  </p:childTnLst>
+                                </p:cTn>
+                              </p:par>
+                            </p:childTnLst>
+                          </p:cTn>
+                        </p:par>
+                      </p:childTnLst>
+                    </p:cTn>
+                  </p:par>
+                  <p:par>
+                    <p:cTn id="27" fill="hold">
+                      <p:stCondLst>
+                        <p:cond delay="indefinite"/>
+                      </p:stCondLst>
+                      <p:childTnLst>
+                        <p:par>
+                          <p:cTn id="28" fill="hold">
+                            <p:stCondLst>
+                              <p:cond delay="0"/>
+                            </p:stCondLst>
+                            <p:childTnLst>
+                              <p:par>
+                                <p:cTn id="29" presetID="2" presetClass="entr" presetSubtype="4" fill="hold" grpId="0" nodeType="clickEffect">
+                                  <p:stCondLst>
+                                    <p:cond delay="0"/>
+                                  </p:stCondLst>
+                                  <p:childTnLst>
+                                    <p:set>
+                                      <p:cBhvr>
+                                        <p:cTn id="30" dur="1" fill="hold">
+                                          <p:stCondLst>
+                                            <p:cond delay="0"/>
+                                          </p:stCondLst>
+                                        </p:cTn>
+                                        <p:tgtEl>
+                                          <p:spTgt spid="3">
+                                            <p:txEl>
+                                              <p:pRg st="6" end="6"/>
+                                            </p:txEl>
+                                          </p:spTgt>
+                                        </p:tgtEl>
+                                        <p:attrNameLst>
+                                          <p:attrName>style.visibility</p:attrName>
+                                        </p:attrNameLst>
+                                      </p:cBhvr>
+                                      <p:to>
+                                        <p:strVal val="visible"/>
+                                      </p:to>
+                                    </p:set>
+                                    <p:anim calcmode="lin" valueType="num">
+                                      <p:cBhvr additive="base">
+                                        <p:cTn id="31" dur="500" fill="hold"/>
+                                        <p:tgtEl>
+                                          <p:spTgt spid="3">
+                                            <p:txEl>
+                                              <p:pRg st="6" end="6"/>
+                                            </p:txEl>
+                                          </p:spTgt>
+                                        </p:tgtEl>
+                                        <p:attrNameLst>
+                                          <p:attrName>ppt_x</p:attrName>
+                                        </p:attrNameLst>
+                                      </p:cBhvr>
+                                      <p:tavLst>
+                                        <p:tav tm="0">
+                                          <p:val>
+                                            <p:strVal val="#ppt_x"/>
+                                          </p:val>
+                                        </p:tav>
+                                        <p:tav tm="100000">
+                                          <p:val>
+                                            <p:strVal val="#ppt_x"/>
+                                          </p:val>
+                                        </p:tav>
+                                      </p:tavLst>
+                                    </p:anim>
+                                    <p:anim calcmode="lin" valueType="num">
+                                      <p:cBhvr additive="base">
+                                        <p:cTn id="32" dur="500" fill="hold"/>
+                                        <p:tgtEl>
+                                          <p:spTgt spid="3">
+                                            <p:txEl>
+                                              <p:pRg st="6" end="6"/>
+                                            </p:txEl>
+                                          </p:spTgt>
+                                        </p:tgtEl>
+                                        <p:attrNameLst>
+                                          <p:attrName>ppt_y</p:attrName>
+                                        </p:attrNameLst>
+                                      </p:cBhvr>
+                                      <p:tavLst>
+                                        <p:tav tm="0">
+                                          <p:val>
+                                            <p:strVal val="1+#ppt_h/2"/>
+                                          </p:val>
+                                        </p:tav>
+                                        <p:tav tm="100000">
+                                          <p:val>
+                                            <p:strVal val="#ppt_y"/>
+                                          </p:val>
+                                        </p:tav>
+                                      </p:tavLst>
+                                    </p:anim>
+                                  </p:childTnLst>
+                                </p:cTn>
+                              </p:par>
+                            </p:childTnLst>
+                          </p:cTn>
+                        </p:par>
+                      </p:childTnLst>
+                    </p:cTn>
+                  </p:par>
+                </p:childTnLst>
+              </p:cTn>
+              <p:prevCondLst>
+                <p:cond evt="onPrev" delay="0">
+                  <p:tgtEl>
+                    <p:sldTgt/>
+                  </p:tgtEl>
+                </p:cond>
+              </p:prevCondLst>
+              <p:nextCondLst>
+                <p:cond evt="onNext" delay="0">
+                  <p:tgtEl>
+                    <p:sldTgt/>
+                  </p:tgtEl>
+                </p:cond>
+              </p:nextCondLst>
+            </p:seq>
+          </p:childTnLst>
+        </p:cTn>
+      </p:par>
+    </p:tnLst>
+    <p:bldLst>
+      <p:bldP spid="3" grpId="0" uiExpand="1" build="p"/>
+    </p:bldLst>
+  </p:timing>
+</p:sld>
+</file>
+
+<file path=ppt/slides/slide4.xml><?xml version="1.0" encoding="utf-8"?>
 <p:sld xmlns:a="http://schemas.openxmlformats.org/drawingml/2006/main" xmlns:r="http://schemas.openxmlformats.org/officeDocument/2006/relationships" xmlns:p="http://schemas.openxmlformats.org/presentationml/2006/main">
   <p:cSld>
     <p:spTree>
@@ -27955,6 +31222,14 @@
             <a:r>
               <a:rPr lang="en-US" u="sng" dirty="0"/>
               <a:t>command line</a:t>
+            </a:r>
+            <a:r>
+              <a:rPr lang="en-US" dirty="0"/>
+              <a:t>, which means we will be using a </a:t>
+            </a:r>
+            <a:r>
+              <a:rPr lang="en-US" b="1" dirty="0"/>
+              <a:t>shell</a:t>
             </a:r>
           </a:p>
           <a:p>
@@ -28302,7 +31577,7 @@
 </p:sld>
 </file>
 
-<file path=ppt/slides/slide4.xml><?xml version="1.0" encoding="utf-8"?>
+<file path=ppt/slides/slide5.xml><?xml version="1.0" encoding="utf-8"?>
 <p:sld xmlns:a="http://schemas.openxmlformats.org/drawingml/2006/main" xmlns:r="http://schemas.openxmlformats.org/officeDocument/2006/relationships" xmlns:p="http://schemas.openxmlformats.org/presentationml/2006/main">
   <p:cSld>
     <p:spTree>
@@ -28532,209 +31807,6 @@
   <p:clrMapOvr>
     <a:masterClrMapping/>
   </p:clrMapOvr>
-</p:sld>
-</file>
-
-<file path=ppt/slides/slide5.xml><?xml version="1.0" encoding="utf-8"?>
-<p:sld xmlns:a="http://schemas.openxmlformats.org/drawingml/2006/main" xmlns:r="http://schemas.openxmlformats.org/officeDocument/2006/relationships" xmlns:p="http://schemas.openxmlformats.org/presentationml/2006/main">
-  <p:cSld>
-    <p:spTree>
-      <p:nvGrpSpPr>
-        <p:cNvPr id="1" name=""/>
-        <p:cNvGrpSpPr/>
-        <p:nvPr/>
-      </p:nvGrpSpPr>
-      <p:grpSpPr>
-        <a:xfrm>
-          <a:off x="0" y="0"/>
-          <a:ext cx="0" cy="0"/>
-          <a:chOff x="0" y="0"/>
-          <a:chExt cx="0" cy="0"/>
-        </a:xfrm>
-      </p:grpSpPr>
-      <p:sp>
-        <p:nvSpPr>
-          <p:cNvPr id="2" name="Title 1">
-            <a:extLst>
-              <a:ext uri="{FF2B5EF4-FFF2-40B4-BE49-F238E27FC236}">
-                <a16:creationId xmlns:a16="http://schemas.microsoft.com/office/drawing/2014/main" id="{E200A79C-219E-BD4A-BD09-BFA935532ACC}"/>
-              </a:ext>
-            </a:extLst>
-          </p:cNvPr>
-          <p:cNvSpPr>
-            <a:spLocks noGrp="1"/>
-          </p:cNvSpPr>
-          <p:nvPr>
-            <p:ph type="title"/>
-          </p:nvPr>
-        </p:nvSpPr>
-        <p:spPr/>
-        <p:txBody>
-          <a:bodyPr/>
-          <a:lstStyle/>
-          <a:p>
-            <a:pPr algn="ctr"/>
-            <a:r>
-              <a:rPr lang="en-US" b="1" dirty="0"/>
-              <a:t>The </a:t>
-            </a:r>
-            <a:r>
-              <a:rPr lang="en-US" b="1" dirty="0" err="1"/>
-              <a:t>cin</a:t>
-            </a:r>
-            <a:r>
-              <a:rPr lang="en-US" b="1" dirty="0"/>
-              <a:t> function</a:t>
-            </a:r>
-          </a:p>
-        </p:txBody>
-      </p:sp>
-      <p:sp>
-        <p:nvSpPr>
-          <p:cNvPr id="3" name="Content Placeholder 2">
-            <a:extLst>
-              <a:ext uri="{FF2B5EF4-FFF2-40B4-BE49-F238E27FC236}">
-                <a16:creationId xmlns:a16="http://schemas.microsoft.com/office/drawing/2014/main" id="{63544E95-CFC7-E449-8BFE-6442D98D582D}"/>
-              </a:ext>
-            </a:extLst>
-          </p:cNvPr>
-          <p:cNvSpPr>
-            <a:spLocks noGrp="1"/>
-          </p:cNvSpPr>
-          <p:nvPr>
-            <p:ph idx="1"/>
-          </p:nvPr>
-        </p:nvSpPr>
-        <p:spPr/>
-        <p:txBody>
-          <a:bodyPr/>
-          <a:lstStyle/>
-          <a:p>
-            <a:r>
-              <a:rPr lang="en-US" dirty="0" err="1">
-                <a:solidFill>
-                  <a:schemeClr val="tx2"/>
-                </a:solidFill>
-                <a:latin typeface="Consolas" panose="020B0609020204030204" pitchFamily="49" charset="0"/>
-                <a:cs typeface="Consolas" panose="020B0609020204030204" pitchFamily="49" charset="0"/>
-              </a:rPr>
-              <a:t>cin</a:t>
-            </a:r>
-            <a:r>
-              <a:rPr lang="en-US" dirty="0"/>
-              <a:t> is a function that is part of the </a:t>
-            </a:r>
-            <a:r>
-              <a:rPr lang="en-US" dirty="0">
-                <a:solidFill>
-                  <a:schemeClr val="accent2"/>
-                </a:solidFill>
-                <a:latin typeface="Consolas" panose="020B0609020204030204" pitchFamily="49" charset="0"/>
-                <a:cs typeface="Consolas" panose="020B0609020204030204" pitchFamily="49" charset="0"/>
-              </a:rPr>
-              <a:t>&lt;iostream&gt;</a:t>
-            </a:r>
-            <a:r>
-              <a:rPr lang="en-US" dirty="0"/>
-              <a:t> library</a:t>
-            </a:r>
-          </a:p>
-          <a:p>
-            <a:endParaRPr lang="en-US" dirty="0">
-              <a:solidFill>
-                <a:schemeClr val="tx2"/>
-              </a:solidFill>
-              <a:latin typeface="Consolas" panose="020B0609020204030204" pitchFamily="49" charset="0"/>
-              <a:cs typeface="Consolas" panose="020B0609020204030204" pitchFamily="49" charset="0"/>
-            </a:endParaRPr>
-          </a:p>
-          <a:p>
-            <a:r>
-              <a:rPr lang="en-US" dirty="0" err="1">
-                <a:solidFill>
-                  <a:schemeClr val="tx2"/>
-                </a:solidFill>
-                <a:latin typeface="Consolas" panose="020B0609020204030204" pitchFamily="49" charset="0"/>
-                <a:cs typeface="Consolas" panose="020B0609020204030204" pitchFamily="49" charset="0"/>
-              </a:rPr>
-              <a:t>cin</a:t>
-            </a:r>
-            <a:r>
-              <a:rPr lang="en-US" dirty="0"/>
-              <a:t> reads input from the command line </a:t>
-            </a:r>
-          </a:p>
-          <a:p>
-            <a:endParaRPr lang="en-US" dirty="0"/>
-          </a:p>
-          <a:p>
-            <a:r>
-              <a:rPr lang="en-US" dirty="0"/>
-              <a:t>We can use the </a:t>
-            </a:r>
-            <a:r>
-              <a:rPr lang="en-US" u="sng" dirty="0">
-                <a:latin typeface="Consolas" panose="020B0609020204030204" pitchFamily="49" charset="0"/>
-                <a:cs typeface="Consolas" panose="020B0609020204030204" pitchFamily="49" charset="0"/>
-              </a:rPr>
-              <a:t>&gt;&gt;</a:t>
-            </a:r>
-            <a:r>
-              <a:rPr lang="en-US" dirty="0"/>
-              <a:t> operator with </a:t>
-            </a:r>
-            <a:r>
-              <a:rPr lang="en-US" dirty="0" err="1">
-                <a:solidFill>
-                  <a:schemeClr val="tx2"/>
-                </a:solidFill>
-                <a:latin typeface="Consolas" panose="020B0609020204030204" pitchFamily="49" charset="0"/>
-                <a:cs typeface="Consolas" panose="020B0609020204030204" pitchFamily="49" charset="0"/>
-              </a:rPr>
-              <a:t>cin</a:t>
-            </a:r>
-            <a:r>
-              <a:rPr lang="en-US" dirty="0"/>
-              <a:t> to say “from </a:t>
-            </a:r>
-            <a:r>
-              <a:rPr lang="en-US" dirty="0" err="1">
-                <a:solidFill>
-                  <a:schemeClr val="tx2"/>
-                </a:solidFill>
-                <a:latin typeface="Consolas" panose="020B0609020204030204" pitchFamily="49" charset="0"/>
-                <a:cs typeface="Consolas" panose="020B0609020204030204" pitchFamily="49" charset="0"/>
-              </a:rPr>
-              <a:t>cin</a:t>
-            </a:r>
-            <a:r>
-              <a:rPr lang="en-US" dirty="0"/>
-              <a:t>, place the input into the variable after the </a:t>
-            </a:r>
-            <a:r>
-              <a:rPr lang="en-US" u="sng" dirty="0">
-                <a:latin typeface="Consolas" panose="020B0609020204030204" pitchFamily="49" charset="0"/>
-                <a:cs typeface="Consolas" panose="020B0609020204030204" pitchFamily="49" charset="0"/>
-              </a:rPr>
-              <a:t>&gt;&gt;</a:t>
-            </a:r>
-            <a:r>
-              <a:rPr lang="en-US" dirty="0"/>
-              <a:t> operator”</a:t>
-            </a:r>
-          </a:p>
-        </p:txBody>
-      </p:sp>
-    </p:spTree>
-    <p:extLst>
-      <p:ext uri="{BB962C8B-B14F-4D97-AF65-F5344CB8AC3E}">
-        <p14:creationId xmlns:p14="http://schemas.microsoft.com/office/powerpoint/2010/main" val="2405900604"/>
-      </p:ext>
-    </p:extLst>
-  </p:cSld>
-  <p:clrMapOvr>
-    <a:masterClrMapping/>
-  </p:clrMapOvr>
   <p:timing>
     <p:tnLst>
       <p:par>
@@ -28756,7 +31828,7 @@
                             </p:stCondLst>
                             <p:childTnLst>
                               <p:par>
-                                <p:cTn id="5" presetID="18" presetClass="entr" presetSubtype="12" fill="hold" grpId="0" nodeType="clickEffect">
+                                <p:cTn id="5" presetID="5" presetClass="entr" presetSubtype="10" fill="hold" grpId="0" nodeType="clickEffect">
                                   <p:stCondLst>
                                     <p:cond delay="0"/>
                                   </p:stCondLst>
@@ -28783,7 +31855,7 @@
                                         <p:strVal val="visible"/>
                                       </p:to>
                                     </p:set>
-                                    <p:animEffect transition="in" filter="strips(downLeft)">
+                                    <p:animEffect transition="in" filter="checkerboard(across)">
                                       <p:cBhvr>
                                         <p:cTn id="7" dur="500"/>
                                         <p:tgtEl>
@@ -28817,7 +31889,7 @@
                             </p:stCondLst>
                             <p:childTnLst>
                               <p:par>
-                                <p:cTn id="10" presetID="18" presetClass="entr" presetSubtype="12" fill="hold" grpId="0" nodeType="clickEffect">
+                                <p:cTn id="10" presetID="5" presetClass="entr" presetSubtype="10" fill="hold" grpId="0" nodeType="clickEffect">
                                   <p:stCondLst>
                                     <p:cond delay="0"/>
                                   </p:stCondLst>
@@ -28832,7 +31904,7 @@
                                         <p:tgtEl>
                                           <p:spTgt spid="3">
                                             <p:txEl>
-                                              <p:pRg st="2" end="2"/>
+                                              <p:pRg st="3" end="3"/>
                                             </p:txEl>
                                           </p:spTgt>
                                         </p:tgtEl>
@@ -28844,13 +31916,13 @@
                                         <p:strVal val="visible"/>
                                       </p:to>
                                     </p:set>
-                                    <p:animEffect transition="in" filter="strips(downLeft)">
+                                    <p:animEffect transition="in" filter="checkerboard(across)">
                                       <p:cBhvr>
                                         <p:cTn id="12" dur="500"/>
                                         <p:tgtEl>
                                           <p:spTgt spid="3">
                                             <p:txEl>
-                                              <p:pRg st="2" end="2"/>
+                                              <p:pRg st="3" end="3"/>
                                             </p:txEl>
                                           </p:spTgt>
                                         </p:tgtEl>
@@ -28878,7 +31950,7 @@
                             </p:stCondLst>
                             <p:childTnLst>
                               <p:par>
-                                <p:cTn id="15" presetID="18" presetClass="entr" presetSubtype="12" fill="hold" grpId="0" nodeType="clickEffect">
+                                <p:cTn id="15" presetID="5" presetClass="entr" presetSubtype="10" fill="hold" grpId="0" nodeType="clickEffect">
                                   <p:stCondLst>
                                     <p:cond delay="0"/>
                                   </p:stCondLst>
@@ -28893,7 +31965,7 @@
                                         <p:tgtEl>
                                           <p:spTgt spid="3">
                                             <p:txEl>
-                                              <p:pRg st="4" end="4"/>
+                                              <p:pRg st="5" end="5"/>
                                             </p:txEl>
                                           </p:spTgt>
                                         </p:tgtEl>
@@ -28905,13 +31977,13 @@
                                         <p:strVal val="visible"/>
                                       </p:to>
                                     </p:set>
-                                    <p:animEffect transition="in" filter="strips(downLeft)">
+                                    <p:animEffect transition="in" filter="checkerboard(across)">
                                       <p:cBhvr>
                                         <p:cTn id="17" dur="500"/>
                                         <p:tgtEl>
                                           <p:spTgt spid="3">
                                             <p:txEl>
-                                              <p:pRg st="4" end="4"/>
+                                              <p:pRg st="5" end="5"/>
                                             </p:txEl>
                                           </p:spTgt>
                                         </p:tgtEl>
@@ -28976,6 +32048,425 @@
           <p:cNvPr id="2" name="Title 1">
             <a:extLst>
               <a:ext uri="{FF2B5EF4-FFF2-40B4-BE49-F238E27FC236}">
+                <a16:creationId xmlns:a16="http://schemas.microsoft.com/office/drawing/2014/main" id="{E200A79C-219E-BD4A-BD09-BFA935532ACC}"/>
+              </a:ext>
+            </a:extLst>
+          </p:cNvPr>
+          <p:cNvSpPr>
+            <a:spLocks noGrp="1"/>
+          </p:cNvSpPr>
+          <p:nvPr>
+            <p:ph type="title"/>
+          </p:nvPr>
+        </p:nvSpPr>
+        <p:spPr/>
+        <p:txBody>
+          <a:bodyPr/>
+          <a:lstStyle/>
+          <a:p>
+            <a:pPr algn="ctr"/>
+            <a:r>
+              <a:rPr lang="en-US" b="1" dirty="0"/>
+              <a:t>The </a:t>
+            </a:r>
+            <a:r>
+              <a:rPr lang="en-US" b="1" dirty="0" err="1"/>
+              <a:t>cin</a:t>
+            </a:r>
+            <a:r>
+              <a:rPr lang="en-US" b="1" dirty="0"/>
+              <a:t> function</a:t>
+            </a:r>
+          </a:p>
+        </p:txBody>
+      </p:sp>
+      <p:sp>
+        <p:nvSpPr>
+          <p:cNvPr id="3" name="Content Placeholder 2">
+            <a:extLst>
+              <a:ext uri="{FF2B5EF4-FFF2-40B4-BE49-F238E27FC236}">
+                <a16:creationId xmlns:a16="http://schemas.microsoft.com/office/drawing/2014/main" id="{63544E95-CFC7-E449-8BFE-6442D98D582D}"/>
+              </a:ext>
+            </a:extLst>
+          </p:cNvPr>
+          <p:cNvSpPr>
+            <a:spLocks noGrp="1"/>
+          </p:cNvSpPr>
+          <p:nvPr>
+            <p:ph idx="1"/>
+          </p:nvPr>
+        </p:nvSpPr>
+        <p:spPr/>
+        <p:txBody>
+          <a:bodyPr/>
+          <a:lstStyle/>
+          <a:p>
+            <a:r>
+              <a:rPr lang="en-US" dirty="0" err="1">
+                <a:solidFill>
+                  <a:schemeClr val="tx2"/>
+                </a:solidFill>
+                <a:latin typeface="Consolas" panose="020B0609020204030204" pitchFamily="49" charset="0"/>
+                <a:cs typeface="Consolas" panose="020B0609020204030204" pitchFamily="49" charset="0"/>
+              </a:rPr>
+              <a:t>cin</a:t>
+            </a:r>
+            <a:r>
+              <a:rPr lang="en-US" dirty="0"/>
+              <a:t> is a function that is part of the </a:t>
+            </a:r>
+            <a:r>
+              <a:rPr lang="en-US" dirty="0">
+                <a:solidFill>
+                  <a:schemeClr val="accent2"/>
+                </a:solidFill>
+                <a:latin typeface="Consolas" panose="020B0609020204030204" pitchFamily="49" charset="0"/>
+                <a:cs typeface="Consolas" panose="020B0609020204030204" pitchFamily="49" charset="0"/>
+              </a:rPr>
+              <a:t>&lt;iostream&gt;</a:t>
+            </a:r>
+            <a:r>
+              <a:rPr lang="en-US" dirty="0"/>
+              <a:t> library</a:t>
+            </a:r>
+          </a:p>
+          <a:p>
+            <a:endParaRPr lang="en-US" dirty="0">
+              <a:solidFill>
+                <a:schemeClr val="tx2"/>
+              </a:solidFill>
+              <a:latin typeface="Consolas" panose="020B0609020204030204" pitchFamily="49" charset="0"/>
+              <a:cs typeface="Consolas" panose="020B0609020204030204" pitchFamily="49" charset="0"/>
+            </a:endParaRPr>
+          </a:p>
+          <a:p>
+            <a:r>
+              <a:rPr lang="en-US" dirty="0" err="1">
+                <a:solidFill>
+                  <a:schemeClr val="tx2"/>
+                </a:solidFill>
+                <a:latin typeface="Consolas" panose="020B0609020204030204" pitchFamily="49" charset="0"/>
+                <a:cs typeface="Consolas" panose="020B0609020204030204" pitchFamily="49" charset="0"/>
+              </a:rPr>
+              <a:t>cin</a:t>
+            </a:r>
+            <a:r>
+              <a:rPr lang="en-US" dirty="0"/>
+              <a:t> reads input from the command line </a:t>
+            </a:r>
+          </a:p>
+          <a:p>
+            <a:endParaRPr lang="en-US" dirty="0"/>
+          </a:p>
+          <a:p>
+            <a:r>
+              <a:rPr lang="en-US" dirty="0"/>
+              <a:t>We can use the </a:t>
+            </a:r>
+            <a:r>
+              <a:rPr lang="en-US" u="sng" dirty="0">
+                <a:latin typeface="Consolas" panose="020B0609020204030204" pitchFamily="49" charset="0"/>
+                <a:cs typeface="Consolas" panose="020B0609020204030204" pitchFamily="49" charset="0"/>
+              </a:rPr>
+              <a:t>&gt;&gt;</a:t>
+            </a:r>
+            <a:r>
+              <a:rPr lang="en-US" dirty="0"/>
+              <a:t> operator with </a:t>
+            </a:r>
+            <a:r>
+              <a:rPr lang="en-US" dirty="0" err="1">
+                <a:solidFill>
+                  <a:schemeClr val="tx2"/>
+                </a:solidFill>
+                <a:latin typeface="Consolas" panose="020B0609020204030204" pitchFamily="49" charset="0"/>
+                <a:cs typeface="Consolas" panose="020B0609020204030204" pitchFamily="49" charset="0"/>
+              </a:rPr>
+              <a:t>cin</a:t>
+            </a:r>
+            <a:r>
+              <a:rPr lang="en-US" dirty="0"/>
+              <a:t> to say “from </a:t>
+            </a:r>
+            <a:r>
+              <a:rPr lang="en-US" dirty="0" err="1">
+                <a:solidFill>
+                  <a:schemeClr val="tx2"/>
+                </a:solidFill>
+                <a:latin typeface="Consolas" panose="020B0609020204030204" pitchFamily="49" charset="0"/>
+                <a:cs typeface="Consolas" panose="020B0609020204030204" pitchFamily="49" charset="0"/>
+              </a:rPr>
+              <a:t>cin</a:t>
+            </a:r>
+            <a:r>
+              <a:rPr lang="en-US" dirty="0"/>
+              <a:t>, place the input into the variable after the </a:t>
+            </a:r>
+            <a:r>
+              <a:rPr lang="en-US" u="sng" dirty="0">
+                <a:latin typeface="Consolas" panose="020B0609020204030204" pitchFamily="49" charset="0"/>
+                <a:cs typeface="Consolas" panose="020B0609020204030204" pitchFamily="49" charset="0"/>
+              </a:rPr>
+              <a:t>&gt;&gt;</a:t>
+            </a:r>
+            <a:r>
+              <a:rPr lang="en-US" dirty="0"/>
+              <a:t> operator”</a:t>
+            </a:r>
+          </a:p>
+        </p:txBody>
+      </p:sp>
+    </p:spTree>
+    <p:extLst>
+      <p:ext uri="{BB962C8B-B14F-4D97-AF65-F5344CB8AC3E}">
+        <p14:creationId xmlns:p14="http://schemas.microsoft.com/office/powerpoint/2010/main" val="2405900604"/>
+      </p:ext>
+    </p:extLst>
+  </p:cSld>
+  <p:clrMapOvr>
+    <a:masterClrMapping/>
+  </p:clrMapOvr>
+  <p:timing>
+    <p:tnLst>
+      <p:par>
+        <p:cTn id="1" dur="indefinite" restart="never" nodeType="tmRoot">
+          <p:childTnLst>
+            <p:seq concurrent="1" nextAc="seek">
+              <p:cTn id="2" dur="indefinite" nodeType="mainSeq">
+                <p:childTnLst>
+                  <p:par>
+                    <p:cTn id="3" fill="hold">
+                      <p:stCondLst>
+                        <p:cond delay="indefinite"/>
+                      </p:stCondLst>
+                      <p:childTnLst>
+                        <p:par>
+                          <p:cTn id="4" fill="hold">
+                            <p:stCondLst>
+                              <p:cond delay="0"/>
+                            </p:stCondLst>
+                            <p:childTnLst>
+                              <p:par>
+                                <p:cTn id="5" presetID="18" presetClass="entr" presetSubtype="12" fill="hold" grpId="0" nodeType="clickEffect">
+                                  <p:stCondLst>
+                                    <p:cond delay="0"/>
+                                  </p:stCondLst>
+                                  <p:childTnLst>
+                                    <p:set>
+                                      <p:cBhvr>
+                                        <p:cTn id="6" dur="1" fill="hold">
+                                          <p:stCondLst>
+                                            <p:cond delay="0"/>
+                                          </p:stCondLst>
+                                        </p:cTn>
+                                        <p:tgtEl>
+                                          <p:spTgt spid="3">
+                                            <p:txEl>
+                                              <p:pRg st="0" end="0"/>
+                                            </p:txEl>
+                                          </p:spTgt>
+                                        </p:tgtEl>
+                                        <p:attrNameLst>
+                                          <p:attrName>style.visibility</p:attrName>
+                                        </p:attrNameLst>
+                                      </p:cBhvr>
+                                      <p:to>
+                                        <p:strVal val="visible"/>
+                                      </p:to>
+                                    </p:set>
+                                    <p:animEffect transition="in" filter="strips(downLeft)">
+                                      <p:cBhvr>
+                                        <p:cTn id="7" dur="500"/>
+                                        <p:tgtEl>
+                                          <p:spTgt spid="3">
+                                            <p:txEl>
+                                              <p:pRg st="0" end="0"/>
+                                            </p:txEl>
+                                          </p:spTgt>
+                                        </p:tgtEl>
+                                      </p:cBhvr>
+                                    </p:animEffect>
+                                  </p:childTnLst>
+                                </p:cTn>
+                              </p:par>
+                            </p:childTnLst>
+                          </p:cTn>
+                        </p:par>
+                      </p:childTnLst>
+                    </p:cTn>
+                  </p:par>
+                  <p:par>
+                    <p:cTn id="8" fill="hold">
+                      <p:stCondLst>
+                        <p:cond delay="indefinite"/>
+                      </p:stCondLst>
+                      <p:childTnLst>
+                        <p:par>
+                          <p:cTn id="9" fill="hold">
+                            <p:stCondLst>
+                              <p:cond delay="0"/>
+                            </p:stCondLst>
+                            <p:childTnLst>
+                              <p:par>
+                                <p:cTn id="10" presetID="18" presetClass="entr" presetSubtype="12" fill="hold" grpId="0" nodeType="clickEffect">
+                                  <p:stCondLst>
+                                    <p:cond delay="0"/>
+                                  </p:stCondLst>
+                                  <p:childTnLst>
+                                    <p:set>
+                                      <p:cBhvr>
+                                        <p:cTn id="11" dur="1" fill="hold">
+                                          <p:stCondLst>
+                                            <p:cond delay="0"/>
+                                          </p:stCondLst>
+                                        </p:cTn>
+                                        <p:tgtEl>
+                                          <p:spTgt spid="3">
+                                            <p:txEl>
+                                              <p:pRg st="2" end="2"/>
+                                            </p:txEl>
+                                          </p:spTgt>
+                                        </p:tgtEl>
+                                        <p:attrNameLst>
+                                          <p:attrName>style.visibility</p:attrName>
+                                        </p:attrNameLst>
+                                      </p:cBhvr>
+                                      <p:to>
+                                        <p:strVal val="visible"/>
+                                      </p:to>
+                                    </p:set>
+                                    <p:animEffect transition="in" filter="strips(downLeft)">
+                                      <p:cBhvr>
+                                        <p:cTn id="12" dur="500"/>
+                                        <p:tgtEl>
+                                          <p:spTgt spid="3">
+                                            <p:txEl>
+                                              <p:pRg st="2" end="2"/>
+                                            </p:txEl>
+                                          </p:spTgt>
+                                        </p:tgtEl>
+                                      </p:cBhvr>
+                                    </p:animEffect>
+                                  </p:childTnLst>
+                                </p:cTn>
+                              </p:par>
+                            </p:childTnLst>
+                          </p:cTn>
+                        </p:par>
+                      </p:childTnLst>
+                    </p:cTn>
+                  </p:par>
+                  <p:par>
+                    <p:cTn id="13" fill="hold">
+                      <p:stCondLst>
+                        <p:cond delay="indefinite"/>
+                      </p:stCondLst>
+                      <p:childTnLst>
+                        <p:par>
+                          <p:cTn id="14" fill="hold">
+                            <p:stCondLst>
+                              <p:cond delay="0"/>
+                            </p:stCondLst>
+                            <p:childTnLst>
+                              <p:par>
+                                <p:cTn id="15" presetID="18" presetClass="entr" presetSubtype="12" fill="hold" grpId="0" nodeType="clickEffect">
+                                  <p:stCondLst>
+                                    <p:cond delay="0"/>
+                                  </p:stCondLst>
+                                  <p:childTnLst>
+                                    <p:set>
+                                      <p:cBhvr>
+                                        <p:cTn id="16" dur="1" fill="hold">
+                                          <p:stCondLst>
+                                            <p:cond delay="0"/>
+                                          </p:stCondLst>
+                                        </p:cTn>
+                                        <p:tgtEl>
+                                          <p:spTgt spid="3">
+                                            <p:txEl>
+                                              <p:pRg st="4" end="4"/>
+                                            </p:txEl>
+                                          </p:spTgt>
+                                        </p:tgtEl>
+                                        <p:attrNameLst>
+                                          <p:attrName>style.visibility</p:attrName>
+                                        </p:attrNameLst>
+                                      </p:cBhvr>
+                                      <p:to>
+                                        <p:strVal val="visible"/>
+                                      </p:to>
+                                    </p:set>
+                                    <p:animEffect transition="in" filter="strips(downLeft)">
+                                      <p:cBhvr>
+                                        <p:cTn id="17" dur="500"/>
+                                        <p:tgtEl>
+                                          <p:spTgt spid="3">
+                                            <p:txEl>
+                                              <p:pRg st="4" end="4"/>
+                                            </p:txEl>
+                                          </p:spTgt>
+                                        </p:tgtEl>
+                                      </p:cBhvr>
+                                    </p:animEffect>
+                                  </p:childTnLst>
+                                </p:cTn>
+                              </p:par>
+                            </p:childTnLst>
+                          </p:cTn>
+                        </p:par>
+                      </p:childTnLst>
+                    </p:cTn>
+                  </p:par>
+                </p:childTnLst>
+              </p:cTn>
+              <p:prevCondLst>
+                <p:cond evt="onPrev" delay="0">
+                  <p:tgtEl>
+                    <p:sldTgt/>
+                  </p:tgtEl>
+                </p:cond>
+              </p:prevCondLst>
+              <p:nextCondLst>
+                <p:cond evt="onNext" delay="0">
+                  <p:tgtEl>
+                    <p:sldTgt/>
+                  </p:tgtEl>
+                </p:cond>
+              </p:nextCondLst>
+            </p:seq>
+          </p:childTnLst>
+        </p:cTn>
+      </p:par>
+    </p:tnLst>
+    <p:bldLst>
+      <p:bldP spid="3" grpId="0" build="p"/>
+    </p:bldLst>
+  </p:timing>
+</p:sld>
+</file>
+
+<file path=ppt/slides/slide7.xml><?xml version="1.0" encoding="utf-8"?>
+<p:sld xmlns:a="http://schemas.openxmlformats.org/drawingml/2006/main" xmlns:r="http://schemas.openxmlformats.org/officeDocument/2006/relationships" xmlns:p="http://schemas.openxmlformats.org/presentationml/2006/main">
+  <p:cSld>
+    <p:spTree>
+      <p:nvGrpSpPr>
+        <p:cNvPr id="1" name=""/>
+        <p:cNvGrpSpPr/>
+        <p:nvPr/>
+      </p:nvGrpSpPr>
+      <p:grpSpPr>
+        <a:xfrm>
+          <a:off x="0" y="0"/>
+          <a:ext cx="0" cy="0"/>
+          <a:chOff x="0" y="0"/>
+          <a:chExt cx="0" cy="0"/>
+        </a:xfrm>
+      </p:grpSpPr>
+      <p:sp>
+        <p:nvSpPr>
+          <p:cNvPr id="2" name="Title 1">
+            <a:extLst>
+              <a:ext uri="{FF2B5EF4-FFF2-40B4-BE49-F238E27FC236}">
                 <a16:creationId xmlns:a16="http://schemas.microsoft.com/office/drawing/2014/main" id="{B7337CD3-7B8B-3140-A149-EBCD7B1C6DC9}"/>
               </a:ext>
             </a:extLst>
@@ -29567,7 +33058,7 @@
 </p:sld>
 </file>
 
-<file path=ppt/slides/slide7.xml><?xml version="1.0" encoding="utf-8"?>
+<file path=ppt/slides/slide8.xml><?xml version="1.0" encoding="utf-8"?>
 <p:sld xmlns:a="http://schemas.openxmlformats.org/drawingml/2006/main" xmlns:r="http://schemas.openxmlformats.org/officeDocument/2006/relationships" xmlns:p="http://schemas.openxmlformats.org/presentationml/2006/main">
   <p:cSld>
     <p:spTree>
@@ -30133,7 +33624,7 @@
 </p:sld>
 </file>
 
-<file path=ppt/slides/slide8.xml><?xml version="1.0" encoding="utf-8"?>
+<file path=ppt/slides/slide9.xml><?xml version="1.0" encoding="utf-8"?>
 <p:sld xmlns:a="http://schemas.openxmlformats.org/drawingml/2006/main" xmlns:r="http://schemas.openxmlformats.org/officeDocument/2006/relationships" xmlns:p="http://schemas.openxmlformats.org/presentationml/2006/main">
   <p:cSld>
     <p:spTree>
@@ -30278,631 +33769,6 @@
   <p:clrMapOvr>
     <a:masterClrMapping/>
   </p:clrMapOvr>
-</p:sld>
-</file>
-
-<file path=ppt/slides/slide9.xml><?xml version="1.0" encoding="utf-8"?>
-<p:sld xmlns:a="http://schemas.openxmlformats.org/drawingml/2006/main" xmlns:r="http://schemas.openxmlformats.org/officeDocument/2006/relationships" xmlns:p="http://schemas.openxmlformats.org/presentationml/2006/main">
-  <p:cSld>
-    <p:spTree>
-      <p:nvGrpSpPr>
-        <p:cNvPr id="1" name=""/>
-        <p:cNvGrpSpPr/>
-        <p:nvPr/>
-      </p:nvGrpSpPr>
-      <p:grpSpPr>
-        <a:xfrm>
-          <a:off x="0" y="0"/>
-          <a:ext cx="0" cy="0"/>
-          <a:chOff x="0" y="0"/>
-          <a:chExt cx="0" cy="0"/>
-        </a:xfrm>
-      </p:grpSpPr>
-      <p:sp>
-        <p:nvSpPr>
-          <p:cNvPr id="2" name="Title 1">
-            <a:extLst>
-              <a:ext uri="{FF2B5EF4-FFF2-40B4-BE49-F238E27FC236}">
-                <a16:creationId xmlns:a16="http://schemas.microsoft.com/office/drawing/2014/main" id="{E7F0E680-3F8C-A24A-A1DE-578AE1E05D86}"/>
-              </a:ext>
-            </a:extLst>
-          </p:cNvPr>
-          <p:cNvSpPr>
-            <a:spLocks noGrp="1"/>
-          </p:cNvSpPr>
-          <p:nvPr>
-            <p:ph type="title"/>
-          </p:nvPr>
-        </p:nvSpPr>
-        <p:spPr/>
-        <p:txBody>
-          <a:bodyPr/>
-          <a:lstStyle/>
-          <a:p>
-            <a:pPr algn="ctr"/>
-            <a:r>
-              <a:rPr lang="en-US" b="1" dirty="0"/>
-              <a:t>Solution</a:t>
-            </a:r>
-          </a:p>
-        </p:txBody>
-      </p:sp>
-      <p:pic>
-        <p:nvPicPr>
-          <p:cNvPr id="5" name="Content Placeholder 4">
-            <a:extLst>
-              <a:ext uri="{FF2B5EF4-FFF2-40B4-BE49-F238E27FC236}">
-                <a16:creationId xmlns:a16="http://schemas.microsoft.com/office/drawing/2014/main" id="{B9753524-8466-A140-B1F9-84E2A60C7480}"/>
-              </a:ext>
-            </a:extLst>
-          </p:cNvPr>
-          <p:cNvPicPr>
-            <a:picLocks noGrp="1" noChangeAspect="1"/>
-          </p:cNvPicPr>
-          <p:nvPr>
-            <p:ph idx="1"/>
-          </p:nvPr>
-        </p:nvPicPr>
-        <p:blipFill>
-          <a:blip r:embed="rId2"/>
-          <a:stretch>
-            <a:fillRect/>
-          </a:stretch>
-        </p:blipFill>
-        <p:spPr>
-          <a:xfrm>
-            <a:off x="869761" y="1764320"/>
-            <a:ext cx="6485475" cy="4650768"/>
-          </a:xfrm>
-        </p:spPr>
-      </p:pic>
-      <p:sp>
-        <p:nvSpPr>
-          <p:cNvPr id="6" name="TextBox 5">
-            <a:extLst>
-              <a:ext uri="{FF2B5EF4-FFF2-40B4-BE49-F238E27FC236}">
-                <a16:creationId xmlns:a16="http://schemas.microsoft.com/office/drawing/2014/main" id="{F01C9068-9E8A-214B-BCA4-F800BFB41DC7}"/>
-              </a:ext>
-            </a:extLst>
-          </p:cNvPr>
-          <p:cNvSpPr txBox="1"/>
-          <p:nvPr/>
-        </p:nvSpPr>
-        <p:spPr>
-          <a:xfrm>
-            <a:off x="7626888" y="1828800"/>
-            <a:ext cx="4117437" cy="369332"/>
-          </a:xfrm>
-          <a:prstGeom prst="rect">
-            <a:avLst/>
-          </a:prstGeom>
-          <a:noFill/>
-        </p:spPr>
-        <p:txBody>
-          <a:bodyPr wrap="square" rtlCol="0">
-            <a:spAutoFit/>
-          </a:bodyPr>
-          <a:lstStyle/>
-          <a:p>
-            <a:pPr marL="285750" indent="-285750">
-              <a:buFont typeface="Arial" panose="020B0604020202020204" pitchFamily="34" charset="0"/>
-              <a:buChar char="•"/>
-            </a:pPr>
-            <a:r>
-              <a:rPr lang="en-US" dirty="0"/>
-              <a:t>We can use an </a:t>
-            </a:r>
-            <a:r>
-              <a:rPr lang="en-US" u="sng" dirty="0"/>
-              <a:t>array</a:t>
-            </a:r>
-            <a:r>
-              <a:rPr lang="en-US" dirty="0"/>
-              <a:t> of </a:t>
-            </a:r>
-            <a:r>
-              <a:rPr lang="en-US" sz="1600" dirty="0">
-                <a:solidFill>
-                  <a:schemeClr val="accent4"/>
-                </a:solidFill>
-                <a:latin typeface="Consolas" panose="020B0609020204030204" pitchFamily="49" charset="0"/>
-                <a:cs typeface="Consolas" panose="020B0609020204030204" pitchFamily="49" charset="0"/>
-              </a:rPr>
-              <a:t>string</a:t>
-            </a:r>
-            <a:r>
-              <a:rPr lang="en-US" dirty="0"/>
-              <a:t>s </a:t>
-            </a:r>
-          </a:p>
-        </p:txBody>
-      </p:sp>
-      <p:pic>
-        <p:nvPicPr>
-          <p:cNvPr id="9" name="Picture 8">
-            <a:extLst>
-              <a:ext uri="{FF2B5EF4-FFF2-40B4-BE49-F238E27FC236}">
-                <a16:creationId xmlns:a16="http://schemas.microsoft.com/office/drawing/2014/main" id="{0053F05E-B524-8640-A178-16024B78A167}"/>
-              </a:ext>
-            </a:extLst>
-          </p:cNvPr>
-          <p:cNvPicPr>
-            <a:picLocks noChangeAspect="1"/>
-          </p:cNvPicPr>
-          <p:nvPr/>
-        </p:nvPicPr>
-        <p:blipFill>
-          <a:blip r:embed="rId3"/>
-          <a:stretch>
-            <a:fillRect/>
-          </a:stretch>
-        </p:blipFill>
-        <p:spPr>
-          <a:xfrm>
-            <a:off x="7626888" y="3690616"/>
-            <a:ext cx="4301007" cy="565471"/>
-          </a:xfrm>
-          <a:prstGeom prst="rect">
-            <a:avLst/>
-          </a:prstGeom>
-        </p:spPr>
-      </p:pic>
-      <p:sp>
-        <p:nvSpPr>
-          <p:cNvPr id="10" name="TextBox 9">
-            <a:extLst>
-              <a:ext uri="{FF2B5EF4-FFF2-40B4-BE49-F238E27FC236}">
-                <a16:creationId xmlns:a16="http://schemas.microsoft.com/office/drawing/2014/main" id="{A4081338-3F1C-A244-A0BE-33042964B08E}"/>
-              </a:ext>
-            </a:extLst>
-          </p:cNvPr>
-          <p:cNvSpPr txBox="1"/>
-          <p:nvPr/>
-        </p:nvSpPr>
-        <p:spPr>
-          <a:xfrm>
-            <a:off x="7626888" y="3307370"/>
-            <a:ext cx="1157287" cy="369332"/>
-          </a:xfrm>
-          <a:prstGeom prst="rect">
-            <a:avLst/>
-          </a:prstGeom>
-          <a:noFill/>
-        </p:spPr>
-        <p:txBody>
-          <a:bodyPr wrap="square" rtlCol="0">
-            <a:spAutoFit/>
-          </a:bodyPr>
-          <a:lstStyle/>
-          <a:p>
-            <a:r>
-              <a:rPr lang="en-US" b="1" dirty="0"/>
-              <a:t>OUTPUT:</a:t>
-            </a:r>
-          </a:p>
-        </p:txBody>
-      </p:sp>
-      <p:sp>
-        <p:nvSpPr>
-          <p:cNvPr id="11" name="TextBox 10">
-            <a:extLst>
-              <a:ext uri="{FF2B5EF4-FFF2-40B4-BE49-F238E27FC236}">
-                <a16:creationId xmlns:a16="http://schemas.microsoft.com/office/drawing/2014/main" id="{AFD440E4-D224-C148-AA73-5974F8D460BD}"/>
-              </a:ext>
-            </a:extLst>
-          </p:cNvPr>
-          <p:cNvSpPr txBox="1"/>
-          <p:nvPr/>
-        </p:nvSpPr>
-        <p:spPr>
-          <a:xfrm>
-            <a:off x="7626887" y="4577284"/>
-            <a:ext cx="4117437" cy="646331"/>
-          </a:xfrm>
-          <a:prstGeom prst="rect">
-            <a:avLst/>
-          </a:prstGeom>
-          <a:noFill/>
-        </p:spPr>
-        <p:txBody>
-          <a:bodyPr wrap="square" rtlCol="0">
-            <a:spAutoFit/>
-          </a:bodyPr>
-          <a:lstStyle/>
-          <a:p>
-            <a:r>
-              <a:rPr lang="en-US" b="1" u="sng" dirty="0"/>
-              <a:t>NOTE</a:t>
-            </a:r>
-            <a:r>
-              <a:rPr lang="en-US" dirty="0"/>
-              <a:t>: The spaces between the two strings is ignored</a:t>
-            </a:r>
-          </a:p>
-        </p:txBody>
-      </p:sp>
-    </p:spTree>
-    <p:extLst>
-      <p:ext uri="{BB962C8B-B14F-4D97-AF65-F5344CB8AC3E}">
-        <p14:creationId xmlns:p14="http://schemas.microsoft.com/office/powerpoint/2010/main" val="865421944"/>
-      </p:ext>
-    </p:extLst>
-  </p:cSld>
-  <p:clrMapOvr>
-    <a:masterClrMapping/>
-  </p:clrMapOvr>
-  <p:timing>
-    <p:tnLst>
-      <p:par>
-        <p:cTn id="1" dur="indefinite" restart="never" nodeType="tmRoot">
-          <p:childTnLst>
-            <p:seq concurrent="1" nextAc="seek">
-              <p:cTn id="2" dur="indefinite" nodeType="mainSeq">
-                <p:childTnLst>
-                  <p:par>
-                    <p:cTn id="3" fill="hold">
-                      <p:stCondLst>
-                        <p:cond delay="indefinite"/>
-                      </p:stCondLst>
-                      <p:childTnLst>
-                        <p:par>
-                          <p:cTn id="4" fill="hold">
-                            <p:stCondLst>
-                              <p:cond delay="0"/>
-                            </p:stCondLst>
-                            <p:childTnLst>
-                              <p:par>
-                                <p:cTn id="5" presetID="2" presetClass="entr" presetSubtype="4" fill="hold" nodeType="clickEffect">
-                                  <p:stCondLst>
-                                    <p:cond delay="0"/>
-                                  </p:stCondLst>
-                                  <p:childTnLst>
-                                    <p:set>
-                                      <p:cBhvr>
-                                        <p:cTn id="6" dur="1" fill="hold">
-                                          <p:stCondLst>
-                                            <p:cond delay="0"/>
-                                          </p:stCondLst>
-                                        </p:cTn>
-                                        <p:tgtEl>
-                                          <p:spTgt spid="6">
-                                            <p:txEl>
-                                              <p:pRg st="0" end="0"/>
-                                            </p:txEl>
-                                          </p:spTgt>
-                                        </p:tgtEl>
-                                        <p:attrNameLst>
-                                          <p:attrName>style.visibility</p:attrName>
-                                        </p:attrNameLst>
-                                      </p:cBhvr>
-                                      <p:to>
-                                        <p:strVal val="visible"/>
-                                      </p:to>
-                                    </p:set>
-                                    <p:anim calcmode="lin" valueType="num">
-                                      <p:cBhvr additive="base">
-                                        <p:cTn id="7" dur="500" fill="hold"/>
-                                        <p:tgtEl>
-                                          <p:spTgt spid="6">
-                                            <p:txEl>
-                                              <p:pRg st="0" end="0"/>
-                                            </p:txEl>
-                                          </p:spTgt>
-                                        </p:tgtEl>
-                                        <p:attrNameLst>
-                                          <p:attrName>ppt_x</p:attrName>
-                                        </p:attrNameLst>
-                                      </p:cBhvr>
-                                      <p:tavLst>
-                                        <p:tav tm="0">
-                                          <p:val>
-                                            <p:strVal val="#ppt_x"/>
-                                          </p:val>
-                                        </p:tav>
-                                        <p:tav tm="100000">
-                                          <p:val>
-                                            <p:strVal val="#ppt_x"/>
-                                          </p:val>
-                                        </p:tav>
-                                      </p:tavLst>
-                                    </p:anim>
-                                    <p:anim calcmode="lin" valueType="num">
-                                      <p:cBhvr additive="base">
-                                        <p:cTn id="8" dur="500" fill="hold"/>
-                                        <p:tgtEl>
-                                          <p:spTgt spid="6">
-                                            <p:txEl>
-                                              <p:pRg st="0" end="0"/>
-                                            </p:txEl>
-                                          </p:spTgt>
-                                        </p:tgtEl>
-                                        <p:attrNameLst>
-                                          <p:attrName>ppt_y</p:attrName>
-                                        </p:attrNameLst>
-                                      </p:cBhvr>
-                                      <p:tavLst>
-                                        <p:tav tm="0">
-                                          <p:val>
-                                            <p:strVal val="1+#ppt_h/2"/>
-                                          </p:val>
-                                        </p:tav>
-                                        <p:tav tm="100000">
-                                          <p:val>
-                                            <p:strVal val="#ppt_y"/>
-                                          </p:val>
-                                        </p:tav>
-                                      </p:tavLst>
-                                    </p:anim>
-                                  </p:childTnLst>
-                                </p:cTn>
-                              </p:par>
-                            </p:childTnLst>
-                          </p:cTn>
-                        </p:par>
-                      </p:childTnLst>
-                    </p:cTn>
-                  </p:par>
-                  <p:par>
-                    <p:cTn id="9" fill="hold">
-                      <p:stCondLst>
-                        <p:cond delay="indefinite"/>
-                      </p:stCondLst>
-                      <p:childTnLst>
-                        <p:par>
-                          <p:cTn id="10" fill="hold">
-                            <p:stCondLst>
-                              <p:cond delay="0"/>
-                            </p:stCondLst>
-                            <p:childTnLst>
-                              <p:par>
-                                <p:cTn id="11" presetID="2" presetClass="entr" presetSubtype="4" fill="hold" grpId="0" nodeType="clickEffect">
-                                  <p:stCondLst>
-                                    <p:cond delay="0"/>
-                                  </p:stCondLst>
-                                  <p:childTnLst>
-                                    <p:set>
-                                      <p:cBhvr>
-                                        <p:cTn id="12" dur="1" fill="hold">
-                                          <p:stCondLst>
-                                            <p:cond delay="0"/>
-                                          </p:stCondLst>
-                                        </p:cTn>
-                                        <p:tgtEl>
-                                          <p:spTgt spid="10"/>
-                                        </p:tgtEl>
-                                        <p:attrNameLst>
-                                          <p:attrName>style.visibility</p:attrName>
-                                        </p:attrNameLst>
-                                      </p:cBhvr>
-                                      <p:to>
-                                        <p:strVal val="visible"/>
-                                      </p:to>
-                                    </p:set>
-                                    <p:anim calcmode="lin" valueType="num">
-                                      <p:cBhvr additive="base">
-                                        <p:cTn id="13" dur="500" fill="hold"/>
-                                        <p:tgtEl>
-                                          <p:spTgt spid="10"/>
-                                        </p:tgtEl>
-                                        <p:attrNameLst>
-                                          <p:attrName>ppt_x</p:attrName>
-                                        </p:attrNameLst>
-                                      </p:cBhvr>
-                                      <p:tavLst>
-                                        <p:tav tm="0">
-                                          <p:val>
-                                            <p:strVal val="#ppt_x"/>
-                                          </p:val>
-                                        </p:tav>
-                                        <p:tav tm="100000">
-                                          <p:val>
-                                            <p:strVal val="#ppt_x"/>
-                                          </p:val>
-                                        </p:tav>
-                                      </p:tavLst>
-                                    </p:anim>
-                                    <p:anim calcmode="lin" valueType="num">
-                                      <p:cBhvr additive="base">
-                                        <p:cTn id="14" dur="500" fill="hold"/>
-                                        <p:tgtEl>
-                                          <p:spTgt spid="10"/>
-                                        </p:tgtEl>
-                                        <p:attrNameLst>
-                                          <p:attrName>ppt_y</p:attrName>
-                                        </p:attrNameLst>
-                                      </p:cBhvr>
-                                      <p:tavLst>
-                                        <p:tav tm="0">
-                                          <p:val>
-                                            <p:strVal val="1+#ppt_h/2"/>
-                                          </p:val>
-                                        </p:tav>
-                                        <p:tav tm="100000">
-                                          <p:val>
-                                            <p:strVal val="#ppt_y"/>
-                                          </p:val>
-                                        </p:tav>
-                                      </p:tavLst>
-                                    </p:anim>
-                                  </p:childTnLst>
-                                </p:cTn>
-                              </p:par>
-                            </p:childTnLst>
-                          </p:cTn>
-                        </p:par>
-                      </p:childTnLst>
-                    </p:cTn>
-                  </p:par>
-                  <p:par>
-                    <p:cTn id="15" fill="hold">
-                      <p:stCondLst>
-                        <p:cond delay="indefinite"/>
-                      </p:stCondLst>
-                      <p:childTnLst>
-                        <p:par>
-                          <p:cTn id="16" fill="hold">
-                            <p:stCondLst>
-                              <p:cond delay="0"/>
-                            </p:stCondLst>
-                            <p:childTnLst>
-                              <p:par>
-                                <p:cTn id="17" presetID="2" presetClass="entr" presetSubtype="4" fill="hold" nodeType="clickEffect">
-                                  <p:stCondLst>
-                                    <p:cond delay="0"/>
-                                  </p:stCondLst>
-                                  <p:childTnLst>
-                                    <p:set>
-                                      <p:cBhvr>
-                                        <p:cTn id="18" dur="1" fill="hold">
-                                          <p:stCondLst>
-                                            <p:cond delay="0"/>
-                                          </p:stCondLst>
-                                        </p:cTn>
-                                        <p:tgtEl>
-                                          <p:spTgt spid="9"/>
-                                        </p:tgtEl>
-                                        <p:attrNameLst>
-                                          <p:attrName>style.visibility</p:attrName>
-                                        </p:attrNameLst>
-                                      </p:cBhvr>
-                                      <p:to>
-                                        <p:strVal val="visible"/>
-                                      </p:to>
-                                    </p:set>
-                                    <p:anim calcmode="lin" valueType="num">
-                                      <p:cBhvr additive="base">
-                                        <p:cTn id="19" dur="500" fill="hold"/>
-                                        <p:tgtEl>
-                                          <p:spTgt spid="9"/>
-                                        </p:tgtEl>
-                                        <p:attrNameLst>
-                                          <p:attrName>ppt_x</p:attrName>
-                                        </p:attrNameLst>
-                                      </p:cBhvr>
-                                      <p:tavLst>
-                                        <p:tav tm="0">
-                                          <p:val>
-                                            <p:strVal val="#ppt_x"/>
-                                          </p:val>
-                                        </p:tav>
-                                        <p:tav tm="100000">
-                                          <p:val>
-                                            <p:strVal val="#ppt_x"/>
-                                          </p:val>
-                                        </p:tav>
-                                      </p:tavLst>
-                                    </p:anim>
-                                    <p:anim calcmode="lin" valueType="num">
-                                      <p:cBhvr additive="base">
-                                        <p:cTn id="20" dur="500" fill="hold"/>
-                                        <p:tgtEl>
-                                          <p:spTgt spid="9"/>
-                                        </p:tgtEl>
-                                        <p:attrNameLst>
-                                          <p:attrName>ppt_y</p:attrName>
-                                        </p:attrNameLst>
-                                      </p:cBhvr>
-                                      <p:tavLst>
-                                        <p:tav tm="0">
-                                          <p:val>
-                                            <p:strVal val="1+#ppt_h/2"/>
-                                          </p:val>
-                                        </p:tav>
-                                        <p:tav tm="100000">
-                                          <p:val>
-                                            <p:strVal val="#ppt_y"/>
-                                          </p:val>
-                                        </p:tav>
-                                      </p:tavLst>
-                                    </p:anim>
-                                  </p:childTnLst>
-                                </p:cTn>
-                              </p:par>
-                            </p:childTnLst>
-                          </p:cTn>
-                        </p:par>
-                      </p:childTnLst>
-                    </p:cTn>
-                  </p:par>
-                  <p:par>
-                    <p:cTn id="21" fill="hold">
-                      <p:stCondLst>
-                        <p:cond delay="indefinite"/>
-                      </p:stCondLst>
-                      <p:childTnLst>
-                        <p:par>
-                          <p:cTn id="22" fill="hold">
-                            <p:stCondLst>
-                              <p:cond delay="0"/>
-                            </p:stCondLst>
-                            <p:childTnLst>
-                              <p:par>
-                                <p:cTn id="23" presetID="22" presetClass="entr" presetSubtype="4" fill="hold" grpId="0" nodeType="clickEffect">
-                                  <p:stCondLst>
-                                    <p:cond delay="0"/>
-                                  </p:stCondLst>
-                                  <p:childTnLst>
-                                    <p:set>
-                                      <p:cBhvr>
-                                        <p:cTn id="24" dur="1" fill="hold">
-                                          <p:stCondLst>
-                                            <p:cond delay="0"/>
-                                          </p:stCondLst>
-                                        </p:cTn>
-                                        <p:tgtEl>
-                                          <p:spTgt spid="11"/>
-                                        </p:tgtEl>
-                                        <p:attrNameLst>
-                                          <p:attrName>style.visibility</p:attrName>
-                                        </p:attrNameLst>
-                                      </p:cBhvr>
-                                      <p:to>
-                                        <p:strVal val="visible"/>
-                                      </p:to>
-                                    </p:set>
-                                    <p:animEffect transition="in" filter="wipe(down)">
-                                      <p:cBhvr>
-                                        <p:cTn id="25" dur="500"/>
-                                        <p:tgtEl>
-                                          <p:spTgt spid="11"/>
-                                        </p:tgtEl>
-                                      </p:cBhvr>
-                                    </p:animEffect>
-                                  </p:childTnLst>
-                                </p:cTn>
-                              </p:par>
-                            </p:childTnLst>
-                          </p:cTn>
-                        </p:par>
-                      </p:childTnLst>
-                    </p:cTn>
-                  </p:par>
-                </p:childTnLst>
-              </p:cTn>
-              <p:prevCondLst>
-                <p:cond evt="onPrev" delay="0">
-                  <p:tgtEl>
-                    <p:sldTgt/>
-                  </p:tgtEl>
-                </p:cond>
-              </p:prevCondLst>
-              <p:nextCondLst>
-                <p:cond evt="onNext" delay="0">
-                  <p:tgtEl>
-                    <p:sldTgt/>
-                  </p:tgtEl>
-                </p:cond>
-              </p:nextCondLst>
-            </p:seq>
-          </p:childTnLst>
-        </p:cTn>
-      </p:par>
-    </p:tnLst>
-    <p:bldLst>
-      <p:bldP spid="10" grpId="0"/>
-      <p:bldP spid="11" grpId="0"/>
-    </p:bldLst>
-  </p:timing>
 </p:sld>
 </file>
 

--- a/Day_4/Day_4.pptx
+++ b/Day_4/Day_4.pptx
@@ -20095,6 +20095,21 @@
             </a:r>
           </a:p>
           <a:p>
+            <a:r>
+              <a:rPr lang="en-US" b="1" dirty="0"/>
+              <a:t>RECURSION </a:t>
+            </a:r>
+            <a:r>
+              <a:rPr lang="en-US" dirty="0"/>
+              <a:t>(</a:t>
+            </a:r>
+            <a:r>
+              <a:rPr lang="en-US"/>
+              <a:t>The stack)</a:t>
+            </a:r>
+            <a:endParaRPr lang="en-US" dirty="0"/>
+          </a:p>
+          <a:p>
             <a:endParaRPr lang="en-US" dirty="0"/>
           </a:p>
           <a:p>
@@ -29821,15 +29836,7 @@
           <a:p>
             <a:r>
               <a:rPr lang="en-US" dirty="0"/>
-              <a:t>This allows us </a:t>
-            </a:r>
-            <a:r>
-              <a:rPr lang="en-US"/>
-              <a:t>to making </a:t>
-            </a:r>
-            <a:r>
-              <a:rPr lang="en-US" dirty="0"/>
-              <a:t>our code more readable in some cases</a:t>
+              <a:t>This allows us to making our code more readable in some cases</a:t>
             </a:r>
           </a:p>
           <a:p>
@@ -30383,13 +30390,13 @@
         </p:nvSpPr>
         <p:spPr>
           <a:xfrm>
-            <a:off x="1005107" y="2249487"/>
-            <a:ext cx="6613062" cy="4608513"/>
+            <a:off x="929640" y="2249487"/>
+            <a:ext cx="6878199" cy="4608513"/>
           </a:xfrm>
         </p:spPr>
         <p:txBody>
           <a:bodyPr>
-            <a:normAutofit fontScale="92500" lnSpcReduction="20000"/>
+            <a:normAutofit fontScale="85000" lnSpcReduction="10000"/>
           </a:bodyPr>
           <a:lstStyle/>
           <a:p>
@@ -30403,8 +30410,11 @@
             </a:r>
             <a:r>
               <a:rPr lang="en-US" dirty="0"/>
-              <a:t> yelling at us (rightfully so)</a:t>
-            </a:r>
+              <a:t> yelling (rightfully so)</a:t>
+            </a:r>
+          </a:p>
+          <a:p>
+            <a:endParaRPr lang="en-US" dirty="0"/>
           </a:p>
           <a:p>
             <a:endParaRPr lang="en-US" dirty="0"/>
@@ -30489,7 +30499,7 @@
         </p:blipFill>
         <p:spPr>
           <a:xfrm>
-            <a:off x="7618169" y="2097088"/>
+            <a:off x="7807839" y="2301438"/>
             <a:ext cx="4384161" cy="1770857"/>
           </a:xfrm>
           <a:prstGeom prst="rect">
@@ -30519,7 +30529,7 @@
         </p:blipFill>
         <p:spPr>
           <a:xfrm>
-            <a:off x="7737548" y="4380548"/>
+            <a:off x="5487047" y="4124246"/>
             <a:ext cx="4384162" cy="393700"/>
           </a:xfrm>
           <a:prstGeom prst="rect">
@@ -30749,7 +30759,7 @@
                                         <p:tgtEl>
                                           <p:spTgt spid="3">
                                             <p:txEl>
-                                              <p:pRg st="3" end="3"/>
+                                              <p:pRg st="4" end="4"/>
                                             </p:txEl>
                                           </p:spTgt>
                                         </p:tgtEl>
@@ -30767,7 +30777,7 @@
                                         <p:tgtEl>
                                           <p:spTgt spid="3">
                                             <p:txEl>
-                                              <p:pRg st="3" end="3"/>
+                                              <p:pRg st="4" end="4"/>
                                             </p:txEl>
                                           </p:spTgt>
                                         </p:tgtEl>
@@ -30794,7 +30804,7 @@
                                         <p:tgtEl>
                                           <p:spTgt spid="3">
                                             <p:txEl>
-                                              <p:pRg st="3" end="3"/>
+                                              <p:pRg st="4" end="4"/>
                                             </p:txEl>
                                           </p:spTgt>
                                         </p:tgtEl>
@@ -30907,7 +30917,7 @@
                                         <p:tgtEl>
                                           <p:spTgt spid="3">
                                             <p:txEl>
-                                              <p:pRg st="4" end="4"/>
+                                              <p:pRg st="5" end="5"/>
                                             </p:txEl>
                                           </p:spTgt>
                                         </p:tgtEl>
@@ -30925,7 +30935,7 @@
                                         <p:tgtEl>
                                           <p:spTgt spid="3">
                                             <p:txEl>
-                                              <p:pRg st="4" end="4"/>
+                                              <p:pRg st="5" end="5"/>
                                             </p:txEl>
                                           </p:spTgt>
                                         </p:tgtEl>
@@ -30952,7 +30962,7 @@
                                         <p:tgtEl>
                                           <p:spTgt spid="3">
                                             <p:txEl>
-                                              <p:pRg st="4" end="4"/>
+                                              <p:pRg st="5" end="5"/>
                                             </p:txEl>
                                           </p:spTgt>
                                         </p:tgtEl>
@@ -31010,7 +31020,7 @@
                                         <p:tgtEl>
                                           <p:spTgt spid="3">
                                             <p:txEl>
-                                              <p:pRg st="6" end="6"/>
+                                              <p:pRg st="7" end="7"/>
                                             </p:txEl>
                                           </p:spTgt>
                                         </p:tgtEl>
@@ -31028,7 +31038,7 @@
                                         <p:tgtEl>
                                           <p:spTgt spid="3">
                                             <p:txEl>
-                                              <p:pRg st="6" end="6"/>
+                                              <p:pRg st="7" end="7"/>
                                             </p:txEl>
                                           </p:spTgt>
                                         </p:tgtEl>
@@ -31055,7 +31065,7 @@
                                         <p:tgtEl>
                                           <p:spTgt spid="3">
                                             <p:txEl>
-                                              <p:pRg st="6" end="6"/>
+                                              <p:pRg st="7" end="7"/>
                                             </p:txEl>
                                           </p:spTgt>
                                         </p:tgtEl>

--- a/Day_4/Day_4.pptx
+++ b/Day_4/Day_4.pptx
@@ -31,14 +31,28 @@
     <p:sldId id="275" r:id="rId25"/>
     <p:sldId id="276" r:id="rId26"/>
     <p:sldId id="277" r:id="rId27"/>
-    <p:sldId id="278" r:id="rId28"/>
-    <p:sldId id="282" r:id="rId29"/>
-    <p:sldId id="283" r:id="rId30"/>
-    <p:sldId id="284" r:id="rId31"/>
-    <p:sldId id="285" r:id="rId32"/>
-    <p:sldId id="286" r:id="rId33"/>
-    <p:sldId id="287" r:id="rId34"/>
-    <p:sldId id="288" r:id="rId35"/>
+    <p:sldId id="290" r:id="rId28"/>
+    <p:sldId id="278" r:id="rId29"/>
+    <p:sldId id="282" r:id="rId30"/>
+    <p:sldId id="283" r:id="rId31"/>
+    <p:sldId id="284" r:id="rId32"/>
+    <p:sldId id="285" r:id="rId33"/>
+    <p:sldId id="286" r:id="rId34"/>
+    <p:sldId id="287" r:id="rId35"/>
+    <p:sldId id="288" r:id="rId36"/>
+    <p:sldId id="291" r:id="rId37"/>
+    <p:sldId id="293" r:id="rId38"/>
+    <p:sldId id="294" r:id="rId39"/>
+    <p:sldId id="295" r:id="rId40"/>
+    <p:sldId id="296" r:id="rId41"/>
+    <p:sldId id="297" r:id="rId42"/>
+    <p:sldId id="298" r:id="rId43"/>
+    <p:sldId id="299" r:id="rId44"/>
+    <p:sldId id="300" r:id="rId45"/>
+    <p:sldId id="301" r:id="rId46"/>
+    <p:sldId id="302" r:id="rId47"/>
+    <p:sldId id="303" r:id="rId48"/>
+    <p:sldId id="292" r:id="rId49"/>
   </p:sldIdLst>
   <p:sldSz cx="12192000" cy="6858000"/>
   <p:notesSz cx="6858000" cy="9144000"/>
@@ -17131,6 +17145,9 @@
             <a:endParaRPr lang="en-US" dirty="0"/>
           </a:p>
           <a:p>
+            <a:endParaRPr lang="en-US" dirty="0"/>
+          </a:p>
+          <a:p>
             <a:r>
               <a:rPr lang="en-US" dirty="0"/>
               <a:t>But what is this “shell” that we keep going on about?</a:t>
@@ -18642,13 +18659,8 @@
             <a:pPr lvl="1"/>
             <a:r>
               <a:rPr lang="en-US" dirty="0"/>
-              <a:t>Enter your name, age, date, </a:t>
-            </a:r>
-            <a:r>
-              <a:rPr lang="en-US" dirty="0" err="1"/>
-              <a:t>etc</a:t>
-            </a:r>
-            <a:endParaRPr lang="en-US" dirty="0"/>
+              <a:t>Enter your name, age, date, etc.</a:t>
+            </a:r>
           </a:p>
         </p:txBody>
       </p:sp>
@@ -20101,13 +20113,8 @@
             </a:r>
             <a:r>
               <a:rPr lang="en-US" dirty="0"/>
-              <a:t>(</a:t>
-            </a:r>
-            <a:r>
-              <a:rPr lang="en-US"/>
-              <a:t>The stack)</a:t>
-            </a:r>
-            <a:endParaRPr lang="en-US" dirty="0"/>
+              <a:t>(The stack)</a:t>
+            </a:r>
           </a:p>
           <a:p>
             <a:endParaRPr lang="en-US" dirty="0"/>
@@ -21139,6 +21146,10 @@
             <a:endParaRPr lang="en-US" dirty="0"/>
           </a:p>
           <a:p>
+            <a:pPr lvl="1"/>
+            <a:endParaRPr lang="en-US" dirty="0"/>
+          </a:p>
+          <a:p>
             <a:r>
               <a:rPr lang="en-US" dirty="0"/>
               <a:t>We need to check that our string exists</a:t>
@@ -21465,7 +21476,7 @@
                                         <p:tgtEl>
                                           <p:spTgt spid="3">
                                             <p:txEl>
-                                              <p:pRg st="3" end="3"/>
+                                              <p:pRg st="4" end="4"/>
                                             </p:txEl>
                                           </p:spTgt>
                                         </p:tgtEl>
@@ -21483,7 +21494,7 @@
                                         <p:tgtEl>
                                           <p:spTgt spid="3">
                                             <p:txEl>
-                                              <p:pRg st="3" end="3"/>
+                                              <p:pRg st="4" end="4"/>
                                             </p:txEl>
                                           </p:spTgt>
                                         </p:tgtEl>
@@ -21495,7 +21506,7 @@
                                         <p:tgtEl>
                                           <p:spTgt spid="3">
                                             <p:txEl>
-                                              <p:pRg st="3" end="3"/>
+                                              <p:pRg st="4" end="4"/>
                                             </p:txEl>
                                           </p:spTgt>
                                         </p:tgtEl>
@@ -21522,7 +21533,7 @@
                                         <p:tgtEl>
                                           <p:spTgt spid="3">
                                             <p:txEl>
-                                              <p:pRg st="3" end="3"/>
+                                              <p:pRg st="4" end="4"/>
                                             </p:txEl>
                                           </p:spTgt>
                                         </p:tgtEl>
@@ -21580,7 +21591,7 @@
                                         <p:tgtEl>
                                           <p:spTgt spid="3">
                                             <p:txEl>
-                                              <p:pRg st="4" end="4"/>
+                                              <p:pRg st="5" end="5"/>
                                             </p:txEl>
                                           </p:spTgt>
                                         </p:tgtEl>
@@ -21598,7 +21609,7 @@
                                         <p:tgtEl>
                                           <p:spTgt spid="3">
                                             <p:txEl>
-                                              <p:pRg st="4" end="4"/>
+                                              <p:pRg st="5" end="5"/>
                                             </p:txEl>
                                           </p:spTgt>
                                         </p:tgtEl>
@@ -21610,7 +21621,7 @@
                                         <p:tgtEl>
                                           <p:spTgt spid="3">
                                             <p:txEl>
-                                              <p:pRg st="4" end="4"/>
+                                              <p:pRg st="5" end="5"/>
                                             </p:txEl>
                                           </p:spTgt>
                                         </p:tgtEl>
@@ -21637,7 +21648,7 @@
                                         <p:tgtEl>
                                           <p:spTgt spid="3">
                                             <p:txEl>
-                                              <p:pRg st="4" end="4"/>
+                                              <p:pRg st="5" end="5"/>
                                             </p:txEl>
                                           </p:spTgt>
                                         </p:tgtEl>
@@ -24545,6 +24556,118 @@
           <p:cNvPr id="2" name="Title 1">
             <a:extLst>
               <a:ext uri="{FF2B5EF4-FFF2-40B4-BE49-F238E27FC236}">
+                <a16:creationId xmlns:a16="http://schemas.microsoft.com/office/drawing/2014/main" id="{9FADB6B9-DD33-544E-8BEC-BB3C59A9FE09}"/>
+              </a:ext>
+            </a:extLst>
+          </p:cNvPr>
+          <p:cNvSpPr>
+            <a:spLocks noGrp="1"/>
+          </p:cNvSpPr>
+          <p:nvPr>
+            <p:ph type="title"/>
+          </p:nvPr>
+        </p:nvSpPr>
+        <p:spPr/>
+        <p:txBody>
+          <a:bodyPr/>
+          <a:lstStyle/>
+          <a:p>
+            <a:pPr algn="ctr"/>
+            <a:r>
+              <a:rPr lang="en-US" b="1" dirty="0"/>
+              <a:t>Let’s take a break</a:t>
+            </a:r>
+          </a:p>
+        </p:txBody>
+      </p:sp>
+      <p:sp>
+        <p:nvSpPr>
+          <p:cNvPr id="3" name="Content Placeholder 2">
+            <a:extLst>
+              <a:ext uri="{FF2B5EF4-FFF2-40B4-BE49-F238E27FC236}">
+                <a16:creationId xmlns:a16="http://schemas.microsoft.com/office/drawing/2014/main" id="{C5A13E09-4705-154C-8900-A81CC470F535}"/>
+              </a:ext>
+            </a:extLst>
+          </p:cNvPr>
+          <p:cNvSpPr>
+            <a:spLocks noGrp="1"/>
+          </p:cNvSpPr>
+          <p:nvPr>
+            <p:ph idx="1"/>
+          </p:nvPr>
+        </p:nvSpPr>
+        <p:spPr>
+          <a:xfrm>
+            <a:off x="1141412" y="2249487"/>
+            <a:ext cx="10730548" cy="3541714"/>
+          </a:xfrm>
+        </p:spPr>
+        <p:txBody>
+          <a:bodyPr/>
+          <a:lstStyle/>
+          <a:p>
+            <a:r>
+              <a:rPr lang="en-US" dirty="0"/>
+              <a:t>If you are interested, we can look at what the shell actually is</a:t>
+            </a:r>
+          </a:p>
+          <a:p>
+            <a:pPr lvl="1"/>
+            <a:r>
+              <a:rPr lang="en-US" dirty="0"/>
+              <a:t>Why is it called SHELL?</a:t>
+            </a:r>
+          </a:p>
+          <a:p>
+            <a:pPr lvl="1"/>
+            <a:endParaRPr lang="en-US" dirty="0"/>
+          </a:p>
+          <a:p>
+            <a:endParaRPr lang="en-US" dirty="0"/>
+          </a:p>
+          <a:p>
+            <a:r>
+              <a:rPr lang="en-US" dirty="0"/>
+              <a:t>Otherwise, go outside (if it’s nice). Think of something else to give your mind a break</a:t>
+            </a:r>
+          </a:p>
+        </p:txBody>
+      </p:sp>
+    </p:spTree>
+    <p:extLst>
+      <p:ext uri="{BB962C8B-B14F-4D97-AF65-F5344CB8AC3E}">
+        <p14:creationId xmlns:p14="http://schemas.microsoft.com/office/powerpoint/2010/main" val="2320488109"/>
+      </p:ext>
+    </p:extLst>
+  </p:cSld>
+  <p:clrMapOvr>
+    <a:masterClrMapping/>
+  </p:clrMapOvr>
+</p:sld>
+</file>
+
+<file path=ppt/slides/slide28.xml><?xml version="1.0" encoding="utf-8"?>
+<p:sld xmlns:a="http://schemas.openxmlformats.org/drawingml/2006/main" xmlns:r="http://schemas.openxmlformats.org/officeDocument/2006/relationships" xmlns:p="http://schemas.openxmlformats.org/presentationml/2006/main">
+  <p:cSld>
+    <p:spTree>
+      <p:nvGrpSpPr>
+        <p:cNvPr id="1" name=""/>
+        <p:cNvGrpSpPr/>
+        <p:nvPr/>
+      </p:nvGrpSpPr>
+      <p:grpSpPr>
+        <a:xfrm>
+          <a:off x="0" y="0"/>
+          <a:ext cx="0" cy="0"/>
+          <a:chOff x="0" y="0"/>
+          <a:chExt cx="0" cy="0"/>
+        </a:xfrm>
+      </p:grpSpPr>
+      <p:sp>
+        <p:nvSpPr>
+          <p:cNvPr id="2" name="Title 1">
+            <a:extLst>
+              <a:ext uri="{FF2B5EF4-FFF2-40B4-BE49-F238E27FC236}">
                 <a16:creationId xmlns:a16="http://schemas.microsoft.com/office/drawing/2014/main" id="{4942FB81-552A-3843-95A4-148C18C5621A}"/>
               </a:ext>
             </a:extLst>
@@ -25427,7 +25550,7 @@
 </p:sld>
 </file>
 
-<file path=ppt/slides/slide28.xml><?xml version="1.0" encoding="utf-8"?>
+<file path=ppt/slides/slide29.xml><?xml version="1.0" encoding="utf-8"?>
 <p:sld xmlns:a="http://schemas.openxmlformats.org/drawingml/2006/main" xmlns:r="http://schemas.openxmlformats.org/officeDocument/2006/relationships" xmlns:p="http://schemas.openxmlformats.org/presentationml/2006/main">
   <p:cSld>
     <p:spTree>
@@ -26485,7 +26608,565 @@
 </p:sld>
 </file>
 
-<file path=ppt/slides/slide29.xml><?xml version="1.0" encoding="utf-8"?>
+<file path=ppt/slides/slide3.xml><?xml version="1.0" encoding="utf-8"?>
+<p:sld xmlns:a="http://schemas.openxmlformats.org/drawingml/2006/main" xmlns:r="http://schemas.openxmlformats.org/officeDocument/2006/relationships" xmlns:p="http://schemas.openxmlformats.org/presentationml/2006/main">
+  <p:cSld>
+    <p:spTree>
+      <p:nvGrpSpPr>
+        <p:cNvPr id="1" name=""/>
+        <p:cNvGrpSpPr/>
+        <p:nvPr/>
+      </p:nvGrpSpPr>
+      <p:grpSpPr>
+        <a:xfrm>
+          <a:off x="0" y="0"/>
+          <a:ext cx="0" cy="0"/>
+          <a:chOff x="0" y="0"/>
+          <a:chExt cx="0" cy="0"/>
+        </a:xfrm>
+      </p:grpSpPr>
+      <p:sp>
+        <p:nvSpPr>
+          <p:cNvPr id="2" name="Title 1">
+            <a:extLst>
+              <a:ext uri="{FF2B5EF4-FFF2-40B4-BE49-F238E27FC236}">
+                <a16:creationId xmlns:a16="http://schemas.microsoft.com/office/drawing/2014/main" id="{A23703F7-D127-C34E-BDA2-360EAC381134}"/>
+              </a:ext>
+            </a:extLst>
+          </p:cNvPr>
+          <p:cNvSpPr>
+            <a:spLocks noGrp="1"/>
+          </p:cNvSpPr>
+          <p:nvPr>
+            <p:ph type="title"/>
+          </p:nvPr>
+        </p:nvSpPr>
+        <p:spPr/>
+        <p:txBody>
+          <a:bodyPr/>
+          <a:lstStyle/>
+          <a:p>
+            <a:pPr algn="ctr"/>
+            <a:r>
+              <a:rPr lang="en-US" b="1" dirty="0"/>
+              <a:t>What is I/O?</a:t>
+            </a:r>
+          </a:p>
+        </p:txBody>
+      </p:sp>
+      <p:sp>
+        <p:nvSpPr>
+          <p:cNvPr id="3" name="Content Placeholder 2">
+            <a:extLst>
+              <a:ext uri="{FF2B5EF4-FFF2-40B4-BE49-F238E27FC236}">
+                <a16:creationId xmlns:a16="http://schemas.microsoft.com/office/drawing/2014/main" id="{6993F94B-0BF5-3445-824D-629A00E410A5}"/>
+              </a:ext>
+            </a:extLst>
+          </p:cNvPr>
+          <p:cNvSpPr>
+            <a:spLocks noGrp="1"/>
+          </p:cNvSpPr>
+          <p:nvPr>
+            <p:ph idx="1"/>
+          </p:nvPr>
+        </p:nvSpPr>
+        <p:spPr/>
+        <p:txBody>
+          <a:bodyPr/>
+          <a:lstStyle/>
+          <a:p>
+            <a:r>
+              <a:rPr lang="en-US" dirty="0"/>
+              <a:t>Its an acronym for “Input/Output”</a:t>
+            </a:r>
+          </a:p>
+          <a:p>
+            <a:endParaRPr lang="en-US" dirty="0"/>
+          </a:p>
+          <a:p>
+            <a:r>
+              <a:rPr lang="en-US" dirty="0"/>
+              <a:t>I/O is what we use to give our program some input to work with</a:t>
+            </a:r>
+          </a:p>
+          <a:p>
+            <a:endParaRPr lang="en-US" dirty="0"/>
+          </a:p>
+          <a:p>
+            <a:r>
+              <a:rPr lang="en-US" dirty="0"/>
+              <a:t>I/O is typically used if we want the user to enter some information </a:t>
+            </a:r>
+          </a:p>
+        </p:txBody>
+      </p:sp>
+      <p:pic>
+        <p:nvPicPr>
+          <p:cNvPr id="5" name="Graphic 4" descr="Decision chart">
+            <a:extLst>
+              <a:ext uri="{FF2B5EF4-FFF2-40B4-BE49-F238E27FC236}">
+                <a16:creationId xmlns:a16="http://schemas.microsoft.com/office/drawing/2014/main" id="{E3919723-42DB-EB41-BC7C-B5DFCEDC5282}"/>
+              </a:ext>
+            </a:extLst>
+          </p:cNvPr>
+          <p:cNvPicPr>
+            <a:picLocks noChangeAspect="1"/>
+          </p:cNvPicPr>
+          <p:nvPr/>
+        </p:nvPicPr>
+        <p:blipFill>
+          <a:blip r:embed="rId2">
+            <a:extLst>
+              <a:ext uri="{96DAC541-7B7A-43D3-8B79-37D633B846F1}">
+                <asvg:svgBlip xmlns:asvg="http://schemas.microsoft.com/office/drawing/2016/SVG/main" r:embed="rId3"/>
+              </a:ext>
+            </a:extLst>
+          </a:blip>
+          <a:stretch>
+            <a:fillRect/>
+          </a:stretch>
+        </p:blipFill>
+        <p:spPr>
+          <a:xfrm rot="16200000">
+            <a:off x="4694235" y="5294311"/>
+            <a:ext cx="1563689" cy="1563689"/>
+          </a:xfrm>
+          <a:prstGeom prst="rect">
+            <a:avLst/>
+          </a:prstGeom>
+        </p:spPr>
+      </p:pic>
+      <p:pic>
+        <p:nvPicPr>
+          <p:cNvPr id="7" name="Graphic 6" descr="Chevron arrows">
+            <a:extLst>
+              <a:ext uri="{FF2B5EF4-FFF2-40B4-BE49-F238E27FC236}">
+                <a16:creationId xmlns:a16="http://schemas.microsoft.com/office/drawing/2014/main" id="{6EDC7A3D-B203-9040-AD98-02F4A08F3A6F}"/>
+              </a:ext>
+            </a:extLst>
+          </p:cNvPr>
+          <p:cNvPicPr>
+            <a:picLocks noChangeAspect="1"/>
+          </p:cNvPicPr>
+          <p:nvPr/>
+        </p:nvPicPr>
+        <p:blipFill>
+          <a:blip r:embed="rId4">
+            <a:extLst>
+              <a:ext uri="{96DAC541-7B7A-43D3-8B79-37D633B846F1}">
+                <asvg:svgBlip xmlns:asvg="http://schemas.microsoft.com/office/drawing/2016/SVG/main" r:embed="rId5"/>
+              </a:ext>
+            </a:extLst>
+          </a:blip>
+          <a:stretch>
+            <a:fillRect/>
+          </a:stretch>
+        </p:blipFill>
+        <p:spPr>
+          <a:xfrm>
+            <a:off x="3927473" y="5692774"/>
+            <a:ext cx="766762" cy="766762"/>
+          </a:xfrm>
+          <a:prstGeom prst="rect">
+            <a:avLst/>
+          </a:prstGeom>
+        </p:spPr>
+      </p:pic>
+    </p:spTree>
+    <p:extLst>
+      <p:ext uri="{BB962C8B-B14F-4D97-AF65-F5344CB8AC3E}">
+        <p14:creationId xmlns:p14="http://schemas.microsoft.com/office/powerpoint/2010/main" val="2329187282"/>
+      </p:ext>
+    </p:extLst>
+  </p:cSld>
+  <p:clrMapOvr>
+    <a:masterClrMapping/>
+  </p:clrMapOvr>
+  <p:timing>
+    <p:tnLst>
+      <p:par>
+        <p:cTn id="1" dur="indefinite" restart="never" nodeType="tmRoot">
+          <p:childTnLst>
+            <p:seq concurrent="1" nextAc="seek">
+              <p:cTn id="2" dur="indefinite" nodeType="mainSeq">
+                <p:childTnLst>
+                  <p:par>
+                    <p:cTn id="3" fill="hold">
+                      <p:stCondLst>
+                        <p:cond delay="indefinite"/>
+                      </p:stCondLst>
+                      <p:childTnLst>
+                        <p:par>
+                          <p:cTn id="4" fill="hold">
+                            <p:stCondLst>
+                              <p:cond delay="0"/>
+                            </p:stCondLst>
+                            <p:childTnLst>
+                              <p:par>
+                                <p:cTn id="5" presetID="2" presetClass="entr" presetSubtype="4" fill="hold" grpId="0" nodeType="clickEffect">
+                                  <p:stCondLst>
+                                    <p:cond delay="0"/>
+                                  </p:stCondLst>
+                                  <p:childTnLst>
+                                    <p:set>
+                                      <p:cBhvr>
+                                        <p:cTn id="6" dur="1" fill="hold">
+                                          <p:stCondLst>
+                                            <p:cond delay="0"/>
+                                          </p:stCondLst>
+                                        </p:cTn>
+                                        <p:tgtEl>
+                                          <p:spTgt spid="3">
+                                            <p:txEl>
+                                              <p:pRg st="0" end="0"/>
+                                            </p:txEl>
+                                          </p:spTgt>
+                                        </p:tgtEl>
+                                        <p:attrNameLst>
+                                          <p:attrName>style.visibility</p:attrName>
+                                        </p:attrNameLst>
+                                      </p:cBhvr>
+                                      <p:to>
+                                        <p:strVal val="visible"/>
+                                      </p:to>
+                                    </p:set>
+                                    <p:anim calcmode="lin" valueType="num">
+                                      <p:cBhvr additive="base">
+                                        <p:cTn id="7" dur="500" fill="hold"/>
+                                        <p:tgtEl>
+                                          <p:spTgt spid="3">
+                                            <p:txEl>
+                                              <p:pRg st="0" end="0"/>
+                                            </p:txEl>
+                                          </p:spTgt>
+                                        </p:tgtEl>
+                                        <p:attrNameLst>
+                                          <p:attrName>ppt_x</p:attrName>
+                                        </p:attrNameLst>
+                                      </p:cBhvr>
+                                      <p:tavLst>
+                                        <p:tav tm="0">
+                                          <p:val>
+                                            <p:strVal val="#ppt_x"/>
+                                          </p:val>
+                                        </p:tav>
+                                        <p:tav tm="100000">
+                                          <p:val>
+                                            <p:strVal val="#ppt_x"/>
+                                          </p:val>
+                                        </p:tav>
+                                      </p:tavLst>
+                                    </p:anim>
+                                    <p:anim calcmode="lin" valueType="num">
+                                      <p:cBhvr additive="base">
+                                        <p:cTn id="8" dur="500" fill="hold"/>
+                                        <p:tgtEl>
+                                          <p:spTgt spid="3">
+                                            <p:txEl>
+                                              <p:pRg st="0" end="0"/>
+                                            </p:txEl>
+                                          </p:spTgt>
+                                        </p:tgtEl>
+                                        <p:attrNameLst>
+                                          <p:attrName>ppt_y</p:attrName>
+                                        </p:attrNameLst>
+                                      </p:cBhvr>
+                                      <p:tavLst>
+                                        <p:tav tm="0">
+                                          <p:val>
+                                            <p:strVal val="1+#ppt_h/2"/>
+                                          </p:val>
+                                        </p:tav>
+                                        <p:tav tm="100000">
+                                          <p:val>
+                                            <p:strVal val="#ppt_y"/>
+                                          </p:val>
+                                        </p:tav>
+                                      </p:tavLst>
+                                    </p:anim>
+                                  </p:childTnLst>
+                                </p:cTn>
+                              </p:par>
+                            </p:childTnLst>
+                          </p:cTn>
+                        </p:par>
+                      </p:childTnLst>
+                    </p:cTn>
+                  </p:par>
+                  <p:par>
+                    <p:cTn id="9" fill="hold">
+                      <p:stCondLst>
+                        <p:cond delay="indefinite"/>
+                      </p:stCondLst>
+                      <p:childTnLst>
+                        <p:par>
+                          <p:cTn id="10" fill="hold">
+                            <p:stCondLst>
+                              <p:cond delay="0"/>
+                            </p:stCondLst>
+                            <p:childTnLst>
+                              <p:par>
+                                <p:cTn id="11" presetID="2" presetClass="entr" presetSubtype="4" fill="hold" grpId="0" nodeType="clickEffect">
+                                  <p:stCondLst>
+                                    <p:cond delay="0"/>
+                                  </p:stCondLst>
+                                  <p:childTnLst>
+                                    <p:set>
+                                      <p:cBhvr>
+                                        <p:cTn id="12" dur="1" fill="hold">
+                                          <p:stCondLst>
+                                            <p:cond delay="0"/>
+                                          </p:stCondLst>
+                                        </p:cTn>
+                                        <p:tgtEl>
+                                          <p:spTgt spid="3">
+                                            <p:txEl>
+                                              <p:pRg st="2" end="2"/>
+                                            </p:txEl>
+                                          </p:spTgt>
+                                        </p:tgtEl>
+                                        <p:attrNameLst>
+                                          <p:attrName>style.visibility</p:attrName>
+                                        </p:attrNameLst>
+                                      </p:cBhvr>
+                                      <p:to>
+                                        <p:strVal val="visible"/>
+                                      </p:to>
+                                    </p:set>
+                                    <p:anim calcmode="lin" valueType="num">
+                                      <p:cBhvr additive="base">
+                                        <p:cTn id="13" dur="500" fill="hold"/>
+                                        <p:tgtEl>
+                                          <p:spTgt spid="3">
+                                            <p:txEl>
+                                              <p:pRg st="2" end="2"/>
+                                            </p:txEl>
+                                          </p:spTgt>
+                                        </p:tgtEl>
+                                        <p:attrNameLst>
+                                          <p:attrName>ppt_x</p:attrName>
+                                        </p:attrNameLst>
+                                      </p:cBhvr>
+                                      <p:tavLst>
+                                        <p:tav tm="0">
+                                          <p:val>
+                                            <p:strVal val="#ppt_x"/>
+                                          </p:val>
+                                        </p:tav>
+                                        <p:tav tm="100000">
+                                          <p:val>
+                                            <p:strVal val="#ppt_x"/>
+                                          </p:val>
+                                        </p:tav>
+                                      </p:tavLst>
+                                    </p:anim>
+                                    <p:anim calcmode="lin" valueType="num">
+                                      <p:cBhvr additive="base">
+                                        <p:cTn id="14" dur="500" fill="hold"/>
+                                        <p:tgtEl>
+                                          <p:spTgt spid="3">
+                                            <p:txEl>
+                                              <p:pRg st="2" end="2"/>
+                                            </p:txEl>
+                                          </p:spTgt>
+                                        </p:tgtEl>
+                                        <p:attrNameLst>
+                                          <p:attrName>ppt_y</p:attrName>
+                                        </p:attrNameLst>
+                                      </p:cBhvr>
+                                      <p:tavLst>
+                                        <p:tav tm="0">
+                                          <p:val>
+                                            <p:strVal val="1+#ppt_h/2"/>
+                                          </p:val>
+                                        </p:tav>
+                                        <p:tav tm="100000">
+                                          <p:val>
+                                            <p:strVal val="#ppt_y"/>
+                                          </p:val>
+                                        </p:tav>
+                                      </p:tavLst>
+                                    </p:anim>
+                                  </p:childTnLst>
+                                </p:cTn>
+                              </p:par>
+                            </p:childTnLst>
+                          </p:cTn>
+                        </p:par>
+                      </p:childTnLst>
+                    </p:cTn>
+                  </p:par>
+                  <p:par>
+                    <p:cTn id="15" fill="hold">
+                      <p:stCondLst>
+                        <p:cond delay="indefinite"/>
+                      </p:stCondLst>
+                      <p:childTnLst>
+                        <p:par>
+                          <p:cTn id="16" fill="hold">
+                            <p:stCondLst>
+                              <p:cond delay="0"/>
+                            </p:stCondLst>
+                            <p:childTnLst>
+                              <p:par>
+                                <p:cTn id="17" presetID="2" presetClass="entr" presetSubtype="4" fill="hold" grpId="0" nodeType="clickEffect">
+                                  <p:stCondLst>
+                                    <p:cond delay="0"/>
+                                  </p:stCondLst>
+                                  <p:childTnLst>
+                                    <p:set>
+                                      <p:cBhvr>
+                                        <p:cTn id="18" dur="1" fill="hold">
+                                          <p:stCondLst>
+                                            <p:cond delay="0"/>
+                                          </p:stCondLst>
+                                        </p:cTn>
+                                        <p:tgtEl>
+                                          <p:spTgt spid="3">
+                                            <p:txEl>
+                                              <p:pRg st="4" end="4"/>
+                                            </p:txEl>
+                                          </p:spTgt>
+                                        </p:tgtEl>
+                                        <p:attrNameLst>
+                                          <p:attrName>style.visibility</p:attrName>
+                                        </p:attrNameLst>
+                                      </p:cBhvr>
+                                      <p:to>
+                                        <p:strVal val="visible"/>
+                                      </p:to>
+                                    </p:set>
+                                    <p:anim calcmode="lin" valueType="num">
+                                      <p:cBhvr additive="base">
+                                        <p:cTn id="19" dur="500" fill="hold"/>
+                                        <p:tgtEl>
+                                          <p:spTgt spid="3">
+                                            <p:txEl>
+                                              <p:pRg st="4" end="4"/>
+                                            </p:txEl>
+                                          </p:spTgt>
+                                        </p:tgtEl>
+                                        <p:attrNameLst>
+                                          <p:attrName>ppt_x</p:attrName>
+                                        </p:attrNameLst>
+                                      </p:cBhvr>
+                                      <p:tavLst>
+                                        <p:tav tm="0">
+                                          <p:val>
+                                            <p:strVal val="#ppt_x"/>
+                                          </p:val>
+                                        </p:tav>
+                                        <p:tav tm="100000">
+                                          <p:val>
+                                            <p:strVal val="#ppt_x"/>
+                                          </p:val>
+                                        </p:tav>
+                                      </p:tavLst>
+                                    </p:anim>
+                                    <p:anim calcmode="lin" valueType="num">
+                                      <p:cBhvr additive="base">
+                                        <p:cTn id="20" dur="500" fill="hold"/>
+                                        <p:tgtEl>
+                                          <p:spTgt spid="3">
+                                            <p:txEl>
+                                              <p:pRg st="4" end="4"/>
+                                            </p:txEl>
+                                          </p:spTgt>
+                                        </p:tgtEl>
+                                        <p:attrNameLst>
+                                          <p:attrName>ppt_y</p:attrName>
+                                        </p:attrNameLst>
+                                      </p:cBhvr>
+                                      <p:tavLst>
+                                        <p:tav tm="0">
+                                          <p:val>
+                                            <p:strVal val="1+#ppt_h/2"/>
+                                          </p:val>
+                                        </p:tav>
+                                        <p:tav tm="100000">
+                                          <p:val>
+                                            <p:strVal val="#ppt_y"/>
+                                          </p:val>
+                                        </p:tav>
+                                      </p:tavLst>
+                                    </p:anim>
+                                  </p:childTnLst>
+                                </p:cTn>
+                              </p:par>
+                            </p:childTnLst>
+                          </p:cTn>
+                        </p:par>
+                      </p:childTnLst>
+                    </p:cTn>
+                  </p:par>
+                  <p:par>
+                    <p:cTn id="21" fill="hold">
+                      <p:stCondLst>
+                        <p:cond delay="indefinite"/>
+                      </p:stCondLst>
+                      <p:childTnLst>
+                        <p:par>
+                          <p:cTn id="22" fill="hold">
+                            <p:stCondLst>
+                              <p:cond delay="0"/>
+                            </p:stCondLst>
+                            <p:childTnLst>
+                              <p:par>
+                                <p:cTn id="23" presetID="0" presetClass="path" presetSubtype="0" accel="50000" decel="50000" fill="hold" nodeType="clickEffect">
+                                  <p:stCondLst>
+                                    <p:cond delay="0"/>
+                                  </p:stCondLst>
+                                  <p:childTnLst>
+                                    <p:animMotion origin="layout" path="M 0.03151 0.00162 L 0.24062 0.00162 " pathEditMode="relative" ptsTypes="AA">
+                                      <p:cBhvr>
+                                        <p:cTn id="24" dur="2000" fill="hold"/>
+                                        <p:tgtEl>
+                                          <p:spTgt spid="7"/>
+                                        </p:tgtEl>
+                                        <p:attrNameLst>
+                                          <p:attrName>ppt_x</p:attrName>
+                                          <p:attrName>ppt_y</p:attrName>
+                                        </p:attrNameLst>
+                                      </p:cBhvr>
+                                    </p:animMotion>
+                                  </p:childTnLst>
+                                </p:cTn>
+                              </p:par>
+                            </p:childTnLst>
+                          </p:cTn>
+                        </p:par>
+                      </p:childTnLst>
+                    </p:cTn>
+                  </p:par>
+                </p:childTnLst>
+              </p:cTn>
+              <p:prevCondLst>
+                <p:cond evt="onPrev" delay="0">
+                  <p:tgtEl>
+                    <p:sldTgt/>
+                  </p:tgtEl>
+                </p:cond>
+              </p:prevCondLst>
+              <p:nextCondLst>
+                <p:cond evt="onNext" delay="0">
+                  <p:tgtEl>
+                    <p:sldTgt/>
+                  </p:tgtEl>
+                </p:cond>
+              </p:nextCondLst>
+            </p:seq>
+          </p:childTnLst>
+        </p:cTn>
+      </p:par>
+    </p:tnLst>
+    <p:bldLst>
+      <p:bldP spid="3" grpId="0" build="p"/>
+    </p:bldLst>
+  </p:timing>
+</p:sld>
+</file>
+
+<file path=ppt/slides/slide30.xml><?xml version="1.0" encoding="utf-8"?>
 <p:sld xmlns:a="http://schemas.openxmlformats.org/drawingml/2006/main" xmlns:r="http://schemas.openxmlformats.org/officeDocument/2006/relationships" xmlns:p="http://schemas.openxmlformats.org/presentationml/2006/main">
   <p:cSld>
     <p:spTree>
@@ -27269,565 +27950,7 @@
 </p:sld>
 </file>
 
-<file path=ppt/slides/slide3.xml><?xml version="1.0" encoding="utf-8"?>
-<p:sld xmlns:a="http://schemas.openxmlformats.org/drawingml/2006/main" xmlns:r="http://schemas.openxmlformats.org/officeDocument/2006/relationships" xmlns:p="http://schemas.openxmlformats.org/presentationml/2006/main">
-  <p:cSld>
-    <p:spTree>
-      <p:nvGrpSpPr>
-        <p:cNvPr id="1" name=""/>
-        <p:cNvGrpSpPr/>
-        <p:nvPr/>
-      </p:nvGrpSpPr>
-      <p:grpSpPr>
-        <a:xfrm>
-          <a:off x="0" y="0"/>
-          <a:ext cx="0" cy="0"/>
-          <a:chOff x="0" y="0"/>
-          <a:chExt cx="0" cy="0"/>
-        </a:xfrm>
-      </p:grpSpPr>
-      <p:sp>
-        <p:nvSpPr>
-          <p:cNvPr id="2" name="Title 1">
-            <a:extLst>
-              <a:ext uri="{FF2B5EF4-FFF2-40B4-BE49-F238E27FC236}">
-                <a16:creationId xmlns:a16="http://schemas.microsoft.com/office/drawing/2014/main" id="{A23703F7-D127-C34E-BDA2-360EAC381134}"/>
-              </a:ext>
-            </a:extLst>
-          </p:cNvPr>
-          <p:cNvSpPr>
-            <a:spLocks noGrp="1"/>
-          </p:cNvSpPr>
-          <p:nvPr>
-            <p:ph type="title"/>
-          </p:nvPr>
-        </p:nvSpPr>
-        <p:spPr/>
-        <p:txBody>
-          <a:bodyPr/>
-          <a:lstStyle/>
-          <a:p>
-            <a:pPr algn="ctr"/>
-            <a:r>
-              <a:rPr lang="en-US" b="1" dirty="0"/>
-              <a:t>What is I/O?</a:t>
-            </a:r>
-          </a:p>
-        </p:txBody>
-      </p:sp>
-      <p:sp>
-        <p:nvSpPr>
-          <p:cNvPr id="3" name="Content Placeholder 2">
-            <a:extLst>
-              <a:ext uri="{FF2B5EF4-FFF2-40B4-BE49-F238E27FC236}">
-                <a16:creationId xmlns:a16="http://schemas.microsoft.com/office/drawing/2014/main" id="{6993F94B-0BF5-3445-824D-629A00E410A5}"/>
-              </a:ext>
-            </a:extLst>
-          </p:cNvPr>
-          <p:cNvSpPr>
-            <a:spLocks noGrp="1"/>
-          </p:cNvSpPr>
-          <p:nvPr>
-            <p:ph idx="1"/>
-          </p:nvPr>
-        </p:nvSpPr>
-        <p:spPr/>
-        <p:txBody>
-          <a:bodyPr/>
-          <a:lstStyle/>
-          <a:p>
-            <a:r>
-              <a:rPr lang="en-US" dirty="0"/>
-              <a:t>Its an acronym for “Input/Output”</a:t>
-            </a:r>
-          </a:p>
-          <a:p>
-            <a:endParaRPr lang="en-US" dirty="0"/>
-          </a:p>
-          <a:p>
-            <a:r>
-              <a:rPr lang="en-US" dirty="0"/>
-              <a:t>I/O is what we use to give our program some input to work with</a:t>
-            </a:r>
-          </a:p>
-          <a:p>
-            <a:endParaRPr lang="en-US" dirty="0"/>
-          </a:p>
-          <a:p>
-            <a:r>
-              <a:rPr lang="en-US" dirty="0"/>
-              <a:t>I/O is typically used if we want the user to enter some information </a:t>
-            </a:r>
-          </a:p>
-        </p:txBody>
-      </p:sp>
-      <p:pic>
-        <p:nvPicPr>
-          <p:cNvPr id="5" name="Graphic 4" descr="Decision chart">
-            <a:extLst>
-              <a:ext uri="{FF2B5EF4-FFF2-40B4-BE49-F238E27FC236}">
-                <a16:creationId xmlns:a16="http://schemas.microsoft.com/office/drawing/2014/main" id="{E3919723-42DB-EB41-BC7C-B5DFCEDC5282}"/>
-              </a:ext>
-            </a:extLst>
-          </p:cNvPr>
-          <p:cNvPicPr>
-            <a:picLocks noChangeAspect="1"/>
-          </p:cNvPicPr>
-          <p:nvPr/>
-        </p:nvPicPr>
-        <p:blipFill>
-          <a:blip r:embed="rId2">
-            <a:extLst>
-              <a:ext uri="{96DAC541-7B7A-43D3-8B79-37D633B846F1}">
-                <asvg:svgBlip xmlns:asvg="http://schemas.microsoft.com/office/drawing/2016/SVG/main" r:embed="rId3"/>
-              </a:ext>
-            </a:extLst>
-          </a:blip>
-          <a:stretch>
-            <a:fillRect/>
-          </a:stretch>
-        </p:blipFill>
-        <p:spPr>
-          <a:xfrm rot="16200000">
-            <a:off x="4694235" y="5294311"/>
-            <a:ext cx="1563689" cy="1563689"/>
-          </a:xfrm>
-          <a:prstGeom prst="rect">
-            <a:avLst/>
-          </a:prstGeom>
-        </p:spPr>
-      </p:pic>
-      <p:pic>
-        <p:nvPicPr>
-          <p:cNvPr id="7" name="Graphic 6" descr="Chevron arrows">
-            <a:extLst>
-              <a:ext uri="{FF2B5EF4-FFF2-40B4-BE49-F238E27FC236}">
-                <a16:creationId xmlns:a16="http://schemas.microsoft.com/office/drawing/2014/main" id="{6EDC7A3D-B203-9040-AD98-02F4A08F3A6F}"/>
-              </a:ext>
-            </a:extLst>
-          </p:cNvPr>
-          <p:cNvPicPr>
-            <a:picLocks noChangeAspect="1"/>
-          </p:cNvPicPr>
-          <p:nvPr/>
-        </p:nvPicPr>
-        <p:blipFill>
-          <a:blip r:embed="rId4">
-            <a:extLst>
-              <a:ext uri="{96DAC541-7B7A-43D3-8B79-37D633B846F1}">
-                <asvg:svgBlip xmlns:asvg="http://schemas.microsoft.com/office/drawing/2016/SVG/main" r:embed="rId5"/>
-              </a:ext>
-            </a:extLst>
-          </a:blip>
-          <a:stretch>
-            <a:fillRect/>
-          </a:stretch>
-        </p:blipFill>
-        <p:spPr>
-          <a:xfrm>
-            <a:off x="3927473" y="5692774"/>
-            <a:ext cx="766762" cy="766762"/>
-          </a:xfrm>
-          <a:prstGeom prst="rect">
-            <a:avLst/>
-          </a:prstGeom>
-        </p:spPr>
-      </p:pic>
-    </p:spTree>
-    <p:extLst>
-      <p:ext uri="{BB962C8B-B14F-4D97-AF65-F5344CB8AC3E}">
-        <p14:creationId xmlns:p14="http://schemas.microsoft.com/office/powerpoint/2010/main" val="2329187282"/>
-      </p:ext>
-    </p:extLst>
-  </p:cSld>
-  <p:clrMapOvr>
-    <a:masterClrMapping/>
-  </p:clrMapOvr>
-  <p:timing>
-    <p:tnLst>
-      <p:par>
-        <p:cTn id="1" dur="indefinite" restart="never" nodeType="tmRoot">
-          <p:childTnLst>
-            <p:seq concurrent="1" nextAc="seek">
-              <p:cTn id="2" dur="indefinite" nodeType="mainSeq">
-                <p:childTnLst>
-                  <p:par>
-                    <p:cTn id="3" fill="hold">
-                      <p:stCondLst>
-                        <p:cond delay="indefinite"/>
-                      </p:stCondLst>
-                      <p:childTnLst>
-                        <p:par>
-                          <p:cTn id="4" fill="hold">
-                            <p:stCondLst>
-                              <p:cond delay="0"/>
-                            </p:stCondLst>
-                            <p:childTnLst>
-                              <p:par>
-                                <p:cTn id="5" presetID="2" presetClass="entr" presetSubtype="4" fill="hold" grpId="0" nodeType="clickEffect">
-                                  <p:stCondLst>
-                                    <p:cond delay="0"/>
-                                  </p:stCondLst>
-                                  <p:childTnLst>
-                                    <p:set>
-                                      <p:cBhvr>
-                                        <p:cTn id="6" dur="1" fill="hold">
-                                          <p:stCondLst>
-                                            <p:cond delay="0"/>
-                                          </p:stCondLst>
-                                        </p:cTn>
-                                        <p:tgtEl>
-                                          <p:spTgt spid="3">
-                                            <p:txEl>
-                                              <p:pRg st="0" end="0"/>
-                                            </p:txEl>
-                                          </p:spTgt>
-                                        </p:tgtEl>
-                                        <p:attrNameLst>
-                                          <p:attrName>style.visibility</p:attrName>
-                                        </p:attrNameLst>
-                                      </p:cBhvr>
-                                      <p:to>
-                                        <p:strVal val="visible"/>
-                                      </p:to>
-                                    </p:set>
-                                    <p:anim calcmode="lin" valueType="num">
-                                      <p:cBhvr additive="base">
-                                        <p:cTn id="7" dur="500" fill="hold"/>
-                                        <p:tgtEl>
-                                          <p:spTgt spid="3">
-                                            <p:txEl>
-                                              <p:pRg st="0" end="0"/>
-                                            </p:txEl>
-                                          </p:spTgt>
-                                        </p:tgtEl>
-                                        <p:attrNameLst>
-                                          <p:attrName>ppt_x</p:attrName>
-                                        </p:attrNameLst>
-                                      </p:cBhvr>
-                                      <p:tavLst>
-                                        <p:tav tm="0">
-                                          <p:val>
-                                            <p:strVal val="#ppt_x"/>
-                                          </p:val>
-                                        </p:tav>
-                                        <p:tav tm="100000">
-                                          <p:val>
-                                            <p:strVal val="#ppt_x"/>
-                                          </p:val>
-                                        </p:tav>
-                                      </p:tavLst>
-                                    </p:anim>
-                                    <p:anim calcmode="lin" valueType="num">
-                                      <p:cBhvr additive="base">
-                                        <p:cTn id="8" dur="500" fill="hold"/>
-                                        <p:tgtEl>
-                                          <p:spTgt spid="3">
-                                            <p:txEl>
-                                              <p:pRg st="0" end="0"/>
-                                            </p:txEl>
-                                          </p:spTgt>
-                                        </p:tgtEl>
-                                        <p:attrNameLst>
-                                          <p:attrName>ppt_y</p:attrName>
-                                        </p:attrNameLst>
-                                      </p:cBhvr>
-                                      <p:tavLst>
-                                        <p:tav tm="0">
-                                          <p:val>
-                                            <p:strVal val="1+#ppt_h/2"/>
-                                          </p:val>
-                                        </p:tav>
-                                        <p:tav tm="100000">
-                                          <p:val>
-                                            <p:strVal val="#ppt_y"/>
-                                          </p:val>
-                                        </p:tav>
-                                      </p:tavLst>
-                                    </p:anim>
-                                  </p:childTnLst>
-                                </p:cTn>
-                              </p:par>
-                            </p:childTnLst>
-                          </p:cTn>
-                        </p:par>
-                      </p:childTnLst>
-                    </p:cTn>
-                  </p:par>
-                  <p:par>
-                    <p:cTn id="9" fill="hold">
-                      <p:stCondLst>
-                        <p:cond delay="indefinite"/>
-                      </p:stCondLst>
-                      <p:childTnLst>
-                        <p:par>
-                          <p:cTn id="10" fill="hold">
-                            <p:stCondLst>
-                              <p:cond delay="0"/>
-                            </p:stCondLst>
-                            <p:childTnLst>
-                              <p:par>
-                                <p:cTn id="11" presetID="2" presetClass="entr" presetSubtype="4" fill="hold" grpId="0" nodeType="clickEffect">
-                                  <p:stCondLst>
-                                    <p:cond delay="0"/>
-                                  </p:stCondLst>
-                                  <p:childTnLst>
-                                    <p:set>
-                                      <p:cBhvr>
-                                        <p:cTn id="12" dur="1" fill="hold">
-                                          <p:stCondLst>
-                                            <p:cond delay="0"/>
-                                          </p:stCondLst>
-                                        </p:cTn>
-                                        <p:tgtEl>
-                                          <p:spTgt spid="3">
-                                            <p:txEl>
-                                              <p:pRg st="2" end="2"/>
-                                            </p:txEl>
-                                          </p:spTgt>
-                                        </p:tgtEl>
-                                        <p:attrNameLst>
-                                          <p:attrName>style.visibility</p:attrName>
-                                        </p:attrNameLst>
-                                      </p:cBhvr>
-                                      <p:to>
-                                        <p:strVal val="visible"/>
-                                      </p:to>
-                                    </p:set>
-                                    <p:anim calcmode="lin" valueType="num">
-                                      <p:cBhvr additive="base">
-                                        <p:cTn id="13" dur="500" fill="hold"/>
-                                        <p:tgtEl>
-                                          <p:spTgt spid="3">
-                                            <p:txEl>
-                                              <p:pRg st="2" end="2"/>
-                                            </p:txEl>
-                                          </p:spTgt>
-                                        </p:tgtEl>
-                                        <p:attrNameLst>
-                                          <p:attrName>ppt_x</p:attrName>
-                                        </p:attrNameLst>
-                                      </p:cBhvr>
-                                      <p:tavLst>
-                                        <p:tav tm="0">
-                                          <p:val>
-                                            <p:strVal val="#ppt_x"/>
-                                          </p:val>
-                                        </p:tav>
-                                        <p:tav tm="100000">
-                                          <p:val>
-                                            <p:strVal val="#ppt_x"/>
-                                          </p:val>
-                                        </p:tav>
-                                      </p:tavLst>
-                                    </p:anim>
-                                    <p:anim calcmode="lin" valueType="num">
-                                      <p:cBhvr additive="base">
-                                        <p:cTn id="14" dur="500" fill="hold"/>
-                                        <p:tgtEl>
-                                          <p:spTgt spid="3">
-                                            <p:txEl>
-                                              <p:pRg st="2" end="2"/>
-                                            </p:txEl>
-                                          </p:spTgt>
-                                        </p:tgtEl>
-                                        <p:attrNameLst>
-                                          <p:attrName>ppt_y</p:attrName>
-                                        </p:attrNameLst>
-                                      </p:cBhvr>
-                                      <p:tavLst>
-                                        <p:tav tm="0">
-                                          <p:val>
-                                            <p:strVal val="1+#ppt_h/2"/>
-                                          </p:val>
-                                        </p:tav>
-                                        <p:tav tm="100000">
-                                          <p:val>
-                                            <p:strVal val="#ppt_y"/>
-                                          </p:val>
-                                        </p:tav>
-                                      </p:tavLst>
-                                    </p:anim>
-                                  </p:childTnLst>
-                                </p:cTn>
-                              </p:par>
-                            </p:childTnLst>
-                          </p:cTn>
-                        </p:par>
-                      </p:childTnLst>
-                    </p:cTn>
-                  </p:par>
-                  <p:par>
-                    <p:cTn id="15" fill="hold">
-                      <p:stCondLst>
-                        <p:cond delay="indefinite"/>
-                      </p:stCondLst>
-                      <p:childTnLst>
-                        <p:par>
-                          <p:cTn id="16" fill="hold">
-                            <p:stCondLst>
-                              <p:cond delay="0"/>
-                            </p:stCondLst>
-                            <p:childTnLst>
-                              <p:par>
-                                <p:cTn id="17" presetID="2" presetClass="entr" presetSubtype="4" fill="hold" grpId="0" nodeType="clickEffect">
-                                  <p:stCondLst>
-                                    <p:cond delay="0"/>
-                                  </p:stCondLst>
-                                  <p:childTnLst>
-                                    <p:set>
-                                      <p:cBhvr>
-                                        <p:cTn id="18" dur="1" fill="hold">
-                                          <p:stCondLst>
-                                            <p:cond delay="0"/>
-                                          </p:stCondLst>
-                                        </p:cTn>
-                                        <p:tgtEl>
-                                          <p:spTgt spid="3">
-                                            <p:txEl>
-                                              <p:pRg st="4" end="4"/>
-                                            </p:txEl>
-                                          </p:spTgt>
-                                        </p:tgtEl>
-                                        <p:attrNameLst>
-                                          <p:attrName>style.visibility</p:attrName>
-                                        </p:attrNameLst>
-                                      </p:cBhvr>
-                                      <p:to>
-                                        <p:strVal val="visible"/>
-                                      </p:to>
-                                    </p:set>
-                                    <p:anim calcmode="lin" valueType="num">
-                                      <p:cBhvr additive="base">
-                                        <p:cTn id="19" dur="500" fill="hold"/>
-                                        <p:tgtEl>
-                                          <p:spTgt spid="3">
-                                            <p:txEl>
-                                              <p:pRg st="4" end="4"/>
-                                            </p:txEl>
-                                          </p:spTgt>
-                                        </p:tgtEl>
-                                        <p:attrNameLst>
-                                          <p:attrName>ppt_x</p:attrName>
-                                        </p:attrNameLst>
-                                      </p:cBhvr>
-                                      <p:tavLst>
-                                        <p:tav tm="0">
-                                          <p:val>
-                                            <p:strVal val="#ppt_x"/>
-                                          </p:val>
-                                        </p:tav>
-                                        <p:tav tm="100000">
-                                          <p:val>
-                                            <p:strVal val="#ppt_x"/>
-                                          </p:val>
-                                        </p:tav>
-                                      </p:tavLst>
-                                    </p:anim>
-                                    <p:anim calcmode="lin" valueType="num">
-                                      <p:cBhvr additive="base">
-                                        <p:cTn id="20" dur="500" fill="hold"/>
-                                        <p:tgtEl>
-                                          <p:spTgt spid="3">
-                                            <p:txEl>
-                                              <p:pRg st="4" end="4"/>
-                                            </p:txEl>
-                                          </p:spTgt>
-                                        </p:tgtEl>
-                                        <p:attrNameLst>
-                                          <p:attrName>ppt_y</p:attrName>
-                                        </p:attrNameLst>
-                                      </p:cBhvr>
-                                      <p:tavLst>
-                                        <p:tav tm="0">
-                                          <p:val>
-                                            <p:strVal val="1+#ppt_h/2"/>
-                                          </p:val>
-                                        </p:tav>
-                                        <p:tav tm="100000">
-                                          <p:val>
-                                            <p:strVal val="#ppt_y"/>
-                                          </p:val>
-                                        </p:tav>
-                                      </p:tavLst>
-                                    </p:anim>
-                                  </p:childTnLst>
-                                </p:cTn>
-                              </p:par>
-                            </p:childTnLst>
-                          </p:cTn>
-                        </p:par>
-                      </p:childTnLst>
-                    </p:cTn>
-                  </p:par>
-                  <p:par>
-                    <p:cTn id="21" fill="hold">
-                      <p:stCondLst>
-                        <p:cond delay="indefinite"/>
-                      </p:stCondLst>
-                      <p:childTnLst>
-                        <p:par>
-                          <p:cTn id="22" fill="hold">
-                            <p:stCondLst>
-                              <p:cond delay="0"/>
-                            </p:stCondLst>
-                            <p:childTnLst>
-                              <p:par>
-                                <p:cTn id="23" presetID="0" presetClass="path" presetSubtype="0" accel="50000" decel="50000" fill="hold" nodeType="clickEffect">
-                                  <p:stCondLst>
-                                    <p:cond delay="0"/>
-                                  </p:stCondLst>
-                                  <p:childTnLst>
-                                    <p:animMotion origin="layout" path="M 0.03151 0.00162 L 0.24062 0.00162 " pathEditMode="relative" ptsTypes="AA">
-                                      <p:cBhvr>
-                                        <p:cTn id="24" dur="2000" fill="hold"/>
-                                        <p:tgtEl>
-                                          <p:spTgt spid="7"/>
-                                        </p:tgtEl>
-                                        <p:attrNameLst>
-                                          <p:attrName>ppt_x</p:attrName>
-                                          <p:attrName>ppt_y</p:attrName>
-                                        </p:attrNameLst>
-                                      </p:cBhvr>
-                                    </p:animMotion>
-                                  </p:childTnLst>
-                                </p:cTn>
-                              </p:par>
-                            </p:childTnLst>
-                          </p:cTn>
-                        </p:par>
-                      </p:childTnLst>
-                    </p:cTn>
-                  </p:par>
-                </p:childTnLst>
-              </p:cTn>
-              <p:prevCondLst>
-                <p:cond evt="onPrev" delay="0">
-                  <p:tgtEl>
-                    <p:sldTgt/>
-                  </p:tgtEl>
-                </p:cond>
-              </p:prevCondLst>
-              <p:nextCondLst>
-                <p:cond evt="onNext" delay="0">
-                  <p:tgtEl>
-                    <p:sldTgt/>
-                  </p:tgtEl>
-                </p:cond>
-              </p:nextCondLst>
-            </p:seq>
-          </p:childTnLst>
-        </p:cTn>
-      </p:par>
-    </p:tnLst>
-    <p:bldLst>
-      <p:bldP spid="3" grpId="0" build="p"/>
-    </p:bldLst>
-  </p:timing>
-</p:sld>
-</file>
-
-<file path=ppt/slides/slide30.xml><?xml version="1.0" encoding="utf-8"?>
+<file path=ppt/slides/slide31.xml><?xml version="1.0" encoding="utf-8"?>
 <p:sld xmlns:a="http://schemas.openxmlformats.org/drawingml/2006/main" xmlns:r="http://schemas.openxmlformats.org/officeDocument/2006/relationships" xmlns:p="http://schemas.openxmlformats.org/presentationml/2006/main">
   <p:cSld>
     <p:spTree>
@@ -28737,7 +28860,7 @@
 </p:sld>
 </file>
 
-<file path=ppt/slides/slide31.xml><?xml version="1.0" encoding="utf-8"?>
+<file path=ppt/slides/slide32.xml><?xml version="1.0" encoding="utf-8"?>
 <p:sld xmlns:a="http://schemas.openxmlformats.org/drawingml/2006/main" xmlns:r="http://schemas.openxmlformats.org/officeDocument/2006/relationships" xmlns:p="http://schemas.openxmlformats.org/presentationml/2006/main">
   <p:cSld>
     <p:spTree>
@@ -29189,7 +29312,7 @@
 </p:sld>
 </file>
 
-<file path=ppt/slides/slide32.xml><?xml version="1.0" encoding="utf-8"?>
+<file path=ppt/slides/slide33.xml><?xml version="1.0" encoding="utf-8"?>
 <p:sld xmlns:a="http://schemas.openxmlformats.org/drawingml/2006/main" xmlns:r="http://schemas.openxmlformats.org/officeDocument/2006/relationships" xmlns:p="http://schemas.openxmlformats.org/presentationml/2006/main">
   <p:cSld>
     <p:spTree>
@@ -29728,7 +29851,7 @@
 </p:sld>
 </file>
 
-<file path=ppt/slides/slide33.xml><?xml version="1.0" encoding="utf-8"?>
+<file path=ppt/slides/slide34.xml><?xml version="1.0" encoding="utf-8"?>
 <p:sld xmlns:a="http://schemas.openxmlformats.org/drawingml/2006/main" xmlns:r="http://schemas.openxmlformats.org/officeDocument/2006/relationships" xmlns:p="http://schemas.openxmlformats.org/presentationml/2006/main">
   <p:cSld>
     <p:spTree>
@@ -30326,7 +30449,7 @@
 </p:sld>
 </file>
 
-<file path=ppt/slides/slide34.xml><?xml version="1.0" encoding="utf-8"?>
+<file path=ppt/slides/slide35.xml><?xml version="1.0" encoding="utf-8"?>
 <p:sld xmlns:a="http://schemas.openxmlformats.org/drawingml/2006/main" xmlns:r="http://schemas.openxmlformats.org/officeDocument/2006/relationships" xmlns:p="http://schemas.openxmlformats.org/presentationml/2006/main">
   <p:cSld>
     <p:spTree>
@@ -31123,6 +31246,2465 @@
 </p:sld>
 </file>
 
+<file path=ppt/slides/slide36.xml><?xml version="1.0" encoding="utf-8"?>
+<p:sld xmlns:a="http://schemas.openxmlformats.org/drawingml/2006/main" xmlns:r="http://schemas.openxmlformats.org/officeDocument/2006/relationships" xmlns:p="http://schemas.openxmlformats.org/presentationml/2006/main">
+  <p:cSld>
+    <p:spTree>
+      <p:nvGrpSpPr>
+        <p:cNvPr id="1" name=""/>
+        <p:cNvGrpSpPr/>
+        <p:nvPr/>
+      </p:nvGrpSpPr>
+      <p:grpSpPr>
+        <a:xfrm>
+          <a:off x="0" y="0"/>
+          <a:ext cx="0" cy="0"/>
+          <a:chOff x="0" y="0"/>
+          <a:chExt cx="0" cy="0"/>
+        </a:xfrm>
+      </p:grpSpPr>
+      <p:sp>
+        <p:nvSpPr>
+          <p:cNvPr id="2" name="Title 1">
+            <a:extLst>
+              <a:ext uri="{FF2B5EF4-FFF2-40B4-BE49-F238E27FC236}">
+                <a16:creationId xmlns:a16="http://schemas.microsoft.com/office/drawing/2014/main" id="{3D4899EB-2FEA-D149-A124-156A507B937A}"/>
+              </a:ext>
+            </a:extLst>
+          </p:cNvPr>
+          <p:cNvSpPr>
+            <a:spLocks noGrp="1"/>
+          </p:cNvSpPr>
+          <p:nvPr>
+            <p:ph type="title"/>
+          </p:nvPr>
+        </p:nvSpPr>
+        <p:spPr/>
+        <p:txBody>
+          <a:bodyPr/>
+          <a:lstStyle/>
+          <a:p>
+            <a:pPr algn="ctr"/>
+            <a:r>
+              <a:rPr lang="en-US" b="1" dirty="0"/>
+              <a:t>Let’s take a break</a:t>
+            </a:r>
+          </a:p>
+        </p:txBody>
+      </p:sp>
+      <p:sp>
+        <p:nvSpPr>
+          <p:cNvPr id="3" name="Content Placeholder 2">
+            <a:extLst>
+              <a:ext uri="{FF2B5EF4-FFF2-40B4-BE49-F238E27FC236}">
+                <a16:creationId xmlns:a16="http://schemas.microsoft.com/office/drawing/2014/main" id="{18230E3B-C103-C04E-B3A2-D7061B0F2D0D}"/>
+              </a:ext>
+            </a:extLst>
+          </p:cNvPr>
+          <p:cNvSpPr>
+            <a:spLocks noGrp="1"/>
+          </p:cNvSpPr>
+          <p:nvPr>
+            <p:ph idx="1"/>
+          </p:nvPr>
+        </p:nvSpPr>
+        <p:spPr/>
+        <p:txBody>
+          <a:bodyPr/>
+          <a:lstStyle/>
+          <a:p>
+            <a:r>
+              <a:rPr lang="en-US" dirty="0"/>
+              <a:t>If you want to keep working, we can take a look at how memory works and why it’s so important</a:t>
+            </a:r>
+          </a:p>
+          <a:p>
+            <a:endParaRPr lang="en-US" dirty="0"/>
+          </a:p>
+          <a:p>
+            <a:r>
+              <a:rPr lang="en-US" dirty="0"/>
+              <a:t> Alternatively we can take a step back and look at how our code gets translated into machine code</a:t>
+            </a:r>
+          </a:p>
+          <a:p>
+            <a:pPr lvl="1"/>
+            <a:r>
+              <a:rPr lang="en-US" dirty="0"/>
+              <a:t>Use hopper to illustrate</a:t>
+            </a:r>
+          </a:p>
+        </p:txBody>
+      </p:sp>
+    </p:spTree>
+    <p:extLst>
+      <p:ext uri="{BB962C8B-B14F-4D97-AF65-F5344CB8AC3E}">
+        <p14:creationId xmlns:p14="http://schemas.microsoft.com/office/powerpoint/2010/main" val="2931543207"/>
+      </p:ext>
+    </p:extLst>
+  </p:cSld>
+  <p:clrMapOvr>
+    <a:masterClrMapping/>
+  </p:clrMapOvr>
+</p:sld>
+</file>
+
+<file path=ppt/slides/slide37.xml><?xml version="1.0" encoding="utf-8"?>
+<p:sld xmlns:a="http://schemas.openxmlformats.org/drawingml/2006/main" xmlns:r="http://schemas.openxmlformats.org/officeDocument/2006/relationships" xmlns:p="http://schemas.openxmlformats.org/presentationml/2006/main">
+  <p:cSld>
+    <p:spTree>
+      <p:nvGrpSpPr>
+        <p:cNvPr id="1" name=""/>
+        <p:cNvGrpSpPr/>
+        <p:nvPr/>
+      </p:nvGrpSpPr>
+      <p:grpSpPr>
+        <a:xfrm>
+          <a:off x="0" y="0"/>
+          <a:ext cx="0" cy="0"/>
+          <a:chOff x="0" y="0"/>
+          <a:chExt cx="0" cy="0"/>
+        </a:xfrm>
+      </p:grpSpPr>
+      <p:sp>
+        <p:nvSpPr>
+          <p:cNvPr id="2" name="Title 1">
+            <a:extLst>
+              <a:ext uri="{FF2B5EF4-FFF2-40B4-BE49-F238E27FC236}">
+                <a16:creationId xmlns:a16="http://schemas.microsoft.com/office/drawing/2014/main" id="{2E192ED6-0AB8-E545-B889-3106CBB7F05F}"/>
+              </a:ext>
+            </a:extLst>
+          </p:cNvPr>
+          <p:cNvSpPr>
+            <a:spLocks noGrp="1"/>
+          </p:cNvSpPr>
+          <p:nvPr>
+            <p:ph type="title"/>
+          </p:nvPr>
+        </p:nvSpPr>
+        <p:spPr/>
+        <p:txBody>
+          <a:bodyPr/>
+          <a:lstStyle/>
+          <a:p>
+            <a:pPr algn="ctr"/>
+            <a:r>
+              <a:rPr lang="en-US" b="1" dirty="0"/>
+              <a:t>Memory (Revisited)</a:t>
+            </a:r>
+          </a:p>
+        </p:txBody>
+      </p:sp>
+      <p:sp>
+        <p:nvSpPr>
+          <p:cNvPr id="3" name="Content Placeholder 2">
+            <a:extLst>
+              <a:ext uri="{FF2B5EF4-FFF2-40B4-BE49-F238E27FC236}">
+                <a16:creationId xmlns:a16="http://schemas.microsoft.com/office/drawing/2014/main" id="{4D1F839C-4F25-E544-8091-8FE20B360325}"/>
+              </a:ext>
+            </a:extLst>
+          </p:cNvPr>
+          <p:cNvSpPr>
+            <a:spLocks noGrp="1"/>
+          </p:cNvSpPr>
+          <p:nvPr>
+            <p:ph idx="1"/>
+          </p:nvPr>
+        </p:nvSpPr>
+        <p:spPr>
+          <a:xfrm>
+            <a:off x="1141413" y="2249487"/>
+            <a:ext cx="8383588" cy="2511426"/>
+          </a:xfrm>
+        </p:spPr>
+        <p:txBody>
+          <a:bodyPr/>
+          <a:lstStyle/>
+          <a:p>
+            <a:r>
+              <a:rPr lang="en-US" dirty="0"/>
+              <a:t>The last time we looked at memory it was extremely open ended</a:t>
+            </a:r>
+          </a:p>
+          <a:p>
+            <a:pPr lvl="1"/>
+            <a:r>
+              <a:rPr lang="en-US" dirty="0"/>
+              <a:t>Now we will narrow in on some aspects</a:t>
+            </a:r>
+          </a:p>
+          <a:p>
+            <a:pPr lvl="1"/>
+            <a:endParaRPr lang="en-US" dirty="0"/>
+          </a:p>
+          <a:p>
+            <a:r>
+              <a:rPr lang="en-US" dirty="0"/>
+              <a:t>Consider the following piece of code:</a:t>
+            </a:r>
+          </a:p>
+          <a:p>
+            <a:pPr lvl="1"/>
+            <a:r>
+              <a:rPr lang="en-US" dirty="0"/>
+              <a:t>Where do you thin we use memory?</a:t>
+            </a:r>
+          </a:p>
+        </p:txBody>
+      </p:sp>
+      <p:pic>
+        <p:nvPicPr>
+          <p:cNvPr id="5" name="Picture 4">
+            <a:extLst>
+              <a:ext uri="{FF2B5EF4-FFF2-40B4-BE49-F238E27FC236}">
+                <a16:creationId xmlns:a16="http://schemas.microsoft.com/office/drawing/2014/main" id="{B9064B61-F265-1846-992C-21E6E2135FC6}"/>
+              </a:ext>
+            </a:extLst>
+          </p:cNvPr>
+          <p:cNvPicPr>
+            <a:picLocks noChangeAspect="1"/>
+          </p:cNvPicPr>
+          <p:nvPr/>
+        </p:nvPicPr>
+        <p:blipFill>
+          <a:blip r:embed="rId2"/>
+          <a:stretch>
+            <a:fillRect/>
+          </a:stretch>
+        </p:blipFill>
+        <p:spPr>
+          <a:xfrm>
+            <a:off x="6385560" y="3916680"/>
+            <a:ext cx="2706015" cy="2941320"/>
+          </a:xfrm>
+          <a:prstGeom prst="rect">
+            <a:avLst/>
+          </a:prstGeom>
+        </p:spPr>
+      </p:pic>
+    </p:spTree>
+    <p:extLst>
+      <p:ext uri="{BB962C8B-B14F-4D97-AF65-F5344CB8AC3E}">
+        <p14:creationId xmlns:p14="http://schemas.microsoft.com/office/powerpoint/2010/main" val="2110710717"/>
+      </p:ext>
+    </p:extLst>
+  </p:cSld>
+  <p:clrMapOvr>
+    <a:masterClrMapping/>
+  </p:clrMapOvr>
+  <p:timing>
+    <p:tnLst>
+      <p:par>
+        <p:cTn id="1" dur="indefinite" restart="never" nodeType="tmRoot">
+          <p:childTnLst>
+            <p:seq concurrent="1" nextAc="seek">
+              <p:cTn id="2" dur="indefinite" nodeType="mainSeq">
+                <p:childTnLst>
+                  <p:par>
+                    <p:cTn id="3" fill="hold">
+                      <p:stCondLst>
+                        <p:cond delay="indefinite"/>
+                      </p:stCondLst>
+                      <p:childTnLst>
+                        <p:par>
+                          <p:cTn id="4" fill="hold">
+                            <p:stCondLst>
+                              <p:cond delay="0"/>
+                            </p:stCondLst>
+                            <p:childTnLst>
+                              <p:par>
+                                <p:cTn id="5" presetID="2" presetClass="entr" presetSubtype="12" fill="hold" grpId="0" nodeType="clickEffect">
+                                  <p:stCondLst>
+                                    <p:cond delay="0"/>
+                                  </p:stCondLst>
+                                  <p:childTnLst>
+                                    <p:set>
+                                      <p:cBhvr>
+                                        <p:cTn id="6" dur="1" fill="hold">
+                                          <p:stCondLst>
+                                            <p:cond delay="0"/>
+                                          </p:stCondLst>
+                                        </p:cTn>
+                                        <p:tgtEl>
+                                          <p:spTgt spid="3">
+                                            <p:txEl>
+                                              <p:pRg st="0" end="0"/>
+                                            </p:txEl>
+                                          </p:spTgt>
+                                        </p:tgtEl>
+                                        <p:attrNameLst>
+                                          <p:attrName>style.visibility</p:attrName>
+                                        </p:attrNameLst>
+                                      </p:cBhvr>
+                                      <p:to>
+                                        <p:strVal val="visible"/>
+                                      </p:to>
+                                    </p:set>
+                                    <p:anim calcmode="lin" valueType="num">
+                                      <p:cBhvr additive="base">
+                                        <p:cTn id="7" dur="500" fill="hold"/>
+                                        <p:tgtEl>
+                                          <p:spTgt spid="3">
+                                            <p:txEl>
+                                              <p:pRg st="0" end="0"/>
+                                            </p:txEl>
+                                          </p:spTgt>
+                                        </p:tgtEl>
+                                        <p:attrNameLst>
+                                          <p:attrName>ppt_x</p:attrName>
+                                        </p:attrNameLst>
+                                      </p:cBhvr>
+                                      <p:tavLst>
+                                        <p:tav tm="0">
+                                          <p:val>
+                                            <p:strVal val="0-#ppt_w/2"/>
+                                          </p:val>
+                                        </p:tav>
+                                        <p:tav tm="100000">
+                                          <p:val>
+                                            <p:strVal val="#ppt_x"/>
+                                          </p:val>
+                                        </p:tav>
+                                      </p:tavLst>
+                                    </p:anim>
+                                    <p:anim calcmode="lin" valueType="num">
+                                      <p:cBhvr additive="base">
+                                        <p:cTn id="8" dur="500" fill="hold"/>
+                                        <p:tgtEl>
+                                          <p:spTgt spid="3">
+                                            <p:txEl>
+                                              <p:pRg st="0" end="0"/>
+                                            </p:txEl>
+                                          </p:spTgt>
+                                        </p:tgtEl>
+                                        <p:attrNameLst>
+                                          <p:attrName>ppt_y</p:attrName>
+                                        </p:attrNameLst>
+                                      </p:cBhvr>
+                                      <p:tavLst>
+                                        <p:tav tm="0">
+                                          <p:val>
+                                            <p:strVal val="1+#ppt_h/2"/>
+                                          </p:val>
+                                        </p:tav>
+                                        <p:tav tm="100000">
+                                          <p:val>
+                                            <p:strVal val="#ppt_y"/>
+                                          </p:val>
+                                        </p:tav>
+                                      </p:tavLst>
+                                    </p:anim>
+                                  </p:childTnLst>
+                                </p:cTn>
+                              </p:par>
+                              <p:par>
+                                <p:cTn id="9" presetID="2" presetClass="entr" presetSubtype="12" fill="hold" grpId="0" nodeType="withEffect">
+                                  <p:stCondLst>
+                                    <p:cond delay="0"/>
+                                  </p:stCondLst>
+                                  <p:childTnLst>
+                                    <p:set>
+                                      <p:cBhvr>
+                                        <p:cTn id="10" dur="1" fill="hold">
+                                          <p:stCondLst>
+                                            <p:cond delay="0"/>
+                                          </p:stCondLst>
+                                        </p:cTn>
+                                        <p:tgtEl>
+                                          <p:spTgt spid="3">
+                                            <p:txEl>
+                                              <p:pRg st="1" end="1"/>
+                                            </p:txEl>
+                                          </p:spTgt>
+                                        </p:tgtEl>
+                                        <p:attrNameLst>
+                                          <p:attrName>style.visibility</p:attrName>
+                                        </p:attrNameLst>
+                                      </p:cBhvr>
+                                      <p:to>
+                                        <p:strVal val="visible"/>
+                                      </p:to>
+                                    </p:set>
+                                    <p:anim calcmode="lin" valueType="num">
+                                      <p:cBhvr additive="base">
+                                        <p:cTn id="11" dur="500" fill="hold"/>
+                                        <p:tgtEl>
+                                          <p:spTgt spid="3">
+                                            <p:txEl>
+                                              <p:pRg st="1" end="1"/>
+                                            </p:txEl>
+                                          </p:spTgt>
+                                        </p:tgtEl>
+                                        <p:attrNameLst>
+                                          <p:attrName>ppt_x</p:attrName>
+                                        </p:attrNameLst>
+                                      </p:cBhvr>
+                                      <p:tavLst>
+                                        <p:tav tm="0">
+                                          <p:val>
+                                            <p:strVal val="0-#ppt_w/2"/>
+                                          </p:val>
+                                        </p:tav>
+                                        <p:tav tm="100000">
+                                          <p:val>
+                                            <p:strVal val="#ppt_x"/>
+                                          </p:val>
+                                        </p:tav>
+                                      </p:tavLst>
+                                    </p:anim>
+                                    <p:anim calcmode="lin" valueType="num">
+                                      <p:cBhvr additive="base">
+                                        <p:cTn id="12" dur="500" fill="hold"/>
+                                        <p:tgtEl>
+                                          <p:spTgt spid="3">
+                                            <p:txEl>
+                                              <p:pRg st="1" end="1"/>
+                                            </p:txEl>
+                                          </p:spTgt>
+                                        </p:tgtEl>
+                                        <p:attrNameLst>
+                                          <p:attrName>ppt_y</p:attrName>
+                                        </p:attrNameLst>
+                                      </p:cBhvr>
+                                      <p:tavLst>
+                                        <p:tav tm="0">
+                                          <p:val>
+                                            <p:strVal val="1+#ppt_h/2"/>
+                                          </p:val>
+                                        </p:tav>
+                                        <p:tav tm="100000">
+                                          <p:val>
+                                            <p:strVal val="#ppt_y"/>
+                                          </p:val>
+                                        </p:tav>
+                                      </p:tavLst>
+                                    </p:anim>
+                                  </p:childTnLst>
+                                </p:cTn>
+                              </p:par>
+                            </p:childTnLst>
+                          </p:cTn>
+                        </p:par>
+                      </p:childTnLst>
+                    </p:cTn>
+                  </p:par>
+                  <p:par>
+                    <p:cTn id="13" fill="hold">
+                      <p:stCondLst>
+                        <p:cond delay="indefinite"/>
+                      </p:stCondLst>
+                      <p:childTnLst>
+                        <p:par>
+                          <p:cTn id="14" fill="hold">
+                            <p:stCondLst>
+                              <p:cond delay="0"/>
+                            </p:stCondLst>
+                            <p:childTnLst>
+                              <p:par>
+                                <p:cTn id="15" presetID="2" presetClass="entr" presetSubtype="12" fill="hold" grpId="0" nodeType="clickEffect">
+                                  <p:stCondLst>
+                                    <p:cond delay="0"/>
+                                  </p:stCondLst>
+                                  <p:childTnLst>
+                                    <p:set>
+                                      <p:cBhvr>
+                                        <p:cTn id="16" dur="1" fill="hold">
+                                          <p:stCondLst>
+                                            <p:cond delay="0"/>
+                                          </p:stCondLst>
+                                        </p:cTn>
+                                        <p:tgtEl>
+                                          <p:spTgt spid="3">
+                                            <p:txEl>
+                                              <p:pRg st="3" end="3"/>
+                                            </p:txEl>
+                                          </p:spTgt>
+                                        </p:tgtEl>
+                                        <p:attrNameLst>
+                                          <p:attrName>style.visibility</p:attrName>
+                                        </p:attrNameLst>
+                                      </p:cBhvr>
+                                      <p:to>
+                                        <p:strVal val="visible"/>
+                                      </p:to>
+                                    </p:set>
+                                    <p:anim calcmode="lin" valueType="num">
+                                      <p:cBhvr additive="base">
+                                        <p:cTn id="17" dur="500" fill="hold"/>
+                                        <p:tgtEl>
+                                          <p:spTgt spid="3">
+                                            <p:txEl>
+                                              <p:pRg st="3" end="3"/>
+                                            </p:txEl>
+                                          </p:spTgt>
+                                        </p:tgtEl>
+                                        <p:attrNameLst>
+                                          <p:attrName>ppt_x</p:attrName>
+                                        </p:attrNameLst>
+                                      </p:cBhvr>
+                                      <p:tavLst>
+                                        <p:tav tm="0">
+                                          <p:val>
+                                            <p:strVal val="0-#ppt_w/2"/>
+                                          </p:val>
+                                        </p:tav>
+                                        <p:tav tm="100000">
+                                          <p:val>
+                                            <p:strVal val="#ppt_x"/>
+                                          </p:val>
+                                        </p:tav>
+                                      </p:tavLst>
+                                    </p:anim>
+                                    <p:anim calcmode="lin" valueType="num">
+                                      <p:cBhvr additive="base">
+                                        <p:cTn id="18" dur="500" fill="hold"/>
+                                        <p:tgtEl>
+                                          <p:spTgt spid="3">
+                                            <p:txEl>
+                                              <p:pRg st="3" end="3"/>
+                                            </p:txEl>
+                                          </p:spTgt>
+                                        </p:tgtEl>
+                                        <p:attrNameLst>
+                                          <p:attrName>ppt_y</p:attrName>
+                                        </p:attrNameLst>
+                                      </p:cBhvr>
+                                      <p:tavLst>
+                                        <p:tav tm="0">
+                                          <p:val>
+                                            <p:strVal val="1+#ppt_h/2"/>
+                                          </p:val>
+                                        </p:tav>
+                                        <p:tav tm="100000">
+                                          <p:val>
+                                            <p:strVal val="#ppt_y"/>
+                                          </p:val>
+                                        </p:tav>
+                                      </p:tavLst>
+                                    </p:anim>
+                                  </p:childTnLst>
+                                </p:cTn>
+                              </p:par>
+                              <p:par>
+                                <p:cTn id="19" presetID="2" presetClass="entr" presetSubtype="12" fill="hold" grpId="0" nodeType="withEffect">
+                                  <p:stCondLst>
+                                    <p:cond delay="0"/>
+                                  </p:stCondLst>
+                                  <p:childTnLst>
+                                    <p:set>
+                                      <p:cBhvr>
+                                        <p:cTn id="20" dur="1" fill="hold">
+                                          <p:stCondLst>
+                                            <p:cond delay="0"/>
+                                          </p:stCondLst>
+                                        </p:cTn>
+                                        <p:tgtEl>
+                                          <p:spTgt spid="3">
+                                            <p:txEl>
+                                              <p:pRg st="4" end="4"/>
+                                            </p:txEl>
+                                          </p:spTgt>
+                                        </p:tgtEl>
+                                        <p:attrNameLst>
+                                          <p:attrName>style.visibility</p:attrName>
+                                        </p:attrNameLst>
+                                      </p:cBhvr>
+                                      <p:to>
+                                        <p:strVal val="visible"/>
+                                      </p:to>
+                                    </p:set>
+                                    <p:anim calcmode="lin" valueType="num">
+                                      <p:cBhvr additive="base">
+                                        <p:cTn id="21" dur="500" fill="hold"/>
+                                        <p:tgtEl>
+                                          <p:spTgt spid="3">
+                                            <p:txEl>
+                                              <p:pRg st="4" end="4"/>
+                                            </p:txEl>
+                                          </p:spTgt>
+                                        </p:tgtEl>
+                                        <p:attrNameLst>
+                                          <p:attrName>ppt_x</p:attrName>
+                                        </p:attrNameLst>
+                                      </p:cBhvr>
+                                      <p:tavLst>
+                                        <p:tav tm="0">
+                                          <p:val>
+                                            <p:strVal val="0-#ppt_w/2"/>
+                                          </p:val>
+                                        </p:tav>
+                                        <p:tav tm="100000">
+                                          <p:val>
+                                            <p:strVal val="#ppt_x"/>
+                                          </p:val>
+                                        </p:tav>
+                                      </p:tavLst>
+                                    </p:anim>
+                                    <p:anim calcmode="lin" valueType="num">
+                                      <p:cBhvr additive="base">
+                                        <p:cTn id="22" dur="500" fill="hold"/>
+                                        <p:tgtEl>
+                                          <p:spTgt spid="3">
+                                            <p:txEl>
+                                              <p:pRg st="4" end="4"/>
+                                            </p:txEl>
+                                          </p:spTgt>
+                                        </p:tgtEl>
+                                        <p:attrNameLst>
+                                          <p:attrName>ppt_y</p:attrName>
+                                        </p:attrNameLst>
+                                      </p:cBhvr>
+                                      <p:tavLst>
+                                        <p:tav tm="0">
+                                          <p:val>
+                                            <p:strVal val="1+#ppt_h/2"/>
+                                          </p:val>
+                                        </p:tav>
+                                        <p:tav tm="100000">
+                                          <p:val>
+                                            <p:strVal val="#ppt_y"/>
+                                          </p:val>
+                                        </p:tav>
+                                      </p:tavLst>
+                                    </p:anim>
+                                  </p:childTnLst>
+                                </p:cTn>
+                              </p:par>
+                            </p:childTnLst>
+                          </p:cTn>
+                        </p:par>
+                      </p:childTnLst>
+                    </p:cTn>
+                  </p:par>
+                  <p:par>
+                    <p:cTn id="23" fill="hold">
+                      <p:stCondLst>
+                        <p:cond delay="indefinite"/>
+                      </p:stCondLst>
+                      <p:childTnLst>
+                        <p:par>
+                          <p:cTn id="24" fill="hold">
+                            <p:stCondLst>
+                              <p:cond delay="0"/>
+                            </p:stCondLst>
+                            <p:childTnLst>
+                              <p:par>
+                                <p:cTn id="25" presetID="2" presetClass="entr" presetSubtype="6" fill="hold" nodeType="clickEffect">
+                                  <p:stCondLst>
+                                    <p:cond delay="0"/>
+                                  </p:stCondLst>
+                                  <p:childTnLst>
+                                    <p:set>
+                                      <p:cBhvr>
+                                        <p:cTn id="26" dur="1" fill="hold">
+                                          <p:stCondLst>
+                                            <p:cond delay="0"/>
+                                          </p:stCondLst>
+                                        </p:cTn>
+                                        <p:tgtEl>
+                                          <p:spTgt spid="5"/>
+                                        </p:tgtEl>
+                                        <p:attrNameLst>
+                                          <p:attrName>style.visibility</p:attrName>
+                                        </p:attrNameLst>
+                                      </p:cBhvr>
+                                      <p:to>
+                                        <p:strVal val="visible"/>
+                                      </p:to>
+                                    </p:set>
+                                    <p:anim calcmode="lin" valueType="num">
+                                      <p:cBhvr additive="base">
+                                        <p:cTn id="27" dur="500" fill="hold"/>
+                                        <p:tgtEl>
+                                          <p:spTgt spid="5"/>
+                                        </p:tgtEl>
+                                        <p:attrNameLst>
+                                          <p:attrName>ppt_x</p:attrName>
+                                        </p:attrNameLst>
+                                      </p:cBhvr>
+                                      <p:tavLst>
+                                        <p:tav tm="0">
+                                          <p:val>
+                                            <p:strVal val="1+#ppt_w/2"/>
+                                          </p:val>
+                                        </p:tav>
+                                        <p:tav tm="100000">
+                                          <p:val>
+                                            <p:strVal val="#ppt_x"/>
+                                          </p:val>
+                                        </p:tav>
+                                      </p:tavLst>
+                                    </p:anim>
+                                    <p:anim calcmode="lin" valueType="num">
+                                      <p:cBhvr additive="base">
+                                        <p:cTn id="28" dur="500" fill="hold"/>
+                                        <p:tgtEl>
+                                          <p:spTgt spid="5"/>
+                                        </p:tgtEl>
+                                        <p:attrNameLst>
+                                          <p:attrName>ppt_y</p:attrName>
+                                        </p:attrNameLst>
+                                      </p:cBhvr>
+                                      <p:tavLst>
+                                        <p:tav tm="0">
+                                          <p:val>
+                                            <p:strVal val="1+#ppt_h/2"/>
+                                          </p:val>
+                                        </p:tav>
+                                        <p:tav tm="100000">
+                                          <p:val>
+                                            <p:strVal val="#ppt_y"/>
+                                          </p:val>
+                                        </p:tav>
+                                      </p:tavLst>
+                                    </p:anim>
+                                  </p:childTnLst>
+                                </p:cTn>
+                              </p:par>
+                            </p:childTnLst>
+                          </p:cTn>
+                        </p:par>
+                      </p:childTnLst>
+                    </p:cTn>
+                  </p:par>
+                </p:childTnLst>
+              </p:cTn>
+              <p:prevCondLst>
+                <p:cond evt="onPrev" delay="0">
+                  <p:tgtEl>
+                    <p:sldTgt/>
+                  </p:tgtEl>
+                </p:cond>
+              </p:prevCondLst>
+              <p:nextCondLst>
+                <p:cond evt="onNext" delay="0">
+                  <p:tgtEl>
+                    <p:sldTgt/>
+                  </p:tgtEl>
+                </p:cond>
+              </p:nextCondLst>
+            </p:seq>
+          </p:childTnLst>
+        </p:cTn>
+      </p:par>
+    </p:tnLst>
+    <p:bldLst>
+      <p:bldP spid="3" grpId="0" build="p"/>
+    </p:bldLst>
+  </p:timing>
+</p:sld>
+</file>
+
+<file path=ppt/slides/slide38.xml><?xml version="1.0" encoding="utf-8"?>
+<p:sld xmlns:a="http://schemas.openxmlformats.org/drawingml/2006/main" xmlns:r="http://schemas.openxmlformats.org/officeDocument/2006/relationships" xmlns:p="http://schemas.openxmlformats.org/presentationml/2006/main">
+  <p:cSld>
+    <p:spTree>
+      <p:nvGrpSpPr>
+        <p:cNvPr id="1" name=""/>
+        <p:cNvGrpSpPr/>
+        <p:nvPr/>
+      </p:nvGrpSpPr>
+      <p:grpSpPr>
+        <a:xfrm>
+          <a:off x="0" y="0"/>
+          <a:ext cx="0" cy="0"/>
+          <a:chOff x="0" y="0"/>
+          <a:chExt cx="0" cy="0"/>
+        </a:xfrm>
+      </p:grpSpPr>
+      <p:sp>
+        <p:nvSpPr>
+          <p:cNvPr id="2" name="Title 1">
+            <a:extLst>
+              <a:ext uri="{FF2B5EF4-FFF2-40B4-BE49-F238E27FC236}">
+                <a16:creationId xmlns:a16="http://schemas.microsoft.com/office/drawing/2014/main" id="{9867E241-C5B2-7741-9379-BB2C9FF2638D}"/>
+              </a:ext>
+            </a:extLst>
+          </p:cNvPr>
+          <p:cNvSpPr>
+            <a:spLocks noGrp="1"/>
+          </p:cNvSpPr>
+          <p:nvPr>
+            <p:ph type="title"/>
+          </p:nvPr>
+        </p:nvSpPr>
+        <p:spPr/>
+        <p:txBody>
+          <a:bodyPr/>
+          <a:lstStyle/>
+          <a:p>
+            <a:pPr algn="ctr"/>
+            <a:r>
+              <a:rPr lang="en-US" dirty="0"/>
+              <a:t>Where is memory used?</a:t>
+            </a:r>
+          </a:p>
+        </p:txBody>
+      </p:sp>
+      <p:sp>
+        <p:nvSpPr>
+          <p:cNvPr id="3" name="Content Placeholder 2">
+            <a:extLst>
+              <a:ext uri="{FF2B5EF4-FFF2-40B4-BE49-F238E27FC236}">
+                <a16:creationId xmlns:a16="http://schemas.microsoft.com/office/drawing/2014/main" id="{7C2F798C-05B9-EF4F-8C77-6C7F28A81BFD}"/>
+              </a:ext>
+            </a:extLst>
+          </p:cNvPr>
+          <p:cNvSpPr>
+            <a:spLocks noGrp="1"/>
+          </p:cNvSpPr>
+          <p:nvPr>
+            <p:ph idx="1"/>
+          </p:nvPr>
+        </p:nvSpPr>
+        <p:spPr>
+          <a:xfrm>
+            <a:off x="1141412" y="2249486"/>
+            <a:ext cx="10075228" cy="3989995"/>
+          </a:xfrm>
+        </p:spPr>
+        <p:txBody>
+          <a:bodyPr>
+            <a:normAutofit fontScale="77500" lnSpcReduction="20000"/>
+          </a:bodyPr>
+          <a:lstStyle/>
+          <a:p>
+            <a:r>
+              <a:rPr lang="en-US" dirty="0"/>
+              <a:t>Well isn’t it obvious?</a:t>
+            </a:r>
+          </a:p>
+          <a:p>
+            <a:pPr lvl="1"/>
+            <a:r>
+              <a:rPr lang="en-US" dirty="0">
+                <a:solidFill>
+                  <a:schemeClr val="accent4"/>
+                </a:solidFill>
+                <a:latin typeface="Consolas" panose="020B0609020204030204" pitchFamily="49" charset="0"/>
+                <a:cs typeface="Consolas" panose="020B0609020204030204" pitchFamily="49" charset="0"/>
+              </a:rPr>
+              <a:t>int</a:t>
+            </a:r>
+            <a:r>
+              <a:rPr lang="en-US" dirty="0">
+                <a:latin typeface="Consolas" panose="020B0609020204030204" pitchFamily="49" charset="0"/>
+                <a:cs typeface="Consolas" panose="020B0609020204030204" pitchFamily="49" charset="0"/>
+              </a:rPr>
+              <a:t> var and </a:t>
+            </a:r>
+            <a:r>
+              <a:rPr lang="en-US" dirty="0">
+                <a:solidFill>
+                  <a:schemeClr val="accent4"/>
+                </a:solidFill>
+                <a:latin typeface="Consolas" panose="020B0609020204030204" pitchFamily="49" charset="0"/>
+                <a:cs typeface="Consolas" panose="020B0609020204030204" pitchFamily="49" charset="0"/>
+              </a:rPr>
+              <a:t>int</a:t>
+            </a:r>
+            <a:r>
+              <a:rPr lang="en-US" dirty="0">
+                <a:latin typeface="Consolas" panose="020B0609020204030204" pitchFamily="49" charset="0"/>
+                <a:cs typeface="Consolas" panose="020B0609020204030204" pitchFamily="49" charset="0"/>
+              </a:rPr>
+              <a:t> res </a:t>
+            </a:r>
+          </a:p>
+          <a:p>
+            <a:pPr lvl="1"/>
+            <a:endParaRPr lang="en-US" dirty="0"/>
+          </a:p>
+          <a:p>
+            <a:r>
+              <a:rPr lang="en-US" dirty="0"/>
+              <a:t>Yes that’s one point where we do use memory, </a:t>
+            </a:r>
+            <a:r>
+              <a:rPr lang="en-US" b="1" dirty="0"/>
+              <a:t>but</a:t>
+            </a:r>
+            <a:r>
+              <a:rPr lang="en-US" dirty="0"/>
+              <a:t> we missed an important part!</a:t>
+            </a:r>
+          </a:p>
+          <a:p>
+            <a:pPr lvl="1"/>
+            <a:r>
+              <a:rPr lang="en-US" dirty="0"/>
+              <a:t>Remember when we talked about </a:t>
+            </a:r>
+            <a:r>
+              <a:rPr lang="en-US" b="1" dirty="0"/>
+              <a:t>functions</a:t>
+            </a:r>
+            <a:r>
+              <a:rPr lang="en-US" dirty="0"/>
+              <a:t> taking variables “</a:t>
+            </a:r>
+            <a:r>
+              <a:rPr lang="en-US" b="1" dirty="0"/>
+              <a:t>by value</a:t>
+            </a:r>
+            <a:r>
+              <a:rPr lang="en-US" dirty="0"/>
+              <a:t>” (create a copy)?</a:t>
+            </a:r>
+          </a:p>
+          <a:p>
+            <a:pPr lvl="1"/>
+            <a:r>
+              <a:rPr lang="en-US" dirty="0"/>
+              <a:t>Well that copy needs to be stored somewhere, and it just happens to be the computers memory</a:t>
+            </a:r>
+          </a:p>
+          <a:p>
+            <a:endParaRPr lang="en-US" dirty="0"/>
+          </a:p>
+          <a:p>
+            <a:r>
+              <a:rPr lang="en-US" dirty="0"/>
+              <a:t>This is even the case for calling the function. So every function call requires memory</a:t>
+            </a:r>
+          </a:p>
+          <a:p>
+            <a:endParaRPr lang="en-US" dirty="0"/>
+          </a:p>
+          <a:p>
+            <a:r>
+              <a:rPr lang="en-US" b="1" dirty="0"/>
+              <a:t>Main point</a:t>
+            </a:r>
+            <a:r>
+              <a:rPr lang="en-US" dirty="0"/>
+              <a:t>: Every time a function is called, we need memory where we can create a block for the function</a:t>
+            </a:r>
+          </a:p>
+        </p:txBody>
+      </p:sp>
+    </p:spTree>
+    <p:extLst>
+      <p:ext uri="{BB962C8B-B14F-4D97-AF65-F5344CB8AC3E}">
+        <p14:creationId xmlns:p14="http://schemas.microsoft.com/office/powerpoint/2010/main" val="4251863751"/>
+      </p:ext>
+    </p:extLst>
+  </p:cSld>
+  <p:clrMapOvr>
+    <a:masterClrMapping/>
+  </p:clrMapOvr>
+  <p:timing>
+    <p:tnLst>
+      <p:par>
+        <p:cTn id="1" dur="indefinite" restart="never" nodeType="tmRoot">
+          <p:childTnLst>
+            <p:seq concurrent="1" nextAc="seek">
+              <p:cTn id="2" dur="indefinite" nodeType="mainSeq">
+                <p:childTnLst>
+                  <p:par>
+                    <p:cTn id="3" fill="hold">
+                      <p:stCondLst>
+                        <p:cond delay="indefinite"/>
+                      </p:stCondLst>
+                      <p:childTnLst>
+                        <p:par>
+                          <p:cTn id="4" fill="hold">
+                            <p:stCondLst>
+                              <p:cond delay="0"/>
+                            </p:stCondLst>
+                            <p:childTnLst>
+                              <p:par>
+                                <p:cTn id="5" presetID="2" presetClass="entr" presetSubtype="12" fill="hold" grpId="0" nodeType="clickEffect">
+                                  <p:stCondLst>
+                                    <p:cond delay="0"/>
+                                  </p:stCondLst>
+                                  <p:childTnLst>
+                                    <p:set>
+                                      <p:cBhvr>
+                                        <p:cTn id="6" dur="1" fill="hold">
+                                          <p:stCondLst>
+                                            <p:cond delay="0"/>
+                                          </p:stCondLst>
+                                        </p:cTn>
+                                        <p:tgtEl>
+                                          <p:spTgt spid="3">
+                                            <p:txEl>
+                                              <p:pRg st="0" end="0"/>
+                                            </p:txEl>
+                                          </p:spTgt>
+                                        </p:tgtEl>
+                                        <p:attrNameLst>
+                                          <p:attrName>style.visibility</p:attrName>
+                                        </p:attrNameLst>
+                                      </p:cBhvr>
+                                      <p:to>
+                                        <p:strVal val="visible"/>
+                                      </p:to>
+                                    </p:set>
+                                    <p:anim calcmode="lin" valueType="num">
+                                      <p:cBhvr additive="base">
+                                        <p:cTn id="7" dur="500" fill="hold"/>
+                                        <p:tgtEl>
+                                          <p:spTgt spid="3">
+                                            <p:txEl>
+                                              <p:pRg st="0" end="0"/>
+                                            </p:txEl>
+                                          </p:spTgt>
+                                        </p:tgtEl>
+                                        <p:attrNameLst>
+                                          <p:attrName>ppt_x</p:attrName>
+                                        </p:attrNameLst>
+                                      </p:cBhvr>
+                                      <p:tavLst>
+                                        <p:tav tm="0">
+                                          <p:val>
+                                            <p:strVal val="0-#ppt_w/2"/>
+                                          </p:val>
+                                        </p:tav>
+                                        <p:tav tm="100000">
+                                          <p:val>
+                                            <p:strVal val="#ppt_x"/>
+                                          </p:val>
+                                        </p:tav>
+                                      </p:tavLst>
+                                    </p:anim>
+                                    <p:anim calcmode="lin" valueType="num">
+                                      <p:cBhvr additive="base">
+                                        <p:cTn id="8" dur="500" fill="hold"/>
+                                        <p:tgtEl>
+                                          <p:spTgt spid="3">
+                                            <p:txEl>
+                                              <p:pRg st="0" end="0"/>
+                                            </p:txEl>
+                                          </p:spTgt>
+                                        </p:tgtEl>
+                                        <p:attrNameLst>
+                                          <p:attrName>ppt_y</p:attrName>
+                                        </p:attrNameLst>
+                                      </p:cBhvr>
+                                      <p:tavLst>
+                                        <p:tav tm="0">
+                                          <p:val>
+                                            <p:strVal val="1+#ppt_h/2"/>
+                                          </p:val>
+                                        </p:tav>
+                                        <p:tav tm="100000">
+                                          <p:val>
+                                            <p:strVal val="#ppt_y"/>
+                                          </p:val>
+                                        </p:tav>
+                                      </p:tavLst>
+                                    </p:anim>
+                                  </p:childTnLst>
+                                </p:cTn>
+                              </p:par>
+                              <p:par>
+                                <p:cTn id="9" presetID="2" presetClass="entr" presetSubtype="12" fill="hold" grpId="0" nodeType="withEffect">
+                                  <p:stCondLst>
+                                    <p:cond delay="0"/>
+                                  </p:stCondLst>
+                                  <p:childTnLst>
+                                    <p:set>
+                                      <p:cBhvr>
+                                        <p:cTn id="10" dur="1" fill="hold">
+                                          <p:stCondLst>
+                                            <p:cond delay="0"/>
+                                          </p:stCondLst>
+                                        </p:cTn>
+                                        <p:tgtEl>
+                                          <p:spTgt spid="3">
+                                            <p:txEl>
+                                              <p:pRg st="1" end="1"/>
+                                            </p:txEl>
+                                          </p:spTgt>
+                                        </p:tgtEl>
+                                        <p:attrNameLst>
+                                          <p:attrName>style.visibility</p:attrName>
+                                        </p:attrNameLst>
+                                      </p:cBhvr>
+                                      <p:to>
+                                        <p:strVal val="visible"/>
+                                      </p:to>
+                                    </p:set>
+                                    <p:anim calcmode="lin" valueType="num">
+                                      <p:cBhvr additive="base">
+                                        <p:cTn id="11" dur="500" fill="hold"/>
+                                        <p:tgtEl>
+                                          <p:spTgt spid="3">
+                                            <p:txEl>
+                                              <p:pRg st="1" end="1"/>
+                                            </p:txEl>
+                                          </p:spTgt>
+                                        </p:tgtEl>
+                                        <p:attrNameLst>
+                                          <p:attrName>ppt_x</p:attrName>
+                                        </p:attrNameLst>
+                                      </p:cBhvr>
+                                      <p:tavLst>
+                                        <p:tav tm="0">
+                                          <p:val>
+                                            <p:strVal val="0-#ppt_w/2"/>
+                                          </p:val>
+                                        </p:tav>
+                                        <p:tav tm="100000">
+                                          <p:val>
+                                            <p:strVal val="#ppt_x"/>
+                                          </p:val>
+                                        </p:tav>
+                                      </p:tavLst>
+                                    </p:anim>
+                                    <p:anim calcmode="lin" valueType="num">
+                                      <p:cBhvr additive="base">
+                                        <p:cTn id="12" dur="500" fill="hold"/>
+                                        <p:tgtEl>
+                                          <p:spTgt spid="3">
+                                            <p:txEl>
+                                              <p:pRg st="1" end="1"/>
+                                            </p:txEl>
+                                          </p:spTgt>
+                                        </p:tgtEl>
+                                        <p:attrNameLst>
+                                          <p:attrName>ppt_y</p:attrName>
+                                        </p:attrNameLst>
+                                      </p:cBhvr>
+                                      <p:tavLst>
+                                        <p:tav tm="0">
+                                          <p:val>
+                                            <p:strVal val="1+#ppt_h/2"/>
+                                          </p:val>
+                                        </p:tav>
+                                        <p:tav tm="100000">
+                                          <p:val>
+                                            <p:strVal val="#ppt_y"/>
+                                          </p:val>
+                                        </p:tav>
+                                      </p:tavLst>
+                                    </p:anim>
+                                  </p:childTnLst>
+                                </p:cTn>
+                              </p:par>
+                            </p:childTnLst>
+                          </p:cTn>
+                        </p:par>
+                      </p:childTnLst>
+                    </p:cTn>
+                  </p:par>
+                  <p:par>
+                    <p:cTn id="13" fill="hold">
+                      <p:stCondLst>
+                        <p:cond delay="indefinite"/>
+                      </p:stCondLst>
+                      <p:childTnLst>
+                        <p:par>
+                          <p:cTn id="14" fill="hold">
+                            <p:stCondLst>
+                              <p:cond delay="0"/>
+                            </p:stCondLst>
+                            <p:childTnLst>
+                              <p:par>
+                                <p:cTn id="15" presetID="2" presetClass="entr" presetSubtype="12" fill="hold" grpId="0" nodeType="clickEffect">
+                                  <p:stCondLst>
+                                    <p:cond delay="0"/>
+                                  </p:stCondLst>
+                                  <p:childTnLst>
+                                    <p:set>
+                                      <p:cBhvr>
+                                        <p:cTn id="16" dur="1" fill="hold">
+                                          <p:stCondLst>
+                                            <p:cond delay="0"/>
+                                          </p:stCondLst>
+                                        </p:cTn>
+                                        <p:tgtEl>
+                                          <p:spTgt spid="3">
+                                            <p:txEl>
+                                              <p:pRg st="3" end="3"/>
+                                            </p:txEl>
+                                          </p:spTgt>
+                                        </p:tgtEl>
+                                        <p:attrNameLst>
+                                          <p:attrName>style.visibility</p:attrName>
+                                        </p:attrNameLst>
+                                      </p:cBhvr>
+                                      <p:to>
+                                        <p:strVal val="visible"/>
+                                      </p:to>
+                                    </p:set>
+                                    <p:anim calcmode="lin" valueType="num">
+                                      <p:cBhvr additive="base">
+                                        <p:cTn id="17" dur="500" fill="hold"/>
+                                        <p:tgtEl>
+                                          <p:spTgt spid="3">
+                                            <p:txEl>
+                                              <p:pRg st="3" end="3"/>
+                                            </p:txEl>
+                                          </p:spTgt>
+                                        </p:tgtEl>
+                                        <p:attrNameLst>
+                                          <p:attrName>ppt_x</p:attrName>
+                                        </p:attrNameLst>
+                                      </p:cBhvr>
+                                      <p:tavLst>
+                                        <p:tav tm="0">
+                                          <p:val>
+                                            <p:strVal val="0-#ppt_w/2"/>
+                                          </p:val>
+                                        </p:tav>
+                                        <p:tav tm="100000">
+                                          <p:val>
+                                            <p:strVal val="#ppt_x"/>
+                                          </p:val>
+                                        </p:tav>
+                                      </p:tavLst>
+                                    </p:anim>
+                                    <p:anim calcmode="lin" valueType="num">
+                                      <p:cBhvr additive="base">
+                                        <p:cTn id="18" dur="500" fill="hold"/>
+                                        <p:tgtEl>
+                                          <p:spTgt spid="3">
+                                            <p:txEl>
+                                              <p:pRg st="3" end="3"/>
+                                            </p:txEl>
+                                          </p:spTgt>
+                                        </p:tgtEl>
+                                        <p:attrNameLst>
+                                          <p:attrName>ppt_y</p:attrName>
+                                        </p:attrNameLst>
+                                      </p:cBhvr>
+                                      <p:tavLst>
+                                        <p:tav tm="0">
+                                          <p:val>
+                                            <p:strVal val="1+#ppt_h/2"/>
+                                          </p:val>
+                                        </p:tav>
+                                        <p:tav tm="100000">
+                                          <p:val>
+                                            <p:strVal val="#ppt_y"/>
+                                          </p:val>
+                                        </p:tav>
+                                      </p:tavLst>
+                                    </p:anim>
+                                  </p:childTnLst>
+                                </p:cTn>
+                              </p:par>
+                              <p:par>
+                                <p:cTn id="19" presetID="2" presetClass="entr" presetSubtype="12" fill="hold" grpId="0" nodeType="withEffect">
+                                  <p:stCondLst>
+                                    <p:cond delay="0"/>
+                                  </p:stCondLst>
+                                  <p:childTnLst>
+                                    <p:set>
+                                      <p:cBhvr>
+                                        <p:cTn id="20" dur="1" fill="hold">
+                                          <p:stCondLst>
+                                            <p:cond delay="0"/>
+                                          </p:stCondLst>
+                                        </p:cTn>
+                                        <p:tgtEl>
+                                          <p:spTgt spid="3">
+                                            <p:txEl>
+                                              <p:pRg st="4" end="4"/>
+                                            </p:txEl>
+                                          </p:spTgt>
+                                        </p:tgtEl>
+                                        <p:attrNameLst>
+                                          <p:attrName>style.visibility</p:attrName>
+                                        </p:attrNameLst>
+                                      </p:cBhvr>
+                                      <p:to>
+                                        <p:strVal val="visible"/>
+                                      </p:to>
+                                    </p:set>
+                                    <p:anim calcmode="lin" valueType="num">
+                                      <p:cBhvr additive="base">
+                                        <p:cTn id="21" dur="500" fill="hold"/>
+                                        <p:tgtEl>
+                                          <p:spTgt spid="3">
+                                            <p:txEl>
+                                              <p:pRg st="4" end="4"/>
+                                            </p:txEl>
+                                          </p:spTgt>
+                                        </p:tgtEl>
+                                        <p:attrNameLst>
+                                          <p:attrName>ppt_x</p:attrName>
+                                        </p:attrNameLst>
+                                      </p:cBhvr>
+                                      <p:tavLst>
+                                        <p:tav tm="0">
+                                          <p:val>
+                                            <p:strVal val="0-#ppt_w/2"/>
+                                          </p:val>
+                                        </p:tav>
+                                        <p:tav tm="100000">
+                                          <p:val>
+                                            <p:strVal val="#ppt_x"/>
+                                          </p:val>
+                                        </p:tav>
+                                      </p:tavLst>
+                                    </p:anim>
+                                    <p:anim calcmode="lin" valueType="num">
+                                      <p:cBhvr additive="base">
+                                        <p:cTn id="22" dur="500" fill="hold"/>
+                                        <p:tgtEl>
+                                          <p:spTgt spid="3">
+                                            <p:txEl>
+                                              <p:pRg st="4" end="4"/>
+                                            </p:txEl>
+                                          </p:spTgt>
+                                        </p:tgtEl>
+                                        <p:attrNameLst>
+                                          <p:attrName>ppt_y</p:attrName>
+                                        </p:attrNameLst>
+                                      </p:cBhvr>
+                                      <p:tavLst>
+                                        <p:tav tm="0">
+                                          <p:val>
+                                            <p:strVal val="1+#ppt_h/2"/>
+                                          </p:val>
+                                        </p:tav>
+                                        <p:tav tm="100000">
+                                          <p:val>
+                                            <p:strVal val="#ppt_y"/>
+                                          </p:val>
+                                        </p:tav>
+                                      </p:tavLst>
+                                    </p:anim>
+                                  </p:childTnLst>
+                                </p:cTn>
+                              </p:par>
+                            </p:childTnLst>
+                          </p:cTn>
+                        </p:par>
+                      </p:childTnLst>
+                    </p:cTn>
+                  </p:par>
+                  <p:par>
+                    <p:cTn id="23" fill="hold">
+                      <p:stCondLst>
+                        <p:cond delay="indefinite"/>
+                      </p:stCondLst>
+                      <p:childTnLst>
+                        <p:par>
+                          <p:cTn id="24" fill="hold">
+                            <p:stCondLst>
+                              <p:cond delay="0"/>
+                            </p:stCondLst>
+                            <p:childTnLst>
+                              <p:par>
+                                <p:cTn id="25" presetID="2" presetClass="entr" presetSubtype="12" fill="hold" grpId="0" nodeType="clickEffect">
+                                  <p:stCondLst>
+                                    <p:cond delay="0"/>
+                                  </p:stCondLst>
+                                  <p:childTnLst>
+                                    <p:set>
+                                      <p:cBhvr>
+                                        <p:cTn id="26" dur="1" fill="hold">
+                                          <p:stCondLst>
+                                            <p:cond delay="0"/>
+                                          </p:stCondLst>
+                                        </p:cTn>
+                                        <p:tgtEl>
+                                          <p:spTgt spid="3">
+                                            <p:txEl>
+                                              <p:pRg st="5" end="5"/>
+                                            </p:txEl>
+                                          </p:spTgt>
+                                        </p:tgtEl>
+                                        <p:attrNameLst>
+                                          <p:attrName>style.visibility</p:attrName>
+                                        </p:attrNameLst>
+                                      </p:cBhvr>
+                                      <p:to>
+                                        <p:strVal val="visible"/>
+                                      </p:to>
+                                    </p:set>
+                                    <p:anim calcmode="lin" valueType="num">
+                                      <p:cBhvr additive="base">
+                                        <p:cTn id="27" dur="500" fill="hold"/>
+                                        <p:tgtEl>
+                                          <p:spTgt spid="3">
+                                            <p:txEl>
+                                              <p:pRg st="5" end="5"/>
+                                            </p:txEl>
+                                          </p:spTgt>
+                                        </p:tgtEl>
+                                        <p:attrNameLst>
+                                          <p:attrName>ppt_x</p:attrName>
+                                        </p:attrNameLst>
+                                      </p:cBhvr>
+                                      <p:tavLst>
+                                        <p:tav tm="0">
+                                          <p:val>
+                                            <p:strVal val="0-#ppt_w/2"/>
+                                          </p:val>
+                                        </p:tav>
+                                        <p:tav tm="100000">
+                                          <p:val>
+                                            <p:strVal val="#ppt_x"/>
+                                          </p:val>
+                                        </p:tav>
+                                      </p:tavLst>
+                                    </p:anim>
+                                    <p:anim calcmode="lin" valueType="num">
+                                      <p:cBhvr additive="base">
+                                        <p:cTn id="28" dur="500" fill="hold"/>
+                                        <p:tgtEl>
+                                          <p:spTgt spid="3">
+                                            <p:txEl>
+                                              <p:pRg st="5" end="5"/>
+                                            </p:txEl>
+                                          </p:spTgt>
+                                        </p:tgtEl>
+                                        <p:attrNameLst>
+                                          <p:attrName>ppt_y</p:attrName>
+                                        </p:attrNameLst>
+                                      </p:cBhvr>
+                                      <p:tavLst>
+                                        <p:tav tm="0">
+                                          <p:val>
+                                            <p:strVal val="1+#ppt_h/2"/>
+                                          </p:val>
+                                        </p:tav>
+                                        <p:tav tm="100000">
+                                          <p:val>
+                                            <p:strVal val="#ppt_y"/>
+                                          </p:val>
+                                        </p:tav>
+                                      </p:tavLst>
+                                    </p:anim>
+                                  </p:childTnLst>
+                                </p:cTn>
+                              </p:par>
+                            </p:childTnLst>
+                          </p:cTn>
+                        </p:par>
+                      </p:childTnLst>
+                    </p:cTn>
+                  </p:par>
+                  <p:par>
+                    <p:cTn id="29" fill="hold">
+                      <p:stCondLst>
+                        <p:cond delay="indefinite"/>
+                      </p:stCondLst>
+                      <p:childTnLst>
+                        <p:par>
+                          <p:cTn id="30" fill="hold">
+                            <p:stCondLst>
+                              <p:cond delay="0"/>
+                            </p:stCondLst>
+                            <p:childTnLst>
+                              <p:par>
+                                <p:cTn id="31" presetID="2" presetClass="entr" presetSubtype="12" fill="hold" grpId="0" nodeType="clickEffect">
+                                  <p:stCondLst>
+                                    <p:cond delay="0"/>
+                                  </p:stCondLst>
+                                  <p:childTnLst>
+                                    <p:set>
+                                      <p:cBhvr>
+                                        <p:cTn id="32" dur="1" fill="hold">
+                                          <p:stCondLst>
+                                            <p:cond delay="0"/>
+                                          </p:stCondLst>
+                                        </p:cTn>
+                                        <p:tgtEl>
+                                          <p:spTgt spid="3">
+                                            <p:txEl>
+                                              <p:pRg st="7" end="7"/>
+                                            </p:txEl>
+                                          </p:spTgt>
+                                        </p:tgtEl>
+                                        <p:attrNameLst>
+                                          <p:attrName>style.visibility</p:attrName>
+                                        </p:attrNameLst>
+                                      </p:cBhvr>
+                                      <p:to>
+                                        <p:strVal val="visible"/>
+                                      </p:to>
+                                    </p:set>
+                                    <p:anim calcmode="lin" valueType="num">
+                                      <p:cBhvr additive="base">
+                                        <p:cTn id="33" dur="500" fill="hold"/>
+                                        <p:tgtEl>
+                                          <p:spTgt spid="3">
+                                            <p:txEl>
+                                              <p:pRg st="7" end="7"/>
+                                            </p:txEl>
+                                          </p:spTgt>
+                                        </p:tgtEl>
+                                        <p:attrNameLst>
+                                          <p:attrName>ppt_x</p:attrName>
+                                        </p:attrNameLst>
+                                      </p:cBhvr>
+                                      <p:tavLst>
+                                        <p:tav tm="0">
+                                          <p:val>
+                                            <p:strVal val="0-#ppt_w/2"/>
+                                          </p:val>
+                                        </p:tav>
+                                        <p:tav tm="100000">
+                                          <p:val>
+                                            <p:strVal val="#ppt_x"/>
+                                          </p:val>
+                                        </p:tav>
+                                      </p:tavLst>
+                                    </p:anim>
+                                    <p:anim calcmode="lin" valueType="num">
+                                      <p:cBhvr additive="base">
+                                        <p:cTn id="34" dur="500" fill="hold"/>
+                                        <p:tgtEl>
+                                          <p:spTgt spid="3">
+                                            <p:txEl>
+                                              <p:pRg st="7" end="7"/>
+                                            </p:txEl>
+                                          </p:spTgt>
+                                        </p:tgtEl>
+                                        <p:attrNameLst>
+                                          <p:attrName>ppt_y</p:attrName>
+                                        </p:attrNameLst>
+                                      </p:cBhvr>
+                                      <p:tavLst>
+                                        <p:tav tm="0">
+                                          <p:val>
+                                            <p:strVal val="1+#ppt_h/2"/>
+                                          </p:val>
+                                        </p:tav>
+                                        <p:tav tm="100000">
+                                          <p:val>
+                                            <p:strVal val="#ppt_y"/>
+                                          </p:val>
+                                        </p:tav>
+                                      </p:tavLst>
+                                    </p:anim>
+                                  </p:childTnLst>
+                                </p:cTn>
+                              </p:par>
+                            </p:childTnLst>
+                          </p:cTn>
+                        </p:par>
+                      </p:childTnLst>
+                    </p:cTn>
+                  </p:par>
+                  <p:par>
+                    <p:cTn id="35" fill="hold">
+                      <p:stCondLst>
+                        <p:cond delay="indefinite"/>
+                      </p:stCondLst>
+                      <p:childTnLst>
+                        <p:par>
+                          <p:cTn id="36" fill="hold">
+                            <p:stCondLst>
+                              <p:cond delay="0"/>
+                            </p:stCondLst>
+                            <p:childTnLst>
+                              <p:par>
+                                <p:cTn id="37" presetID="2" presetClass="entr" presetSubtype="12" fill="hold" grpId="0" nodeType="clickEffect">
+                                  <p:stCondLst>
+                                    <p:cond delay="0"/>
+                                  </p:stCondLst>
+                                  <p:childTnLst>
+                                    <p:set>
+                                      <p:cBhvr>
+                                        <p:cTn id="38" dur="1" fill="hold">
+                                          <p:stCondLst>
+                                            <p:cond delay="0"/>
+                                          </p:stCondLst>
+                                        </p:cTn>
+                                        <p:tgtEl>
+                                          <p:spTgt spid="3">
+                                            <p:txEl>
+                                              <p:pRg st="9" end="9"/>
+                                            </p:txEl>
+                                          </p:spTgt>
+                                        </p:tgtEl>
+                                        <p:attrNameLst>
+                                          <p:attrName>style.visibility</p:attrName>
+                                        </p:attrNameLst>
+                                      </p:cBhvr>
+                                      <p:to>
+                                        <p:strVal val="visible"/>
+                                      </p:to>
+                                    </p:set>
+                                    <p:anim calcmode="lin" valueType="num">
+                                      <p:cBhvr additive="base">
+                                        <p:cTn id="39" dur="500" fill="hold"/>
+                                        <p:tgtEl>
+                                          <p:spTgt spid="3">
+                                            <p:txEl>
+                                              <p:pRg st="9" end="9"/>
+                                            </p:txEl>
+                                          </p:spTgt>
+                                        </p:tgtEl>
+                                        <p:attrNameLst>
+                                          <p:attrName>ppt_x</p:attrName>
+                                        </p:attrNameLst>
+                                      </p:cBhvr>
+                                      <p:tavLst>
+                                        <p:tav tm="0">
+                                          <p:val>
+                                            <p:strVal val="0-#ppt_w/2"/>
+                                          </p:val>
+                                        </p:tav>
+                                        <p:tav tm="100000">
+                                          <p:val>
+                                            <p:strVal val="#ppt_x"/>
+                                          </p:val>
+                                        </p:tav>
+                                      </p:tavLst>
+                                    </p:anim>
+                                    <p:anim calcmode="lin" valueType="num">
+                                      <p:cBhvr additive="base">
+                                        <p:cTn id="40" dur="500" fill="hold"/>
+                                        <p:tgtEl>
+                                          <p:spTgt spid="3">
+                                            <p:txEl>
+                                              <p:pRg st="9" end="9"/>
+                                            </p:txEl>
+                                          </p:spTgt>
+                                        </p:tgtEl>
+                                        <p:attrNameLst>
+                                          <p:attrName>ppt_y</p:attrName>
+                                        </p:attrNameLst>
+                                      </p:cBhvr>
+                                      <p:tavLst>
+                                        <p:tav tm="0">
+                                          <p:val>
+                                            <p:strVal val="1+#ppt_h/2"/>
+                                          </p:val>
+                                        </p:tav>
+                                        <p:tav tm="100000">
+                                          <p:val>
+                                            <p:strVal val="#ppt_y"/>
+                                          </p:val>
+                                        </p:tav>
+                                      </p:tavLst>
+                                    </p:anim>
+                                  </p:childTnLst>
+                                </p:cTn>
+                              </p:par>
+                            </p:childTnLst>
+                          </p:cTn>
+                        </p:par>
+                      </p:childTnLst>
+                    </p:cTn>
+                  </p:par>
+                </p:childTnLst>
+              </p:cTn>
+              <p:prevCondLst>
+                <p:cond evt="onPrev" delay="0">
+                  <p:tgtEl>
+                    <p:sldTgt/>
+                  </p:tgtEl>
+                </p:cond>
+              </p:prevCondLst>
+              <p:nextCondLst>
+                <p:cond evt="onNext" delay="0">
+                  <p:tgtEl>
+                    <p:sldTgt/>
+                  </p:tgtEl>
+                </p:cond>
+              </p:nextCondLst>
+            </p:seq>
+          </p:childTnLst>
+        </p:cTn>
+      </p:par>
+    </p:tnLst>
+    <p:bldLst>
+      <p:bldP spid="3" grpId="0" uiExpand="1" build="p"/>
+    </p:bldLst>
+  </p:timing>
+</p:sld>
+</file>
+
+<file path=ppt/slides/slide39.xml><?xml version="1.0" encoding="utf-8"?>
+<p:sld xmlns:a="http://schemas.openxmlformats.org/drawingml/2006/main" xmlns:r="http://schemas.openxmlformats.org/officeDocument/2006/relationships" xmlns:p="http://schemas.openxmlformats.org/presentationml/2006/main">
+  <p:cSld>
+    <p:spTree>
+      <p:nvGrpSpPr>
+        <p:cNvPr id="1" name=""/>
+        <p:cNvGrpSpPr/>
+        <p:nvPr/>
+      </p:nvGrpSpPr>
+      <p:grpSpPr>
+        <a:xfrm>
+          <a:off x="0" y="0"/>
+          <a:ext cx="0" cy="0"/>
+          <a:chOff x="0" y="0"/>
+          <a:chExt cx="0" cy="0"/>
+        </a:xfrm>
+      </p:grpSpPr>
+      <p:sp>
+        <p:nvSpPr>
+          <p:cNvPr id="2" name="Title 1">
+            <a:extLst>
+              <a:ext uri="{FF2B5EF4-FFF2-40B4-BE49-F238E27FC236}">
+                <a16:creationId xmlns:a16="http://schemas.microsoft.com/office/drawing/2014/main" id="{B86C58B9-9646-BF49-AE77-3A54B22A1273}"/>
+              </a:ext>
+            </a:extLst>
+          </p:cNvPr>
+          <p:cNvSpPr>
+            <a:spLocks noGrp="1"/>
+          </p:cNvSpPr>
+          <p:nvPr>
+            <p:ph type="title"/>
+          </p:nvPr>
+        </p:nvSpPr>
+        <p:spPr/>
+        <p:txBody>
+          <a:bodyPr/>
+          <a:lstStyle/>
+          <a:p>
+            <a:pPr algn="ctr"/>
+            <a:r>
+              <a:rPr lang="en-US" b="1" dirty="0"/>
+              <a:t>The stack</a:t>
+            </a:r>
+          </a:p>
+        </p:txBody>
+      </p:sp>
+      <p:sp>
+        <p:nvSpPr>
+          <p:cNvPr id="3" name="Content Placeholder 2">
+            <a:extLst>
+              <a:ext uri="{FF2B5EF4-FFF2-40B4-BE49-F238E27FC236}">
+                <a16:creationId xmlns:a16="http://schemas.microsoft.com/office/drawing/2014/main" id="{5442B780-6B40-524C-B052-4F2B4F3E2500}"/>
+              </a:ext>
+            </a:extLst>
+          </p:cNvPr>
+          <p:cNvSpPr>
+            <a:spLocks noGrp="1"/>
+          </p:cNvSpPr>
+          <p:nvPr>
+            <p:ph idx="1"/>
+          </p:nvPr>
+        </p:nvSpPr>
+        <p:spPr>
+          <a:xfrm>
+            <a:off x="1080452" y="2296941"/>
+            <a:ext cx="10027920" cy="3846513"/>
+          </a:xfrm>
+        </p:spPr>
+        <p:txBody>
+          <a:bodyPr>
+            <a:normAutofit fontScale="92500"/>
+          </a:bodyPr>
+          <a:lstStyle/>
+          <a:p>
+            <a:r>
+              <a:rPr lang="en-US" dirty="0"/>
+              <a:t>Our computers memory has a pretty complex layout</a:t>
+            </a:r>
+          </a:p>
+          <a:p>
+            <a:r>
+              <a:rPr lang="en-US" dirty="0"/>
+              <a:t>But there exists a part called the </a:t>
+            </a:r>
+            <a:r>
+              <a:rPr lang="en-US" b="1" dirty="0"/>
+              <a:t>stack</a:t>
+            </a:r>
+          </a:p>
+          <a:p>
+            <a:r>
+              <a:rPr lang="en-US" dirty="0"/>
+              <a:t>The </a:t>
+            </a:r>
+            <a:r>
+              <a:rPr lang="en-US" b="1" dirty="0"/>
+              <a:t>stack</a:t>
+            </a:r>
+            <a:r>
+              <a:rPr lang="en-US" dirty="0"/>
+              <a:t> is where all our variables go (this is technically not true, but too in-depth)</a:t>
+            </a:r>
+          </a:p>
+          <a:p>
+            <a:r>
+              <a:rPr lang="en-US" dirty="0"/>
+              <a:t>When a function is called, the </a:t>
+            </a:r>
+            <a:r>
+              <a:rPr lang="en-US" b="1" dirty="0"/>
+              <a:t>OS</a:t>
+            </a:r>
+            <a:r>
+              <a:rPr lang="en-US" dirty="0"/>
+              <a:t> says: “Ok looks like I have some space for you on the stack, go here to this memory address”</a:t>
+            </a:r>
+          </a:p>
+          <a:p>
+            <a:endParaRPr lang="en-US" dirty="0"/>
+          </a:p>
+          <a:p>
+            <a:r>
+              <a:rPr lang="en-US" dirty="0"/>
+              <a:t>This “</a:t>
+            </a:r>
+            <a:r>
+              <a:rPr lang="en-US" u="sng" dirty="0"/>
+              <a:t>space</a:t>
+            </a:r>
+            <a:r>
+              <a:rPr lang="en-US" dirty="0"/>
+              <a:t>” that the function allocates when called, is referred to as a “</a:t>
+            </a:r>
+            <a:r>
+              <a:rPr lang="en-US" b="1" dirty="0"/>
+              <a:t>Stack Frame</a:t>
+            </a:r>
+            <a:r>
+              <a:rPr lang="en-US" dirty="0"/>
+              <a:t>”</a:t>
+            </a:r>
+          </a:p>
+          <a:p>
+            <a:endParaRPr lang="en-US" dirty="0"/>
+          </a:p>
+        </p:txBody>
+      </p:sp>
+      <p:pic>
+        <p:nvPicPr>
+          <p:cNvPr id="5" name="Graphic 4" descr="Database">
+            <a:extLst>
+              <a:ext uri="{FF2B5EF4-FFF2-40B4-BE49-F238E27FC236}">
+                <a16:creationId xmlns:a16="http://schemas.microsoft.com/office/drawing/2014/main" id="{C2D00BBB-E3E4-E04E-BB00-E536F2D3AA8F}"/>
+              </a:ext>
+            </a:extLst>
+          </p:cNvPr>
+          <p:cNvPicPr>
+            <a:picLocks noChangeAspect="1"/>
+          </p:cNvPicPr>
+          <p:nvPr/>
+        </p:nvPicPr>
+        <p:blipFill>
+          <a:blip r:embed="rId2">
+            <a:extLst>
+              <a:ext uri="{96DAC541-7B7A-43D3-8B79-37D633B846F1}">
+                <asvg:svgBlip xmlns:asvg="http://schemas.microsoft.com/office/drawing/2016/SVG/main" r:embed="rId3"/>
+              </a:ext>
+            </a:extLst>
+          </a:blip>
+          <a:stretch>
+            <a:fillRect/>
+          </a:stretch>
+        </p:blipFill>
+        <p:spPr>
+          <a:xfrm>
+            <a:off x="7254240" y="900603"/>
+            <a:ext cx="914400" cy="914400"/>
+          </a:xfrm>
+          <a:prstGeom prst="rect">
+            <a:avLst/>
+          </a:prstGeom>
+        </p:spPr>
+      </p:pic>
+    </p:spTree>
+    <p:extLst>
+      <p:ext uri="{BB962C8B-B14F-4D97-AF65-F5344CB8AC3E}">
+        <p14:creationId xmlns:p14="http://schemas.microsoft.com/office/powerpoint/2010/main" val="3272838432"/>
+      </p:ext>
+    </p:extLst>
+  </p:cSld>
+  <p:clrMapOvr>
+    <a:masterClrMapping/>
+  </p:clrMapOvr>
+  <p:timing>
+    <p:tnLst>
+      <p:par>
+        <p:cTn id="1" dur="indefinite" restart="never" nodeType="tmRoot">
+          <p:childTnLst>
+            <p:seq concurrent="1" nextAc="seek">
+              <p:cTn id="2" dur="indefinite" nodeType="mainSeq">
+                <p:childTnLst>
+                  <p:par>
+                    <p:cTn id="3" fill="hold">
+                      <p:stCondLst>
+                        <p:cond delay="indefinite"/>
+                        <p:cond evt="onBegin" delay="0">
+                          <p:tn val="2"/>
+                        </p:cond>
+                      </p:stCondLst>
+                      <p:childTnLst>
+                        <p:par>
+                          <p:cTn id="4" fill="hold">
+                            <p:stCondLst>
+                              <p:cond delay="0"/>
+                            </p:stCondLst>
+                            <p:childTnLst>
+                              <p:par>
+                                <p:cTn id="5" presetID="26" presetClass="emph" presetSubtype="0" fill="hold" nodeType="withEffect">
+                                  <p:stCondLst>
+                                    <p:cond delay="0"/>
+                                  </p:stCondLst>
+                                  <p:childTnLst>
+                                    <p:animEffect transition="out" filter="fade">
+                                      <p:cBhvr>
+                                        <p:cTn id="6" dur="500" tmFilter="0, 0; .2, .5; .8, .5; 1, 0"/>
+                                        <p:tgtEl>
+                                          <p:spTgt spid="5"/>
+                                        </p:tgtEl>
+                                      </p:cBhvr>
+                                    </p:animEffect>
+                                    <p:animScale>
+                                      <p:cBhvr>
+                                        <p:cTn id="7" dur="250" autoRev="1" fill="hold"/>
+                                        <p:tgtEl>
+                                          <p:spTgt spid="5"/>
+                                        </p:tgtEl>
+                                      </p:cBhvr>
+                                      <p:by x="105000" y="105000"/>
+                                    </p:animScale>
+                                  </p:childTnLst>
+                                </p:cTn>
+                              </p:par>
+                            </p:childTnLst>
+                          </p:cTn>
+                        </p:par>
+                      </p:childTnLst>
+                    </p:cTn>
+                  </p:par>
+                  <p:par>
+                    <p:cTn id="8" fill="hold">
+                      <p:stCondLst>
+                        <p:cond delay="indefinite"/>
+                      </p:stCondLst>
+                      <p:childTnLst>
+                        <p:par>
+                          <p:cTn id="9" fill="hold">
+                            <p:stCondLst>
+                              <p:cond delay="0"/>
+                            </p:stCondLst>
+                            <p:childTnLst>
+                              <p:par>
+                                <p:cTn id="10" presetID="2" presetClass="entr" presetSubtype="6" fill="hold" grpId="0" nodeType="clickEffect">
+                                  <p:stCondLst>
+                                    <p:cond delay="0"/>
+                                  </p:stCondLst>
+                                  <p:childTnLst>
+                                    <p:set>
+                                      <p:cBhvr>
+                                        <p:cTn id="11" dur="1" fill="hold">
+                                          <p:stCondLst>
+                                            <p:cond delay="0"/>
+                                          </p:stCondLst>
+                                        </p:cTn>
+                                        <p:tgtEl>
+                                          <p:spTgt spid="3">
+                                            <p:txEl>
+                                              <p:pRg st="0" end="0"/>
+                                            </p:txEl>
+                                          </p:spTgt>
+                                        </p:tgtEl>
+                                        <p:attrNameLst>
+                                          <p:attrName>style.visibility</p:attrName>
+                                        </p:attrNameLst>
+                                      </p:cBhvr>
+                                      <p:to>
+                                        <p:strVal val="visible"/>
+                                      </p:to>
+                                    </p:set>
+                                    <p:anim calcmode="lin" valueType="num">
+                                      <p:cBhvr additive="base">
+                                        <p:cTn id="12" dur="500" fill="hold"/>
+                                        <p:tgtEl>
+                                          <p:spTgt spid="3">
+                                            <p:txEl>
+                                              <p:pRg st="0" end="0"/>
+                                            </p:txEl>
+                                          </p:spTgt>
+                                        </p:tgtEl>
+                                        <p:attrNameLst>
+                                          <p:attrName>ppt_x</p:attrName>
+                                        </p:attrNameLst>
+                                      </p:cBhvr>
+                                      <p:tavLst>
+                                        <p:tav tm="0">
+                                          <p:val>
+                                            <p:strVal val="1+#ppt_w/2"/>
+                                          </p:val>
+                                        </p:tav>
+                                        <p:tav tm="100000">
+                                          <p:val>
+                                            <p:strVal val="#ppt_x"/>
+                                          </p:val>
+                                        </p:tav>
+                                      </p:tavLst>
+                                    </p:anim>
+                                    <p:anim calcmode="lin" valueType="num">
+                                      <p:cBhvr additive="base">
+                                        <p:cTn id="13" dur="500" fill="hold"/>
+                                        <p:tgtEl>
+                                          <p:spTgt spid="3">
+                                            <p:txEl>
+                                              <p:pRg st="0" end="0"/>
+                                            </p:txEl>
+                                          </p:spTgt>
+                                        </p:tgtEl>
+                                        <p:attrNameLst>
+                                          <p:attrName>ppt_y</p:attrName>
+                                        </p:attrNameLst>
+                                      </p:cBhvr>
+                                      <p:tavLst>
+                                        <p:tav tm="0">
+                                          <p:val>
+                                            <p:strVal val="1+#ppt_h/2"/>
+                                          </p:val>
+                                        </p:tav>
+                                        <p:tav tm="100000">
+                                          <p:val>
+                                            <p:strVal val="#ppt_y"/>
+                                          </p:val>
+                                        </p:tav>
+                                      </p:tavLst>
+                                    </p:anim>
+                                  </p:childTnLst>
+                                </p:cTn>
+                              </p:par>
+                            </p:childTnLst>
+                          </p:cTn>
+                        </p:par>
+                      </p:childTnLst>
+                    </p:cTn>
+                  </p:par>
+                  <p:par>
+                    <p:cTn id="14" fill="hold">
+                      <p:stCondLst>
+                        <p:cond delay="indefinite"/>
+                      </p:stCondLst>
+                      <p:childTnLst>
+                        <p:par>
+                          <p:cTn id="15" fill="hold">
+                            <p:stCondLst>
+                              <p:cond delay="0"/>
+                            </p:stCondLst>
+                            <p:childTnLst>
+                              <p:par>
+                                <p:cTn id="16" presetID="2" presetClass="entr" presetSubtype="6" fill="hold" grpId="0" nodeType="clickEffect">
+                                  <p:stCondLst>
+                                    <p:cond delay="0"/>
+                                  </p:stCondLst>
+                                  <p:childTnLst>
+                                    <p:set>
+                                      <p:cBhvr>
+                                        <p:cTn id="17" dur="1" fill="hold">
+                                          <p:stCondLst>
+                                            <p:cond delay="0"/>
+                                          </p:stCondLst>
+                                        </p:cTn>
+                                        <p:tgtEl>
+                                          <p:spTgt spid="3">
+                                            <p:txEl>
+                                              <p:pRg st="1" end="1"/>
+                                            </p:txEl>
+                                          </p:spTgt>
+                                        </p:tgtEl>
+                                        <p:attrNameLst>
+                                          <p:attrName>style.visibility</p:attrName>
+                                        </p:attrNameLst>
+                                      </p:cBhvr>
+                                      <p:to>
+                                        <p:strVal val="visible"/>
+                                      </p:to>
+                                    </p:set>
+                                    <p:anim calcmode="lin" valueType="num">
+                                      <p:cBhvr additive="base">
+                                        <p:cTn id="18" dur="500" fill="hold"/>
+                                        <p:tgtEl>
+                                          <p:spTgt spid="3">
+                                            <p:txEl>
+                                              <p:pRg st="1" end="1"/>
+                                            </p:txEl>
+                                          </p:spTgt>
+                                        </p:tgtEl>
+                                        <p:attrNameLst>
+                                          <p:attrName>ppt_x</p:attrName>
+                                        </p:attrNameLst>
+                                      </p:cBhvr>
+                                      <p:tavLst>
+                                        <p:tav tm="0">
+                                          <p:val>
+                                            <p:strVal val="1+#ppt_w/2"/>
+                                          </p:val>
+                                        </p:tav>
+                                        <p:tav tm="100000">
+                                          <p:val>
+                                            <p:strVal val="#ppt_x"/>
+                                          </p:val>
+                                        </p:tav>
+                                      </p:tavLst>
+                                    </p:anim>
+                                    <p:anim calcmode="lin" valueType="num">
+                                      <p:cBhvr additive="base">
+                                        <p:cTn id="19" dur="500" fill="hold"/>
+                                        <p:tgtEl>
+                                          <p:spTgt spid="3">
+                                            <p:txEl>
+                                              <p:pRg st="1" end="1"/>
+                                            </p:txEl>
+                                          </p:spTgt>
+                                        </p:tgtEl>
+                                        <p:attrNameLst>
+                                          <p:attrName>ppt_y</p:attrName>
+                                        </p:attrNameLst>
+                                      </p:cBhvr>
+                                      <p:tavLst>
+                                        <p:tav tm="0">
+                                          <p:val>
+                                            <p:strVal val="1+#ppt_h/2"/>
+                                          </p:val>
+                                        </p:tav>
+                                        <p:tav tm="100000">
+                                          <p:val>
+                                            <p:strVal val="#ppt_y"/>
+                                          </p:val>
+                                        </p:tav>
+                                      </p:tavLst>
+                                    </p:anim>
+                                  </p:childTnLst>
+                                </p:cTn>
+                              </p:par>
+                            </p:childTnLst>
+                          </p:cTn>
+                        </p:par>
+                      </p:childTnLst>
+                    </p:cTn>
+                  </p:par>
+                  <p:par>
+                    <p:cTn id="20" fill="hold">
+                      <p:stCondLst>
+                        <p:cond delay="indefinite"/>
+                      </p:stCondLst>
+                      <p:childTnLst>
+                        <p:par>
+                          <p:cTn id="21" fill="hold">
+                            <p:stCondLst>
+                              <p:cond delay="0"/>
+                            </p:stCondLst>
+                            <p:childTnLst>
+                              <p:par>
+                                <p:cTn id="22" presetID="2" presetClass="entr" presetSubtype="6" fill="hold" grpId="0" nodeType="clickEffect">
+                                  <p:stCondLst>
+                                    <p:cond delay="0"/>
+                                  </p:stCondLst>
+                                  <p:childTnLst>
+                                    <p:set>
+                                      <p:cBhvr>
+                                        <p:cTn id="23" dur="1" fill="hold">
+                                          <p:stCondLst>
+                                            <p:cond delay="0"/>
+                                          </p:stCondLst>
+                                        </p:cTn>
+                                        <p:tgtEl>
+                                          <p:spTgt spid="3">
+                                            <p:txEl>
+                                              <p:pRg st="2" end="2"/>
+                                            </p:txEl>
+                                          </p:spTgt>
+                                        </p:tgtEl>
+                                        <p:attrNameLst>
+                                          <p:attrName>style.visibility</p:attrName>
+                                        </p:attrNameLst>
+                                      </p:cBhvr>
+                                      <p:to>
+                                        <p:strVal val="visible"/>
+                                      </p:to>
+                                    </p:set>
+                                    <p:anim calcmode="lin" valueType="num">
+                                      <p:cBhvr additive="base">
+                                        <p:cTn id="24" dur="500" fill="hold"/>
+                                        <p:tgtEl>
+                                          <p:spTgt spid="3">
+                                            <p:txEl>
+                                              <p:pRg st="2" end="2"/>
+                                            </p:txEl>
+                                          </p:spTgt>
+                                        </p:tgtEl>
+                                        <p:attrNameLst>
+                                          <p:attrName>ppt_x</p:attrName>
+                                        </p:attrNameLst>
+                                      </p:cBhvr>
+                                      <p:tavLst>
+                                        <p:tav tm="0">
+                                          <p:val>
+                                            <p:strVal val="1+#ppt_w/2"/>
+                                          </p:val>
+                                        </p:tav>
+                                        <p:tav tm="100000">
+                                          <p:val>
+                                            <p:strVal val="#ppt_x"/>
+                                          </p:val>
+                                        </p:tav>
+                                      </p:tavLst>
+                                    </p:anim>
+                                    <p:anim calcmode="lin" valueType="num">
+                                      <p:cBhvr additive="base">
+                                        <p:cTn id="25" dur="500" fill="hold"/>
+                                        <p:tgtEl>
+                                          <p:spTgt spid="3">
+                                            <p:txEl>
+                                              <p:pRg st="2" end="2"/>
+                                            </p:txEl>
+                                          </p:spTgt>
+                                        </p:tgtEl>
+                                        <p:attrNameLst>
+                                          <p:attrName>ppt_y</p:attrName>
+                                        </p:attrNameLst>
+                                      </p:cBhvr>
+                                      <p:tavLst>
+                                        <p:tav tm="0">
+                                          <p:val>
+                                            <p:strVal val="1+#ppt_h/2"/>
+                                          </p:val>
+                                        </p:tav>
+                                        <p:tav tm="100000">
+                                          <p:val>
+                                            <p:strVal val="#ppt_y"/>
+                                          </p:val>
+                                        </p:tav>
+                                      </p:tavLst>
+                                    </p:anim>
+                                  </p:childTnLst>
+                                </p:cTn>
+                              </p:par>
+                            </p:childTnLst>
+                          </p:cTn>
+                        </p:par>
+                      </p:childTnLst>
+                    </p:cTn>
+                  </p:par>
+                  <p:par>
+                    <p:cTn id="26" fill="hold">
+                      <p:stCondLst>
+                        <p:cond delay="indefinite"/>
+                      </p:stCondLst>
+                      <p:childTnLst>
+                        <p:par>
+                          <p:cTn id="27" fill="hold">
+                            <p:stCondLst>
+                              <p:cond delay="0"/>
+                            </p:stCondLst>
+                            <p:childTnLst>
+                              <p:par>
+                                <p:cTn id="28" presetID="2" presetClass="entr" presetSubtype="6" fill="hold" grpId="0" nodeType="clickEffect">
+                                  <p:stCondLst>
+                                    <p:cond delay="0"/>
+                                  </p:stCondLst>
+                                  <p:childTnLst>
+                                    <p:set>
+                                      <p:cBhvr>
+                                        <p:cTn id="29" dur="1" fill="hold">
+                                          <p:stCondLst>
+                                            <p:cond delay="0"/>
+                                          </p:stCondLst>
+                                        </p:cTn>
+                                        <p:tgtEl>
+                                          <p:spTgt spid="3">
+                                            <p:txEl>
+                                              <p:pRg st="3" end="3"/>
+                                            </p:txEl>
+                                          </p:spTgt>
+                                        </p:tgtEl>
+                                        <p:attrNameLst>
+                                          <p:attrName>style.visibility</p:attrName>
+                                        </p:attrNameLst>
+                                      </p:cBhvr>
+                                      <p:to>
+                                        <p:strVal val="visible"/>
+                                      </p:to>
+                                    </p:set>
+                                    <p:anim calcmode="lin" valueType="num">
+                                      <p:cBhvr additive="base">
+                                        <p:cTn id="30" dur="500" fill="hold"/>
+                                        <p:tgtEl>
+                                          <p:spTgt spid="3">
+                                            <p:txEl>
+                                              <p:pRg st="3" end="3"/>
+                                            </p:txEl>
+                                          </p:spTgt>
+                                        </p:tgtEl>
+                                        <p:attrNameLst>
+                                          <p:attrName>ppt_x</p:attrName>
+                                        </p:attrNameLst>
+                                      </p:cBhvr>
+                                      <p:tavLst>
+                                        <p:tav tm="0">
+                                          <p:val>
+                                            <p:strVal val="1+#ppt_w/2"/>
+                                          </p:val>
+                                        </p:tav>
+                                        <p:tav tm="100000">
+                                          <p:val>
+                                            <p:strVal val="#ppt_x"/>
+                                          </p:val>
+                                        </p:tav>
+                                      </p:tavLst>
+                                    </p:anim>
+                                    <p:anim calcmode="lin" valueType="num">
+                                      <p:cBhvr additive="base">
+                                        <p:cTn id="31" dur="500" fill="hold"/>
+                                        <p:tgtEl>
+                                          <p:spTgt spid="3">
+                                            <p:txEl>
+                                              <p:pRg st="3" end="3"/>
+                                            </p:txEl>
+                                          </p:spTgt>
+                                        </p:tgtEl>
+                                        <p:attrNameLst>
+                                          <p:attrName>ppt_y</p:attrName>
+                                        </p:attrNameLst>
+                                      </p:cBhvr>
+                                      <p:tavLst>
+                                        <p:tav tm="0">
+                                          <p:val>
+                                            <p:strVal val="1+#ppt_h/2"/>
+                                          </p:val>
+                                        </p:tav>
+                                        <p:tav tm="100000">
+                                          <p:val>
+                                            <p:strVal val="#ppt_y"/>
+                                          </p:val>
+                                        </p:tav>
+                                      </p:tavLst>
+                                    </p:anim>
+                                  </p:childTnLst>
+                                </p:cTn>
+                              </p:par>
+                            </p:childTnLst>
+                          </p:cTn>
+                        </p:par>
+                      </p:childTnLst>
+                    </p:cTn>
+                  </p:par>
+                  <p:par>
+                    <p:cTn id="32" fill="hold">
+                      <p:stCondLst>
+                        <p:cond delay="indefinite"/>
+                      </p:stCondLst>
+                      <p:childTnLst>
+                        <p:par>
+                          <p:cTn id="33" fill="hold">
+                            <p:stCondLst>
+                              <p:cond delay="0"/>
+                            </p:stCondLst>
+                            <p:childTnLst>
+                              <p:par>
+                                <p:cTn id="34" presetID="2" presetClass="entr" presetSubtype="6" fill="hold" grpId="0" nodeType="clickEffect">
+                                  <p:stCondLst>
+                                    <p:cond delay="0"/>
+                                  </p:stCondLst>
+                                  <p:childTnLst>
+                                    <p:set>
+                                      <p:cBhvr>
+                                        <p:cTn id="35" dur="1" fill="hold">
+                                          <p:stCondLst>
+                                            <p:cond delay="0"/>
+                                          </p:stCondLst>
+                                        </p:cTn>
+                                        <p:tgtEl>
+                                          <p:spTgt spid="3">
+                                            <p:txEl>
+                                              <p:pRg st="5" end="5"/>
+                                            </p:txEl>
+                                          </p:spTgt>
+                                        </p:tgtEl>
+                                        <p:attrNameLst>
+                                          <p:attrName>style.visibility</p:attrName>
+                                        </p:attrNameLst>
+                                      </p:cBhvr>
+                                      <p:to>
+                                        <p:strVal val="visible"/>
+                                      </p:to>
+                                    </p:set>
+                                    <p:anim calcmode="lin" valueType="num">
+                                      <p:cBhvr additive="base">
+                                        <p:cTn id="36" dur="500" fill="hold"/>
+                                        <p:tgtEl>
+                                          <p:spTgt spid="3">
+                                            <p:txEl>
+                                              <p:pRg st="5" end="5"/>
+                                            </p:txEl>
+                                          </p:spTgt>
+                                        </p:tgtEl>
+                                        <p:attrNameLst>
+                                          <p:attrName>ppt_x</p:attrName>
+                                        </p:attrNameLst>
+                                      </p:cBhvr>
+                                      <p:tavLst>
+                                        <p:tav tm="0">
+                                          <p:val>
+                                            <p:strVal val="1+#ppt_w/2"/>
+                                          </p:val>
+                                        </p:tav>
+                                        <p:tav tm="100000">
+                                          <p:val>
+                                            <p:strVal val="#ppt_x"/>
+                                          </p:val>
+                                        </p:tav>
+                                      </p:tavLst>
+                                    </p:anim>
+                                    <p:anim calcmode="lin" valueType="num">
+                                      <p:cBhvr additive="base">
+                                        <p:cTn id="37" dur="500" fill="hold"/>
+                                        <p:tgtEl>
+                                          <p:spTgt spid="3">
+                                            <p:txEl>
+                                              <p:pRg st="5" end="5"/>
+                                            </p:txEl>
+                                          </p:spTgt>
+                                        </p:tgtEl>
+                                        <p:attrNameLst>
+                                          <p:attrName>ppt_y</p:attrName>
+                                        </p:attrNameLst>
+                                      </p:cBhvr>
+                                      <p:tavLst>
+                                        <p:tav tm="0">
+                                          <p:val>
+                                            <p:strVal val="1+#ppt_h/2"/>
+                                          </p:val>
+                                        </p:tav>
+                                        <p:tav tm="100000">
+                                          <p:val>
+                                            <p:strVal val="#ppt_y"/>
+                                          </p:val>
+                                        </p:tav>
+                                      </p:tavLst>
+                                    </p:anim>
+                                  </p:childTnLst>
+                                </p:cTn>
+                              </p:par>
+                            </p:childTnLst>
+                          </p:cTn>
+                        </p:par>
+                      </p:childTnLst>
+                    </p:cTn>
+                  </p:par>
+                </p:childTnLst>
+              </p:cTn>
+              <p:prevCondLst>
+                <p:cond evt="onPrev" delay="0">
+                  <p:tgtEl>
+                    <p:sldTgt/>
+                  </p:tgtEl>
+                </p:cond>
+              </p:prevCondLst>
+              <p:nextCondLst>
+                <p:cond evt="onNext" delay="0">
+                  <p:tgtEl>
+                    <p:sldTgt/>
+                  </p:tgtEl>
+                </p:cond>
+              </p:nextCondLst>
+            </p:seq>
+          </p:childTnLst>
+        </p:cTn>
+      </p:par>
+    </p:tnLst>
+    <p:bldLst>
+      <p:bldP spid="3" grpId="0" build="p"/>
+    </p:bldLst>
+  </p:timing>
+</p:sld>
+</file>
+
 <file path=ppt/slides/slide4.xml><?xml version="1.0" encoding="utf-8"?>
 <p:sld xmlns:a="http://schemas.openxmlformats.org/drawingml/2006/main" xmlns:r="http://schemas.openxmlformats.org/officeDocument/2006/relationships" xmlns:p="http://schemas.openxmlformats.org/presentationml/2006/main">
   <p:cSld>
@@ -31583,6 +34165,3922 @@
     <p:bldLst>
       <p:bldP spid="3" grpId="0" build="p"/>
     </p:bldLst>
+  </p:timing>
+</p:sld>
+</file>
+
+<file path=ppt/slides/slide40.xml><?xml version="1.0" encoding="utf-8"?>
+<p:sld xmlns:a="http://schemas.openxmlformats.org/drawingml/2006/main" xmlns:r="http://schemas.openxmlformats.org/officeDocument/2006/relationships" xmlns:p="http://schemas.openxmlformats.org/presentationml/2006/main">
+  <p:cSld>
+    <p:spTree>
+      <p:nvGrpSpPr>
+        <p:cNvPr id="1" name=""/>
+        <p:cNvGrpSpPr/>
+        <p:nvPr/>
+      </p:nvGrpSpPr>
+      <p:grpSpPr>
+        <a:xfrm>
+          <a:off x="0" y="0"/>
+          <a:ext cx="0" cy="0"/>
+          <a:chOff x="0" y="0"/>
+          <a:chExt cx="0" cy="0"/>
+        </a:xfrm>
+      </p:grpSpPr>
+      <p:sp>
+        <p:nvSpPr>
+          <p:cNvPr id="2" name="Title 1">
+            <a:extLst>
+              <a:ext uri="{FF2B5EF4-FFF2-40B4-BE49-F238E27FC236}">
+                <a16:creationId xmlns:a16="http://schemas.microsoft.com/office/drawing/2014/main" id="{960AE5BE-4F22-7B4D-B991-B00DFECBEED9}"/>
+              </a:ext>
+            </a:extLst>
+          </p:cNvPr>
+          <p:cNvSpPr>
+            <a:spLocks noGrp="1"/>
+          </p:cNvSpPr>
+          <p:nvPr>
+            <p:ph type="title"/>
+          </p:nvPr>
+        </p:nvSpPr>
+        <p:spPr/>
+        <p:txBody>
+          <a:bodyPr/>
+          <a:lstStyle/>
+          <a:p>
+            <a:pPr algn="ctr"/>
+            <a:r>
+              <a:rPr lang="en-US" dirty="0"/>
+              <a:t>Function stack frame</a:t>
+            </a:r>
+          </a:p>
+        </p:txBody>
+      </p:sp>
+      <p:sp>
+        <p:nvSpPr>
+          <p:cNvPr id="3" name="Content Placeholder 2">
+            <a:extLst>
+              <a:ext uri="{FF2B5EF4-FFF2-40B4-BE49-F238E27FC236}">
+                <a16:creationId xmlns:a16="http://schemas.microsoft.com/office/drawing/2014/main" id="{C786D4C5-D2E0-D848-9124-BCEAC61AE60F}"/>
+              </a:ext>
+            </a:extLst>
+          </p:cNvPr>
+          <p:cNvSpPr>
+            <a:spLocks noGrp="1"/>
+          </p:cNvSpPr>
+          <p:nvPr>
+            <p:ph idx="1"/>
+          </p:nvPr>
+        </p:nvSpPr>
+        <p:spPr>
+          <a:xfrm>
+            <a:off x="1141412" y="2249486"/>
+            <a:ext cx="9905999" cy="3989996"/>
+          </a:xfrm>
+        </p:spPr>
+        <p:txBody>
+          <a:bodyPr>
+            <a:normAutofit/>
+          </a:bodyPr>
+          <a:lstStyle/>
+          <a:p>
+            <a:r>
+              <a:rPr lang="en-US" dirty="0"/>
+              <a:t>When a function is called, it creates an instance of itself on the stack</a:t>
+            </a:r>
+          </a:p>
+          <a:p>
+            <a:endParaRPr lang="en-US" dirty="0"/>
+          </a:p>
+          <a:p>
+            <a:r>
+              <a:rPr lang="en-US" dirty="0"/>
+              <a:t>The memory used for this instance is called the </a:t>
+            </a:r>
+            <a:r>
+              <a:rPr lang="en-US" b="1" dirty="0"/>
+              <a:t>stack frame</a:t>
+            </a:r>
+          </a:p>
+          <a:p>
+            <a:endParaRPr lang="en-US" dirty="0"/>
+          </a:p>
+          <a:p>
+            <a:r>
+              <a:rPr lang="en-US" dirty="0"/>
+              <a:t>When the function finishes (returns) the stack frame is destroyed</a:t>
+            </a:r>
+          </a:p>
+          <a:p>
+            <a:endParaRPr lang="en-US" dirty="0"/>
+          </a:p>
+          <a:p>
+            <a:r>
+              <a:rPr lang="en-US" dirty="0"/>
+              <a:t>Stack frames are created in the order in which they are called</a:t>
+            </a:r>
+          </a:p>
+          <a:p>
+            <a:pPr marL="0" indent="0">
+              <a:buNone/>
+            </a:pPr>
+            <a:endParaRPr lang="en-US" dirty="0"/>
+          </a:p>
+        </p:txBody>
+      </p:sp>
+    </p:spTree>
+    <p:extLst>
+      <p:ext uri="{BB962C8B-B14F-4D97-AF65-F5344CB8AC3E}">
+        <p14:creationId xmlns:p14="http://schemas.microsoft.com/office/powerpoint/2010/main" val="2594439844"/>
+      </p:ext>
+    </p:extLst>
+  </p:cSld>
+  <p:clrMapOvr>
+    <a:masterClrMapping/>
+  </p:clrMapOvr>
+</p:sld>
+</file>
+
+<file path=ppt/slides/slide41.xml><?xml version="1.0" encoding="utf-8"?>
+<p:sld xmlns:a="http://schemas.openxmlformats.org/drawingml/2006/main" xmlns:r="http://schemas.openxmlformats.org/officeDocument/2006/relationships" xmlns:p="http://schemas.openxmlformats.org/presentationml/2006/main">
+  <p:cSld>
+    <p:spTree>
+      <p:nvGrpSpPr>
+        <p:cNvPr id="1" name=""/>
+        <p:cNvGrpSpPr/>
+        <p:nvPr/>
+      </p:nvGrpSpPr>
+      <p:grpSpPr>
+        <a:xfrm>
+          <a:off x="0" y="0"/>
+          <a:ext cx="0" cy="0"/>
+          <a:chOff x="0" y="0"/>
+          <a:chExt cx="0" cy="0"/>
+        </a:xfrm>
+      </p:grpSpPr>
+      <p:sp>
+        <p:nvSpPr>
+          <p:cNvPr id="2" name="Title 1">
+            <a:extLst>
+              <a:ext uri="{FF2B5EF4-FFF2-40B4-BE49-F238E27FC236}">
+                <a16:creationId xmlns:a16="http://schemas.microsoft.com/office/drawing/2014/main" id="{7447399E-1654-A44B-B335-A40087005DBB}"/>
+              </a:ext>
+            </a:extLst>
+          </p:cNvPr>
+          <p:cNvSpPr>
+            <a:spLocks noGrp="1"/>
+          </p:cNvSpPr>
+          <p:nvPr>
+            <p:ph type="title"/>
+          </p:nvPr>
+        </p:nvSpPr>
+        <p:spPr>
+          <a:xfrm>
+            <a:off x="1141413" y="618518"/>
+            <a:ext cx="9905998" cy="1246174"/>
+          </a:xfrm>
+        </p:spPr>
+        <p:txBody>
+          <a:bodyPr/>
+          <a:lstStyle/>
+          <a:p>
+            <a:pPr algn="ctr"/>
+            <a:r>
+              <a:rPr lang="en-US" b="1" dirty="0"/>
+              <a:t>Illustration of the stack frame</a:t>
+            </a:r>
+          </a:p>
+        </p:txBody>
+      </p:sp>
+      <p:sp>
+        <p:nvSpPr>
+          <p:cNvPr id="14" name="Rectangle 13">
+            <a:extLst>
+              <a:ext uri="{FF2B5EF4-FFF2-40B4-BE49-F238E27FC236}">
+                <a16:creationId xmlns:a16="http://schemas.microsoft.com/office/drawing/2014/main" id="{D86E9508-88D1-174E-9020-319ABD443309}"/>
+              </a:ext>
+            </a:extLst>
+          </p:cNvPr>
+          <p:cNvSpPr/>
+          <p:nvPr/>
+        </p:nvSpPr>
+        <p:spPr>
+          <a:xfrm>
+            <a:off x="6477002" y="1864692"/>
+            <a:ext cx="4265611" cy="665148"/>
+          </a:xfrm>
+          <a:prstGeom prst="rect">
+            <a:avLst/>
+          </a:prstGeom>
+        </p:spPr>
+        <p:style>
+          <a:lnRef idx="2">
+            <a:schemeClr val="dk1">
+              <a:shade val="50000"/>
+            </a:schemeClr>
+          </a:lnRef>
+          <a:fillRef idx="1">
+            <a:schemeClr val="dk1"/>
+          </a:fillRef>
+          <a:effectRef idx="0">
+            <a:schemeClr val="dk1"/>
+          </a:effectRef>
+          <a:fontRef idx="minor">
+            <a:schemeClr val="lt1"/>
+          </a:fontRef>
+        </p:style>
+        <p:txBody>
+          <a:bodyPr rtlCol="0" anchor="ctr"/>
+          <a:lstStyle/>
+          <a:p>
+            <a:pPr algn="ctr"/>
+            <a:r>
+              <a:rPr lang="en-US" dirty="0"/>
+              <a:t>CALL STACK</a:t>
+            </a:r>
+          </a:p>
+        </p:txBody>
+      </p:sp>
+      <p:pic>
+        <p:nvPicPr>
+          <p:cNvPr id="18" name="Content Placeholder 10">
+            <a:extLst>
+              <a:ext uri="{FF2B5EF4-FFF2-40B4-BE49-F238E27FC236}">
+                <a16:creationId xmlns:a16="http://schemas.microsoft.com/office/drawing/2014/main" id="{D09A47E7-6493-DD4A-A132-69D0D6E0F93C}"/>
+              </a:ext>
+            </a:extLst>
+          </p:cNvPr>
+          <p:cNvPicPr>
+            <a:picLocks noGrp="1" noChangeAspect="1"/>
+          </p:cNvPicPr>
+          <p:nvPr>
+            <p:ph idx="1"/>
+          </p:nvPr>
+        </p:nvPicPr>
+        <p:blipFill>
+          <a:blip r:embed="rId2"/>
+          <a:stretch>
+            <a:fillRect/>
+          </a:stretch>
+        </p:blipFill>
+        <p:spPr>
+          <a:xfrm>
+            <a:off x="1141413" y="1864692"/>
+            <a:ext cx="3595053" cy="4931146"/>
+          </a:xfrm>
+        </p:spPr>
+      </p:pic>
+    </p:spTree>
+    <p:extLst>
+      <p:ext uri="{BB962C8B-B14F-4D97-AF65-F5344CB8AC3E}">
+        <p14:creationId xmlns:p14="http://schemas.microsoft.com/office/powerpoint/2010/main" val="1317950529"/>
+      </p:ext>
+    </p:extLst>
+  </p:cSld>
+  <p:clrMapOvr>
+    <a:masterClrMapping/>
+  </p:clrMapOvr>
+  <p:timing>
+    <p:tnLst>
+      <p:par>
+        <p:cTn id="1" dur="indefinite" restart="never" nodeType="tmRoot">
+          <p:childTnLst>
+            <p:seq concurrent="1" nextAc="seek">
+              <p:cTn id="2" dur="indefinite" nodeType="mainSeq">
+                <p:childTnLst>
+                  <p:par>
+                    <p:cTn id="3" fill="hold">
+                      <p:stCondLst>
+                        <p:cond delay="indefinite"/>
+                      </p:stCondLst>
+                      <p:childTnLst>
+                        <p:par>
+                          <p:cTn id="4" fill="hold">
+                            <p:stCondLst>
+                              <p:cond delay="0"/>
+                            </p:stCondLst>
+                            <p:childTnLst>
+                              <p:par>
+                                <p:cTn id="5" presetID="2" presetClass="entr" presetSubtype="4" fill="hold" nodeType="clickEffect">
+                                  <p:stCondLst>
+                                    <p:cond delay="0"/>
+                                  </p:stCondLst>
+                                  <p:childTnLst>
+                                    <p:set>
+                                      <p:cBhvr>
+                                        <p:cTn id="6" dur="1" fill="hold">
+                                          <p:stCondLst>
+                                            <p:cond delay="0"/>
+                                          </p:stCondLst>
+                                        </p:cTn>
+                                        <p:tgtEl>
+                                          <p:spTgt spid="18"/>
+                                        </p:tgtEl>
+                                        <p:attrNameLst>
+                                          <p:attrName>style.visibility</p:attrName>
+                                        </p:attrNameLst>
+                                      </p:cBhvr>
+                                      <p:to>
+                                        <p:strVal val="visible"/>
+                                      </p:to>
+                                    </p:set>
+                                    <p:anim calcmode="lin" valueType="num">
+                                      <p:cBhvr additive="base">
+                                        <p:cTn id="7" dur="500" fill="hold"/>
+                                        <p:tgtEl>
+                                          <p:spTgt spid="18"/>
+                                        </p:tgtEl>
+                                        <p:attrNameLst>
+                                          <p:attrName>ppt_x</p:attrName>
+                                        </p:attrNameLst>
+                                      </p:cBhvr>
+                                      <p:tavLst>
+                                        <p:tav tm="0">
+                                          <p:val>
+                                            <p:strVal val="#ppt_x"/>
+                                          </p:val>
+                                        </p:tav>
+                                        <p:tav tm="100000">
+                                          <p:val>
+                                            <p:strVal val="#ppt_x"/>
+                                          </p:val>
+                                        </p:tav>
+                                      </p:tavLst>
+                                    </p:anim>
+                                    <p:anim calcmode="lin" valueType="num">
+                                      <p:cBhvr additive="base">
+                                        <p:cTn id="8" dur="500" fill="hold"/>
+                                        <p:tgtEl>
+                                          <p:spTgt spid="18"/>
+                                        </p:tgtEl>
+                                        <p:attrNameLst>
+                                          <p:attrName>ppt_y</p:attrName>
+                                        </p:attrNameLst>
+                                      </p:cBhvr>
+                                      <p:tavLst>
+                                        <p:tav tm="0">
+                                          <p:val>
+                                            <p:strVal val="1+#ppt_h/2"/>
+                                          </p:val>
+                                        </p:tav>
+                                        <p:tav tm="100000">
+                                          <p:val>
+                                            <p:strVal val="#ppt_y"/>
+                                          </p:val>
+                                        </p:tav>
+                                      </p:tavLst>
+                                    </p:anim>
+                                  </p:childTnLst>
+                                </p:cTn>
+                              </p:par>
+                            </p:childTnLst>
+                          </p:cTn>
+                        </p:par>
+                      </p:childTnLst>
+                    </p:cTn>
+                  </p:par>
+                  <p:par>
+                    <p:cTn id="9" fill="hold">
+                      <p:stCondLst>
+                        <p:cond delay="indefinite"/>
+                      </p:stCondLst>
+                      <p:childTnLst>
+                        <p:par>
+                          <p:cTn id="10" fill="hold">
+                            <p:stCondLst>
+                              <p:cond delay="0"/>
+                            </p:stCondLst>
+                            <p:childTnLst>
+                              <p:par>
+                                <p:cTn id="11" presetID="2" presetClass="entr" presetSubtype="2" fill="hold" grpId="0" nodeType="clickEffect">
+                                  <p:stCondLst>
+                                    <p:cond delay="0"/>
+                                  </p:stCondLst>
+                                  <p:childTnLst>
+                                    <p:set>
+                                      <p:cBhvr>
+                                        <p:cTn id="12" dur="1" fill="hold">
+                                          <p:stCondLst>
+                                            <p:cond delay="0"/>
+                                          </p:stCondLst>
+                                        </p:cTn>
+                                        <p:tgtEl>
+                                          <p:spTgt spid="14"/>
+                                        </p:tgtEl>
+                                        <p:attrNameLst>
+                                          <p:attrName>style.visibility</p:attrName>
+                                        </p:attrNameLst>
+                                      </p:cBhvr>
+                                      <p:to>
+                                        <p:strVal val="visible"/>
+                                      </p:to>
+                                    </p:set>
+                                    <p:anim calcmode="lin" valueType="num">
+                                      <p:cBhvr additive="base">
+                                        <p:cTn id="13" dur="500" fill="hold"/>
+                                        <p:tgtEl>
+                                          <p:spTgt spid="14"/>
+                                        </p:tgtEl>
+                                        <p:attrNameLst>
+                                          <p:attrName>ppt_x</p:attrName>
+                                        </p:attrNameLst>
+                                      </p:cBhvr>
+                                      <p:tavLst>
+                                        <p:tav tm="0">
+                                          <p:val>
+                                            <p:strVal val="1+#ppt_w/2"/>
+                                          </p:val>
+                                        </p:tav>
+                                        <p:tav tm="100000">
+                                          <p:val>
+                                            <p:strVal val="#ppt_x"/>
+                                          </p:val>
+                                        </p:tav>
+                                      </p:tavLst>
+                                    </p:anim>
+                                    <p:anim calcmode="lin" valueType="num">
+                                      <p:cBhvr additive="base">
+                                        <p:cTn id="14" dur="500" fill="hold"/>
+                                        <p:tgtEl>
+                                          <p:spTgt spid="14"/>
+                                        </p:tgtEl>
+                                        <p:attrNameLst>
+                                          <p:attrName>ppt_y</p:attrName>
+                                        </p:attrNameLst>
+                                      </p:cBhvr>
+                                      <p:tavLst>
+                                        <p:tav tm="0">
+                                          <p:val>
+                                            <p:strVal val="#ppt_y"/>
+                                          </p:val>
+                                        </p:tav>
+                                        <p:tav tm="100000">
+                                          <p:val>
+                                            <p:strVal val="#ppt_y"/>
+                                          </p:val>
+                                        </p:tav>
+                                      </p:tavLst>
+                                    </p:anim>
+                                  </p:childTnLst>
+                                </p:cTn>
+                              </p:par>
+                            </p:childTnLst>
+                          </p:cTn>
+                        </p:par>
+                      </p:childTnLst>
+                    </p:cTn>
+                  </p:par>
+                </p:childTnLst>
+              </p:cTn>
+              <p:prevCondLst>
+                <p:cond evt="onPrev" delay="0">
+                  <p:tgtEl>
+                    <p:sldTgt/>
+                  </p:tgtEl>
+                </p:cond>
+              </p:prevCondLst>
+              <p:nextCondLst>
+                <p:cond evt="onNext" delay="0">
+                  <p:tgtEl>
+                    <p:sldTgt/>
+                  </p:tgtEl>
+                </p:cond>
+              </p:nextCondLst>
+            </p:seq>
+          </p:childTnLst>
+        </p:cTn>
+      </p:par>
+    </p:tnLst>
+    <p:bldLst>
+      <p:bldP spid="14" grpId="0" animBg="1"/>
+    </p:bldLst>
+  </p:timing>
+</p:sld>
+</file>
+
+<file path=ppt/slides/slide42.xml><?xml version="1.0" encoding="utf-8"?>
+<p:sld xmlns:a="http://schemas.openxmlformats.org/drawingml/2006/main" xmlns:r="http://schemas.openxmlformats.org/officeDocument/2006/relationships" xmlns:p="http://schemas.openxmlformats.org/presentationml/2006/main">
+  <p:cSld>
+    <p:spTree>
+      <p:nvGrpSpPr>
+        <p:cNvPr id="1" name=""/>
+        <p:cNvGrpSpPr/>
+        <p:nvPr/>
+      </p:nvGrpSpPr>
+      <p:grpSpPr>
+        <a:xfrm>
+          <a:off x="0" y="0"/>
+          <a:ext cx="0" cy="0"/>
+          <a:chOff x="0" y="0"/>
+          <a:chExt cx="0" cy="0"/>
+        </a:xfrm>
+      </p:grpSpPr>
+      <p:sp>
+        <p:nvSpPr>
+          <p:cNvPr id="2" name="Title 1">
+            <a:extLst>
+              <a:ext uri="{FF2B5EF4-FFF2-40B4-BE49-F238E27FC236}">
+                <a16:creationId xmlns:a16="http://schemas.microsoft.com/office/drawing/2014/main" id="{7447399E-1654-A44B-B335-A40087005DBB}"/>
+              </a:ext>
+            </a:extLst>
+          </p:cNvPr>
+          <p:cNvSpPr>
+            <a:spLocks noGrp="1"/>
+          </p:cNvSpPr>
+          <p:nvPr>
+            <p:ph type="title"/>
+          </p:nvPr>
+        </p:nvSpPr>
+        <p:spPr>
+          <a:xfrm>
+            <a:off x="1141413" y="618518"/>
+            <a:ext cx="9905998" cy="1246174"/>
+          </a:xfrm>
+        </p:spPr>
+        <p:txBody>
+          <a:bodyPr/>
+          <a:lstStyle/>
+          <a:p>
+            <a:pPr algn="ctr"/>
+            <a:r>
+              <a:rPr lang="en-US" b="1" dirty="0"/>
+              <a:t>First Call: Main()</a:t>
+            </a:r>
+          </a:p>
+        </p:txBody>
+      </p:sp>
+      <p:sp>
+        <p:nvSpPr>
+          <p:cNvPr id="14" name="Rectangle 13">
+            <a:extLst>
+              <a:ext uri="{FF2B5EF4-FFF2-40B4-BE49-F238E27FC236}">
+                <a16:creationId xmlns:a16="http://schemas.microsoft.com/office/drawing/2014/main" id="{D86E9508-88D1-174E-9020-319ABD443309}"/>
+              </a:ext>
+            </a:extLst>
+          </p:cNvPr>
+          <p:cNvSpPr/>
+          <p:nvPr/>
+        </p:nvSpPr>
+        <p:spPr>
+          <a:xfrm>
+            <a:off x="6477002" y="1864692"/>
+            <a:ext cx="4265611" cy="665148"/>
+          </a:xfrm>
+          <a:prstGeom prst="rect">
+            <a:avLst/>
+          </a:prstGeom>
+        </p:spPr>
+        <p:style>
+          <a:lnRef idx="2">
+            <a:schemeClr val="dk1">
+              <a:shade val="50000"/>
+            </a:schemeClr>
+          </a:lnRef>
+          <a:fillRef idx="1">
+            <a:schemeClr val="dk1"/>
+          </a:fillRef>
+          <a:effectRef idx="0">
+            <a:schemeClr val="dk1"/>
+          </a:effectRef>
+          <a:fontRef idx="minor">
+            <a:schemeClr val="lt1"/>
+          </a:fontRef>
+        </p:style>
+        <p:txBody>
+          <a:bodyPr rtlCol="0" anchor="ctr"/>
+          <a:lstStyle/>
+          <a:p>
+            <a:pPr algn="ctr"/>
+            <a:r>
+              <a:rPr lang="en-US" dirty="0"/>
+              <a:t>CALL STACK</a:t>
+            </a:r>
+          </a:p>
+        </p:txBody>
+      </p:sp>
+      <p:sp>
+        <p:nvSpPr>
+          <p:cNvPr id="5" name="Rectangle 4">
+            <a:extLst>
+              <a:ext uri="{FF2B5EF4-FFF2-40B4-BE49-F238E27FC236}">
+                <a16:creationId xmlns:a16="http://schemas.microsoft.com/office/drawing/2014/main" id="{38A6177E-CA5F-E44C-86E8-C1B4BE035365}"/>
+              </a:ext>
+            </a:extLst>
+          </p:cNvPr>
+          <p:cNvSpPr/>
+          <p:nvPr/>
+        </p:nvSpPr>
+        <p:spPr>
+          <a:xfrm>
+            <a:off x="6477002" y="2529840"/>
+            <a:ext cx="4265611" cy="665148"/>
+          </a:xfrm>
+          <a:prstGeom prst="rect">
+            <a:avLst/>
+          </a:prstGeom>
+        </p:spPr>
+        <p:style>
+          <a:lnRef idx="2">
+            <a:schemeClr val="accent3">
+              <a:shade val="50000"/>
+            </a:schemeClr>
+          </a:lnRef>
+          <a:fillRef idx="1">
+            <a:schemeClr val="accent3"/>
+          </a:fillRef>
+          <a:effectRef idx="0">
+            <a:schemeClr val="accent3"/>
+          </a:effectRef>
+          <a:fontRef idx="minor">
+            <a:schemeClr val="lt1"/>
+          </a:fontRef>
+        </p:style>
+        <p:txBody>
+          <a:bodyPr rtlCol="0" anchor="ctr"/>
+          <a:lstStyle/>
+          <a:p>
+            <a:pPr algn="ctr"/>
+            <a:r>
+              <a:rPr lang="en-US" dirty="0">
+                <a:latin typeface="Consolas" panose="020B0609020204030204" pitchFamily="49" charset="0"/>
+                <a:cs typeface="Consolas" panose="020B0609020204030204" pitchFamily="49" charset="0"/>
+              </a:rPr>
+              <a:t>main()</a:t>
+            </a:r>
+          </a:p>
+        </p:txBody>
+      </p:sp>
+      <p:sp>
+        <p:nvSpPr>
+          <p:cNvPr id="3" name="TextBox 2">
+            <a:extLst>
+              <a:ext uri="{FF2B5EF4-FFF2-40B4-BE49-F238E27FC236}">
+                <a16:creationId xmlns:a16="http://schemas.microsoft.com/office/drawing/2014/main" id="{FE9BFB06-3F79-1E45-8600-31EEEF652C8D}"/>
+              </a:ext>
+            </a:extLst>
+          </p:cNvPr>
+          <p:cNvSpPr txBox="1"/>
+          <p:nvPr/>
+        </p:nvSpPr>
+        <p:spPr>
+          <a:xfrm>
+            <a:off x="6477002" y="3506193"/>
+            <a:ext cx="4265611" cy="707886"/>
+          </a:xfrm>
+          <a:prstGeom prst="rect">
+            <a:avLst/>
+          </a:prstGeom>
+          <a:noFill/>
+        </p:spPr>
+        <p:txBody>
+          <a:bodyPr wrap="square" rtlCol="0">
+            <a:spAutoFit/>
+          </a:bodyPr>
+          <a:lstStyle/>
+          <a:p>
+            <a:r>
+              <a:rPr lang="en-US" sz="2000" dirty="0"/>
+              <a:t>The </a:t>
+            </a:r>
+            <a:r>
+              <a:rPr lang="en-US" sz="2000" u="sng" dirty="0"/>
+              <a:t>first function call </a:t>
+            </a:r>
+            <a:r>
+              <a:rPr lang="en-US" sz="2000" dirty="0"/>
+              <a:t>of our program is the call to the </a:t>
+            </a:r>
+            <a:r>
+              <a:rPr lang="en-US" sz="2000" dirty="0">
+                <a:latin typeface="Consolas" panose="020B0609020204030204" pitchFamily="49" charset="0"/>
+                <a:cs typeface="Consolas" panose="020B0609020204030204" pitchFamily="49" charset="0"/>
+              </a:rPr>
+              <a:t>main()</a:t>
+            </a:r>
+          </a:p>
+        </p:txBody>
+      </p:sp>
+      <p:pic>
+        <p:nvPicPr>
+          <p:cNvPr id="9" name="Content Placeholder 10">
+            <a:extLst>
+              <a:ext uri="{FF2B5EF4-FFF2-40B4-BE49-F238E27FC236}">
+                <a16:creationId xmlns:a16="http://schemas.microsoft.com/office/drawing/2014/main" id="{D9730516-CBE5-A145-86C3-6C4F232B8C2F}"/>
+              </a:ext>
+            </a:extLst>
+          </p:cNvPr>
+          <p:cNvPicPr>
+            <a:picLocks noGrp="1" noChangeAspect="1"/>
+          </p:cNvPicPr>
+          <p:nvPr>
+            <p:ph idx="1"/>
+          </p:nvPr>
+        </p:nvPicPr>
+        <p:blipFill>
+          <a:blip r:embed="rId2"/>
+          <a:stretch>
+            <a:fillRect/>
+          </a:stretch>
+        </p:blipFill>
+        <p:spPr>
+          <a:xfrm>
+            <a:off x="1141413" y="1864692"/>
+            <a:ext cx="3595053" cy="4931146"/>
+          </a:xfrm>
+        </p:spPr>
+      </p:pic>
+    </p:spTree>
+    <p:extLst>
+      <p:ext uri="{BB962C8B-B14F-4D97-AF65-F5344CB8AC3E}">
+        <p14:creationId xmlns:p14="http://schemas.microsoft.com/office/powerpoint/2010/main" val="3324109774"/>
+      </p:ext>
+    </p:extLst>
+  </p:cSld>
+  <p:clrMapOvr>
+    <a:masterClrMapping/>
+  </p:clrMapOvr>
+  <p:timing>
+    <p:tnLst>
+      <p:par>
+        <p:cTn id="1" dur="indefinite" restart="never" nodeType="tmRoot">
+          <p:childTnLst>
+            <p:seq concurrent="1" nextAc="seek">
+              <p:cTn id="2" dur="indefinite" nodeType="mainSeq">
+                <p:childTnLst>
+                  <p:par>
+                    <p:cTn id="3" fill="hold">
+                      <p:stCondLst>
+                        <p:cond delay="indefinite"/>
+                      </p:stCondLst>
+                      <p:childTnLst>
+                        <p:par>
+                          <p:cTn id="4" fill="hold">
+                            <p:stCondLst>
+                              <p:cond delay="0"/>
+                            </p:stCondLst>
+                            <p:childTnLst>
+                              <p:par>
+                                <p:cTn id="5" presetID="2" presetClass="entr" presetSubtype="2" fill="hold" grpId="0" nodeType="clickEffect">
+                                  <p:stCondLst>
+                                    <p:cond delay="0"/>
+                                  </p:stCondLst>
+                                  <p:childTnLst>
+                                    <p:set>
+                                      <p:cBhvr>
+                                        <p:cTn id="6" dur="1" fill="hold">
+                                          <p:stCondLst>
+                                            <p:cond delay="0"/>
+                                          </p:stCondLst>
+                                        </p:cTn>
+                                        <p:tgtEl>
+                                          <p:spTgt spid="5"/>
+                                        </p:tgtEl>
+                                        <p:attrNameLst>
+                                          <p:attrName>style.visibility</p:attrName>
+                                        </p:attrNameLst>
+                                      </p:cBhvr>
+                                      <p:to>
+                                        <p:strVal val="visible"/>
+                                      </p:to>
+                                    </p:set>
+                                    <p:anim calcmode="lin" valueType="num">
+                                      <p:cBhvr additive="base">
+                                        <p:cTn id="7" dur="500" fill="hold"/>
+                                        <p:tgtEl>
+                                          <p:spTgt spid="5"/>
+                                        </p:tgtEl>
+                                        <p:attrNameLst>
+                                          <p:attrName>ppt_x</p:attrName>
+                                        </p:attrNameLst>
+                                      </p:cBhvr>
+                                      <p:tavLst>
+                                        <p:tav tm="0">
+                                          <p:val>
+                                            <p:strVal val="1+#ppt_w/2"/>
+                                          </p:val>
+                                        </p:tav>
+                                        <p:tav tm="100000">
+                                          <p:val>
+                                            <p:strVal val="#ppt_x"/>
+                                          </p:val>
+                                        </p:tav>
+                                      </p:tavLst>
+                                    </p:anim>
+                                    <p:anim calcmode="lin" valueType="num">
+                                      <p:cBhvr additive="base">
+                                        <p:cTn id="8" dur="500" fill="hold"/>
+                                        <p:tgtEl>
+                                          <p:spTgt spid="5"/>
+                                        </p:tgtEl>
+                                        <p:attrNameLst>
+                                          <p:attrName>ppt_y</p:attrName>
+                                        </p:attrNameLst>
+                                      </p:cBhvr>
+                                      <p:tavLst>
+                                        <p:tav tm="0">
+                                          <p:val>
+                                            <p:strVal val="#ppt_y"/>
+                                          </p:val>
+                                        </p:tav>
+                                        <p:tav tm="100000">
+                                          <p:val>
+                                            <p:strVal val="#ppt_y"/>
+                                          </p:val>
+                                        </p:tav>
+                                      </p:tavLst>
+                                    </p:anim>
+                                  </p:childTnLst>
+                                </p:cTn>
+                              </p:par>
+                              <p:par>
+                                <p:cTn id="9" presetID="2" presetClass="entr" presetSubtype="4" fill="hold" grpId="0" nodeType="withEffect">
+                                  <p:stCondLst>
+                                    <p:cond delay="0"/>
+                                  </p:stCondLst>
+                                  <p:childTnLst>
+                                    <p:set>
+                                      <p:cBhvr>
+                                        <p:cTn id="10" dur="1" fill="hold">
+                                          <p:stCondLst>
+                                            <p:cond delay="0"/>
+                                          </p:stCondLst>
+                                        </p:cTn>
+                                        <p:tgtEl>
+                                          <p:spTgt spid="3"/>
+                                        </p:tgtEl>
+                                        <p:attrNameLst>
+                                          <p:attrName>style.visibility</p:attrName>
+                                        </p:attrNameLst>
+                                      </p:cBhvr>
+                                      <p:to>
+                                        <p:strVal val="visible"/>
+                                      </p:to>
+                                    </p:set>
+                                    <p:anim calcmode="lin" valueType="num">
+                                      <p:cBhvr additive="base">
+                                        <p:cTn id="11" dur="500" fill="hold"/>
+                                        <p:tgtEl>
+                                          <p:spTgt spid="3"/>
+                                        </p:tgtEl>
+                                        <p:attrNameLst>
+                                          <p:attrName>ppt_x</p:attrName>
+                                        </p:attrNameLst>
+                                      </p:cBhvr>
+                                      <p:tavLst>
+                                        <p:tav tm="0">
+                                          <p:val>
+                                            <p:strVal val="#ppt_x"/>
+                                          </p:val>
+                                        </p:tav>
+                                        <p:tav tm="100000">
+                                          <p:val>
+                                            <p:strVal val="#ppt_x"/>
+                                          </p:val>
+                                        </p:tav>
+                                      </p:tavLst>
+                                    </p:anim>
+                                    <p:anim calcmode="lin" valueType="num">
+                                      <p:cBhvr additive="base">
+                                        <p:cTn id="12" dur="500" fill="hold"/>
+                                        <p:tgtEl>
+                                          <p:spTgt spid="3"/>
+                                        </p:tgtEl>
+                                        <p:attrNameLst>
+                                          <p:attrName>ppt_y</p:attrName>
+                                        </p:attrNameLst>
+                                      </p:cBhvr>
+                                      <p:tavLst>
+                                        <p:tav tm="0">
+                                          <p:val>
+                                            <p:strVal val="1+#ppt_h/2"/>
+                                          </p:val>
+                                        </p:tav>
+                                        <p:tav tm="100000">
+                                          <p:val>
+                                            <p:strVal val="#ppt_y"/>
+                                          </p:val>
+                                        </p:tav>
+                                      </p:tavLst>
+                                    </p:anim>
+                                  </p:childTnLst>
+                                </p:cTn>
+                              </p:par>
+                            </p:childTnLst>
+                          </p:cTn>
+                        </p:par>
+                      </p:childTnLst>
+                    </p:cTn>
+                  </p:par>
+                </p:childTnLst>
+              </p:cTn>
+              <p:prevCondLst>
+                <p:cond evt="onPrev" delay="0">
+                  <p:tgtEl>
+                    <p:sldTgt/>
+                  </p:tgtEl>
+                </p:cond>
+              </p:prevCondLst>
+              <p:nextCondLst>
+                <p:cond evt="onNext" delay="0">
+                  <p:tgtEl>
+                    <p:sldTgt/>
+                  </p:tgtEl>
+                </p:cond>
+              </p:nextCondLst>
+            </p:seq>
+          </p:childTnLst>
+        </p:cTn>
+      </p:par>
+    </p:tnLst>
+    <p:bldLst>
+      <p:bldP spid="5" grpId="0" animBg="1"/>
+      <p:bldP spid="3" grpId="0"/>
+    </p:bldLst>
+  </p:timing>
+</p:sld>
+</file>
+
+<file path=ppt/slides/slide43.xml><?xml version="1.0" encoding="utf-8"?>
+<p:sld xmlns:a="http://schemas.openxmlformats.org/drawingml/2006/main" xmlns:r="http://schemas.openxmlformats.org/officeDocument/2006/relationships" xmlns:p="http://schemas.openxmlformats.org/presentationml/2006/main">
+  <p:cSld>
+    <p:spTree>
+      <p:nvGrpSpPr>
+        <p:cNvPr id="1" name=""/>
+        <p:cNvGrpSpPr/>
+        <p:nvPr/>
+      </p:nvGrpSpPr>
+      <p:grpSpPr>
+        <a:xfrm>
+          <a:off x="0" y="0"/>
+          <a:ext cx="0" cy="0"/>
+          <a:chOff x="0" y="0"/>
+          <a:chExt cx="0" cy="0"/>
+        </a:xfrm>
+      </p:grpSpPr>
+      <p:sp>
+        <p:nvSpPr>
+          <p:cNvPr id="2" name="Title 1">
+            <a:extLst>
+              <a:ext uri="{FF2B5EF4-FFF2-40B4-BE49-F238E27FC236}">
+                <a16:creationId xmlns:a16="http://schemas.microsoft.com/office/drawing/2014/main" id="{7447399E-1654-A44B-B335-A40087005DBB}"/>
+              </a:ext>
+            </a:extLst>
+          </p:cNvPr>
+          <p:cNvSpPr>
+            <a:spLocks noGrp="1"/>
+          </p:cNvSpPr>
+          <p:nvPr>
+            <p:ph type="title"/>
+          </p:nvPr>
+        </p:nvSpPr>
+        <p:spPr>
+          <a:xfrm>
+            <a:off x="1141413" y="618518"/>
+            <a:ext cx="9905998" cy="1246174"/>
+          </a:xfrm>
+        </p:spPr>
+        <p:txBody>
+          <a:bodyPr/>
+          <a:lstStyle/>
+          <a:p>
+            <a:pPr algn="ctr"/>
+            <a:r>
+              <a:rPr lang="en-US" b="1" dirty="0"/>
+              <a:t>Second Call: func1()</a:t>
+            </a:r>
+          </a:p>
+        </p:txBody>
+      </p:sp>
+      <p:sp>
+        <p:nvSpPr>
+          <p:cNvPr id="14" name="Rectangle 13">
+            <a:extLst>
+              <a:ext uri="{FF2B5EF4-FFF2-40B4-BE49-F238E27FC236}">
+                <a16:creationId xmlns:a16="http://schemas.microsoft.com/office/drawing/2014/main" id="{D86E9508-88D1-174E-9020-319ABD443309}"/>
+              </a:ext>
+            </a:extLst>
+          </p:cNvPr>
+          <p:cNvSpPr/>
+          <p:nvPr/>
+        </p:nvSpPr>
+        <p:spPr>
+          <a:xfrm>
+            <a:off x="6477002" y="1864692"/>
+            <a:ext cx="4265611" cy="665148"/>
+          </a:xfrm>
+          <a:prstGeom prst="rect">
+            <a:avLst/>
+          </a:prstGeom>
+        </p:spPr>
+        <p:style>
+          <a:lnRef idx="2">
+            <a:schemeClr val="dk1">
+              <a:shade val="50000"/>
+            </a:schemeClr>
+          </a:lnRef>
+          <a:fillRef idx="1">
+            <a:schemeClr val="dk1"/>
+          </a:fillRef>
+          <a:effectRef idx="0">
+            <a:schemeClr val="dk1"/>
+          </a:effectRef>
+          <a:fontRef idx="minor">
+            <a:schemeClr val="lt1"/>
+          </a:fontRef>
+        </p:style>
+        <p:txBody>
+          <a:bodyPr rtlCol="0" anchor="ctr"/>
+          <a:lstStyle/>
+          <a:p>
+            <a:pPr algn="ctr"/>
+            <a:r>
+              <a:rPr lang="en-US" dirty="0"/>
+              <a:t>CALL STACK</a:t>
+            </a:r>
+          </a:p>
+        </p:txBody>
+      </p:sp>
+      <p:sp>
+        <p:nvSpPr>
+          <p:cNvPr id="5" name="Rectangle 4">
+            <a:extLst>
+              <a:ext uri="{FF2B5EF4-FFF2-40B4-BE49-F238E27FC236}">
+                <a16:creationId xmlns:a16="http://schemas.microsoft.com/office/drawing/2014/main" id="{38A6177E-CA5F-E44C-86E8-C1B4BE035365}"/>
+              </a:ext>
+            </a:extLst>
+          </p:cNvPr>
+          <p:cNvSpPr/>
+          <p:nvPr/>
+        </p:nvSpPr>
+        <p:spPr>
+          <a:xfrm>
+            <a:off x="6477002" y="2529840"/>
+            <a:ext cx="4265611" cy="665148"/>
+          </a:xfrm>
+          <a:prstGeom prst="rect">
+            <a:avLst/>
+          </a:prstGeom>
+        </p:spPr>
+        <p:style>
+          <a:lnRef idx="2">
+            <a:schemeClr val="accent3">
+              <a:shade val="50000"/>
+            </a:schemeClr>
+          </a:lnRef>
+          <a:fillRef idx="1">
+            <a:schemeClr val="accent3"/>
+          </a:fillRef>
+          <a:effectRef idx="0">
+            <a:schemeClr val="accent3"/>
+          </a:effectRef>
+          <a:fontRef idx="minor">
+            <a:schemeClr val="lt1"/>
+          </a:fontRef>
+        </p:style>
+        <p:txBody>
+          <a:bodyPr rtlCol="0" anchor="ctr"/>
+          <a:lstStyle/>
+          <a:p>
+            <a:pPr algn="ctr"/>
+            <a:r>
+              <a:rPr lang="en-US" dirty="0">
+                <a:latin typeface="Consolas" panose="020B0609020204030204" pitchFamily="49" charset="0"/>
+                <a:cs typeface="Consolas" panose="020B0609020204030204" pitchFamily="49" charset="0"/>
+              </a:rPr>
+              <a:t>main()</a:t>
+            </a:r>
+          </a:p>
+        </p:txBody>
+      </p:sp>
+      <p:sp>
+        <p:nvSpPr>
+          <p:cNvPr id="7" name="Rectangle 6">
+            <a:extLst>
+              <a:ext uri="{FF2B5EF4-FFF2-40B4-BE49-F238E27FC236}">
+                <a16:creationId xmlns:a16="http://schemas.microsoft.com/office/drawing/2014/main" id="{6FABE7D0-3215-0B47-9746-0A497BB4DEE6}"/>
+              </a:ext>
+            </a:extLst>
+          </p:cNvPr>
+          <p:cNvSpPr/>
+          <p:nvPr/>
+        </p:nvSpPr>
+        <p:spPr>
+          <a:xfrm>
+            <a:off x="6477002" y="3194988"/>
+            <a:ext cx="4265611" cy="665148"/>
+          </a:xfrm>
+          <a:prstGeom prst="rect">
+            <a:avLst/>
+          </a:prstGeom>
+        </p:spPr>
+        <p:style>
+          <a:lnRef idx="2">
+            <a:schemeClr val="accent4">
+              <a:shade val="50000"/>
+            </a:schemeClr>
+          </a:lnRef>
+          <a:fillRef idx="1">
+            <a:schemeClr val="accent4"/>
+          </a:fillRef>
+          <a:effectRef idx="0">
+            <a:schemeClr val="accent4"/>
+          </a:effectRef>
+          <a:fontRef idx="minor">
+            <a:schemeClr val="lt1"/>
+          </a:fontRef>
+        </p:style>
+        <p:txBody>
+          <a:bodyPr rtlCol="0" anchor="ctr"/>
+          <a:lstStyle/>
+          <a:p>
+            <a:pPr algn="ctr"/>
+            <a:r>
+              <a:rPr lang="en-US" dirty="0">
+                <a:latin typeface="Consolas" panose="020B0609020204030204" pitchFamily="49" charset="0"/>
+                <a:cs typeface="Consolas" panose="020B0609020204030204" pitchFamily="49" charset="0"/>
+              </a:rPr>
+              <a:t>func1()</a:t>
+            </a:r>
+          </a:p>
+        </p:txBody>
+      </p:sp>
+      <p:sp>
+        <p:nvSpPr>
+          <p:cNvPr id="4" name="TextBox 3">
+            <a:extLst>
+              <a:ext uri="{FF2B5EF4-FFF2-40B4-BE49-F238E27FC236}">
+                <a16:creationId xmlns:a16="http://schemas.microsoft.com/office/drawing/2014/main" id="{2A681E2A-58F2-F147-90AC-1367B4D69F31}"/>
+              </a:ext>
+            </a:extLst>
+          </p:cNvPr>
+          <p:cNvSpPr txBox="1"/>
+          <p:nvPr/>
+        </p:nvSpPr>
+        <p:spPr>
+          <a:xfrm>
+            <a:off x="6477002" y="4808643"/>
+            <a:ext cx="4570409" cy="369332"/>
+          </a:xfrm>
+          <a:prstGeom prst="rect">
+            <a:avLst/>
+          </a:prstGeom>
+          <a:noFill/>
+        </p:spPr>
+        <p:txBody>
+          <a:bodyPr wrap="square" rtlCol="0">
+            <a:spAutoFit/>
+          </a:bodyPr>
+          <a:lstStyle/>
+          <a:p>
+            <a:r>
+              <a:rPr lang="en-US" dirty="0"/>
+              <a:t>The </a:t>
+            </a:r>
+            <a:r>
+              <a:rPr lang="en-US" dirty="0">
+                <a:latin typeface="Consolas" panose="020B0609020204030204" pitchFamily="49" charset="0"/>
+                <a:cs typeface="Consolas" panose="020B0609020204030204" pitchFamily="49" charset="0"/>
+              </a:rPr>
+              <a:t>main()</a:t>
+            </a:r>
+            <a:r>
+              <a:rPr lang="en-US" dirty="0"/>
+              <a:t> calls  </a:t>
+            </a:r>
+            <a:r>
+              <a:rPr lang="en-US" dirty="0">
+                <a:latin typeface="Consolas" panose="020B0609020204030204" pitchFamily="49" charset="0"/>
+                <a:cs typeface="Consolas" panose="020B0609020204030204" pitchFamily="49" charset="0"/>
+              </a:rPr>
+              <a:t>func1(var, </a:t>
+            </a:r>
+            <a:r>
+              <a:rPr lang="en-US" dirty="0">
+                <a:solidFill>
+                  <a:schemeClr val="accent4"/>
+                </a:solidFill>
+                <a:latin typeface="Consolas" panose="020B0609020204030204" pitchFamily="49" charset="0"/>
+                <a:cs typeface="Consolas" panose="020B0609020204030204" pitchFamily="49" charset="0"/>
+              </a:rPr>
+              <a:t>2</a:t>
+            </a:r>
+            <a:r>
+              <a:rPr lang="en-US" dirty="0">
+                <a:latin typeface="Consolas" panose="020B0609020204030204" pitchFamily="49" charset="0"/>
+                <a:cs typeface="Consolas" panose="020B0609020204030204" pitchFamily="49" charset="0"/>
+              </a:rPr>
+              <a:t>)</a:t>
+            </a:r>
+          </a:p>
+        </p:txBody>
+      </p:sp>
+      <p:pic>
+        <p:nvPicPr>
+          <p:cNvPr id="11" name="Content Placeholder 10">
+            <a:extLst>
+              <a:ext uri="{FF2B5EF4-FFF2-40B4-BE49-F238E27FC236}">
+                <a16:creationId xmlns:a16="http://schemas.microsoft.com/office/drawing/2014/main" id="{2FC9077B-48B6-3644-AE94-E9B79D2978B1}"/>
+              </a:ext>
+            </a:extLst>
+          </p:cNvPr>
+          <p:cNvPicPr>
+            <a:picLocks noChangeAspect="1"/>
+          </p:cNvPicPr>
+          <p:nvPr/>
+        </p:nvPicPr>
+        <p:blipFill>
+          <a:blip r:embed="rId2"/>
+          <a:stretch>
+            <a:fillRect/>
+          </a:stretch>
+        </p:blipFill>
+        <p:spPr>
+          <a:xfrm>
+            <a:off x="1141413" y="1864692"/>
+            <a:ext cx="3595053" cy="4931146"/>
+          </a:xfrm>
+          <a:prstGeom prst="rect">
+            <a:avLst/>
+          </a:prstGeom>
+        </p:spPr>
+      </p:pic>
+    </p:spTree>
+    <p:extLst>
+      <p:ext uri="{BB962C8B-B14F-4D97-AF65-F5344CB8AC3E}">
+        <p14:creationId xmlns:p14="http://schemas.microsoft.com/office/powerpoint/2010/main" val="1345531734"/>
+      </p:ext>
+    </p:extLst>
+  </p:cSld>
+  <p:clrMapOvr>
+    <a:masterClrMapping/>
+  </p:clrMapOvr>
+  <p:timing>
+    <p:tnLst>
+      <p:par>
+        <p:cTn id="1" dur="indefinite" restart="never" nodeType="tmRoot">
+          <p:childTnLst>
+            <p:seq concurrent="1" nextAc="seek">
+              <p:cTn id="2" dur="indefinite" nodeType="mainSeq">
+                <p:childTnLst>
+                  <p:par>
+                    <p:cTn id="3" fill="hold">
+                      <p:stCondLst>
+                        <p:cond delay="indefinite"/>
+                      </p:stCondLst>
+                      <p:childTnLst>
+                        <p:par>
+                          <p:cTn id="4" fill="hold">
+                            <p:stCondLst>
+                              <p:cond delay="0"/>
+                            </p:stCondLst>
+                            <p:childTnLst>
+                              <p:par>
+                                <p:cTn id="5" presetID="2" presetClass="entr" presetSubtype="2" fill="hold" grpId="0" nodeType="clickEffect">
+                                  <p:stCondLst>
+                                    <p:cond delay="0"/>
+                                  </p:stCondLst>
+                                  <p:childTnLst>
+                                    <p:set>
+                                      <p:cBhvr>
+                                        <p:cTn id="6" dur="1" fill="hold">
+                                          <p:stCondLst>
+                                            <p:cond delay="0"/>
+                                          </p:stCondLst>
+                                        </p:cTn>
+                                        <p:tgtEl>
+                                          <p:spTgt spid="7"/>
+                                        </p:tgtEl>
+                                        <p:attrNameLst>
+                                          <p:attrName>style.visibility</p:attrName>
+                                        </p:attrNameLst>
+                                      </p:cBhvr>
+                                      <p:to>
+                                        <p:strVal val="visible"/>
+                                      </p:to>
+                                    </p:set>
+                                    <p:anim calcmode="lin" valueType="num">
+                                      <p:cBhvr additive="base">
+                                        <p:cTn id="7" dur="500" fill="hold"/>
+                                        <p:tgtEl>
+                                          <p:spTgt spid="7"/>
+                                        </p:tgtEl>
+                                        <p:attrNameLst>
+                                          <p:attrName>ppt_x</p:attrName>
+                                        </p:attrNameLst>
+                                      </p:cBhvr>
+                                      <p:tavLst>
+                                        <p:tav tm="0">
+                                          <p:val>
+                                            <p:strVal val="1+#ppt_w/2"/>
+                                          </p:val>
+                                        </p:tav>
+                                        <p:tav tm="100000">
+                                          <p:val>
+                                            <p:strVal val="#ppt_x"/>
+                                          </p:val>
+                                        </p:tav>
+                                      </p:tavLst>
+                                    </p:anim>
+                                    <p:anim calcmode="lin" valueType="num">
+                                      <p:cBhvr additive="base">
+                                        <p:cTn id="8" dur="500" fill="hold"/>
+                                        <p:tgtEl>
+                                          <p:spTgt spid="7"/>
+                                        </p:tgtEl>
+                                        <p:attrNameLst>
+                                          <p:attrName>ppt_y</p:attrName>
+                                        </p:attrNameLst>
+                                      </p:cBhvr>
+                                      <p:tavLst>
+                                        <p:tav tm="0">
+                                          <p:val>
+                                            <p:strVal val="#ppt_y"/>
+                                          </p:val>
+                                        </p:tav>
+                                        <p:tav tm="100000">
+                                          <p:val>
+                                            <p:strVal val="#ppt_y"/>
+                                          </p:val>
+                                        </p:tav>
+                                      </p:tavLst>
+                                    </p:anim>
+                                  </p:childTnLst>
+                                </p:cTn>
+                              </p:par>
+                              <p:par>
+                                <p:cTn id="9" presetID="2" presetClass="entr" presetSubtype="4" fill="hold" grpId="0" nodeType="withEffect">
+                                  <p:stCondLst>
+                                    <p:cond delay="0"/>
+                                  </p:stCondLst>
+                                  <p:childTnLst>
+                                    <p:set>
+                                      <p:cBhvr>
+                                        <p:cTn id="10" dur="1" fill="hold">
+                                          <p:stCondLst>
+                                            <p:cond delay="0"/>
+                                          </p:stCondLst>
+                                        </p:cTn>
+                                        <p:tgtEl>
+                                          <p:spTgt spid="4"/>
+                                        </p:tgtEl>
+                                        <p:attrNameLst>
+                                          <p:attrName>style.visibility</p:attrName>
+                                        </p:attrNameLst>
+                                      </p:cBhvr>
+                                      <p:to>
+                                        <p:strVal val="visible"/>
+                                      </p:to>
+                                    </p:set>
+                                    <p:anim calcmode="lin" valueType="num">
+                                      <p:cBhvr additive="base">
+                                        <p:cTn id="11" dur="500" fill="hold"/>
+                                        <p:tgtEl>
+                                          <p:spTgt spid="4"/>
+                                        </p:tgtEl>
+                                        <p:attrNameLst>
+                                          <p:attrName>ppt_x</p:attrName>
+                                        </p:attrNameLst>
+                                      </p:cBhvr>
+                                      <p:tavLst>
+                                        <p:tav tm="0">
+                                          <p:val>
+                                            <p:strVal val="#ppt_x"/>
+                                          </p:val>
+                                        </p:tav>
+                                        <p:tav tm="100000">
+                                          <p:val>
+                                            <p:strVal val="#ppt_x"/>
+                                          </p:val>
+                                        </p:tav>
+                                      </p:tavLst>
+                                    </p:anim>
+                                    <p:anim calcmode="lin" valueType="num">
+                                      <p:cBhvr additive="base">
+                                        <p:cTn id="12" dur="500" fill="hold"/>
+                                        <p:tgtEl>
+                                          <p:spTgt spid="4"/>
+                                        </p:tgtEl>
+                                        <p:attrNameLst>
+                                          <p:attrName>ppt_y</p:attrName>
+                                        </p:attrNameLst>
+                                      </p:cBhvr>
+                                      <p:tavLst>
+                                        <p:tav tm="0">
+                                          <p:val>
+                                            <p:strVal val="1+#ppt_h/2"/>
+                                          </p:val>
+                                        </p:tav>
+                                        <p:tav tm="100000">
+                                          <p:val>
+                                            <p:strVal val="#ppt_y"/>
+                                          </p:val>
+                                        </p:tav>
+                                      </p:tavLst>
+                                    </p:anim>
+                                  </p:childTnLst>
+                                </p:cTn>
+                              </p:par>
+                            </p:childTnLst>
+                          </p:cTn>
+                        </p:par>
+                      </p:childTnLst>
+                    </p:cTn>
+                  </p:par>
+                </p:childTnLst>
+              </p:cTn>
+              <p:prevCondLst>
+                <p:cond evt="onPrev" delay="0">
+                  <p:tgtEl>
+                    <p:sldTgt/>
+                  </p:tgtEl>
+                </p:cond>
+              </p:prevCondLst>
+              <p:nextCondLst>
+                <p:cond evt="onNext" delay="0">
+                  <p:tgtEl>
+                    <p:sldTgt/>
+                  </p:tgtEl>
+                </p:cond>
+              </p:nextCondLst>
+            </p:seq>
+          </p:childTnLst>
+        </p:cTn>
+      </p:par>
+    </p:tnLst>
+    <p:bldLst>
+      <p:bldP spid="7" grpId="0" animBg="1"/>
+      <p:bldP spid="4" grpId="0"/>
+    </p:bldLst>
+  </p:timing>
+</p:sld>
+</file>
+
+<file path=ppt/slides/slide44.xml><?xml version="1.0" encoding="utf-8"?>
+<p:sld xmlns:a="http://schemas.openxmlformats.org/drawingml/2006/main" xmlns:r="http://schemas.openxmlformats.org/officeDocument/2006/relationships" xmlns:p="http://schemas.openxmlformats.org/presentationml/2006/main">
+  <p:cSld>
+    <p:spTree>
+      <p:nvGrpSpPr>
+        <p:cNvPr id="1" name=""/>
+        <p:cNvGrpSpPr/>
+        <p:nvPr/>
+      </p:nvGrpSpPr>
+      <p:grpSpPr>
+        <a:xfrm>
+          <a:off x="0" y="0"/>
+          <a:ext cx="0" cy="0"/>
+          <a:chOff x="0" y="0"/>
+          <a:chExt cx="0" cy="0"/>
+        </a:xfrm>
+      </p:grpSpPr>
+      <p:sp>
+        <p:nvSpPr>
+          <p:cNvPr id="2" name="Title 1">
+            <a:extLst>
+              <a:ext uri="{FF2B5EF4-FFF2-40B4-BE49-F238E27FC236}">
+                <a16:creationId xmlns:a16="http://schemas.microsoft.com/office/drawing/2014/main" id="{7447399E-1654-A44B-B335-A40087005DBB}"/>
+              </a:ext>
+            </a:extLst>
+          </p:cNvPr>
+          <p:cNvSpPr>
+            <a:spLocks noGrp="1"/>
+          </p:cNvSpPr>
+          <p:nvPr>
+            <p:ph type="title"/>
+          </p:nvPr>
+        </p:nvSpPr>
+        <p:spPr>
+          <a:xfrm>
+            <a:off x="1141413" y="618518"/>
+            <a:ext cx="9905998" cy="1246174"/>
+          </a:xfrm>
+        </p:spPr>
+        <p:txBody>
+          <a:bodyPr/>
+          <a:lstStyle/>
+          <a:p>
+            <a:pPr algn="ctr"/>
+            <a:r>
+              <a:rPr lang="en-US" b="1" dirty="0"/>
+              <a:t>Third Call: func2()</a:t>
+            </a:r>
+          </a:p>
+        </p:txBody>
+      </p:sp>
+      <p:sp>
+        <p:nvSpPr>
+          <p:cNvPr id="14" name="Rectangle 13">
+            <a:extLst>
+              <a:ext uri="{FF2B5EF4-FFF2-40B4-BE49-F238E27FC236}">
+                <a16:creationId xmlns:a16="http://schemas.microsoft.com/office/drawing/2014/main" id="{D86E9508-88D1-174E-9020-319ABD443309}"/>
+              </a:ext>
+            </a:extLst>
+          </p:cNvPr>
+          <p:cNvSpPr/>
+          <p:nvPr/>
+        </p:nvSpPr>
+        <p:spPr>
+          <a:xfrm>
+            <a:off x="6477002" y="1864692"/>
+            <a:ext cx="4265611" cy="665148"/>
+          </a:xfrm>
+          <a:prstGeom prst="rect">
+            <a:avLst/>
+          </a:prstGeom>
+        </p:spPr>
+        <p:style>
+          <a:lnRef idx="2">
+            <a:schemeClr val="dk1">
+              <a:shade val="50000"/>
+            </a:schemeClr>
+          </a:lnRef>
+          <a:fillRef idx="1">
+            <a:schemeClr val="dk1"/>
+          </a:fillRef>
+          <a:effectRef idx="0">
+            <a:schemeClr val="dk1"/>
+          </a:effectRef>
+          <a:fontRef idx="minor">
+            <a:schemeClr val="lt1"/>
+          </a:fontRef>
+        </p:style>
+        <p:txBody>
+          <a:bodyPr rtlCol="0" anchor="ctr"/>
+          <a:lstStyle/>
+          <a:p>
+            <a:pPr algn="ctr"/>
+            <a:r>
+              <a:rPr lang="en-US" dirty="0"/>
+              <a:t>CALL STACK</a:t>
+            </a:r>
+          </a:p>
+        </p:txBody>
+      </p:sp>
+      <p:sp>
+        <p:nvSpPr>
+          <p:cNvPr id="5" name="Rectangle 4">
+            <a:extLst>
+              <a:ext uri="{FF2B5EF4-FFF2-40B4-BE49-F238E27FC236}">
+                <a16:creationId xmlns:a16="http://schemas.microsoft.com/office/drawing/2014/main" id="{38A6177E-CA5F-E44C-86E8-C1B4BE035365}"/>
+              </a:ext>
+            </a:extLst>
+          </p:cNvPr>
+          <p:cNvSpPr/>
+          <p:nvPr/>
+        </p:nvSpPr>
+        <p:spPr>
+          <a:xfrm>
+            <a:off x="6477002" y="2529840"/>
+            <a:ext cx="4265611" cy="665148"/>
+          </a:xfrm>
+          <a:prstGeom prst="rect">
+            <a:avLst/>
+          </a:prstGeom>
+        </p:spPr>
+        <p:style>
+          <a:lnRef idx="2">
+            <a:schemeClr val="accent3">
+              <a:shade val="50000"/>
+            </a:schemeClr>
+          </a:lnRef>
+          <a:fillRef idx="1">
+            <a:schemeClr val="accent3"/>
+          </a:fillRef>
+          <a:effectRef idx="0">
+            <a:schemeClr val="accent3"/>
+          </a:effectRef>
+          <a:fontRef idx="minor">
+            <a:schemeClr val="lt1"/>
+          </a:fontRef>
+        </p:style>
+        <p:txBody>
+          <a:bodyPr rtlCol="0" anchor="ctr"/>
+          <a:lstStyle/>
+          <a:p>
+            <a:pPr algn="ctr"/>
+            <a:r>
+              <a:rPr lang="en-US" dirty="0">
+                <a:latin typeface="Consolas" panose="020B0609020204030204" pitchFamily="49" charset="0"/>
+                <a:cs typeface="Consolas" panose="020B0609020204030204" pitchFamily="49" charset="0"/>
+              </a:rPr>
+              <a:t>main()</a:t>
+            </a:r>
+          </a:p>
+        </p:txBody>
+      </p:sp>
+      <p:sp>
+        <p:nvSpPr>
+          <p:cNvPr id="7" name="Rectangle 6">
+            <a:extLst>
+              <a:ext uri="{FF2B5EF4-FFF2-40B4-BE49-F238E27FC236}">
+                <a16:creationId xmlns:a16="http://schemas.microsoft.com/office/drawing/2014/main" id="{6FABE7D0-3215-0B47-9746-0A497BB4DEE6}"/>
+              </a:ext>
+            </a:extLst>
+          </p:cNvPr>
+          <p:cNvSpPr/>
+          <p:nvPr/>
+        </p:nvSpPr>
+        <p:spPr>
+          <a:xfrm>
+            <a:off x="6477002" y="3194988"/>
+            <a:ext cx="4265611" cy="665148"/>
+          </a:xfrm>
+          <a:prstGeom prst="rect">
+            <a:avLst/>
+          </a:prstGeom>
+        </p:spPr>
+        <p:style>
+          <a:lnRef idx="2">
+            <a:schemeClr val="accent4">
+              <a:shade val="50000"/>
+            </a:schemeClr>
+          </a:lnRef>
+          <a:fillRef idx="1">
+            <a:schemeClr val="accent4"/>
+          </a:fillRef>
+          <a:effectRef idx="0">
+            <a:schemeClr val="accent4"/>
+          </a:effectRef>
+          <a:fontRef idx="minor">
+            <a:schemeClr val="lt1"/>
+          </a:fontRef>
+        </p:style>
+        <p:txBody>
+          <a:bodyPr rtlCol="0" anchor="ctr"/>
+          <a:lstStyle/>
+          <a:p>
+            <a:pPr algn="ctr"/>
+            <a:r>
+              <a:rPr lang="en-US" dirty="0">
+                <a:latin typeface="Consolas" panose="020B0609020204030204" pitchFamily="49" charset="0"/>
+                <a:cs typeface="Consolas" panose="020B0609020204030204" pitchFamily="49" charset="0"/>
+              </a:rPr>
+              <a:t>func1()</a:t>
+            </a:r>
+          </a:p>
+        </p:txBody>
+      </p:sp>
+      <p:sp>
+        <p:nvSpPr>
+          <p:cNvPr id="8" name="Rectangle 7">
+            <a:extLst>
+              <a:ext uri="{FF2B5EF4-FFF2-40B4-BE49-F238E27FC236}">
+                <a16:creationId xmlns:a16="http://schemas.microsoft.com/office/drawing/2014/main" id="{360C96D3-0D3D-D047-8A83-11A3EFBC93B2}"/>
+              </a:ext>
+            </a:extLst>
+          </p:cNvPr>
+          <p:cNvSpPr/>
+          <p:nvPr/>
+        </p:nvSpPr>
+        <p:spPr>
+          <a:xfrm>
+            <a:off x="6477001" y="3860136"/>
+            <a:ext cx="4265611" cy="665148"/>
+          </a:xfrm>
+          <a:prstGeom prst="rect">
+            <a:avLst/>
+          </a:prstGeom>
+        </p:spPr>
+        <p:style>
+          <a:lnRef idx="2">
+            <a:schemeClr val="accent2">
+              <a:shade val="50000"/>
+            </a:schemeClr>
+          </a:lnRef>
+          <a:fillRef idx="1">
+            <a:schemeClr val="accent2"/>
+          </a:fillRef>
+          <a:effectRef idx="0">
+            <a:schemeClr val="accent2"/>
+          </a:effectRef>
+          <a:fontRef idx="minor">
+            <a:schemeClr val="lt1"/>
+          </a:fontRef>
+        </p:style>
+        <p:txBody>
+          <a:bodyPr rtlCol="0" anchor="ctr"/>
+          <a:lstStyle/>
+          <a:p>
+            <a:pPr algn="ctr"/>
+            <a:r>
+              <a:rPr lang="en-US" dirty="0">
+                <a:latin typeface="Consolas" panose="020B0609020204030204" pitchFamily="49" charset="0"/>
+                <a:cs typeface="Consolas" panose="020B0609020204030204" pitchFamily="49" charset="0"/>
+              </a:rPr>
+              <a:t>func2()</a:t>
+            </a:r>
+          </a:p>
+        </p:txBody>
+      </p:sp>
+      <p:sp>
+        <p:nvSpPr>
+          <p:cNvPr id="3" name="TextBox 2">
+            <a:extLst>
+              <a:ext uri="{FF2B5EF4-FFF2-40B4-BE49-F238E27FC236}">
+                <a16:creationId xmlns:a16="http://schemas.microsoft.com/office/drawing/2014/main" id="{49E732EA-2F73-734C-B13D-B24D4031CE7F}"/>
+              </a:ext>
+            </a:extLst>
+          </p:cNvPr>
+          <p:cNvSpPr txBox="1"/>
+          <p:nvPr/>
+        </p:nvSpPr>
+        <p:spPr>
+          <a:xfrm>
+            <a:off x="6477000" y="5005766"/>
+            <a:ext cx="4389119" cy="369332"/>
+          </a:xfrm>
+          <a:prstGeom prst="rect">
+            <a:avLst/>
+          </a:prstGeom>
+          <a:noFill/>
+        </p:spPr>
+        <p:txBody>
+          <a:bodyPr wrap="square" rtlCol="0">
+            <a:spAutoFit/>
+          </a:bodyPr>
+          <a:lstStyle/>
+          <a:p>
+            <a:r>
+              <a:rPr lang="en-US" dirty="0"/>
+              <a:t>Before </a:t>
+            </a:r>
+            <a:r>
+              <a:rPr lang="en-US" dirty="0">
+                <a:latin typeface="Consolas" panose="020B0609020204030204" pitchFamily="49" charset="0"/>
+                <a:cs typeface="Consolas" panose="020B0609020204030204" pitchFamily="49" charset="0"/>
+              </a:rPr>
+              <a:t>func1()</a:t>
+            </a:r>
+            <a:r>
+              <a:rPr lang="en-US" dirty="0"/>
+              <a:t> returns, it calls </a:t>
+            </a:r>
+            <a:r>
+              <a:rPr lang="en-US" dirty="0">
+                <a:latin typeface="Consolas" panose="020B0609020204030204" pitchFamily="49" charset="0"/>
+                <a:cs typeface="Consolas" panose="020B0609020204030204" pitchFamily="49" charset="0"/>
+              </a:rPr>
+              <a:t>func2()</a:t>
+            </a:r>
+            <a:r>
+              <a:rPr lang="en-US" dirty="0"/>
+              <a:t> </a:t>
+            </a:r>
+          </a:p>
+        </p:txBody>
+      </p:sp>
+      <p:pic>
+        <p:nvPicPr>
+          <p:cNvPr id="11" name="Content Placeholder 10">
+            <a:extLst>
+              <a:ext uri="{FF2B5EF4-FFF2-40B4-BE49-F238E27FC236}">
+                <a16:creationId xmlns:a16="http://schemas.microsoft.com/office/drawing/2014/main" id="{C2C87ED7-49F7-FB41-B706-83154E8603A4}"/>
+              </a:ext>
+            </a:extLst>
+          </p:cNvPr>
+          <p:cNvPicPr>
+            <a:picLocks noGrp="1" noChangeAspect="1"/>
+          </p:cNvPicPr>
+          <p:nvPr>
+            <p:ph idx="1"/>
+          </p:nvPr>
+        </p:nvPicPr>
+        <p:blipFill>
+          <a:blip r:embed="rId2"/>
+          <a:stretch>
+            <a:fillRect/>
+          </a:stretch>
+        </p:blipFill>
+        <p:spPr>
+          <a:xfrm>
+            <a:off x="1141413" y="1864692"/>
+            <a:ext cx="3595053" cy="4931146"/>
+          </a:xfrm>
+        </p:spPr>
+      </p:pic>
+    </p:spTree>
+    <p:extLst>
+      <p:ext uri="{BB962C8B-B14F-4D97-AF65-F5344CB8AC3E}">
+        <p14:creationId xmlns:p14="http://schemas.microsoft.com/office/powerpoint/2010/main" val="1657935423"/>
+      </p:ext>
+    </p:extLst>
+  </p:cSld>
+  <p:clrMapOvr>
+    <a:masterClrMapping/>
+  </p:clrMapOvr>
+  <p:timing>
+    <p:tnLst>
+      <p:par>
+        <p:cTn id="1" dur="indefinite" restart="never" nodeType="tmRoot">
+          <p:childTnLst>
+            <p:seq concurrent="1" nextAc="seek">
+              <p:cTn id="2" dur="indefinite" nodeType="mainSeq">
+                <p:childTnLst>
+                  <p:par>
+                    <p:cTn id="3" fill="hold">
+                      <p:stCondLst>
+                        <p:cond delay="indefinite"/>
+                      </p:stCondLst>
+                      <p:childTnLst>
+                        <p:par>
+                          <p:cTn id="4" fill="hold">
+                            <p:stCondLst>
+                              <p:cond delay="0"/>
+                            </p:stCondLst>
+                            <p:childTnLst>
+                              <p:par>
+                                <p:cTn id="5" presetID="2" presetClass="entr" presetSubtype="2" fill="hold" grpId="0" nodeType="clickEffect">
+                                  <p:stCondLst>
+                                    <p:cond delay="0"/>
+                                  </p:stCondLst>
+                                  <p:childTnLst>
+                                    <p:set>
+                                      <p:cBhvr>
+                                        <p:cTn id="6" dur="1" fill="hold">
+                                          <p:stCondLst>
+                                            <p:cond delay="0"/>
+                                          </p:stCondLst>
+                                        </p:cTn>
+                                        <p:tgtEl>
+                                          <p:spTgt spid="8"/>
+                                        </p:tgtEl>
+                                        <p:attrNameLst>
+                                          <p:attrName>style.visibility</p:attrName>
+                                        </p:attrNameLst>
+                                      </p:cBhvr>
+                                      <p:to>
+                                        <p:strVal val="visible"/>
+                                      </p:to>
+                                    </p:set>
+                                    <p:anim calcmode="lin" valueType="num">
+                                      <p:cBhvr additive="base">
+                                        <p:cTn id="7" dur="500" fill="hold"/>
+                                        <p:tgtEl>
+                                          <p:spTgt spid="8"/>
+                                        </p:tgtEl>
+                                        <p:attrNameLst>
+                                          <p:attrName>ppt_x</p:attrName>
+                                        </p:attrNameLst>
+                                      </p:cBhvr>
+                                      <p:tavLst>
+                                        <p:tav tm="0">
+                                          <p:val>
+                                            <p:strVal val="1+#ppt_w/2"/>
+                                          </p:val>
+                                        </p:tav>
+                                        <p:tav tm="100000">
+                                          <p:val>
+                                            <p:strVal val="#ppt_x"/>
+                                          </p:val>
+                                        </p:tav>
+                                      </p:tavLst>
+                                    </p:anim>
+                                    <p:anim calcmode="lin" valueType="num">
+                                      <p:cBhvr additive="base">
+                                        <p:cTn id="8" dur="500" fill="hold"/>
+                                        <p:tgtEl>
+                                          <p:spTgt spid="8"/>
+                                        </p:tgtEl>
+                                        <p:attrNameLst>
+                                          <p:attrName>ppt_y</p:attrName>
+                                        </p:attrNameLst>
+                                      </p:cBhvr>
+                                      <p:tavLst>
+                                        <p:tav tm="0">
+                                          <p:val>
+                                            <p:strVal val="#ppt_y"/>
+                                          </p:val>
+                                        </p:tav>
+                                        <p:tav tm="100000">
+                                          <p:val>
+                                            <p:strVal val="#ppt_y"/>
+                                          </p:val>
+                                        </p:tav>
+                                      </p:tavLst>
+                                    </p:anim>
+                                  </p:childTnLst>
+                                </p:cTn>
+                              </p:par>
+                              <p:par>
+                                <p:cTn id="9" presetID="2" presetClass="entr" presetSubtype="4" fill="hold" grpId="0" nodeType="withEffect">
+                                  <p:stCondLst>
+                                    <p:cond delay="0"/>
+                                  </p:stCondLst>
+                                  <p:childTnLst>
+                                    <p:set>
+                                      <p:cBhvr>
+                                        <p:cTn id="10" dur="1" fill="hold">
+                                          <p:stCondLst>
+                                            <p:cond delay="0"/>
+                                          </p:stCondLst>
+                                        </p:cTn>
+                                        <p:tgtEl>
+                                          <p:spTgt spid="3"/>
+                                        </p:tgtEl>
+                                        <p:attrNameLst>
+                                          <p:attrName>style.visibility</p:attrName>
+                                        </p:attrNameLst>
+                                      </p:cBhvr>
+                                      <p:to>
+                                        <p:strVal val="visible"/>
+                                      </p:to>
+                                    </p:set>
+                                    <p:anim calcmode="lin" valueType="num">
+                                      <p:cBhvr additive="base">
+                                        <p:cTn id="11" dur="500" fill="hold"/>
+                                        <p:tgtEl>
+                                          <p:spTgt spid="3"/>
+                                        </p:tgtEl>
+                                        <p:attrNameLst>
+                                          <p:attrName>ppt_x</p:attrName>
+                                        </p:attrNameLst>
+                                      </p:cBhvr>
+                                      <p:tavLst>
+                                        <p:tav tm="0">
+                                          <p:val>
+                                            <p:strVal val="#ppt_x"/>
+                                          </p:val>
+                                        </p:tav>
+                                        <p:tav tm="100000">
+                                          <p:val>
+                                            <p:strVal val="#ppt_x"/>
+                                          </p:val>
+                                        </p:tav>
+                                      </p:tavLst>
+                                    </p:anim>
+                                    <p:anim calcmode="lin" valueType="num">
+                                      <p:cBhvr additive="base">
+                                        <p:cTn id="12" dur="500" fill="hold"/>
+                                        <p:tgtEl>
+                                          <p:spTgt spid="3"/>
+                                        </p:tgtEl>
+                                        <p:attrNameLst>
+                                          <p:attrName>ppt_y</p:attrName>
+                                        </p:attrNameLst>
+                                      </p:cBhvr>
+                                      <p:tavLst>
+                                        <p:tav tm="0">
+                                          <p:val>
+                                            <p:strVal val="1+#ppt_h/2"/>
+                                          </p:val>
+                                        </p:tav>
+                                        <p:tav tm="100000">
+                                          <p:val>
+                                            <p:strVal val="#ppt_y"/>
+                                          </p:val>
+                                        </p:tav>
+                                      </p:tavLst>
+                                    </p:anim>
+                                  </p:childTnLst>
+                                </p:cTn>
+                              </p:par>
+                            </p:childTnLst>
+                          </p:cTn>
+                        </p:par>
+                      </p:childTnLst>
+                    </p:cTn>
+                  </p:par>
+                </p:childTnLst>
+              </p:cTn>
+              <p:prevCondLst>
+                <p:cond evt="onPrev" delay="0">
+                  <p:tgtEl>
+                    <p:sldTgt/>
+                  </p:tgtEl>
+                </p:cond>
+              </p:prevCondLst>
+              <p:nextCondLst>
+                <p:cond evt="onNext" delay="0">
+                  <p:tgtEl>
+                    <p:sldTgt/>
+                  </p:tgtEl>
+                </p:cond>
+              </p:nextCondLst>
+            </p:seq>
+          </p:childTnLst>
+        </p:cTn>
+      </p:par>
+    </p:tnLst>
+    <p:bldLst>
+      <p:bldP spid="8" grpId="0" animBg="1"/>
+      <p:bldP spid="3" grpId="0"/>
+    </p:bldLst>
+  </p:timing>
+</p:sld>
+</file>
+
+<file path=ppt/slides/slide45.xml><?xml version="1.0" encoding="utf-8"?>
+<p:sld xmlns:a="http://schemas.openxmlformats.org/drawingml/2006/main" xmlns:r="http://schemas.openxmlformats.org/officeDocument/2006/relationships" xmlns:p="http://schemas.openxmlformats.org/presentationml/2006/main">
+  <p:cSld>
+    <p:spTree>
+      <p:nvGrpSpPr>
+        <p:cNvPr id="1" name=""/>
+        <p:cNvGrpSpPr/>
+        <p:nvPr/>
+      </p:nvGrpSpPr>
+      <p:grpSpPr>
+        <a:xfrm>
+          <a:off x="0" y="0"/>
+          <a:ext cx="0" cy="0"/>
+          <a:chOff x="0" y="0"/>
+          <a:chExt cx="0" cy="0"/>
+        </a:xfrm>
+      </p:grpSpPr>
+      <p:sp>
+        <p:nvSpPr>
+          <p:cNvPr id="2" name="Title 1">
+            <a:extLst>
+              <a:ext uri="{FF2B5EF4-FFF2-40B4-BE49-F238E27FC236}">
+                <a16:creationId xmlns:a16="http://schemas.microsoft.com/office/drawing/2014/main" id="{7447399E-1654-A44B-B335-A40087005DBB}"/>
+              </a:ext>
+            </a:extLst>
+          </p:cNvPr>
+          <p:cNvSpPr>
+            <a:spLocks noGrp="1"/>
+          </p:cNvSpPr>
+          <p:nvPr>
+            <p:ph type="title"/>
+          </p:nvPr>
+        </p:nvSpPr>
+        <p:spPr>
+          <a:xfrm>
+            <a:off x="1141413" y="618518"/>
+            <a:ext cx="9905998" cy="1246174"/>
+          </a:xfrm>
+        </p:spPr>
+        <p:txBody>
+          <a:bodyPr/>
+          <a:lstStyle/>
+          <a:p>
+            <a:pPr algn="ctr"/>
+            <a:r>
+              <a:rPr lang="en-US" b="1" dirty="0"/>
+              <a:t>First unwind: func2()</a:t>
+            </a:r>
+          </a:p>
+        </p:txBody>
+      </p:sp>
+      <p:sp>
+        <p:nvSpPr>
+          <p:cNvPr id="14" name="Rectangle 13">
+            <a:extLst>
+              <a:ext uri="{FF2B5EF4-FFF2-40B4-BE49-F238E27FC236}">
+                <a16:creationId xmlns:a16="http://schemas.microsoft.com/office/drawing/2014/main" id="{D86E9508-88D1-174E-9020-319ABD443309}"/>
+              </a:ext>
+            </a:extLst>
+          </p:cNvPr>
+          <p:cNvSpPr/>
+          <p:nvPr/>
+        </p:nvSpPr>
+        <p:spPr>
+          <a:xfrm>
+            <a:off x="6477002" y="1864692"/>
+            <a:ext cx="4265611" cy="665148"/>
+          </a:xfrm>
+          <a:prstGeom prst="rect">
+            <a:avLst/>
+          </a:prstGeom>
+        </p:spPr>
+        <p:style>
+          <a:lnRef idx="2">
+            <a:schemeClr val="dk1">
+              <a:shade val="50000"/>
+            </a:schemeClr>
+          </a:lnRef>
+          <a:fillRef idx="1">
+            <a:schemeClr val="dk1"/>
+          </a:fillRef>
+          <a:effectRef idx="0">
+            <a:schemeClr val="dk1"/>
+          </a:effectRef>
+          <a:fontRef idx="minor">
+            <a:schemeClr val="lt1"/>
+          </a:fontRef>
+        </p:style>
+        <p:txBody>
+          <a:bodyPr rtlCol="0" anchor="ctr"/>
+          <a:lstStyle/>
+          <a:p>
+            <a:pPr algn="ctr"/>
+            <a:r>
+              <a:rPr lang="en-US" dirty="0"/>
+              <a:t>CALL STACK</a:t>
+            </a:r>
+          </a:p>
+        </p:txBody>
+      </p:sp>
+      <p:sp>
+        <p:nvSpPr>
+          <p:cNvPr id="5" name="Rectangle 4">
+            <a:extLst>
+              <a:ext uri="{FF2B5EF4-FFF2-40B4-BE49-F238E27FC236}">
+                <a16:creationId xmlns:a16="http://schemas.microsoft.com/office/drawing/2014/main" id="{38A6177E-CA5F-E44C-86E8-C1B4BE035365}"/>
+              </a:ext>
+            </a:extLst>
+          </p:cNvPr>
+          <p:cNvSpPr/>
+          <p:nvPr/>
+        </p:nvSpPr>
+        <p:spPr>
+          <a:xfrm>
+            <a:off x="6477002" y="2529840"/>
+            <a:ext cx="4265611" cy="665148"/>
+          </a:xfrm>
+          <a:prstGeom prst="rect">
+            <a:avLst/>
+          </a:prstGeom>
+        </p:spPr>
+        <p:style>
+          <a:lnRef idx="2">
+            <a:schemeClr val="accent3">
+              <a:shade val="50000"/>
+            </a:schemeClr>
+          </a:lnRef>
+          <a:fillRef idx="1">
+            <a:schemeClr val="accent3"/>
+          </a:fillRef>
+          <a:effectRef idx="0">
+            <a:schemeClr val="accent3"/>
+          </a:effectRef>
+          <a:fontRef idx="minor">
+            <a:schemeClr val="lt1"/>
+          </a:fontRef>
+        </p:style>
+        <p:txBody>
+          <a:bodyPr rtlCol="0" anchor="ctr"/>
+          <a:lstStyle/>
+          <a:p>
+            <a:pPr algn="ctr"/>
+            <a:r>
+              <a:rPr lang="en-US" dirty="0">
+                <a:latin typeface="Consolas" panose="020B0609020204030204" pitchFamily="49" charset="0"/>
+                <a:cs typeface="Consolas" panose="020B0609020204030204" pitchFamily="49" charset="0"/>
+              </a:rPr>
+              <a:t>main()</a:t>
+            </a:r>
+          </a:p>
+        </p:txBody>
+      </p:sp>
+      <p:sp>
+        <p:nvSpPr>
+          <p:cNvPr id="7" name="Rectangle 6">
+            <a:extLst>
+              <a:ext uri="{FF2B5EF4-FFF2-40B4-BE49-F238E27FC236}">
+                <a16:creationId xmlns:a16="http://schemas.microsoft.com/office/drawing/2014/main" id="{6FABE7D0-3215-0B47-9746-0A497BB4DEE6}"/>
+              </a:ext>
+            </a:extLst>
+          </p:cNvPr>
+          <p:cNvSpPr/>
+          <p:nvPr/>
+        </p:nvSpPr>
+        <p:spPr>
+          <a:xfrm>
+            <a:off x="6477002" y="3194988"/>
+            <a:ext cx="4265611" cy="665148"/>
+          </a:xfrm>
+          <a:prstGeom prst="rect">
+            <a:avLst/>
+          </a:prstGeom>
+        </p:spPr>
+        <p:style>
+          <a:lnRef idx="2">
+            <a:schemeClr val="accent4">
+              <a:shade val="50000"/>
+            </a:schemeClr>
+          </a:lnRef>
+          <a:fillRef idx="1">
+            <a:schemeClr val="accent4"/>
+          </a:fillRef>
+          <a:effectRef idx="0">
+            <a:schemeClr val="accent4"/>
+          </a:effectRef>
+          <a:fontRef idx="minor">
+            <a:schemeClr val="lt1"/>
+          </a:fontRef>
+        </p:style>
+        <p:txBody>
+          <a:bodyPr rtlCol="0" anchor="ctr"/>
+          <a:lstStyle/>
+          <a:p>
+            <a:pPr algn="ctr"/>
+            <a:r>
+              <a:rPr lang="en-US" dirty="0">
+                <a:latin typeface="Consolas" panose="020B0609020204030204" pitchFamily="49" charset="0"/>
+                <a:cs typeface="Consolas" panose="020B0609020204030204" pitchFamily="49" charset="0"/>
+              </a:rPr>
+              <a:t>func1()</a:t>
+            </a:r>
+          </a:p>
+        </p:txBody>
+      </p:sp>
+      <p:sp>
+        <p:nvSpPr>
+          <p:cNvPr id="8" name="Rectangle 7">
+            <a:extLst>
+              <a:ext uri="{FF2B5EF4-FFF2-40B4-BE49-F238E27FC236}">
+                <a16:creationId xmlns:a16="http://schemas.microsoft.com/office/drawing/2014/main" id="{360C96D3-0D3D-D047-8A83-11A3EFBC93B2}"/>
+              </a:ext>
+            </a:extLst>
+          </p:cNvPr>
+          <p:cNvSpPr/>
+          <p:nvPr/>
+        </p:nvSpPr>
+        <p:spPr>
+          <a:xfrm>
+            <a:off x="6477001" y="3860136"/>
+            <a:ext cx="4265611" cy="665148"/>
+          </a:xfrm>
+          <a:prstGeom prst="rect">
+            <a:avLst/>
+          </a:prstGeom>
+        </p:spPr>
+        <p:style>
+          <a:lnRef idx="2">
+            <a:schemeClr val="accent2">
+              <a:shade val="50000"/>
+            </a:schemeClr>
+          </a:lnRef>
+          <a:fillRef idx="1">
+            <a:schemeClr val="accent2"/>
+          </a:fillRef>
+          <a:effectRef idx="0">
+            <a:schemeClr val="accent2"/>
+          </a:effectRef>
+          <a:fontRef idx="minor">
+            <a:schemeClr val="lt1"/>
+          </a:fontRef>
+        </p:style>
+        <p:txBody>
+          <a:bodyPr rtlCol="0" anchor="ctr"/>
+          <a:lstStyle/>
+          <a:p>
+            <a:pPr algn="ctr"/>
+            <a:r>
+              <a:rPr lang="en-US" dirty="0">
+                <a:latin typeface="Consolas" panose="020B0609020204030204" pitchFamily="49" charset="0"/>
+                <a:cs typeface="Consolas" panose="020B0609020204030204" pitchFamily="49" charset="0"/>
+              </a:rPr>
+              <a:t>func2()</a:t>
+            </a:r>
+          </a:p>
+        </p:txBody>
+      </p:sp>
+      <p:sp>
+        <p:nvSpPr>
+          <p:cNvPr id="3" name="TextBox 2">
+            <a:extLst>
+              <a:ext uri="{FF2B5EF4-FFF2-40B4-BE49-F238E27FC236}">
+                <a16:creationId xmlns:a16="http://schemas.microsoft.com/office/drawing/2014/main" id="{49E732EA-2F73-734C-B13D-B24D4031CE7F}"/>
+              </a:ext>
+            </a:extLst>
+          </p:cNvPr>
+          <p:cNvSpPr txBox="1"/>
+          <p:nvPr/>
+        </p:nvSpPr>
+        <p:spPr>
+          <a:xfrm>
+            <a:off x="6477001" y="4993309"/>
+            <a:ext cx="4876799" cy="646331"/>
+          </a:xfrm>
+          <a:prstGeom prst="rect">
+            <a:avLst/>
+          </a:prstGeom>
+          <a:noFill/>
+        </p:spPr>
+        <p:txBody>
+          <a:bodyPr wrap="square" rtlCol="0">
+            <a:spAutoFit/>
+          </a:bodyPr>
+          <a:lstStyle/>
+          <a:p>
+            <a:r>
+              <a:rPr lang="en-US" dirty="0">
+                <a:latin typeface="Consolas" panose="020B0609020204030204" pitchFamily="49" charset="0"/>
+                <a:cs typeface="Consolas" panose="020B0609020204030204" pitchFamily="49" charset="0"/>
+              </a:rPr>
+              <a:t>func2()</a:t>
+            </a:r>
+            <a:r>
+              <a:rPr lang="en-US" dirty="0"/>
+              <a:t> returns it’s result (</a:t>
+            </a:r>
+            <a:r>
+              <a:rPr lang="en-US" dirty="0">
+                <a:solidFill>
+                  <a:schemeClr val="accent4"/>
+                </a:solidFill>
+                <a:latin typeface="Consolas" panose="020B0609020204030204" pitchFamily="49" charset="0"/>
+                <a:cs typeface="Consolas" panose="020B0609020204030204" pitchFamily="49" charset="0"/>
+              </a:rPr>
+              <a:t>18</a:t>
+            </a:r>
+            <a:r>
+              <a:rPr lang="en-US" dirty="0"/>
+              <a:t>), so it gets removed from the call stack. </a:t>
+            </a:r>
+          </a:p>
+        </p:txBody>
+      </p:sp>
+      <p:pic>
+        <p:nvPicPr>
+          <p:cNvPr id="11" name="Content Placeholder 10">
+            <a:extLst>
+              <a:ext uri="{FF2B5EF4-FFF2-40B4-BE49-F238E27FC236}">
+                <a16:creationId xmlns:a16="http://schemas.microsoft.com/office/drawing/2014/main" id="{C2C87ED7-49F7-FB41-B706-83154E8603A4}"/>
+              </a:ext>
+            </a:extLst>
+          </p:cNvPr>
+          <p:cNvPicPr>
+            <a:picLocks noGrp="1" noChangeAspect="1"/>
+          </p:cNvPicPr>
+          <p:nvPr>
+            <p:ph idx="1"/>
+          </p:nvPr>
+        </p:nvPicPr>
+        <p:blipFill>
+          <a:blip r:embed="rId2"/>
+          <a:stretch>
+            <a:fillRect/>
+          </a:stretch>
+        </p:blipFill>
+        <p:spPr>
+          <a:xfrm>
+            <a:off x="1141413" y="1864692"/>
+            <a:ext cx="3595053" cy="4931146"/>
+          </a:xfrm>
+        </p:spPr>
+      </p:pic>
+    </p:spTree>
+    <p:extLst>
+      <p:ext uri="{BB962C8B-B14F-4D97-AF65-F5344CB8AC3E}">
+        <p14:creationId xmlns:p14="http://schemas.microsoft.com/office/powerpoint/2010/main" val="1398100584"/>
+      </p:ext>
+    </p:extLst>
+  </p:cSld>
+  <p:clrMapOvr>
+    <a:masterClrMapping/>
+  </p:clrMapOvr>
+  <p:timing>
+    <p:tnLst>
+      <p:par>
+        <p:cTn id="1" dur="indefinite" restart="never" nodeType="tmRoot">
+          <p:childTnLst>
+            <p:seq concurrent="1" nextAc="seek">
+              <p:cTn id="2" dur="indefinite" nodeType="mainSeq">
+                <p:childTnLst>
+                  <p:par>
+                    <p:cTn id="3" fill="hold">
+                      <p:stCondLst>
+                        <p:cond delay="indefinite"/>
+                        <p:cond evt="onBegin" delay="0">
+                          <p:tn val="2"/>
+                        </p:cond>
+                      </p:stCondLst>
+                      <p:childTnLst>
+                        <p:par>
+                          <p:cTn id="4" fill="hold">
+                            <p:stCondLst>
+                              <p:cond delay="0"/>
+                            </p:stCondLst>
+                            <p:childTnLst>
+                              <p:par>
+                                <p:cTn id="5" presetID="2" presetClass="entr" presetSubtype="4" fill="hold" grpId="0" nodeType="withEffect">
+                                  <p:stCondLst>
+                                    <p:cond delay="0"/>
+                                  </p:stCondLst>
+                                  <p:childTnLst>
+                                    <p:set>
+                                      <p:cBhvr>
+                                        <p:cTn id="6" dur="1" fill="hold">
+                                          <p:stCondLst>
+                                            <p:cond delay="0"/>
+                                          </p:stCondLst>
+                                        </p:cTn>
+                                        <p:tgtEl>
+                                          <p:spTgt spid="3"/>
+                                        </p:tgtEl>
+                                        <p:attrNameLst>
+                                          <p:attrName>style.visibility</p:attrName>
+                                        </p:attrNameLst>
+                                      </p:cBhvr>
+                                      <p:to>
+                                        <p:strVal val="visible"/>
+                                      </p:to>
+                                    </p:set>
+                                    <p:anim calcmode="lin" valueType="num">
+                                      <p:cBhvr additive="base">
+                                        <p:cTn id="7" dur="500" fill="hold"/>
+                                        <p:tgtEl>
+                                          <p:spTgt spid="3"/>
+                                        </p:tgtEl>
+                                        <p:attrNameLst>
+                                          <p:attrName>ppt_x</p:attrName>
+                                        </p:attrNameLst>
+                                      </p:cBhvr>
+                                      <p:tavLst>
+                                        <p:tav tm="0">
+                                          <p:val>
+                                            <p:strVal val="#ppt_x"/>
+                                          </p:val>
+                                        </p:tav>
+                                        <p:tav tm="100000">
+                                          <p:val>
+                                            <p:strVal val="#ppt_x"/>
+                                          </p:val>
+                                        </p:tav>
+                                      </p:tavLst>
+                                    </p:anim>
+                                    <p:anim calcmode="lin" valueType="num">
+                                      <p:cBhvr additive="base">
+                                        <p:cTn id="8" dur="500" fill="hold"/>
+                                        <p:tgtEl>
+                                          <p:spTgt spid="3"/>
+                                        </p:tgtEl>
+                                        <p:attrNameLst>
+                                          <p:attrName>ppt_y</p:attrName>
+                                        </p:attrNameLst>
+                                      </p:cBhvr>
+                                      <p:tavLst>
+                                        <p:tav tm="0">
+                                          <p:val>
+                                            <p:strVal val="1+#ppt_h/2"/>
+                                          </p:val>
+                                        </p:tav>
+                                        <p:tav tm="100000">
+                                          <p:val>
+                                            <p:strVal val="#ppt_y"/>
+                                          </p:val>
+                                        </p:tav>
+                                      </p:tavLst>
+                                    </p:anim>
+                                  </p:childTnLst>
+                                </p:cTn>
+                              </p:par>
+                            </p:childTnLst>
+                          </p:cTn>
+                        </p:par>
+                      </p:childTnLst>
+                    </p:cTn>
+                  </p:par>
+                  <p:par>
+                    <p:cTn id="9" fill="hold">
+                      <p:stCondLst>
+                        <p:cond delay="indefinite"/>
+                      </p:stCondLst>
+                      <p:childTnLst>
+                        <p:par>
+                          <p:cTn id="10" fill="hold">
+                            <p:stCondLst>
+                              <p:cond delay="0"/>
+                            </p:stCondLst>
+                            <p:childTnLst>
+                              <p:par>
+                                <p:cTn id="11" presetID="2" presetClass="exit" presetSubtype="2" fill="hold" grpId="1" nodeType="clickEffect">
+                                  <p:stCondLst>
+                                    <p:cond delay="0"/>
+                                  </p:stCondLst>
+                                  <p:childTnLst>
+                                    <p:anim calcmode="lin" valueType="num">
+                                      <p:cBhvr additive="base">
+                                        <p:cTn id="12" dur="500"/>
+                                        <p:tgtEl>
+                                          <p:spTgt spid="8"/>
+                                        </p:tgtEl>
+                                        <p:attrNameLst>
+                                          <p:attrName>ppt_x</p:attrName>
+                                        </p:attrNameLst>
+                                      </p:cBhvr>
+                                      <p:tavLst>
+                                        <p:tav tm="0">
+                                          <p:val>
+                                            <p:strVal val="ppt_x"/>
+                                          </p:val>
+                                        </p:tav>
+                                        <p:tav tm="100000">
+                                          <p:val>
+                                            <p:strVal val="1+ppt_w/2"/>
+                                          </p:val>
+                                        </p:tav>
+                                      </p:tavLst>
+                                    </p:anim>
+                                    <p:anim calcmode="lin" valueType="num">
+                                      <p:cBhvr additive="base">
+                                        <p:cTn id="13" dur="500"/>
+                                        <p:tgtEl>
+                                          <p:spTgt spid="8"/>
+                                        </p:tgtEl>
+                                        <p:attrNameLst>
+                                          <p:attrName>ppt_y</p:attrName>
+                                        </p:attrNameLst>
+                                      </p:cBhvr>
+                                      <p:tavLst>
+                                        <p:tav tm="0">
+                                          <p:val>
+                                            <p:strVal val="ppt_y"/>
+                                          </p:val>
+                                        </p:tav>
+                                        <p:tav tm="100000">
+                                          <p:val>
+                                            <p:strVal val="ppt_y"/>
+                                          </p:val>
+                                        </p:tav>
+                                      </p:tavLst>
+                                    </p:anim>
+                                    <p:set>
+                                      <p:cBhvr>
+                                        <p:cTn id="14" dur="1" fill="hold">
+                                          <p:stCondLst>
+                                            <p:cond delay="499"/>
+                                          </p:stCondLst>
+                                        </p:cTn>
+                                        <p:tgtEl>
+                                          <p:spTgt spid="8"/>
+                                        </p:tgtEl>
+                                        <p:attrNameLst>
+                                          <p:attrName>style.visibility</p:attrName>
+                                        </p:attrNameLst>
+                                      </p:cBhvr>
+                                      <p:to>
+                                        <p:strVal val="hidden"/>
+                                      </p:to>
+                                    </p:set>
+                                  </p:childTnLst>
+                                </p:cTn>
+                              </p:par>
+                            </p:childTnLst>
+                          </p:cTn>
+                        </p:par>
+                      </p:childTnLst>
+                    </p:cTn>
+                  </p:par>
+                </p:childTnLst>
+              </p:cTn>
+              <p:prevCondLst>
+                <p:cond evt="onPrev" delay="0">
+                  <p:tgtEl>
+                    <p:sldTgt/>
+                  </p:tgtEl>
+                </p:cond>
+              </p:prevCondLst>
+              <p:nextCondLst>
+                <p:cond evt="onNext" delay="0">
+                  <p:tgtEl>
+                    <p:sldTgt/>
+                  </p:tgtEl>
+                </p:cond>
+              </p:nextCondLst>
+            </p:seq>
+          </p:childTnLst>
+        </p:cTn>
+      </p:par>
+    </p:tnLst>
+    <p:bldLst>
+      <p:bldP spid="8" grpId="1" animBg="1"/>
+      <p:bldP spid="3" grpId="0"/>
+    </p:bldLst>
+  </p:timing>
+</p:sld>
+</file>
+
+<file path=ppt/slides/slide46.xml><?xml version="1.0" encoding="utf-8"?>
+<p:sld xmlns:a="http://schemas.openxmlformats.org/drawingml/2006/main" xmlns:r="http://schemas.openxmlformats.org/officeDocument/2006/relationships" xmlns:p="http://schemas.openxmlformats.org/presentationml/2006/main">
+  <p:cSld>
+    <p:spTree>
+      <p:nvGrpSpPr>
+        <p:cNvPr id="1" name=""/>
+        <p:cNvGrpSpPr/>
+        <p:nvPr/>
+      </p:nvGrpSpPr>
+      <p:grpSpPr>
+        <a:xfrm>
+          <a:off x="0" y="0"/>
+          <a:ext cx="0" cy="0"/>
+          <a:chOff x="0" y="0"/>
+          <a:chExt cx="0" cy="0"/>
+        </a:xfrm>
+      </p:grpSpPr>
+      <p:sp>
+        <p:nvSpPr>
+          <p:cNvPr id="2" name="Title 1">
+            <a:extLst>
+              <a:ext uri="{FF2B5EF4-FFF2-40B4-BE49-F238E27FC236}">
+                <a16:creationId xmlns:a16="http://schemas.microsoft.com/office/drawing/2014/main" id="{7447399E-1654-A44B-B335-A40087005DBB}"/>
+              </a:ext>
+            </a:extLst>
+          </p:cNvPr>
+          <p:cNvSpPr>
+            <a:spLocks noGrp="1"/>
+          </p:cNvSpPr>
+          <p:nvPr>
+            <p:ph type="title"/>
+          </p:nvPr>
+        </p:nvSpPr>
+        <p:spPr>
+          <a:xfrm>
+            <a:off x="1141413" y="618518"/>
+            <a:ext cx="9905998" cy="1246174"/>
+          </a:xfrm>
+        </p:spPr>
+        <p:txBody>
+          <a:bodyPr/>
+          <a:lstStyle/>
+          <a:p>
+            <a:pPr algn="ctr"/>
+            <a:r>
+              <a:rPr lang="en-US" b="1" dirty="0"/>
+              <a:t>Second unwind: func1()</a:t>
+            </a:r>
+          </a:p>
+        </p:txBody>
+      </p:sp>
+      <p:sp>
+        <p:nvSpPr>
+          <p:cNvPr id="14" name="Rectangle 13">
+            <a:extLst>
+              <a:ext uri="{FF2B5EF4-FFF2-40B4-BE49-F238E27FC236}">
+                <a16:creationId xmlns:a16="http://schemas.microsoft.com/office/drawing/2014/main" id="{D86E9508-88D1-174E-9020-319ABD443309}"/>
+              </a:ext>
+            </a:extLst>
+          </p:cNvPr>
+          <p:cNvSpPr/>
+          <p:nvPr/>
+        </p:nvSpPr>
+        <p:spPr>
+          <a:xfrm>
+            <a:off x="6477002" y="1864692"/>
+            <a:ext cx="4265611" cy="665148"/>
+          </a:xfrm>
+          <a:prstGeom prst="rect">
+            <a:avLst/>
+          </a:prstGeom>
+        </p:spPr>
+        <p:style>
+          <a:lnRef idx="2">
+            <a:schemeClr val="dk1">
+              <a:shade val="50000"/>
+            </a:schemeClr>
+          </a:lnRef>
+          <a:fillRef idx="1">
+            <a:schemeClr val="dk1"/>
+          </a:fillRef>
+          <a:effectRef idx="0">
+            <a:schemeClr val="dk1"/>
+          </a:effectRef>
+          <a:fontRef idx="minor">
+            <a:schemeClr val="lt1"/>
+          </a:fontRef>
+        </p:style>
+        <p:txBody>
+          <a:bodyPr rtlCol="0" anchor="ctr"/>
+          <a:lstStyle/>
+          <a:p>
+            <a:pPr algn="ctr"/>
+            <a:r>
+              <a:rPr lang="en-US" dirty="0"/>
+              <a:t>CALL STACK</a:t>
+            </a:r>
+          </a:p>
+        </p:txBody>
+      </p:sp>
+      <p:sp>
+        <p:nvSpPr>
+          <p:cNvPr id="5" name="Rectangle 4">
+            <a:extLst>
+              <a:ext uri="{FF2B5EF4-FFF2-40B4-BE49-F238E27FC236}">
+                <a16:creationId xmlns:a16="http://schemas.microsoft.com/office/drawing/2014/main" id="{38A6177E-CA5F-E44C-86E8-C1B4BE035365}"/>
+              </a:ext>
+            </a:extLst>
+          </p:cNvPr>
+          <p:cNvSpPr/>
+          <p:nvPr/>
+        </p:nvSpPr>
+        <p:spPr>
+          <a:xfrm>
+            <a:off x="6477002" y="2529840"/>
+            <a:ext cx="4265611" cy="665148"/>
+          </a:xfrm>
+          <a:prstGeom prst="rect">
+            <a:avLst/>
+          </a:prstGeom>
+        </p:spPr>
+        <p:style>
+          <a:lnRef idx="2">
+            <a:schemeClr val="accent3">
+              <a:shade val="50000"/>
+            </a:schemeClr>
+          </a:lnRef>
+          <a:fillRef idx="1">
+            <a:schemeClr val="accent3"/>
+          </a:fillRef>
+          <a:effectRef idx="0">
+            <a:schemeClr val="accent3"/>
+          </a:effectRef>
+          <a:fontRef idx="minor">
+            <a:schemeClr val="lt1"/>
+          </a:fontRef>
+        </p:style>
+        <p:txBody>
+          <a:bodyPr rtlCol="0" anchor="ctr"/>
+          <a:lstStyle/>
+          <a:p>
+            <a:pPr algn="ctr"/>
+            <a:r>
+              <a:rPr lang="en-US" dirty="0">
+                <a:latin typeface="Consolas" panose="020B0609020204030204" pitchFamily="49" charset="0"/>
+                <a:cs typeface="Consolas" panose="020B0609020204030204" pitchFamily="49" charset="0"/>
+              </a:rPr>
+              <a:t>main()</a:t>
+            </a:r>
+          </a:p>
+        </p:txBody>
+      </p:sp>
+      <p:sp>
+        <p:nvSpPr>
+          <p:cNvPr id="7" name="Rectangle 6">
+            <a:extLst>
+              <a:ext uri="{FF2B5EF4-FFF2-40B4-BE49-F238E27FC236}">
+                <a16:creationId xmlns:a16="http://schemas.microsoft.com/office/drawing/2014/main" id="{6FABE7D0-3215-0B47-9746-0A497BB4DEE6}"/>
+              </a:ext>
+            </a:extLst>
+          </p:cNvPr>
+          <p:cNvSpPr/>
+          <p:nvPr/>
+        </p:nvSpPr>
+        <p:spPr>
+          <a:xfrm>
+            <a:off x="6477002" y="3194988"/>
+            <a:ext cx="4265611" cy="665148"/>
+          </a:xfrm>
+          <a:prstGeom prst="rect">
+            <a:avLst/>
+          </a:prstGeom>
+        </p:spPr>
+        <p:style>
+          <a:lnRef idx="2">
+            <a:schemeClr val="accent4">
+              <a:shade val="50000"/>
+            </a:schemeClr>
+          </a:lnRef>
+          <a:fillRef idx="1">
+            <a:schemeClr val="accent4"/>
+          </a:fillRef>
+          <a:effectRef idx="0">
+            <a:schemeClr val="accent4"/>
+          </a:effectRef>
+          <a:fontRef idx="minor">
+            <a:schemeClr val="lt1"/>
+          </a:fontRef>
+        </p:style>
+        <p:txBody>
+          <a:bodyPr rtlCol="0" anchor="ctr"/>
+          <a:lstStyle/>
+          <a:p>
+            <a:pPr algn="ctr"/>
+            <a:r>
+              <a:rPr lang="en-US" dirty="0">
+                <a:latin typeface="Consolas" panose="020B0609020204030204" pitchFamily="49" charset="0"/>
+                <a:cs typeface="Consolas" panose="020B0609020204030204" pitchFamily="49" charset="0"/>
+              </a:rPr>
+              <a:t>func1()</a:t>
+            </a:r>
+          </a:p>
+        </p:txBody>
+      </p:sp>
+      <p:sp>
+        <p:nvSpPr>
+          <p:cNvPr id="3" name="TextBox 2">
+            <a:extLst>
+              <a:ext uri="{FF2B5EF4-FFF2-40B4-BE49-F238E27FC236}">
+                <a16:creationId xmlns:a16="http://schemas.microsoft.com/office/drawing/2014/main" id="{49E732EA-2F73-734C-B13D-B24D4031CE7F}"/>
+              </a:ext>
+            </a:extLst>
+          </p:cNvPr>
+          <p:cNvSpPr txBox="1"/>
+          <p:nvPr/>
+        </p:nvSpPr>
+        <p:spPr>
+          <a:xfrm>
+            <a:off x="6477002" y="4328161"/>
+            <a:ext cx="4876799" cy="646331"/>
+          </a:xfrm>
+          <a:prstGeom prst="rect">
+            <a:avLst/>
+          </a:prstGeom>
+          <a:noFill/>
+        </p:spPr>
+        <p:txBody>
+          <a:bodyPr wrap="square" rtlCol="0">
+            <a:spAutoFit/>
+          </a:bodyPr>
+          <a:lstStyle/>
+          <a:p>
+            <a:r>
+              <a:rPr lang="en-US" dirty="0">
+                <a:latin typeface="Consolas" panose="020B0609020204030204" pitchFamily="49" charset="0"/>
+                <a:cs typeface="Consolas" panose="020B0609020204030204" pitchFamily="49" charset="0"/>
+              </a:rPr>
+              <a:t>func1()</a:t>
+            </a:r>
+            <a:r>
+              <a:rPr lang="en-US" dirty="0"/>
+              <a:t> returns it’s result (</a:t>
+            </a:r>
+            <a:r>
+              <a:rPr lang="en-US" dirty="0">
+                <a:solidFill>
+                  <a:schemeClr val="accent4"/>
+                </a:solidFill>
+                <a:latin typeface="Consolas" panose="020B0609020204030204" pitchFamily="49" charset="0"/>
+                <a:cs typeface="Consolas" panose="020B0609020204030204" pitchFamily="49" charset="0"/>
+              </a:rPr>
+              <a:t>36</a:t>
+            </a:r>
+            <a:r>
+              <a:rPr lang="en-US" dirty="0"/>
+              <a:t>), so it gets removed from the call stack. </a:t>
+            </a:r>
+          </a:p>
+        </p:txBody>
+      </p:sp>
+      <p:pic>
+        <p:nvPicPr>
+          <p:cNvPr id="11" name="Content Placeholder 10">
+            <a:extLst>
+              <a:ext uri="{FF2B5EF4-FFF2-40B4-BE49-F238E27FC236}">
+                <a16:creationId xmlns:a16="http://schemas.microsoft.com/office/drawing/2014/main" id="{C2C87ED7-49F7-FB41-B706-83154E8603A4}"/>
+              </a:ext>
+            </a:extLst>
+          </p:cNvPr>
+          <p:cNvPicPr>
+            <a:picLocks noGrp="1" noChangeAspect="1"/>
+          </p:cNvPicPr>
+          <p:nvPr>
+            <p:ph idx="1"/>
+          </p:nvPr>
+        </p:nvPicPr>
+        <p:blipFill>
+          <a:blip r:embed="rId2"/>
+          <a:stretch>
+            <a:fillRect/>
+          </a:stretch>
+        </p:blipFill>
+        <p:spPr>
+          <a:xfrm>
+            <a:off x="1141413" y="1864692"/>
+            <a:ext cx="3595053" cy="4931146"/>
+          </a:xfrm>
+        </p:spPr>
+      </p:pic>
+    </p:spTree>
+    <p:extLst>
+      <p:ext uri="{BB962C8B-B14F-4D97-AF65-F5344CB8AC3E}">
+        <p14:creationId xmlns:p14="http://schemas.microsoft.com/office/powerpoint/2010/main" val="4033051212"/>
+      </p:ext>
+    </p:extLst>
+  </p:cSld>
+  <p:clrMapOvr>
+    <a:masterClrMapping/>
+  </p:clrMapOvr>
+  <p:timing>
+    <p:tnLst>
+      <p:par>
+        <p:cTn id="1" dur="indefinite" restart="never" nodeType="tmRoot">
+          <p:childTnLst>
+            <p:seq concurrent="1" nextAc="seek">
+              <p:cTn id="2" dur="indefinite" nodeType="mainSeq">
+                <p:childTnLst>
+                  <p:par>
+                    <p:cTn id="3" fill="hold">
+                      <p:stCondLst>
+                        <p:cond delay="indefinite"/>
+                        <p:cond evt="onBegin" delay="0">
+                          <p:tn val="2"/>
+                        </p:cond>
+                      </p:stCondLst>
+                      <p:childTnLst>
+                        <p:par>
+                          <p:cTn id="4" fill="hold">
+                            <p:stCondLst>
+                              <p:cond delay="0"/>
+                            </p:stCondLst>
+                            <p:childTnLst>
+                              <p:par>
+                                <p:cTn id="5" presetID="2" presetClass="entr" presetSubtype="4" fill="hold" grpId="0" nodeType="withEffect">
+                                  <p:stCondLst>
+                                    <p:cond delay="0"/>
+                                  </p:stCondLst>
+                                  <p:childTnLst>
+                                    <p:set>
+                                      <p:cBhvr>
+                                        <p:cTn id="6" dur="1" fill="hold">
+                                          <p:stCondLst>
+                                            <p:cond delay="0"/>
+                                          </p:stCondLst>
+                                        </p:cTn>
+                                        <p:tgtEl>
+                                          <p:spTgt spid="3"/>
+                                        </p:tgtEl>
+                                        <p:attrNameLst>
+                                          <p:attrName>style.visibility</p:attrName>
+                                        </p:attrNameLst>
+                                      </p:cBhvr>
+                                      <p:to>
+                                        <p:strVal val="visible"/>
+                                      </p:to>
+                                    </p:set>
+                                    <p:anim calcmode="lin" valueType="num">
+                                      <p:cBhvr additive="base">
+                                        <p:cTn id="7" dur="500" fill="hold"/>
+                                        <p:tgtEl>
+                                          <p:spTgt spid="3"/>
+                                        </p:tgtEl>
+                                        <p:attrNameLst>
+                                          <p:attrName>ppt_x</p:attrName>
+                                        </p:attrNameLst>
+                                      </p:cBhvr>
+                                      <p:tavLst>
+                                        <p:tav tm="0">
+                                          <p:val>
+                                            <p:strVal val="#ppt_x"/>
+                                          </p:val>
+                                        </p:tav>
+                                        <p:tav tm="100000">
+                                          <p:val>
+                                            <p:strVal val="#ppt_x"/>
+                                          </p:val>
+                                        </p:tav>
+                                      </p:tavLst>
+                                    </p:anim>
+                                    <p:anim calcmode="lin" valueType="num">
+                                      <p:cBhvr additive="base">
+                                        <p:cTn id="8" dur="500" fill="hold"/>
+                                        <p:tgtEl>
+                                          <p:spTgt spid="3"/>
+                                        </p:tgtEl>
+                                        <p:attrNameLst>
+                                          <p:attrName>ppt_y</p:attrName>
+                                        </p:attrNameLst>
+                                      </p:cBhvr>
+                                      <p:tavLst>
+                                        <p:tav tm="0">
+                                          <p:val>
+                                            <p:strVal val="1+#ppt_h/2"/>
+                                          </p:val>
+                                        </p:tav>
+                                        <p:tav tm="100000">
+                                          <p:val>
+                                            <p:strVal val="#ppt_y"/>
+                                          </p:val>
+                                        </p:tav>
+                                      </p:tavLst>
+                                    </p:anim>
+                                  </p:childTnLst>
+                                </p:cTn>
+                              </p:par>
+                            </p:childTnLst>
+                          </p:cTn>
+                        </p:par>
+                      </p:childTnLst>
+                    </p:cTn>
+                  </p:par>
+                  <p:par>
+                    <p:cTn id="9" fill="hold">
+                      <p:stCondLst>
+                        <p:cond delay="indefinite"/>
+                      </p:stCondLst>
+                      <p:childTnLst>
+                        <p:par>
+                          <p:cTn id="10" fill="hold">
+                            <p:stCondLst>
+                              <p:cond delay="0"/>
+                            </p:stCondLst>
+                            <p:childTnLst>
+                              <p:par>
+                                <p:cTn id="11" presetID="2" presetClass="exit" presetSubtype="2" fill="hold" grpId="0" nodeType="clickEffect">
+                                  <p:stCondLst>
+                                    <p:cond delay="0"/>
+                                  </p:stCondLst>
+                                  <p:childTnLst>
+                                    <p:anim calcmode="lin" valueType="num">
+                                      <p:cBhvr additive="base">
+                                        <p:cTn id="12" dur="500"/>
+                                        <p:tgtEl>
+                                          <p:spTgt spid="7"/>
+                                        </p:tgtEl>
+                                        <p:attrNameLst>
+                                          <p:attrName>ppt_x</p:attrName>
+                                        </p:attrNameLst>
+                                      </p:cBhvr>
+                                      <p:tavLst>
+                                        <p:tav tm="0">
+                                          <p:val>
+                                            <p:strVal val="ppt_x"/>
+                                          </p:val>
+                                        </p:tav>
+                                        <p:tav tm="100000">
+                                          <p:val>
+                                            <p:strVal val="1+ppt_w/2"/>
+                                          </p:val>
+                                        </p:tav>
+                                      </p:tavLst>
+                                    </p:anim>
+                                    <p:anim calcmode="lin" valueType="num">
+                                      <p:cBhvr additive="base">
+                                        <p:cTn id="13" dur="500"/>
+                                        <p:tgtEl>
+                                          <p:spTgt spid="7"/>
+                                        </p:tgtEl>
+                                        <p:attrNameLst>
+                                          <p:attrName>ppt_y</p:attrName>
+                                        </p:attrNameLst>
+                                      </p:cBhvr>
+                                      <p:tavLst>
+                                        <p:tav tm="0">
+                                          <p:val>
+                                            <p:strVal val="ppt_y"/>
+                                          </p:val>
+                                        </p:tav>
+                                        <p:tav tm="100000">
+                                          <p:val>
+                                            <p:strVal val="ppt_y"/>
+                                          </p:val>
+                                        </p:tav>
+                                      </p:tavLst>
+                                    </p:anim>
+                                    <p:set>
+                                      <p:cBhvr>
+                                        <p:cTn id="14" dur="1" fill="hold">
+                                          <p:stCondLst>
+                                            <p:cond delay="499"/>
+                                          </p:stCondLst>
+                                        </p:cTn>
+                                        <p:tgtEl>
+                                          <p:spTgt spid="7"/>
+                                        </p:tgtEl>
+                                        <p:attrNameLst>
+                                          <p:attrName>style.visibility</p:attrName>
+                                        </p:attrNameLst>
+                                      </p:cBhvr>
+                                      <p:to>
+                                        <p:strVal val="hidden"/>
+                                      </p:to>
+                                    </p:set>
+                                  </p:childTnLst>
+                                </p:cTn>
+                              </p:par>
+                            </p:childTnLst>
+                          </p:cTn>
+                        </p:par>
+                      </p:childTnLst>
+                    </p:cTn>
+                  </p:par>
+                </p:childTnLst>
+              </p:cTn>
+              <p:prevCondLst>
+                <p:cond evt="onPrev" delay="0">
+                  <p:tgtEl>
+                    <p:sldTgt/>
+                  </p:tgtEl>
+                </p:cond>
+              </p:prevCondLst>
+              <p:nextCondLst>
+                <p:cond evt="onNext" delay="0">
+                  <p:tgtEl>
+                    <p:sldTgt/>
+                  </p:tgtEl>
+                </p:cond>
+              </p:nextCondLst>
+            </p:seq>
+          </p:childTnLst>
+        </p:cTn>
+      </p:par>
+    </p:tnLst>
+    <p:bldLst>
+      <p:bldP spid="7" grpId="0" animBg="1"/>
+      <p:bldP spid="3" grpId="0"/>
+    </p:bldLst>
+  </p:timing>
+</p:sld>
+</file>
+
+<file path=ppt/slides/slide47.xml><?xml version="1.0" encoding="utf-8"?>
+<p:sld xmlns:a="http://schemas.openxmlformats.org/drawingml/2006/main" xmlns:r="http://schemas.openxmlformats.org/officeDocument/2006/relationships" xmlns:p="http://schemas.openxmlformats.org/presentationml/2006/main">
+  <p:cSld>
+    <p:spTree>
+      <p:nvGrpSpPr>
+        <p:cNvPr id="1" name=""/>
+        <p:cNvGrpSpPr/>
+        <p:nvPr/>
+      </p:nvGrpSpPr>
+      <p:grpSpPr>
+        <a:xfrm>
+          <a:off x="0" y="0"/>
+          <a:ext cx="0" cy="0"/>
+          <a:chOff x="0" y="0"/>
+          <a:chExt cx="0" cy="0"/>
+        </a:xfrm>
+      </p:grpSpPr>
+      <p:sp>
+        <p:nvSpPr>
+          <p:cNvPr id="2" name="Title 1">
+            <a:extLst>
+              <a:ext uri="{FF2B5EF4-FFF2-40B4-BE49-F238E27FC236}">
+                <a16:creationId xmlns:a16="http://schemas.microsoft.com/office/drawing/2014/main" id="{7447399E-1654-A44B-B335-A40087005DBB}"/>
+              </a:ext>
+            </a:extLst>
+          </p:cNvPr>
+          <p:cNvSpPr>
+            <a:spLocks noGrp="1"/>
+          </p:cNvSpPr>
+          <p:nvPr>
+            <p:ph type="title"/>
+          </p:nvPr>
+        </p:nvSpPr>
+        <p:spPr>
+          <a:xfrm>
+            <a:off x="1141413" y="618518"/>
+            <a:ext cx="9905998" cy="1246174"/>
+          </a:xfrm>
+        </p:spPr>
+        <p:txBody>
+          <a:bodyPr/>
+          <a:lstStyle/>
+          <a:p>
+            <a:pPr algn="ctr"/>
+            <a:r>
+              <a:rPr lang="en-US" b="1" dirty="0"/>
+              <a:t>Final unwind: main()</a:t>
+            </a:r>
+          </a:p>
+        </p:txBody>
+      </p:sp>
+      <p:sp>
+        <p:nvSpPr>
+          <p:cNvPr id="14" name="Rectangle 13">
+            <a:extLst>
+              <a:ext uri="{FF2B5EF4-FFF2-40B4-BE49-F238E27FC236}">
+                <a16:creationId xmlns:a16="http://schemas.microsoft.com/office/drawing/2014/main" id="{D86E9508-88D1-174E-9020-319ABD443309}"/>
+              </a:ext>
+            </a:extLst>
+          </p:cNvPr>
+          <p:cNvSpPr/>
+          <p:nvPr/>
+        </p:nvSpPr>
+        <p:spPr>
+          <a:xfrm>
+            <a:off x="6477002" y="1864692"/>
+            <a:ext cx="4265611" cy="665148"/>
+          </a:xfrm>
+          <a:prstGeom prst="rect">
+            <a:avLst/>
+          </a:prstGeom>
+        </p:spPr>
+        <p:style>
+          <a:lnRef idx="2">
+            <a:schemeClr val="dk1">
+              <a:shade val="50000"/>
+            </a:schemeClr>
+          </a:lnRef>
+          <a:fillRef idx="1">
+            <a:schemeClr val="dk1"/>
+          </a:fillRef>
+          <a:effectRef idx="0">
+            <a:schemeClr val="dk1"/>
+          </a:effectRef>
+          <a:fontRef idx="minor">
+            <a:schemeClr val="lt1"/>
+          </a:fontRef>
+        </p:style>
+        <p:txBody>
+          <a:bodyPr rtlCol="0" anchor="ctr"/>
+          <a:lstStyle/>
+          <a:p>
+            <a:pPr algn="ctr"/>
+            <a:r>
+              <a:rPr lang="en-US" dirty="0"/>
+              <a:t>CALL STACK</a:t>
+            </a:r>
+          </a:p>
+        </p:txBody>
+      </p:sp>
+      <p:sp>
+        <p:nvSpPr>
+          <p:cNvPr id="5" name="Rectangle 4">
+            <a:extLst>
+              <a:ext uri="{FF2B5EF4-FFF2-40B4-BE49-F238E27FC236}">
+                <a16:creationId xmlns:a16="http://schemas.microsoft.com/office/drawing/2014/main" id="{38A6177E-CA5F-E44C-86E8-C1B4BE035365}"/>
+              </a:ext>
+            </a:extLst>
+          </p:cNvPr>
+          <p:cNvSpPr/>
+          <p:nvPr/>
+        </p:nvSpPr>
+        <p:spPr>
+          <a:xfrm>
+            <a:off x="6477002" y="2529840"/>
+            <a:ext cx="4265611" cy="665148"/>
+          </a:xfrm>
+          <a:prstGeom prst="rect">
+            <a:avLst/>
+          </a:prstGeom>
+        </p:spPr>
+        <p:style>
+          <a:lnRef idx="2">
+            <a:schemeClr val="accent3">
+              <a:shade val="50000"/>
+            </a:schemeClr>
+          </a:lnRef>
+          <a:fillRef idx="1">
+            <a:schemeClr val="accent3"/>
+          </a:fillRef>
+          <a:effectRef idx="0">
+            <a:schemeClr val="accent3"/>
+          </a:effectRef>
+          <a:fontRef idx="minor">
+            <a:schemeClr val="lt1"/>
+          </a:fontRef>
+        </p:style>
+        <p:txBody>
+          <a:bodyPr rtlCol="0" anchor="ctr"/>
+          <a:lstStyle/>
+          <a:p>
+            <a:pPr algn="ctr"/>
+            <a:r>
+              <a:rPr lang="en-US" dirty="0">
+                <a:latin typeface="Consolas" panose="020B0609020204030204" pitchFamily="49" charset="0"/>
+                <a:cs typeface="Consolas" panose="020B0609020204030204" pitchFamily="49" charset="0"/>
+              </a:rPr>
+              <a:t>main()</a:t>
+            </a:r>
+          </a:p>
+        </p:txBody>
+      </p:sp>
+      <p:sp>
+        <p:nvSpPr>
+          <p:cNvPr id="3" name="TextBox 2">
+            <a:extLst>
+              <a:ext uri="{FF2B5EF4-FFF2-40B4-BE49-F238E27FC236}">
+                <a16:creationId xmlns:a16="http://schemas.microsoft.com/office/drawing/2014/main" id="{49E732EA-2F73-734C-B13D-B24D4031CE7F}"/>
+              </a:ext>
+            </a:extLst>
+          </p:cNvPr>
+          <p:cNvSpPr txBox="1"/>
+          <p:nvPr/>
+        </p:nvSpPr>
+        <p:spPr>
+          <a:xfrm>
+            <a:off x="6477002" y="3776014"/>
+            <a:ext cx="5303518" cy="646331"/>
+          </a:xfrm>
+          <a:prstGeom prst="rect">
+            <a:avLst/>
+          </a:prstGeom>
+          <a:noFill/>
+        </p:spPr>
+        <p:txBody>
+          <a:bodyPr wrap="square" rtlCol="0">
+            <a:spAutoFit/>
+          </a:bodyPr>
+          <a:lstStyle/>
+          <a:p>
+            <a:r>
+              <a:rPr lang="en-US" dirty="0">
+                <a:latin typeface="Consolas" panose="020B0609020204030204" pitchFamily="49" charset="0"/>
+                <a:cs typeface="Consolas" panose="020B0609020204030204" pitchFamily="49" charset="0"/>
+              </a:rPr>
+              <a:t>main()</a:t>
+            </a:r>
+            <a:r>
+              <a:rPr lang="en-US" dirty="0"/>
+              <a:t> prints out </a:t>
+            </a:r>
+            <a:r>
+              <a:rPr lang="en-US" dirty="0">
+                <a:latin typeface="Consolas" panose="020B0609020204030204" pitchFamily="49" charset="0"/>
+                <a:cs typeface="Consolas" panose="020B0609020204030204" pitchFamily="49" charset="0"/>
+              </a:rPr>
+              <a:t>var</a:t>
+            </a:r>
+            <a:r>
+              <a:rPr lang="en-US" dirty="0"/>
+              <a:t> and returns. The program ends since </a:t>
+            </a:r>
+            <a:r>
+              <a:rPr lang="en-US" dirty="0">
+                <a:latin typeface="Consolas" panose="020B0609020204030204" pitchFamily="49" charset="0"/>
+                <a:cs typeface="Consolas" panose="020B0609020204030204" pitchFamily="49" charset="0"/>
+              </a:rPr>
+              <a:t>main()</a:t>
+            </a:r>
+            <a:r>
+              <a:rPr lang="en-US" dirty="0"/>
+              <a:t> gets removed off of the call stack </a:t>
+            </a:r>
+          </a:p>
+        </p:txBody>
+      </p:sp>
+      <p:pic>
+        <p:nvPicPr>
+          <p:cNvPr id="11" name="Content Placeholder 10">
+            <a:extLst>
+              <a:ext uri="{FF2B5EF4-FFF2-40B4-BE49-F238E27FC236}">
+                <a16:creationId xmlns:a16="http://schemas.microsoft.com/office/drawing/2014/main" id="{C2C87ED7-49F7-FB41-B706-83154E8603A4}"/>
+              </a:ext>
+            </a:extLst>
+          </p:cNvPr>
+          <p:cNvPicPr>
+            <a:picLocks noGrp="1" noChangeAspect="1"/>
+          </p:cNvPicPr>
+          <p:nvPr>
+            <p:ph idx="1"/>
+          </p:nvPr>
+        </p:nvPicPr>
+        <p:blipFill>
+          <a:blip r:embed="rId2"/>
+          <a:stretch>
+            <a:fillRect/>
+          </a:stretch>
+        </p:blipFill>
+        <p:spPr>
+          <a:xfrm>
+            <a:off x="1141413" y="1864692"/>
+            <a:ext cx="3595053" cy="4931146"/>
+          </a:xfrm>
+        </p:spPr>
+      </p:pic>
+      <p:sp>
+        <p:nvSpPr>
+          <p:cNvPr id="4" name="TextBox 3">
+            <a:extLst>
+              <a:ext uri="{FF2B5EF4-FFF2-40B4-BE49-F238E27FC236}">
+                <a16:creationId xmlns:a16="http://schemas.microsoft.com/office/drawing/2014/main" id="{233E417B-FF0B-B148-B3FD-EC8309DA3DD1}"/>
+              </a:ext>
+            </a:extLst>
+          </p:cNvPr>
+          <p:cNvSpPr txBox="1"/>
+          <p:nvPr/>
+        </p:nvSpPr>
+        <p:spPr>
+          <a:xfrm>
+            <a:off x="6477002" y="4892040"/>
+            <a:ext cx="3611880" cy="1200329"/>
+          </a:xfrm>
+          <a:prstGeom prst="rect">
+            <a:avLst/>
+          </a:prstGeom>
+          <a:noFill/>
+        </p:spPr>
+        <p:txBody>
+          <a:bodyPr wrap="square" rtlCol="0">
+            <a:spAutoFit/>
+          </a:bodyPr>
+          <a:lstStyle/>
+          <a:p>
+            <a:r>
+              <a:rPr lang="en-US" dirty="0"/>
+              <a:t>Notice that the function at the bottom of the stack is the one that gets executed. This is something we can use to our advantage </a:t>
+            </a:r>
+          </a:p>
+        </p:txBody>
+      </p:sp>
+    </p:spTree>
+    <p:extLst>
+      <p:ext uri="{BB962C8B-B14F-4D97-AF65-F5344CB8AC3E}">
+        <p14:creationId xmlns:p14="http://schemas.microsoft.com/office/powerpoint/2010/main" val="12090315"/>
+      </p:ext>
+    </p:extLst>
+  </p:cSld>
+  <p:clrMapOvr>
+    <a:masterClrMapping/>
+  </p:clrMapOvr>
+  <p:timing>
+    <p:tnLst>
+      <p:par>
+        <p:cTn id="1" dur="indefinite" restart="never" nodeType="tmRoot">
+          <p:childTnLst>
+            <p:seq concurrent="1" nextAc="seek">
+              <p:cTn id="2" dur="indefinite" nodeType="mainSeq">
+                <p:childTnLst>
+                  <p:par>
+                    <p:cTn id="3" fill="hold">
+                      <p:stCondLst>
+                        <p:cond delay="indefinite"/>
+                        <p:cond evt="onBegin" delay="0">
+                          <p:tn val="2"/>
+                        </p:cond>
+                      </p:stCondLst>
+                      <p:childTnLst>
+                        <p:par>
+                          <p:cTn id="4" fill="hold">
+                            <p:stCondLst>
+                              <p:cond delay="0"/>
+                            </p:stCondLst>
+                            <p:childTnLst>
+                              <p:par>
+                                <p:cTn id="5" presetID="2" presetClass="entr" presetSubtype="4" fill="hold" grpId="0" nodeType="withEffect">
+                                  <p:stCondLst>
+                                    <p:cond delay="0"/>
+                                  </p:stCondLst>
+                                  <p:childTnLst>
+                                    <p:set>
+                                      <p:cBhvr>
+                                        <p:cTn id="6" dur="1" fill="hold">
+                                          <p:stCondLst>
+                                            <p:cond delay="0"/>
+                                          </p:stCondLst>
+                                        </p:cTn>
+                                        <p:tgtEl>
+                                          <p:spTgt spid="3"/>
+                                        </p:tgtEl>
+                                        <p:attrNameLst>
+                                          <p:attrName>style.visibility</p:attrName>
+                                        </p:attrNameLst>
+                                      </p:cBhvr>
+                                      <p:to>
+                                        <p:strVal val="visible"/>
+                                      </p:to>
+                                    </p:set>
+                                    <p:anim calcmode="lin" valueType="num">
+                                      <p:cBhvr additive="base">
+                                        <p:cTn id="7" dur="500" fill="hold"/>
+                                        <p:tgtEl>
+                                          <p:spTgt spid="3"/>
+                                        </p:tgtEl>
+                                        <p:attrNameLst>
+                                          <p:attrName>ppt_x</p:attrName>
+                                        </p:attrNameLst>
+                                      </p:cBhvr>
+                                      <p:tavLst>
+                                        <p:tav tm="0">
+                                          <p:val>
+                                            <p:strVal val="#ppt_x"/>
+                                          </p:val>
+                                        </p:tav>
+                                        <p:tav tm="100000">
+                                          <p:val>
+                                            <p:strVal val="#ppt_x"/>
+                                          </p:val>
+                                        </p:tav>
+                                      </p:tavLst>
+                                    </p:anim>
+                                    <p:anim calcmode="lin" valueType="num">
+                                      <p:cBhvr additive="base">
+                                        <p:cTn id="8" dur="500" fill="hold"/>
+                                        <p:tgtEl>
+                                          <p:spTgt spid="3"/>
+                                        </p:tgtEl>
+                                        <p:attrNameLst>
+                                          <p:attrName>ppt_y</p:attrName>
+                                        </p:attrNameLst>
+                                      </p:cBhvr>
+                                      <p:tavLst>
+                                        <p:tav tm="0">
+                                          <p:val>
+                                            <p:strVal val="1+#ppt_h/2"/>
+                                          </p:val>
+                                        </p:tav>
+                                        <p:tav tm="100000">
+                                          <p:val>
+                                            <p:strVal val="#ppt_y"/>
+                                          </p:val>
+                                        </p:tav>
+                                      </p:tavLst>
+                                    </p:anim>
+                                  </p:childTnLst>
+                                </p:cTn>
+                              </p:par>
+                            </p:childTnLst>
+                          </p:cTn>
+                        </p:par>
+                      </p:childTnLst>
+                    </p:cTn>
+                  </p:par>
+                  <p:par>
+                    <p:cTn id="9" fill="hold">
+                      <p:stCondLst>
+                        <p:cond delay="indefinite"/>
+                      </p:stCondLst>
+                      <p:childTnLst>
+                        <p:par>
+                          <p:cTn id="10" fill="hold">
+                            <p:stCondLst>
+                              <p:cond delay="0"/>
+                            </p:stCondLst>
+                            <p:childTnLst>
+                              <p:par>
+                                <p:cTn id="11" presetID="2" presetClass="exit" presetSubtype="2" fill="hold" grpId="0" nodeType="clickEffect">
+                                  <p:stCondLst>
+                                    <p:cond delay="0"/>
+                                  </p:stCondLst>
+                                  <p:childTnLst>
+                                    <p:anim calcmode="lin" valueType="num">
+                                      <p:cBhvr additive="base">
+                                        <p:cTn id="12" dur="500"/>
+                                        <p:tgtEl>
+                                          <p:spTgt spid="5"/>
+                                        </p:tgtEl>
+                                        <p:attrNameLst>
+                                          <p:attrName>ppt_x</p:attrName>
+                                        </p:attrNameLst>
+                                      </p:cBhvr>
+                                      <p:tavLst>
+                                        <p:tav tm="0">
+                                          <p:val>
+                                            <p:strVal val="ppt_x"/>
+                                          </p:val>
+                                        </p:tav>
+                                        <p:tav tm="100000">
+                                          <p:val>
+                                            <p:strVal val="1+ppt_w/2"/>
+                                          </p:val>
+                                        </p:tav>
+                                      </p:tavLst>
+                                    </p:anim>
+                                    <p:anim calcmode="lin" valueType="num">
+                                      <p:cBhvr additive="base">
+                                        <p:cTn id="13" dur="500"/>
+                                        <p:tgtEl>
+                                          <p:spTgt spid="5"/>
+                                        </p:tgtEl>
+                                        <p:attrNameLst>
+                                          <p:attrName>ppt_y</p:attrName>
+                                        </p:attrNameLst>
+                                      </p:cBhvr>
+                                      <p:tavLst>
+                                        <p:tav tm="0">
+                                          <p:val>
+                                            <p:strVal val="ppt_y"/>
+                                          </p:val>
+                                        </p:tav>
+                                        <p:tav tm="100000">
+                                          <p:val>
+                                            <p:strVal val="ppt_y"/>
+                                          </p:val>
+                                        </p:tav>
+                                      </p:tavLst>
+                                    </p:anim>
+                                    <p:set>
+                                      <p:cBhvr>
+                                        <p:cTn id="14" dur="1" fill="hold">
+                                          <p:stCondLst>
+                                            <p:cond delay="499"/>
+                                          </p:stCondLst>
+                                        </p:cTn>
+                                        <p:tgtEl>
+                                          <p:spTgt spid="5"/>
+                                        </p:tgtEl>
+                                        <p:attrNameLst>
+                                          <p:attrName>style.visibility</p:attrName>
+                                        </p:attrNameLst>
+                                      </p:cBhvr>
+                                      <p:to>
+                                        <p:strVal val="hidden"/>
+                                      </p:to>
+                                    </p:set>
+                                  </p:childTnLst>
+                                </p:cTn>
+                              </p:par>
+                              <p:par>
+                                <p:cTn id="15" presetID="2" presetClass="entr" presetSubtype="4" fill="hold" grpId="0" nodeType="withEffect">
+                                  <p:stCondLst>
+                                    <p:cond delay="0"/>
+                                  </p:stCondLst>
+                                  <p:childTnLst>
+                                    <p:set>
+                                      <p:cBhvr>
+                                        <p:cTn id="16" dur="1" fill="hold">
+                                          <p:stCondLst>
+                                            <p:cond delay="0"/>
+                                          </p:stCondLst>
+                                        </p:cTn>
+                                        <p:tgtEl>
+                                          <p:spTgt spid="4"/>
+                                        </p:tgtEl>
+                                        <p:attrNameLst>
+                                          <p:attrName>style.visibility</p:attrName>
+                                        </p:attrNameLst>
+                                      </p:cBhvr>
+                                      <p:to>
+                                        <p:strVal val="visible"/>
+                                      </p:to>
+                                    </p:set>
+                                    <p:anim calcmode="lin" valueType="num">
+                                      <p:cBhvr additive="base">
+                                        <p:cTn id="17" dur="500" fill="hold"/>
+                                        <p:tgtEl>
+                                          <p:spTgt spid="4"/>
+                                        </p:tgtEl>
+                                        <p:attrNameLst>
+                                          <p:attrName>ppt_x</p:attrName>
+                                        </p:attrNameLst>
+                                      </p:cBhvr>
+                                      <p:tavLst>
+                                        <p:tav tm="0">
+                                          <p:val>
+                                            <p:strVal val="#ppt_x"/>
+                                          </p:val>
+                                        </p:tav>
+                                        <p:tav tm="100000">
+                                          <p:val>
+                                            <p:strVal val="#ppt_x"/>
+                                          </p:val>
+                                        </p:tav>
+                                      </p:tavLst>
+                                    </p:anim>
+                                    <p:anim calcmode="lin" valueType="num">
+                                      <p:cBhvr additive="base">
+                                        <p:cTn id="18" dur="500" fill="hold"/>
+                                        <p:tgtEl>
+                                          <p:spTgt spid="4"/>
+                                        </p:tgtEl>
+                                        <p:attrNameLst>
+                                          <p:attrName>ppt_y</p:attrName>
+                                        </p:attrNameLst>
+                                      </p:cBhvr>
+                                      <p:tavLst>
+                                        <p:tav tm="0">
+                                          <p:val>
+                                            <p:strVal val="1+#ppt_h/2"/>
+                                          </p:val>
+                                        </p:tav>
+                                        <p:tav tm="100000">
+                                          <p:val>
+                                            <p:strVal val="#ppt_y"/>
+                                          </p:val>
+                                        </p:tav>
+                                      </p:tavLst>
+                                    </p:anim>
+                                  </p:childTnLst>
+                                </p:cTn>
+                              </p:par>
+                            </p:childTnLst>
+                          </p:cTn>
+                        </p:par>
+                      </p:childTnLst>
+                    </p:cTn>
+                  </p:par>
+                </p:childTnLst>
+              </p:cTn>
+              <p:prevCondLst>
+                <p:cond evt="onPrev" delay="0">
+                  <p:tgtEl>
+                    <p:sldTgt/>
+                  </p:tgtEl>
+                </p:cond>
+              </p:prevCondLst>
+              <p:nextCondLst>
+                <p:cond evt="onNext" delay="0">
+                  <p:tgtEl>
+                    <p:sldTgt/>
+                  </p:tgtEl>
+                </p:cond>
+              </p:nextCondLst>
+            </p:seq>
+          </p:childTnLst>
+        </p:cTn>
+      </p:par>
+    </p:tnLst>
+    <p:bldLst>
+      <p:bldP spid="5" grpId="0" animBg="1"/>
+      <p:bldP spid="3" grpId="0"/>
+      <p:bldP spid="4" grpId="0"/>
+    </p:bldLst>
+  </p:timing>
+</p:sld>
+</file>
+
+<file path=ppt/slides/slide48.xml><?xml version="1.0" encoding="utf-8"?>
+<p:sld xmlns:a="http://schemas.openxmlformats.org/drawingml/2006/main" xmlns:r="http://schemas.openxmlformats.org/officeDocument/2006/relationships" xmlns:p="http://schemas.openxmlformats.org/presentationml/2006/main">
+  <p:cSld>
+    <p:spTree>
+      <p:nvGrpSpPr>
+        <p:cNvPr id="1" name=""/>
+        <p:cNvGrpSpPr/>
+        <p:nvPr/>
+      </p:nvGrpSpPr>
+      <p:grpSpPr>
+        <a:xfrm>
+          <a:off x="0" y="0"/>
+          <a:ext cx="0" cy="0"/>
+          <a:chOff x="0" y="0"/>
+          <a:chExt cx="0" cy="0"/>
+        </a:xfrm>
+      </p:grpSpPr>
+      <p:sp>
+        <p:nvSpPr>
+          <p:cNvPr id="2" name="Title 1">
+            <a:extLst>
+              <a:ext uri="{FF2B5EF4-FFF2-40B4-BE49-F238E27FC236}">
+                <a16:creationId xmlns:a16="http://schemas.microsoft.com/office/drawing/2014/main" id="{6E1287B2-BA91-B44A-BD78-0D3E1AD50B12}"/>
+              </a:ext>
+            </a:extLst>
+          </p:cNvPr>
+          <p:cNvSpPr>
+            <a:spLocks noGrp="1"/>
+          </p:cNvSpPr>
+          <p:nvPr>
+            <p:ph type="title"/>
+          </p:nvPr>
+        </p:nvSpPr>
+        <p:spPr>
+          <a:xfrm>
+            <a:off x="1143001" y="2689715"/>
+            <a:ext cx="9905998" cy="1478570"/>
+          </a:xfrm>
+        </p:spPr>
+        <p:txBody>
+          <a:bodyPr/>
+          <a:lstStyle/>
+          <a:p>
+            <a:pPr algn="ctr"/>
+            <a:r>
+              <a:rPr lang="en-US" b="1" dirty="0"/>
+              <a:t>Warning: The following may be confusing</a:t>
+            </a:r>
+          </a:p>
+        </p:txBody>
+      </p:sp>
+      <p:pic>
+        <p:nvPicPr>
+          <p:cNvPr id="5" name="Content Placeholder 4" descr="Warning">
+            <a:extLst>
+              <a:ext uri="{FF2B5EF4-FFF2-40B4-BE49-F238E27FC236}">
+                <a16:creationId xmlns:a16="http://schemas.microsoft.com/office/drawing/2014/main" id="{4B3FB998-EFBF-EC45-972B-93ADBF111DB0}"/>
+              </a:ext>
+            </a:extLst>
+          </p:cNvPr>
+          <p:cNvPicPr>
+            <a:picLocks noGrp="1" noChangeAspect="1"/>
+          </p:cNvPicPr>
+          <p:nvPr>
+            <p:ph idx="1"/>
+          </p:nvPr>
+        </p:nvPicPr>
+        <p:blipFill>
+          <a:blip r:embed="rId2">
+            <a:extLst>
+              <a:ext uri="{96DAC541-7B7A-43D3-8B79-37D633B846F1}">
+                <asvg:svgBlip xmlns:asvg="http://schemas.microsoft.com/office/drawing/2016/SVG/main" r:embed="rId3"/>
+              </a:ext>
+            </a:extLst>
+          </a:blip>
+          <a:stretch>
+            <a:fillRect/>
+          </a:stretch>
+        </p:blipFill>
+        <p:spPr>
+          <a:xfrm>
+            <a:off x="231777" y="2971800"/>
+            <a:ext cx="914400" cy="914400"/>
+          </a:xfrm>
+        </p:spPr>
+      </p:pic>
+      <p:pic>
+        <p:nvPicPr>
+          <p:cNvPr id="6" name="Content Placeholder 4" descr="Warning">
+            <a:extLst>
+              <a:ext uri="{FF2B5EF4-FFF2-40B4-BE49-F238E27FC236}">
+                <a16:creationId xmlns:a16="http://schemas.microsoft.com/office/drawing/2014/main" id="{81284B50-61B5-074D-8F6A-2ACB3B4B2C5A}"/>
+              </a:ext>
+            </a:extLst>
+          </p:cNvPr>
+          <p:cNvPicPr>
+            <a:picLocks noChangeAspect="1"/>
+          </p:cNvPicPr>
+          <p:nvPr/>
+        </p:nvPicPr>
+        <p:blipFill>
+          <a:blip r:embed="rId2">
+            <a:extLst>
+              <a:ext uri="{96DAC541-7B7A-43D3-8B79-37D633B846F1}">
+                <asvg:svgBlip xmlns:asvg="http://schemas.microsoft.com/office/drawing/2016/SVG/main" r:embed="rId3"/>
+              </a:ext>
+            </a:extLst>
+          </a:blip>
+          <a:stretch>
+            <a:fillRect/>
+          </a:stretch>
+        </p:blipFill>
+        <p:spPr>
+          <a:xfrm>
+            <a:off x="11048999" y="2971800"/>
+            <a:ext cx="914400" cy="914400"/>
+          </a:xfrm>
+          <a:prstGeom prst="rect">
+            <a:avLst/>
+          </a:prstGeom>
+        </p:spPr>
+      </p:pic>
+    </p:spTree>
+    <p:extLst>
+      <p:ext uri="{BB962C8B-B14F-4D97-AF65-F5344CB8AC3E}">
+        <p14:creationId xmlns:p14="http://schemas.microsoft.com/office/powerpoint/2010/main" val="614335853"/>
+      </p:ext>
+    </p:extLst>
+  </p:cSld>
+  <p:clrMapOvr>
+    <a:masterClrMapping/>
+  </p:clrMapOvr>
+  <p:timing>
+    <p:tnLst>
+      <p:par>
+        <p:cTn id="1" dur="indefinite" restart="never" nodeType="tmRoot">
+          <p:childTnLst>
+            <p:seq concurrent="1" nextAc="seek">
+              <p:cTn id="2" dur="indefinite" nodeType="mainSeq">
+                <p:childTnLst>
+                  <p:par>
+                    <p:cTn id="3" fill="hold">
+                      <p:stCondLst>
+                        <p:cond delay="indefinite"/>
+                        <p:cond evt="onBegin" delay="0">
+                          <p:tn val="2"/>
+                        </p:cond>
+                      </p:stCondLst>
+                      <p:childTnLst>
+                        <p:par>
+                          <p:cTn id="4" fill="hold">
+                            <p:stCondLst>
+                              <p:cond delay="0"/>
+                            </p:stCondLst>
+                            <p:childTnLst>
+                              <p:par>
+                                <p:cTn id="5" presetID="26" presetClass="emph" presetSubtype="0" repeatCount="indefinite" fill="hold" nodeType="withEffect">
+                                  <p:stCondLst>
+                                    <p:cond delay="0"/>
+                                  </p:stCondLst>
+                                  <p:childTnLst>
+                                    <p:animEffect transition="out" filter="fade">
+                                      <p:cBhvr>
+                                        <p:cTn id="6" dur="500" tmFilter="0, 0; .2, .5; .8, .5; 1, 0"/>
+                                        <p:tgtEl>
+                                          <p:spTgt spid="5"/>
+                                        </p:tgtEl>
+                                      </p:cBhvr>
+                                    </p:animEffect>
+                                    <p:animScale>
+                                      <p:cBhvr>
+                                        <p:cTn id="7" dur="250" autoRev="1" fill="hold"/>
+                                        <p:tgtEl>
+                                          <p:spTgt spid="5"/>
+                                        </p:tgtEl>
+                                      </p:cBhvr>
+                                      <p:by x="105000" y="105000"/>
+                                    </p:animScale>
+                                  </p:childTnLst>
+                                </p:cTn>
+                              </p:par>
+                              <p:par>
+                                <p:cTn id="8" presetID="26" presetClass="emph" presetSubtype="0" repeatCount="indefinite" fill="hold" nodeType="withEffect">
+                                  <p:stCondLst>
+                                    <p:cond delay="0"/>
+                                  </p:stCondLst>
+                                  <p:childTnLst>
+                                    <p:animEffect transition="out" filter="fade">
+                                      <p:cBhvr>
+                                        <p:cTn id="9" dur="500" tmFilter="0, 0; .2, .5; .8, .5; 1, 0"/>
+                                        <p:tgtEl>
+                                          <p:spTgt spid="6"/>
+                                        </p:tgtEl>
+                                      </p:cBhvr>
+                                    </p:animEffect>
+                                    <p:animScale>
+                                      <p:cBhvr>
+                                        <p:cTn id="10" dur="250" autoRev="1" fill="hold"/>
+                                        <p:tgtEl>
+                                          <p:spTgt spid="6"/>
+                                        </p:tgtEl>
+                                      </p:cBhvr>
+                                      <p:by x="105000" y="105000"/>
+                                    </p:animScale>
+                                  </p:childTnLst>
+                                </p:cTn>
+                              </p:par>
+                            </p:childTnLst>
+                          </p:cTn>
+                        </p:par>
+                      </p:childTnLst>
+                    </p:cTn>
+                  </p:par>
+                </p:childTnLst>
+              </p:cTn>
+              <p:prevCondLst>
+                <p:cond evt="onPrev" delay="0">
+                  <p:tgtEl>
+                    <p:sldTgt/>
+                  </p:tgtEl>
+                </p:cond>
+              </p:prevCondLst>
+              <p:nextCondLst>
+                <p:cond evt="onNext" delay="0">
+                  <p:tgtEl>
+                    <p:sldTgt/>
+                  </p:tgtEl>
+                </p:cond>
+              </p:nextCondLst>
+            </p:seq>
+          </p:childTnLst>
+        </p:cTn>
+      </p:par>
+    </p:tnLst>
   </p:timing>
 </p:sld>
 </file>
